--- a/GRACE/Poster/Dec2023Poster.pptx
+++ b/GRACE/Poster/Dec2023Poster.pptx
@@ -1779,58 +1779,6 @@
       </p:sp>
       <p:sp>
         <p:nvSpPr>
-          <p:cNvPr id="8" name="object 8"/>
-          <p:cNvSpPr/>
-          <p:nvPr/>
-        </p:nvSpPr>
-        <p:spPr>
-          <a:xfrm>
-            <a:off x="33091691" y="7130372"/>
-            <a:ext cx="9199309" cy="7388352"/>
-          </a:xfrm>
-          <a:custGeom>
-            <a:avLst/>
-            <a:gdLst/>
-            <a:ahLst/>
-            <a:cxnLst/>
-            <a:rect l="l" t="t" r="r" b="b"/>
-            <a:pathLst>
-              <a:path w="4188354" h="3484187">
-                <a:moveTo>
-                  <a:pt x="0" y="3484187"/>
-                </a:moveTo>
-                <a:lnTo>
-                  <a:pt x="4188354" y="3484187"/>
-                </a:lnTo>
-                <a:lnTo>
-                  <a:pt x="4188354" y="0"/>
-                </a:lnTo>
-                <a:lnTo>
-                  <a:pt x="0" y="0"/>
-                </a:lnTo>
-                <a:lnTo>
-                  <a:pt x="0" y="3484187"/>
-                </a:lnTo>
-                <a:close/>
-              </a:path>
-            </a:pathLst>
-          </a:custGeom>
-          <a:solidFill>
-            <a:srgbClr val="231F20"/>
-          </a:solidFill>
-        </p:spPr>
-        <p:txBody>
-          <a:bodyPr wrap="square" lIns="0" tIns="0" rIns="0" bIns="0" rtlCol="0">
-            <a:spAutoFit/>
-          </a:bodyPr>
-          <a:lstStyle/>
-          <a:p>
-            <a:endParaRPr/>
-          </a:p>
-        </p:txBody>
-      </p:sp>
-      <p:sp>
-        <p:nvSpPr>
           <p:cNvPr id="12" name="object 12"/>
           <p:cNvSpPr txBox="1"/>
           <p:nvPr/>
@@ -1953,8 +1901,8 @@
         </p:nvSpPr>
         <p:spPr>
           <a:xfrm>
-            <a:off x="22603370" y="13977029"/>
-            <a:ext cx="6670130" cy="415498"/>
+            <a:off x="22603370" y="10611622"/>
+            <a:ext cx="8638630" cy="415498"/>
           </a:xfrm>
           <a:prstGeom prst="rect">
             <a:avLst/>
@@ -1975,37 +1923,7 @@
                 <a:latin typeface="Arial"/>
                 <a:cs typeface="Arial"/>
               </a:rPr>
-              <a:t>H</a:t>
-            </a:r>
-            <a:r>
-              <a:rPr lang="en-US" sz="2700" b="1" dirty="0">
-                <a:solidFill>
-                  <a:srgbClr val="CD1445"/>
-                </a:solidFill>
-                <a:latin typeface="Arial"/>
-                <a:cs typeface="Arial"/>
-              </a:rPr>
-              <a:t>ea</a:t>
-            </a:r>
-            <a:r>
-              <a:rPr lang="en-US" sz="2700" b="1" spc="33" dirty="0">
-                <a:solidFill>
-                  <a:srgbClr val="CD1445"/>
-                </a:solidFill>
-                <a:latin typeface="Arial"/>
-                <a:cs typeface="Arial"/>
-              </a:rPr>
-              <a:t>der</a:t>
-            </a:r>
-            <a:r>
-              <a:rPr lang="en-US" sz="2700" b="1" spc="22" dirty="0">
-                <a:solidFill>
-                  <a:srgbClr val="CD1445"/>
-                </a:solidFill>
-                <a:latin typeface="Arial"/>
-                <a:cs typeface="Arial"/>
-              </a:rPr>
-              <a:t> for Figure or Table below.</a:t>
+              <a:t>Modeling Centrosome Recruitment &amp; Recovery</a:t>
             </a:r>
             <a:endParaRPr lang="en-US" sz="2700" dirty="0">
               <a:latin typeface="Arial"/>
@@ -7082,7 +7000,7 @@
         <p:spPr>
           <a:xfrm>
             <a:off x="22603672" y="6477000"/>
-            <a:ext cx="9199684" cy="7151468"/>
+            <a:ext cx="9199684" cy="3478581"/>
           </a:xfrm>
           <a:prstGeom prst="rect">
             <a:avLst/>
@@ -9110,3069 +9028,6 @@
                 <a:cs typeface="Arial"/>
               </a:rPr>
               <a:t>i</a:t>
-            </a:r>
-            <a:r>
-              <a:rPr sz="2700" spc="11" dirty="0">
-                <a:solidFill>
-                  <a:srgbClr val="231F20"/>
-                </a:solidFill>
-                <a:latin typeface="Arial"/>
-                <a:cs typeface="Arial"/>
-              </a:rPr>
-              <a:t>.</a:t>
-            </a:r>
-            <a:endParaRPr sz="2700" dirty="0">
-              <a:latin typeface="Arial"/>
-              <a:cs typeface="Arial"/>
-            </a:endParaRPr>
-          </a:p>
-          <a:p>
-            <a:pPr marL="27719" marR="13860">
-              <a:lnSpc>
-                <a:spcPct val="102600"/>
-              </a:lnSpc>
-              <a:spcBef>
-                <a:spcPts val="893"/>
-              </a:spcBef>
-            </a:pPr>
-            <a:br>
-              <a:rPr lang="en-US" sz="2700" spc="-55" dirty="0">
-                <a:solidFill>
-                  <a:srgbClr val="231F20"/>
-                </a:solidFill>
-                <a:latin typeface="Arial"/>
-                <a:cs typeface="Arial"/>
-              </a:rPr>
-            </a:br>
-            <a:r>
-              <a:rPr sz="2700" spc="-55" dirty="0">
-                <a:solidFill>
-                  <a:srgbClr val="231F20"/>
-                </a:solidFill>
-                <a:latin typeface="Arial"/>
-                <a:cs typeface="Arial"/>
-              </a:rPr>
-              <a:t>W</a:t>
-            </a:r>
-            <a:r>
-              <a:rPr sz="2700" spc="22" dirty="0">
-                <a:solidFill>
-                  <a:srgbClr val="231F20"/>
-                </a:solidFill>
-                <a:latin typeface="Arial"/>
-                <a:cs typeface="Arial"/>
-              </a:rPr>
-              <a:t>e</a:t>
-            </a:r>
-            <a:r>
-              <a:rPr sz="2700" spc="11" dirty="0">
-                <a:solidFill>
-                  <a:srgbClr val="231F20"/>
-                </a:solidFill>
-                <a:latin typeface="Arial"/>
-                <a:cs typeface="Arial"/>
-              </a:rPr>
-              <a:t> </a:t>
-            </a:r>
-            <a:r>
-              <a:rPr sz="2700" spc="-11" dirty="0">
-                <a:solidFill>
-                  <a:srgbClr val="231F20"/>
-                </a:solidFill>
-                <a:latin typeface="Arial"/>
-                <a:cs typeface="Arial"/>
-              </a:rPr>
-              <a:t>p</a:t>
-            </a:r>
-            <a:r>
-              <a:rPr sz="2700" spc="-22" dirty="0">
-                <a:solidFill>
-                  <a:srgbClr val="231F20"/>
-                </a:solidFill>
-                <a:latin typeface="Arial"/>
-                <a:cs typeface="Arial"/>
-              </a:rPr>
-              <a:t>r</a:t>
-            </a:r>
-            <a:r>
-              <a:rPr sz="2700" spc="-33" dirty="0">
-                <a:solidFill>
-                  <a:srgbClr val="231F20"/>
-                </a:solidFill>
-                <a:latin typeface="Arial"/>
-                <a:cs typeface="Arial"/>
-              </a:rPr>
-              <a:t>ef</a:t>
-            </a:r>
-            <a:r>
-              <a:rPr sz="2700" spc="-11" dirty="0">
-                <a:solidFill>
-                  <a:srgbClr val="231F20"/>
-                </a:solidFill>
-                <a:latin typeface="Arial"/>
-                <a:cs typeface="Arial"/>
-              </a:rPr>
-              <a:t>e</a:t>
-            </a:r>
-            <a:r>
-              <a:rPr sz="2700" spc="11" dirty="0">
-                <a:solidFill>
-                  <a:srgbClr val="231F20"/>
-                </a:solidFill>
-                <a:latin typeface="Arial"/>
-                <a:cs typeface="Arial"/>
-              </a:rPr>
-              <a:t>r </a:t>
-            </a:r>
-            <a:r>
-              <a:rPr sz="2700" spc="-11" dirty="0">
-                <a:solidFill>
-                  <a:srgbClr val="231F20"/>
-                </a:solidFill>
-                <a:latin typeface="Arial"/>
-                <a:cs typeface="Arial"/>
-              </a:rPr>
-              <a:t>t</a:t>
-            </a:r>
-            <a:r>
-              <a:rPr sz="2700" spc="-22" dirty="0">
-                <a:solidFill>
-                  <a:srgbClr val="231F20"/>
-                </a:solidFill>
-                <a:latin typeface="Arial"/>
-                <a:cs typeface="Arial"/>
-              </a:rPr>
-              <a:t>h</a:t>
-            </a:r>
-            <a:r>
-              <a:rPr sz="2700" spc="-33" dirty="0">
-                <a:solidFill>
-                  <a:srgbClr val="231F20"/>
-                </a:solidFill>
-                <a:latin typeface="Arial"/>
-                <a:cs typeface="Arial"/>
-              </a:rPr>
-              <a:t>a</a:t>
-            </a:r>
-            <a:r>
-              <a:rPr sz="2700" spc="11" dirty="0">
-                <a:solidFill>
-                  <a:srgbClr val="231F20"/>
-                </a:solidFill>
-                <a:latin typeface="Arial"/>
-                <a:cs typeface="Arial"/>
-              </a:rPr>
-              <a:t>t </a:t>
-            </a:r>
-            <a:r>
-              <a:rPr sz="2700" spc="-44" dirty="0">
-                <a:solidFill>
-                  <a:srgbClr val="231F20"/>
-                </a:solidFill>
-                <a:latin typeface="Arial"/>
-                <a:cs typeface="Arial"/>
-              </a:rPr>
-              <a:t>y</a:t>
-            </a:r>
-            <a:r>
-              <a:rPr sz="2700" spc="-11" dirty="0">
-                <a:solidFill>
-                  <a:srgbClr val="231F20"/>
-                </a:solidFill>
-                <a:latin typeface="Arial"/>
-                <a:cs typeface="Arial"/>
-              </a:rPr>
-              <a:t>o</a:t>
-            </a:r>
-            <a:r>
-              <a:rPr sz="2700" spc="22" dirty="0">
-                <a:solidFill>
-                  <a:srgbClr val="231F20"/>
-                </a:solidFill>
-                <a:latin typeface="Arial"/>
-                <a:cs typeface="Arial"/>
-              </a:rPr>
-              <a:t>u</a:t>
-            </a:r>
-            <a:r>
-              <a:rPr sz="2700" spc="11" dirty="0">
-                <a:solidFill>
-                  <a:srgbClr val="231F20"/>
-                </a:solidFill>
-                <a:latin typeface="Arial"/>
-                <a:cs typeface="Arial"/>
-              </a:rPr>
-              <a:t> </a:t>
-            </a:r>
-            <a:r>
-              <a:rPr sz="2700" spc="-33" dirty="0">
-                <a:solidFill>
-                  <a:srgbClr val="231F20"/>
-                </a:solidFill>
-                <a:latin typeface="Arial"/>
-                <a:cs typeface="Arial"/>
-              </a:rPr>
-              <a:t>i</a:t>
-            </a:r>
-            <a:r>
-              <a:rPr sz="2700" spc="11" dirty="0">
-                <a:solidFill>
-                  <a:srgbClr val="231F20"/>
-                </a:solidFill>
-                <a:latin typeface="Arial"/>
-                <a:cs typeface="Arial"/>
-              </a:rPr>
-              <a:t>m</a:t>
-            </a:r>
-            <a:r>
-              <a:rPr sz="2700" dirty="0">
-                <a:solidFill>
-                  <a:srgbClr val="231F20"/>
-                </a:solidFill>
-                <a:latin typeface="Arial"/>
-                <a:cs typeface="Arial"/>
-              </a:rPr>
-              <a:t>po</a:t>
-            </a:r>
-            <a:r>
-              <a:rPr sz="2700" spc="87" dirty="0">
-                <a:solidFill>
-                  <a:srgbClr val="231F20"/>
-                </a:solidFill>
-                <a:latin typeface="Arial"/>
-                <a:cs typeface="Arial"/>
-              </a:rPr>
-              <a:t>r</a:t>
-            </a:r>
-            <a:r>
-              <a:rPr sz="2700" spc="11" dirty="0">
-                <a:solidFill>
-                  <a:srgbClr val="231F20"/>
-                </a:solidFill>
-                <a:latin typeface="Arial"/>
-                <a:cs typeface="Arial"/>
-              </a:rPr>
-              <a:t>t </a:t>
-            </a:r>
-            <a:r>
-              <a:rPr sz="2700" spc="-11" dirty="0">
-                <a:solidFill>
-                  <a:srgbClr val="231F20"/>
-                </a:solidFill>
-                <a:latin typeface="Arial"/>
-                <a:cs typeface="Arial"/>
-              </a:rPr>
-              <a:t>t</a:t>
-            </a:r>
-            <a:r>
-              <a:rPr sz="2700" spc="-22" dirty="0">
-                <a:solidFill>
-                  <a:srgbClr val="231F20"/>
-                </a:solidFill>
-                <a:latin typeface="Arial"/>
-                <a:cs typeface="Arial"/>
-              </a:rPr>
-              <a:t>i</a:t>
-            </a:r>
-            <a:r>
-              <a:rPr sz="2700" spc="11" dirty="0">
-                <a:solidFill>
-                  <a:srgbClr val="231F20"/>
-                </a:solidFill>
-                <a:latin typeface="Arial"/>
-                <a:cs typeface="Arial"/>
-              </a:rPr>
-              <a:t>f </a:t>
-            </a:r>
-            <a:r>
-              <a:rPr sz="2700" dirty="0">
-                <a:solidFill>
-                  <a:srgbClr val="231F20"/>
-                </a:solidFill>
-                <a:latin typeface="Arial"/>
-                <a:cs typeface="Arial"/>
-              </a:rPr>
-              <a:t>o</a:t>
-            </a:r>
-            <a:r>
-              <a:rPr sz="2700" spc="11" dirty="0">
-                <a:solidFill>
-                  <a:srgbClr val="231F20"/>
-                </a:solidFill>
-                <a:latin typeface="Arial"/>
-                <a:cs typeface="Arial"/>
-              </a:rPr>
-              <a:t>r </a:t>
-            </a:r>
-            <a:r>
-              <a:rPr sz="2700" spc="-33" dirty="0">
-                <a:solidFill>
-                  <a:srgbClr val="231F20"/>
-                </a:solidFill>
-                <a:latin typeface="Arial"/>
-                <a:cs typeface="Arial"/>
-              </a:rPr>
-              <a:t>j</a:t>
-            </a:r>
-            <a:r>
-              <a:rPr sz="2700" dirty="0">
-                <a:solidFill>
-                  <a:srgbClr val="231F20"/>
-                </a:solidFill>
-                <a:latin typeface="Arial"/>
-                <a:cs typeface="Arial"/>
-              </a:rPr>
-              <a:t>p</a:t>
-            </a:r>
-            <a:r>
-              <a:rPr sz="2700" spc="22" dirty="0">
-                <a:solidFill>
-                  <a:srgbClr val="231F20"/>
-                </a:solidFill>
-                <a:latin typeface="Arial"/>
-                <a:cs typeface="Arial"/>
-              </a:rPr>
-              <a:t>g</a:t>
-            </a:r>
-            <a:r>
-              <a:rPr sz="2700" spc="11" dirty="0">
-                <a:solidFill>
-                  <a:srgbClr val="231F20"/>
-                </a:solidFill>
-                <a:latin typeface="Arial"/>
-                <a:cs typeface="Arial"/>
-              </a:rPr>
-              <a:t> </a:t>
-            </a:r>
-            <a:r>
-              <a:rPr sz="2700" spc="-33" dirty="0">
-                <a:solidFill>
-                  <a:srgbClr val="231F20"/>
-                </a:solidFill>
-                <a:latin typeface="Arial"/>
-                <a:cs typeface="Arial"/>
-              </a:rPr>
-              <a:t>i</a:t>
-            </a:r>
-            <a:r>
-              <a:rPr sz="2700" spc="11" dirty="0">
-                <a:solidFill>
-                  <a:srgbClr val="231F20"/>
-                </a:solidFill>
-                <a:latin typeface="Arial"/>
-                <a:cs typeface="Arial"/>
-              </a:rPr>
-              <a:t>m</a:t>
-            </a:r>
-            <a:r>
-              <a:rPr sz="2700" spc="-22" dirty="0">
-                <a:solidFill>
-                  <a:srgbClr val="231F20"/>
-                </a:solidFill>
-                <a:latin typeface="Arial"/>
-                <a:cs typeface="Arial"/>
-              </a:rPr>
-              <a:t>a</a:t>
-            </a:r>
-            <a:r>
-              <a:rPr sz="2700" spc="-11" dirty="0">
-                <a:solidFill>
-                  <a:srgbClr val="231F20"/>
-                </a:solidFill>
-                <a:latin typeface="Arial"/>
-                <a:cs typeface="Arial"/>
-              </a:rPr>
-              <a:t>g</a:t>
-            </a:r>
-            <a:r>
-              <a:rPr sz="2700" dirty="0">
-                <a:solidFill>
-                  <a:srgbClr val="231F20"/>
-                </a:solidFill>
-                <a:latin typeface="Arial"/>
-                <a:cs typeface="Arial"/>
-              </a:rPr>
-              <a:t>e</a:t>
-            </a:r>
-            <a:r>
-              <a:rPr sz="2700" spc="22" dirty="0">
-                <a:solidFill>
-                  <a:srgbClr val="231F20"/>
-                </a:solidFill>
-                <a:latin typeface="Arial"/>
-                <a:cs typeface="Arial"/>
-              </a:rPr>
-              <a:t>s</a:t>
-            </a:r>
-            <a:r>
-              <a:rPr sz="2700" spc="11" dirty="0">
-                <a:solidFill>
-                  <a:srgbClr val="231F20"/>
-                </a:solidFill>
-                <a:latin typeface="Arial"/>
-                <a:cs typeface="Arial"/>
-              </a:rPr>
-              <a:t> </a:t>
-            </a:r>
-            <a:r>
-              <a:rPr sz="2700" spc="-33" dirty="0">
-                <a:solidFill>
-                  <a:srgbClr val="231F20"/>
-                </a:solidFill>
-                <a:latin typeface="Arial"/>
-                <a:cs typeface="Arial"/>
-              </a:rPr>
-              <a:t>i</a:t>
-            </a:r>
-            <a:r>
-              <a:rPr sz="2700" spc="-44" dirty="0">
-                <a:solidFill>
-                  <a:srgbClr val="231F20"/>
-                </a:solidFill>
-                <a:latin typeface="Arial"/>
-                <a:cs typeface="Arial"/>
-              </a:rPr>
-              <a:t>nt</a:t>
-            </a:r>
-            <a:r>
-              <a:rPr sz="2700" spc="22" dirty="0">
-                <a:solidFill>
-                  <a:srgbClr val="231F20"/>
-                </a:solidFill>
-                <a:latin typeface="Arial"/>
-                <a:cs typeface="Arial"/>
-              </a:rPr>
-              <a:t>o</a:t>
-            </a:r>
-            <a:r>
-              <a:rPr sz="2700" spc="11" dirty="0">
-                <a:solidFill>
-                  <a:srgbClr val="231F20"/>
-                </a:solidFill>
-                <a:latin typeface="Arial"/>
-                <a:cs typeface="Arial"/>
-              </a:rPr>
-              <a:t> </a:t>
-            </a:r>
-            <a:r>
-              <a:rPr sz="2700" spc="-44" dirty="0">
-                <a:solidFill>
-                  <a:srgbClr val="231F20"/>
-                </a:solidFill>
-                <a:latin typeface="Arial"/>
-                <a:cs typeface="Arial"/>
-              </a:rPr>
-              <a:t>P</a:t>
-            </a:r>
-            <a:r>
-              <a:rPr sz="2700" spc="-33" dirty="0">
-                <a:solidFill>
-                  <a:srgbClr val="231F20"/>
-                </a:solidFill>
-                <a:latin typeface="Arial"/>
-                <a:cs typeface="Arial"/>
-              </a:rPr>
-              <a:t>ow</a:t>
-            </a:r>
-            <a:r>
-              <a:rPr sz="2700" spc="-11" dirty="0">
-                <a:solidFill>
-                  <a:srgbClr val="231F20"/>
-                </a:solidFill>
-                <a:latin typeface="Arial"/>
-                <a:cs typeface="Arial"/>
-              </a:rPr>
-              <a:t>e</a:t>
-            </a:r>
-            <a:r>
-              <a:rPr sz="2700" spc="22" dirty="0">
-                <a:solidFill>
-                  <a:srgbClr val="231F20"/>
-                </a:solidFill>
-                <a:latin typeface="Arial"/>
-                <a:cs typeface="Arial"/>
-              </a:rPr>
-              <a:t>r</a:t>
-            </a:r>
-            <a:r>
-              <a:rPr sz="2700" spc="-44" dirty="0">
-                <a:solidFill>
-                  <a:srgbClr val="231F20"/>
-                </a:solidFill>
-                <a:latin typeface="Arial"/>
-                <a:cs typeface="Arial"/>
-              </a:rPr>
-              <a:t>P</a:t>
-            </a:r>
-            <a:r>
-              <a:rPr sz="2700" spc="-11" dirty="0">
-                <a:solidFill>
-                  <a:srgbClr val="231F20"/>
-                </a:solidFill>
-                <a:latin typeface="Arial"/>
-                <a:cs typeface="Arial"/>
-              </a:rPr>
-              <a:t>o</a:t>
-            </a:r>
-            <a:r>
-              <a:rPr sz="2700" spc="-33" dirty="0">
-                <a:solidFill>
-                  <a:srgbClr val="231F20"/>
-                </a:solidFill>
-                <a:latin typeface="Arial"/>
-                <a:cs typeface="Arial"/>
-              </a:rPr>
-              <a:t>i</a:t>
-            </a:r>
-            <a:r>
-              <a:rPr sz="2700" spc="-44" dirty="0">
-                <a:solidFill>
-                  <a:srgbClr val="231F20"/>
-                </a:solidFill>
-                <a:latin typeface="Arial"/>
-                <a:cs typeface="Arial"/>
-              </a:rPr>
-              <a:t>n</a:t>
-            </a:r>
-            <a:r>
-              <a:rPr sz="2700" spc="-11" dirty="0">
-                <a:solidFill>
-                  <a:srgbClr val="231F20"/>
-                </a:solidFill>
-                <a:latin typeface="Arial"/>
-                <a:cs typeface="Arial"/>
-              </a:rPr>
-              <a:t>t</a:t>
-            </a:r>
-            <a:r>
-              <a:rPr sz="2700" spc="11" dirty="0">
-                <a:solidFill>
-                  <a:srgbClr val="231F20"/>
-                </a:solidFill>
-                <a:latin typeface="Arial"/>
-                <a:cs typeface="Arial"/>
-              </a:rPr>
-              <a:t>. </a:t>
-            </a:r>
-            <a:r>
-              <a:rPr sz="2700" spc="22" dirty="0">
-                <a:solidFill>
-                  <a:srgbClr val="231F20"/>
-                </a:solidFill>
-                <a:latin typeface="Arial"/>
-                <a:cs typeface="Arial"/>
-              </a:rPr>
-              <a:t>G</a:t>
-            </a:r>
-            <a:r>
-              <a:rPr sz="2700" spc="-11" dirty="0">
-                <a:solidFill>
-                  <a:srgbClr val="231F20"/>
-                </a:solidFill>
-                <a:latin typeface="Arial"/>
-                <a:cs typeface="Arial"/>
-              </a:rPr>
-              <a:t>ener</a:t>
-            </a:r>
-            <a:r>
-              <a:rPr sz="2700" spc="-22" dirty="0">
-                <a:solidFill>
-                  <a:srgbClr val="231F20"/>
-                </a:solidFill>
-                <a:latin typeface="Arial"/>
-                <a:cs typeface="Arial"/>
-              </a:rPr>
-              <a:t>a</a:t>
-            </a:r>
-            <a:r>
-              <a:rPr sz="2700" spc="-33" dirty="0">
-                <a:solidFill>
-                  <a:srgbClr val="231F20"/>
-                </a:solidFill>
-                <a:latin typeface="Arial"/>
-                <a:cs typeface="Arial"/>
-              </a:rPr>
-              <a:t>ll</a:t>
-            </a:r>
-            <a:r>
-              <a:rPr sz="2700" spc="-196" dirty="0">
-                <a:solidFill>
-                  <a:srgbClr val="231F20"/>
-                </a:solidFill>
-                <a:latin typeface="Arial"/>
-                <a:cs typeface="Arial"/>
-              </a:rPr>
-              <a:t>y</a:t>
-            </a:r>
-            <a:r>
-              <a:rPr sz="2700" spc="11" dirty="0">
-                <a:solidFill>
-                  <a:srgbClr val="231F20"/>
-                </a:solidFill>
-                <a:latin typeface="Arial"/>
-                <a:cs typeface="Arial"/>
-              </a:rPr>
-              <a:t>,</a:t>
-            </a:r>
-            <a:r>
-              <a:rPr sz="2700" spc="22" dirty="0">
-                <a:solidFill>
-                  <a:srgbClr val="231F20"/>
-                </a:solidFill>
-                <a:latin typeface="Arial"/>
-                <a:cs typeface="Arial"/>
-              </a:rPr>
-              <a:t> </a:t>
-            </a:r>
-            <a:r>
-              <a:rPr sz="2700" spc="-22" dirty="0">
-                <a:solidFill>
-                  <a:srgbClr val="231F20"/>
-                </a:solidFill>
-                <a:latin typeface="Arial"/>
-                <a:cs typeface="Arial"/>
-              </a:rPr>
-              <a:t>i</a:t>
-            </a:r>
-            <a:r>
-              <a:rPr sz="2700" spc="11" dirty="0">
-                <a:solidFill>
-                  <a:srgbClr val="231F20"/>
-                </a:solidFill>
-                <a:latin typeface="Arial"/>
-                <a:cs typeface="Arial"/>
-              </a:rPr>
-              <a:t>f</a:t>
-            </a:r>
-            <a:r>
-              <a:rPr sz="2700" spc="22" dirty="0">
-                <a:solidFill>
-                  <a:srgbClr val="231F20"/>
-                </a:solidFill>
-                <a:latin typeface="Arial"/>
-                <a:cs typeface="Arial"/>
-              </a:rPr>
-              <a:t> </a:t>
-            </a:r>
-            <a:r>
-              <a:rPr sz="2700" spc="-44" dirty="0">
-                <a:solidFill>
-                  <a:srgbClr val="231F20"/>
-                </a:solidFill>
-                <a:latin typeface="Arial"/>
-                <a:cs typeface="Arial"/>
-              </a:rPr>
-              <a:t>y</a:t>
-            </a:r>
-            <a:r>
-              <a:rPr sz="2700" spc="-11" dirty="0">
-                <a:solidFill>
-                  <a:srgbClr val="231F20"/>
-                </a:solidFill>
-                <a:latin typeface="Arial"/>
-                <a:cs typeface="Arial"/>
-              </a:rPr>
-              <a:t>o</a:t>
-            </a:r>
-            <a:r>
-              <a:rPr sz="2700" spc="22" dirty="0">
-                <a:solidFill>
-                  <a:srgbClr val="231F20"/>
-                </a:solidFill>
-                <a:latin typeface="Arial"/>
-                <a:cs typeface="Arial"/>
-              </a:rPr>
-              <a:t>u </a:t>
-            </a:r>
-            <a:r>
-              <a:rPr sz="2700" spc="-11" dirty="0">
-                <a:solidFill>
-                  <a:srgbClr val="231F20"/>
-                </a:solidFill>
-                <a:latin typeface="Arial"/>
-                <a:cs typeface="Arial"/>
-              </a:rPr>
-              <a:t>do</a:t>
-            </a:r>
-            <a:r>
-              <a:rPr sz="2700" spc="-22" dirty="0">
-                <a:solidFill>
-                  <a:srgbClr val="231F20"/>
-                </a:solidFill>
-                <a:latin typeface="Arial"/>
-                <a:cs typeface="Arial"/>
-              </a:rPr>
-              <a:t>u</a:t>
-            </a:r>
-            <a:r>
-              <a:rPr sz="2700" spc="-11" dirty="0">
-                <a:solidFill>
-                  <a:srgbClr val="231F20"/>
-                </a:solidFill>
-                <a:latin typeface="Arial"/>
-                <a:cs typeface="Arial"/>
-              </a:rPr>
-              <a:t>b</a:t>
-            </a:r>
-            <a:r>
-              <a:rPr sz="2700" spc="-22" dirty="0">
-                <a:solidFill>
-                  <a:srgbClr val="231F20"/>
-                </a:solidFill>
-                <a:latin typeface="Arial"/>
-                <a:cs typeface="Arial"/>
-              </a:rPr>
-              <a:t>l</a:t>
-            </a:r>
-            <a:r>
-              <a:rPr sz="2700" spc="22" dirty="0">
-                <a:solidFill>
-                  <a:srgbClr val="231F20"/>
-                </a:solidFill>
-                <a:latin typeface="Arial"/>
-                <a:cs typeface="Arial"/>
-              </a:rPr>
-              <a:t>e c</a:t>
-            </a:r>
-            <a:r>
-              <a:rPr sz="2700" spc="-33" dirty="0">
-                <a:solidFill>
-                  <a:srgbClr val="231F20"/>
-                </a:solidFill>
-                <a:latin typeface="Arial"/>
-                <a:cs typeface="Arial"/>
-              </a:rPr>
-              <a:t>l</a:t>
-            </a:r>
-            <a:r>
-              <a:rPr sz="2700" spc="-22" dirty="0">
-                <a:solidFill>
-                  <a:srgbClr val="231F20"/>
-                </a:solidFill>
-                <a:latin typeface="Arial"/>
-                <a:cs typeface="Arial"/>
-              </a:rPr>
-              <a:t>i</a:t>
-            </a:r>
-            <a:r>
-              <a:rPr sz="2700" spc="11" dirty="0">
-                <a:solidFill>
-                  <a:srgbClr val="231F20"/>
-                </a:solidFill>
-                <a:latin typeface="Arial"/>
-                <a:cs typeface="Arial"/>
-              </a:rPr>
-              <a:t>c</a:t>
-            </a:r>
-            <a:r>
-              <a:rPr sz="2700" spc="22" dirty="0">
-                <a:solidFill>
-                  <a:srgbClr val="231F20"/>
-                </a:solidFill>
-                <a:latin typeface="Arial"/>
-                <a:cs typeface="Arial"/>
-              </a:rPr>
-              <a:t>k </a:t>
-            </a:r>
-            <a:r>
-              <a:rPr sz="2700" spc="-11" dirty="0">
-                <a:solidFill>
-                  <a:srgbClr val="231F20"/>
-                </a:solidFill>
-                <a:latin typeface="Arial"/>
-                <a:cs typeface="Arial"/>
-              </a:rPr>
-              <a:t>o</a:t>
-            </a:r>
-            <a:r>
-              <a:rPr sz="2700" spc="22" dirty="0">
-                <a:solidFill>
-                  <a:srgbClr val="231F20"/>
-                </a:solidFill>
-                <a:latin typeface="Arial"/>
-                <a:cs typeface="Arial"/>
-              </a:rPr>
-              <a:t>n </a:t>
-            </a:r>
-            <a:r>
-              <a:rPr sz="2700" spc="-22" dirty="0">
-                <a:solidFill>
-                  <a:srgbClr val="231F20"/>
-                </a:solidFill>
-                <a:latin typeface="Arial"/>
-                <a:cs typeface="Arial"/>
-              </a:rPr>
-              <a:t>a</a:t>
-            </a:r>
-            <a:r>
-              <a:rPr sz="2700" spc="22" dirty="0">
-                <a:solidFill>
-                  <a:srgbClr val="231F20"/>
-                </a:solidFill>
-                <a:latin typeface="Arial"/>
-                <a:cs typeface="Arial"/>
-              </a:rPr>
-              <a:t>n </a:t>
-            </a:r>
-            <a:r>
-              <a:rPr sz="2700" spc="-33" dirty="0">
-                <a:solidFill>
-                  <a:srgbClr val="231F20"/>
-                </a:solidFill>
-                <a:latin typeface="Arial"/>
-                <a:cs typeface="Arial"/>
-              </a:rPr>
-              <a:t>i</a:t>
-            </a:r>
-            <a:r>
-              <a:rPr sz="2700" spc="11" dirty="0">
-                <a:solidFill>
-                  <a:srgbClr val="231F20"/>
-                </a:solidFill>
-                <a:latin typeface="Arial"/>
-                <a:cs typeface="Arial"/>
-              </a:rPr>
-              <a:t>m</a:t>
-            </a:r>
-            <a:r>
-              <a:rPr sz="2700" spc="-22" dirty="0">
-                <a:solidFill>
-                  <a:srgbClr val="231F20"/>
-                </a:solidFill>
-                <a:latin typeface="Arial"/>
-                <a:cs typeface="Arial"/>
-              </a:rPr>
-              <a:t>a</a:t>
-            </a:r>
-            <a:r>
-              <a:rPr sz="2700" spc="-11" dirty="0">
-                <a:solidFill>
-                  <a:srgbClr val="231F20"/>
-                </a:solidFill>
-                <a:latin typeface="Arial"/>
-                <a:cs typeface="Arial"/>
-              </a:rPr>
-              <a:t>g</a:t>
-            </a:r>
-            <a:r>
-              <a:rPr sz="2700" spc="22" dirty="0">
-                <a:solidFill>
-                  <a:srgbClr val="231F20"/>
-                </a:solidFill>
-                <a:latin typeface="Arial"/>
-                <a:cs typeface="Arial"/>
-              </a:rPr>
-              <a:t>e </a:t>
-            </a:r>
-            <a:r>
-              <a:rPr sz="2700" spc="-44" dirty="0">
-                <a:solidFill>
-                  <a:srgbClr val="231F20"/>
-                </a:solidFill>
-                <a:latin typeface="Arial"/>
-                <a:cs typeface="Arial"/>
-              </a:rPr>
-              <a:t>t</a:t>
-            </a:r>
-            <a:r>
-              <a:rPr sz="2700" spc="22" dirty="0">
-                <a:solidFill>
-                  <a:srgbClr val="231F20"/>
-                </a:solidFill>
-                <a:latin typeface="Arial"/>
-                <a:cs typeface="Arial"/>
-              </a:rPr>
-              <a:t>o </a:t>
-            </a:r>
-            <a:r>
-              <a:rPr sz="2700" spc="-11" dirty="0">
-                <a:solidFill>
-                  <a:srgbClr val="231F20"/>
-                </a:solidFill>
-                <a:latin typeface="Arial"/>
-                <a:cs typeface="Arial"/>
-              </a:rPr>
-              <a:t>o</a:t>
-            </a:r>
-            <a:r>
-              <a:rPr sz="2700" dirty="0">
-                <a:solidFill>
-                  <a:srgbClr val="231F20"/>
-                </a:solidFill>
-                <a:latin typeface="Arial"/>
-                <a:cs typeface="Arial"/>
-              </a:rPr>
-              <a:t>p</a:t>
-            </a:r>
-            <a:r>
-              <a:rPr sz="2700" spc="-11" dirty="0">
-                <a:solidFill>
-                  <a:srgbClr val="231F20"/>
-                </a:solidFill>
-                <a:latin typeface="Arial"/>
-                <a:cs typeface="Arial"/>
-              </a:rPr>
-              <a:t>e</a:t>
-            </a:r>
-            <a:r>
-              <a:rPr sz="2700" spc="22" dirty="0">
-                <a:solidFill>
-                  <a:srgbClr val="231F20"/>
-                </a:solidFill>
-                <a:latin typeface="Arial"/>
-                <a:cs typeface="Arial"/>
-              </a:rPr>
-              <a:t>n </a:t>
-            </a:r>
-            <a:r>
-              <a:rPr sz="2700" spc="-33" dirty="0">
-                <a:solidFill>
-                  <a:srgbClr val="231F20"/>
-                </a:solidFill>
-                <a:latin typeface="Arial"/>
-                <a:cs typeface="Arial"/>
-              </a:rPr>
-              <a:t>i</a:t>
-            </a:r>
-            <a:r>
-              <a:rPr sz="2700" spc="11" dirty="0">
-                <a:solidFill>
-                  <a:srgbClr val="231F20"/>
-                </a:solidFill>
-                <a:latin typeface="Arial"/>
-                <a:cs typeface="Arial"/>
-              </a:rPr>
-              <a:t>t</a:t>
-            </a:r>
-            <a:r>
-              <a:rPr sz="2700" spc="22" dirty="0">
-                <a:solidFill>
-                  <a:srgbClr val="231F20"/>
-                </a:solidFill>
-                <a:latin typeface="Arial"/>
-                <a:cs typeface="Arial"/>
-              </a:rPr>
-              <a:t> </a:t>
-            </a:r>
-            <a:r>
-              <a:rPr sz="2700" spc="-33" dirty="0">
-                <a:solidFill>
-                  <a:srgbClr val="231F20"/>
-                </a:solidFill>
-                <a:latin typeface="Arial"/>
-                <a:cs typeface="Arial"/>
-              </a:rPr>
-              <a:t>i</a:t>
-            </a:r>
-            <a:r>
-              <a:rPr sz="2700" spc="22" dirty="0">
-                <a:solidFill>
-                  <a:srgbClr val="231F20"/>
-                </a:solidFill>
-                <a:latin typeface="Arial"/>
-                <a:cs typeface="Arial"/>
-              </a:rPr>
-              <a:t>n</a:t>
-            </a:r>
-            <a:r>
-              <a:rPr sz="2700" spc="11" dirty="0">
-                <a:solidFill>
-                  <a:srgbClr val="231F20"/>
-                </a:solidFill>
-                <a:latin typeface="Arial"/>
-                <a:cs typeface="Arial"/>
-              </a:rPr>
-              <a:t> </a:t>
-            </a:r>
-            <a:r>
-              <a:rPr sz="2700" spc="22" dirty="0">
-                <a:solidFill>
-                  <a:srgbClr val="231F20"/>
-                </a:solidFill>
-                <a:latin typeface="Arial"/>
-                <a:cs typeface="Arial"/>
-              </a:rPr>
-              <a:t>M</a:t>
-            </a:r>
-            <a:r>
-              <a:rPr sz="2700" spc="-22" dirty="0">
-                <a:solidFill>
-                  <a:srgbClr val="231F20"/>
-                </a:solidFill>
-                <a:latin typeface="Arial"/>
-                <a:cs typeface="Arial"/>
-              </a:rPr>
-              <a:t>i</a:t>
-            </a:r>
-            <a:r>
-              <a:rPr sz="2700" spc="11" dirty="0">
-                <a:solidFill>
-                  <a:srgbClr val="231F20"/>
-                </a:solidFill>
-                <a:latin typeface="Arial"/>
-                <a:cs typeface="Arial"/>
-              </a:rPr>
-              <a:t>c</a:t>
-            </a:r>
-            <a:r>
-              <a:rPr sz="2700" spc="-22" dirty="0">
-                <a:solidFill>
-                  <a:srgbClr val="231F20"/>
-                </a:solidFill>
-                <a:latin typeface="Arial"/>
-                <a:cs typeface="Arial"/>
-              </a:rPr>
-              <a:t>r</a:t>
-            </a:r>
-            <a:r>
-              <a:rPr sz="2700" dirty="0">
-                <a:solidFill>
-                  <a:srgbClr val="231F20"/>
-                </a:solidFill>
-                <a:latin typeface="Arial"/>
-                <a:cs typeface="Arial"/>
-              </a:rPr>
-              <a:t>o</a:t>
-            </a:r>
-            <a:r>
-              <a:rPr sz="2700" spc="-11" dirty="0">
-                <a:solidFill>
-                  <a:srgbClr val="231F20"/>
-                </a:solidFill>
-                <a:latin typeface="Arial"/>
-                <a:cs typeface="Arial"/>
-              </a:rPr>
-              <a:t>s</a:t>
-            </a:r>
-            <a:r>
-              <a:rPr sz="2700" spc="-33" dirty="0">
-                <a:solidFill>
-                  <a:srgbClr val="231F20"/>
-                </a:solidFill>
-                <a:latin typeface="Arial"/>
-                <a:cs typeface="Arial"/>
-              </a:rPr>
-              <a:t>o</a:t>
-            </a:r>
-            <a:r>
-              <a:rPr sz="2700" spc="65" dirty="0">
-                <a:solidFill>
-                  <a:srgbClr val="231F20"/>
-                </a:solidFill>
-                <a:latin typeface="Arial"/>
-                <a:cs typeface="Arial"/>
-              </a:rPr>
-              <a:t>f</a:t>
-            </a:r>
-            <a:r>
-              <a:rPr sz="2700" spc="11" dirty="0">
-                <a:solidFill>
-                  <a:srgbClr val="231F20"/>
-                </a:solidFill>
-                <a:latin typeface="Arial"/>
-                <a:cs typeface="Arial"/>
-              </a:rPr>
-              <a:t>t</a:t>
-            </a:r>
-            <a:r>
-              <a:rPr sz="2700" spc="22" dirty="0">
-                <a:solidFill>
-                  <a:srgbClr val="231F20"/>
-                </a:solidFill>
-                <a:latin typeface="Arial"/>
-                <a:cs typeface="Arial"/>
-              </a:rPr>
-              <a:t> </a:t>
-            </a:r>
-            <a:r>
-              <a:rPr sz="2700" spc="-22" dirty="0">
-                <a:solidFill>
-                  <a:srgbClr val="231F20"/>
-                </a:solidFill>
-                <a:latin typeface="Arial"/>
-                <a:cs typeface="Arial"/>
-              </a:rPr>
-              <a:t>P</a:t>
-            </a:r>
-            <a:r>
-              <a:rPr sz="2700" spc="-11" dirty="0">
-                <a:solidFill>
-                  <a:srgbClr val="231F20"/>
-                </a:solidFill>
-                <a:latin typeface="Arial"/>
-                <a:cs typeface="Arial"/>
-              </a:rPr>
-              <a:t>h</a:t>
-            </a:r>
-            <a:r>
-              <a:rPr sz="2700" spc="-33" dirty="0">
-                <a:solidFill>
-                  <a:srgbClr val="231F20"/>
-                </a:solidFill>
-                <a:latin typeface="Arial"/>
-                <a:cs typeface="Arial"/>
-              </a:rPr>
-              <a:t>o</a:t>
-            </a:r>
-            <a:r>
-              <a:rPr sz="2700" spc="-44" dirty="0">
-                <a:solidFill>
-                  <a:srgbClr val="231F20"/>
-                </a:solidFill>
-                <a:latin typeface="Arial"/>
-                <a:cs typeface="Arial"/>
-              </a:rPr>
-              <a:t>t</a:t>
-            </a:r>
-            <a:r>
-              <a:rPr sz="2700" spc="22" dirty="0">
-                <a:solidFill>
-                  <a:srgbClr val="231F20"/>
-                </a:solidFill>
-                <a:latin typeface="Arial"/>
-                <a:cs typeface="Arial"/>
-              </a:rPr>
-              <a:t>o </a:t>
-            </a:r>
-            <a:r>
-              <a:rPr sz="2700" spc="-44" dirty="0">
-                <a:solidFill>
-                  <a:srgbClr val="231F20"/>
-                </a:solidFill>
-                <a:latin typeface="Arial"/>
-                <a:cs typeface="Arial"/>
-              </a:rPr>
-              <a:t>E</a:t>
-            </a:r>
-            <a:r>
-              <a:rPr sz="2700" spc="-22" dirty="0">
-                <a:solidFill>
-                  <a:srgbClr val="231F20"/>
-                </a:solidFill>
-                <a:latin typeface="Arial"/>
-                <a:cs typeface="Arial"/>
-              </a:rPr>
-              <a:t>d</a:t>
-            </a:r>
-            <a:r>
-              <a:rPr sz="2700" spc="-33" dirty="0">
-                <a:solidFill>
-                  <a:srgbClr val="231F20"/>
-                </a:solidFill>
-                <a:latin typeface="Arial"/>
-                <a:cs typeface="Arial"/>
-              </a:rPr>
-              <a:t>i</a:t>
-            </a:r>
-            <a:r>
-              <a:rPr sz="2700" spc="-44" dirty="0">
-                <a:solidFill>
-                  <a:srgbClr val="231F20"/>
-                </a:solidFill>
-                <a:latin typeface="Arial"/>
-                <a:cs typeface="Arial"/>
-              </a:rPr>
-              <a:t>t</a:t>
-            </a:r>
-            <a:r>
-              <a:rPr sz="2700" dirty="0">
-                <a:solidFill>
-                  <a:srgbClr val="231F20"/>
-                </a:solidFill>
-                <a:latin typeface="Arial"/>
-                <a:cs typeface="Arial"/>
-              </a:rPr>
-              <a:t>o</a:t>
-            </a:r>
-            <a:r>
-              <a:rPr sz="2700" spc="-218" dirty="0">
-                <a:solidFill>
-                  <a:srgbClr val="231F20"/>
-                </a:solidFill>
-                <a:latin typeface="Arial"/>
-                <a:cs typeface="Arial"/>
-              </a:rPr>
-              <a:t>r</a:t>
-            </a:r>
-            <a:r>
-              <a:rPr sz="2700" spc="11" dirty="0">
-                <a:solidFill>
-                  <a:srgbClr val="231F20"/>
-                </a:solidFill>
-                <a:latin typeface="Arial"/>
-                <a:cs typeface="Arial"/>
-              </a:rPr>
-              <a:t>,</a:t>
-            </a:r>
-            <a:r>
-              <a:rPr sz="2700" spc="22" dirty="0">
-                <a:solidFill>
-                  <a:srgbClr val="231F20"/>
-                </a:solidFill>
-                <a:latin typeface="Arial"/>
-                <a:cs typeface="Arial"/>
-              </a:rPr>
-              <a:t> </a:t>
-            </a:r>
-            <a:r>
-              <a:rPr sz="2700" spc="-22" dirty="0">
-                <a:solidFill>
-                  <a:srgbClr val="231F20"/>
-                </a:solidFill>
-                <a:latin typeface="Arial"/>
-                <a:cs typeface="Arial"/>
-              </a:rPr>
-              <a:t>a</a:t>
-            </a:r>
-            <a:r>
-              <a:rPr sz="2700" spc="-11" dirty="0">
-                <a:solidFill>
-                  <a:srgbClr val="231F20"/>
-                </a:solidFill>
-                <a:latin typeface="Arial"/>
-                <a:cs typeface="Arial"/>
-              </a:rPr>
-              <a:t>n</a:t>
-            </a:r>
-            <a:r>
-              <a:rPr sz="2700" spc="22" dirty="0">
-                <a:solidFill>
-                  <a:srgbClr val="231F20"/>
-                </a:solidFill>
-                <a:latin typeface="Arial"/>
-                <a:cs typeface="Arial"/>
-              </a:rPr>
-              <a:t>d </a:t>
-            </a:r>
-            <a:r>
-              <a:rPr sz="2700" spc="-33" dirty="0">
-                <a:solidFill>
-                  <a:srgbClr val="231F20"/>
-                </a:solidFill>
-                <a:latin typeface="Arial"/>
-                <a:cs typeface="Arial"/>
-              </a:rPr>
-              <a:t>i</a:t>
-            </a:r>
-            <a:r>
-              <a:rPr sz="2700" spc="11" dirty="0">
-                <a:solidFill>
-                  <a:srgbClr val="231F20"/>
-                </a:solidFill>
-                <a:latin typeface="Arial"/>
-                <a:cs typeface="Arial"/>
-              </a:rPr>
-              <a:t>t</a:t>
-            </a:r>
-            <a:r>
-              <a:rPr sz="2700" spc="22" dirty="0">
-                <a:solidFill>
-                  <a:srgbClr val="231F20"/>
-                </a:solidFill>
-                <a:latin typeface="Arial"/>
-                <a:cs typeface="Arial"/>
-              </a:rPr>
-              <a:t> </a:t>
-            </a:r>
-            <a:r>
-              <a:rPr sz="2700" spc="-44" dirty="0">
-                <a:solidFill>
-                  <a:srgbClr val="231F20"/>
-                </a:solidFill>
-                <a:latin typeface="Arial"/>
-                <a:cs typeface="Arial"/>
-              </a:rPr>
-              <a:t>t</a:t>
-            </a:r>
-            <a:r>
-              <a:rPr sz="2700" spc="-11" dirty="0">
-                <a:solidFill>
-                  <a:srgbClr val="231F20"/>
-                </a:solidFill>
-                <a:latin typeface="Arial"/>
-                <a:cs typeface="Arial"/>
-              </a:rPr>
-              <a:t>e</a:t>
-            </a:r>
-            <a:r>
-              <a:rPr sz="2700" spc="-33" dirty="0">
-                <a:solidFill>
-                  <a:srgbClr val="231F20"/>
-                </a:solidFill>
-                <a:latin typeface="Arial"/>
-                <a:cs typeface="Arial"/>
-              </a:rPr>
-              <a:t>l</a:t>
-            </a:r>
-            <a:r>
-              <a:rPr sz="2700" spc="-22" dirty="0">
-                <a:solidFill>
-                  <a:srgbClr val="231F20"/>
-                </a:solidFill>
-                <a:latin typeface="Arial"/>
-                <a:cs typeface="Arial"/>
-              </a:rPr>
-              <a:t>l</a:t>
-            </a:r>
-            <a:r>
-              <a:rPr sz="2700" spc="22" dirty="0">
-                <a:solidFill>
-                  <a:srgbClr val="231F20"/>
-                </a:solidFill>
-                <a:latin typeface="Arial"/>
-                <a:cs typeface="Arial"/>
-              </a:rPr>
-              <a:t>s </a:t>
-            </a:r>
-            <a:r>
-              <a:rPr sz="2700" spc="-44" dirty="0">
-                <a:solidFill>
-                  <a:srgbClr val="231F20"/>
-                </a:solidFill>
-                <a:latin typeface="Arial"/>
-                <a:cs typeface="Arial"/>
-              </a:rPr>
-              <a:t>y</a:t>
-            </a:r>
-            <a:r>
-              <a:rPr sz="2700" spc="-11" dirty="0">
-                <a:solidFill>
-                  <a:srgbClr val="231F20"/>
-                </a:solidFill>
-                <a:latin typeface="Arial"/>
-                <a:cs typeface="Arial"/>
-              </a:rPr>
-              <a:t>o</a:t>
-            </a:r>
-            <a:r>
-              <a:rPr sz="2700" spc="22" dirty="0">
-                <a:solidFill>
-                  <a:srgbClr val="231F20"/>
-                </a:solidFill>
-                <a:latin typeface="Arial"/>
-                <a:cs typeface="Arial"/>
-              </a:rPr>
-              <a:t>u </a:t>
-            </a:r>
-            <a:r>
-              <a:rPr sz="2700" spc="-11" dirty="0">
-                <a:solidFill>
-                  <a:srgbClr val="231F20"/>
-                </a:solidFill>
-                <a:latin typeface="Arial"/>
-                <a:cs typeface="Arial"/>
-              </a:rPr>
-              <a:t>th</a:t>
-            </a:r>
-            <a:r>
-              <a:rPr sz="2700" spc="22" dirty="0">
-                <a:solidFill>
-                  <a:srgbClr val="231F20"/>
-                </a:solidFill>
-                <a:latin typeface="Arial"/>
-                <a:cs typeface="Arial"/>
-              </a:rPr>
-              <a:t>e </a:t>
-            </a:r>
-            <a:r>
-              <a:rPr sz="2700" spc="-33" dirty="0">
-                <a:solidFill>
-                  <a:srgbClr val="231F20"/>
-                </a:solidFill>
-                <a:latin typeface="Arial"/>
-                <a:cs typeface="Arial"/>
-              </a:rPr>
-              <a:t>i</a:t>
-            </a:r>
-            <a:r>
-              <a:rPr sz="2700" spc="11" dirty="0">
-                <a:solidFill>
-                  <a:srgbClr val="231F20"/>
-                </a:solidFill>
-                <a:latin typeface="Arial"/>
-                <a:cs typeface="Arial"/>
-              </a:rPr>
-              <a:t>m</a:t>
-            </a:r>
-            <a:r>
-              <a:rPr sz="2700" spc="-22" dirty="0">
-                <a:solidFill>
-                  <a:srgbClr val="231F20"/>
-                </a:solidFill>
-                <a:latin typeface="Arial"/>
-                <a:cs typeface="Arial"/>
-              </a:rPr>
-              <a:t>a</a:t>
-            </a:r>
-            <a:r>
-              <a:rPr sz="2700" spc="-11" dirty="0">
-                <a:solidFill>
-                  <a:srgbClr val="231F20"/>
-                </a:solidFill>
-                <a:latin typeface="Arial"/>
-                <a:cs typeface="Arial"/>
-              </a:rPr>
-              <a:t>g</a:t>
-            </a:r>
-            <a:r>
-              <a:rPr sz="2700" spc="22" dirty="0">
-                <a:solidFill>
-                  <a:srgbClr val="231F20"/>
-                </a:solidFill>
-                <a:latin typeface="Arial"/>
-                <a:cs typeface="Arial"/>
-              </a:rPr>
-              <a:t>e </a:t>
-            </a:r>
-            <a:r>
-              <a:rPr sz="2700" spc="-22" dirty="0">
-                <a:solidFill>
-                  <a:srgbClr val="231F20"/>
-                </a:solidFill>
-                <a:latin typeface="Arial"/>
-                <a:cs typeface="Arial"/>
-              </a:rPr>
-              <a:t>i</a:t>
-            </a:r>
-            <a:r>
-              <a:rPr sz="2700" spc="22" dirty="0">
-                <a:solidFill>
-                  <a:srgbClr val="231F20"/>
-                </a:solidFill>
-                <a:latin typeface="Arial"/>
-                <a:cs typeface="Arial"/>
-              </a:rPr>
-              <a:t>s </a:t>
-            </a:r>
-            <a:r>
-              <a:rPr sz="2700" spc="-44" dirty="0">
-                <a:solidFill>
-                  <a:srgbClr val="231F20"/>
-                </a:solidFill>
-                <a:latin typeface="Arial"/>
-                <a:cs typeface="Arial"/>
-              </a:rPr>
-              <a:t>t</a:t>
-            </a:r>
-            <a:r>
-              <a:rPr sz="2700" dirty="0">
-                <a:solidFill>
-                  <a:srgbClr val="231F20"/>
-                </a:solidFill>
-                <a:latin typeface="Arial"/>
-                <a:cs typeface="Arial"/>
-              </a:rPr>
-              <a:t>o</a:t>
-            </a:r>
-            <a:r>
-              <a:rPr sz="2700" spc="22" dirty="0">
-                <a:solidFill>
-                  <a:srgbClr val="231F20"/>
-                </a:solidFill>
-                <a:latin typeface="Arial"/>
-                <a:cs typeface="Arial"/>
-              </a:rPr>
-              <a:t>o</a:t>
-            </a:r>
-            <a:r>
-              <a:rPr sz="2700" spc="11" dirty="0">
-                <a:solidFill>
-                  <a:srgbClr val="231F20"/>
-                </a:solidFill>
-                <a:latin typeface="Arial"/>
-                <a:cs typeface="Arial"/>
-              </a:rPr>
-              <a:t> </a:t>
-            </a:r>
-            <a:r>
-              <a:rPr sz="2700" spc="-33" dirty="0">
-                <a:solidFill>
-                  <a:srgbClr val="231F20"/>
-                </a:solidFill>
-                <a:latin typeface="Arial"/>
-                <a:cs typeface="Arial"/>
-              </a:rPr>
-              <a:t>l</a:t>
-            </a:r>
-            <a:r>
-              <a:rPr sz="2700" spc="-22" dirty="0">
-                <a:solidFill>
-                  <a:srgbClr val="231F20"/>
-                </a:solidFill>
-                <a:latin typeface="Arial"/>
-                <a:cs typeface="Arial"/>
-              </a:rPr>
-              <a:t>ar</a:t>
-            </a:r>
-            <a:r>
-              <a:rPr sz="2700" spc="-11" dirty="0">
-                <a:solidFill>
-                  <a:srgbClr val="231F20"/>
-                </a:solidFill>
-                <a:latin typeface="Arial"/>
-                <a:cs typeface="Arial"/>
-              </a:rPr>
-              <a:t>g</a:t>
-            </a:r>
-            <a:r>
-              <a:rPr sz="2700" spc="-55" dirty="0">
-                <a:solidFill>
-                  <a:srgbClr val="231F20"/>
-                </a:solidFill>
-                <a:latin typeface="Arial"/>
-                <a:cs typeface="Arial"/>
-              </a:rPr>
-              <a:t>e</a:t>
-            </a:r>
-            <a:r>
-              <a:rPr sz="2700" spc="11" dirty="0">
-                <a:solidFill>
-                  <a:srgbClr val="231F20"/>
-                </a:solidFill>
-                <a:latin typeface="Arial"/>
-                <a:cs typeface="Arial"/>
-              </a:rPr>
-              <a:t>,</a:t>
-            </a:r>
-            <a:r>
-              <a:rPr sz="2700" spc="22" dirty="0">
-                <a:solidFill>
-                  <a:srgbClr val="231F20"/>
-                </a:solidFill>
-                <a:latin typeface="Arial"/>
-                <a:cs typeface="Arial"/>
-              </a:rPr>
-              <a:t> </a:t>
-            </a:r>
-            <a:r>
-              <a:rPr sz="2700" spc="-11" dirty="0">
-                <a:solidFill>
-                  <a:srgbClr val="231F20"/>
-                </a:solidFill>
-                <a:latin typeface="Arial"/>
-                <a:cs typeface="Arial"/>
-              </a:rPr>
-              <a:t>the</a:t>
-            </a:r>
-            <a:r>
-              <a:rPr sz="2700" spc="22" dirty="0">
-                <a:solidFill>
-                  <a:srgbClr val="231F20"/>
-                </a:solidFill>
-                <a:latin typeface="Arial"/>
-                <a:cs typeface="Arial"/>
-              </a:rPr>
-              <a:t>n </a:t>
-            </a:r>
-            <a:r>
-              <a:rPr sz="2700" spc="-33" dirty="0">
-                <a:solidFill>
-                  <a:srgbClr val="231F20"/>
-                </a:solidFill>
-                <a:latin typeface="Arial"/>
-                <a:cs typeface="Arial"/>
-              </a:rPr>
-              <a:t>i</a:t>
-            </a:r>
-            <a:r>
-              <a:rPr sz="2700" spc="11" dirty="0">
-                <a:solidFill>
-                  <a:srgbClr val="231F20"/>
-                </a:solidFill>
-                <a:latin typeface="Arial"/>
-                <a:cs typeface="Arial"/>
-              </a:rPr>
-              <a:t>t</a:t>
-            </a:r>
-            <a:r>
-              <a:rPr sz="2700" spc="22" dirty="0">
-                <a:solidFill>
-                  <a:srgbClr val="231F20"/>
-                </a:solidFill>
-                <a:latin typeface="Arial"/>
-                <a:cs typeface="Arial"/>
-              </a:rPr>
-              <a:t> </a:t>
-            </a:r>
-            <a:r>
-              <a:rPr sz="2700" spc="-22" dirty="0">
-                <a:solidFill>
-                  <a:srgbClr val="231F20"/>
-                </a:solidFill>
-                <a:latin typeface="Arial"/>
-                <a:cs typeface="Arial"/>
-              </a:rPr>
-              <a:t>i</a:t>
-            </a:r>
-            <a:r>
-              <a:rPr sz="2700" spc="22" dirty="0">
-                <a:solidFill>
-                  <a:srgbClr val="231F20"/>
-                </a:solidFill>
-                <a:latin typeface="Arial"/>
-                <a:cs typeface="Arial"/>
-              </a:rPr>
-              <a:t>s </a:t>
-            </a:r>
-            <a:r>
-              <a:rPr sz="2700" spc="-44" dirty="0">
-                <a:solidFill>
-                  <a:srgbClr val="231F20"/>
-                </a:solidFill>
-                <a:latin typeface="Arial"/>
-                <a:cs typeface="Arial"/>
-              </a:rPr>
-              <a:t>t</a:t>
-            </a:r>
-            <a:r>
-              <a:rPr sz="2700" dirty="0">
-                <a:solidFill>
-                  <a:srgbClr val="231F20"/>
-                </a:solidFill>
-                <a:latin typeface="Arial"/>
-                <a:cs typeface="Arial"/>
-              </a:rPr>
-              <a:t>o</a:t>
-            </a:r>
-            <a:r>
-              <a:rPr sz="2700" spc="22" dirty="0">
-                <a:solidFill>
-                  <a:srgbClr val="231F20"/>
-                </a:solidFill>
-                <a:latin typeface="Arial"/>
-                <a:cs typeface="Arial"/>
-              </a:rPr>
-              <a:t>o </a:t>
-            </a:r>
-            <a:r>
-              <a:rPr sz="2700" spc="-33" dirty="0">
-                <a:solidFill>
-                  <a:srgbClr val="231F20"/>
-                </a:solidFill>
-                <a:latin typeface="Arial"/>
-                <a:cs typeface="Arial"/>
-              </a:rPr>
-              <a:t>l</a:t>
-            </a:r>
-            <a:r>
-              <a:rPr sz="2700" spc="-22" dirty="0">
-                <a:solidFill>
-                  <a:srgbClr val="231F20"/>
-                </a:solidFill>
-                <a:latin typeface="Arial"/>
-                <a:cs typeface="Arial"/>
-              </a:rPr>
-              <a:t>ar</a:t>
-            </a:r>
-            <a:r>
-              <a:rPr sz="2700" spc="-11" dirty="0">
-                <a:solidFill>
-                  <a:srgbClr val="231F20"/>
-                </a:solidFill>
-                <a:latin typeface="Arial"/>
-                <a:cs typeface="Arial"/>
-              </a:rPr>
-              <a:t>g</a:t>
-            </a:r>
-            <a:r>
-              <a:rPr sz="2700" spc="22" dirty="0">
-                <a:solidFill>
-                  <a:srgbClr val="231F20"/>
-                </a:solidFill>
-                <a:latin typeface="Arial"/>
-                <a:cs typeface="Arial"/>
-              </a:rPr>
-              <a:t>e </a:t>
-            </a:r>
-            <a:r>
-              <a:rPr sz="2700" spc="-33" dirty="0">
-                <a:solidFill>
-                  <a:srgbClr val="231F20"/>
-                </a:solidFill>
-                <a:latin typeface="Arial"/>
-                <a:cs typeface="Arial"/>
-              </a:rPr>
-              <a:t>f</a:t>
-            </a:r>
-            <a:r>
-              <a:rPr sz="2700" dirty="0">
-                <a:solidFill>
-                  <a:srgbClr val="231F20"/>
-                </a:solidFill>
-                <a:latin typeface="Arial"/>
-                <a:cs typeface="Arial"/>
-              </a:rPr>
-              <a:t>o</a:t>
-            </a:r>
-            <a:r>
-              <a:rPr sz="2700" spc="11" dirty="0">
-                <a:solidFill>
-                  <a:srgbClr val="231F20"/>
-                </a:solidFill>
-                <a:latin typeface="Arial"/>
-                <a:cs typeface="Arial"/>
-              </a:rPr>
-              <a:t>r</a:t>
-            </a:r>
-            <a:r>
-              <a:rPr sz="2700" spc="22" dirty="0">
-                <a:solidFill>
-                  <a:srgbClr val="231F20"/>
-                </a:solidFill>
-                <a:latin typeface="Arial"/>
-                <a:cs typeface="Arial"/>
-              </a:rPr>
-              <a:t> </a:t>
-            </a:r>
-            <a:r>
-              <a:rPr sz="2700" spc="-44" dirty="0">
-                <a:solidFill>
-                  <a:srgbClr val="231F20"/>
-                </a:solidFill>
-                <a:latin typeface="Arial"/>
-                <a:cs typeface="Arial"/>
-              </a:rPr>
-              <a:t>P</a:t>
-            </a:r>
-            <a:r>
-              <a:rPr sz="2700" spc="-33" dirty="0">
-                <a:solidFill>
-                  <a:srgbClr val="231F20"/>
-                </a:solidFill>
-                <a:latin typeface="Arial"/>
-                <a:cs typeface="Arial"/>
-              </a:rPr>
-              <a:t>ow</a:t>
-            </a:r>
-            <a:r>
-              <a:rPr sz="2700" spc="-11" dirty="0">
-                <a:solidFill>
-                  <a:srgbClr val="231F20"/>
-                </a:solidFill>
-                <a:latin typeface="Arial"/>
-                <a:cs typeface="Arial"/>
-              </a:rPr>
-              <a:t>e</a:t>
-            </a:r>
-            <a:r>
-              <a:rPr sz="2700" spc="22" dirty="0">
-                <a:solidFill>
-                  <a:srgbClr val="231F20"/>
-                </a:solidFill>
-                <a:latin typeface="Arial"/>
-                <a:cs typeface="Arial"/>
-              </a:rPr>
-              <a:t>r</a:t>
-            </a:r>
-            <a:r>
-              <a:rPr sz="2700" spc="-44" dirty="0">
-                <a:solidFill>
-                  <a:srgbClr val="231F20"/>
-                </a:solidFill>
-                <a:latin typeface="Arial"/>
-                <a:cs typeface="Arial"/>
-              </a:rPr>
-              <a:t>P</a:t>
-            </a:r>
-            <a:r>
-              <a:rPr sz="2700" spc="-11" dirty="0">
-                <a:solidFill>
-                  <a:srgbClr val="231F20"/>
-                </a:solidFill>
-                <a:latin typeface="Arial"/>
-                <a:cs typeface="Arial"/>
-              </a:rPr>
-              <a:t>o</a:t>
-            </a:r>
-            <a:r>
-              <a:rPr sz="2700" spc="-33" dirty="0">
-                <a:solidFill>
-                  <a:srgbClr val="231F20"/>
-                </a:solidFill>
-                <a:latin typeface="Arial"/>
-                <a:cs typeface="Arial"/>
-              </a:rPr>
-              <a:t>i</a:t>
-            </a:r>
-            <a:r>
-              <a:rPr sz="2700" spc="-44" dirty="0">
-                <a:solidFill>
-                  <a:srgbClr val="231F20"/>
-                </a:solidFill>
-                <a:latin typeface="Arial"/>
-                <a:cs typeface="Arial"/>
-              </a:rPr>
-              <a:t>n</a:t>
-            </a:r>
-            <a:r>
-              <a:rPr sz="2700" spc="11" dirty="0">
-                <a:solidFill>
-                  <a:srgbClr val="231F20"/>
-                </a:solidFill>
-                <a:latin typeface="Arial"/>
-                <a:cs typeface="Arial"/>
-              </a:rPr>
-              <a:t>t</a:t>
-            </a:r>
-            <a:r>
-              <a:rPr sz="2700" spc="22" dirty="0">
-                <a:solidFill>
-                  <a:srgbClr val="231F20"/>
-                </a:solidFill>
-                <a:latin typeface="Arial"/>
-                <a:cs typeface="Arial"/>
-              </a:rPr>
-              <a:t> </a:t>
-            </a:r>
-            <a:r>
-              <a:rPr sz="2700" spc="-44" dirty="0">
-                <a:solidFill>
-                  <a:srgbClr val="231F20"/>
-                </a:solidFill>
-                <a:latin typeface="Arial"/>
-                <a:cs typeface="Arial"/>
-              </a:rPr>
-              <a:t>t</a:t>
-            </a:r>
-            <a:r>
-              <a:rPr sz="2700" spc="22" dirty="0">
-                <a:solidFill>
-                  <a:srgbClr val="231F20"/>
-                </a:solidFill>
-                <a:latin typeface="Arial"/>
-                <a:cs typeface="Arial"/>
-              </a:rPr>
-              <a:t>o </a:t>
-            </a:r>
-            <a:r>
-              <a:rPr sz="2700" spc="-22" dirty="0">
-                <a:solidFill>
-                  <a:srgbClr val="231F20"/>
-                </a:solidFill>
-                <a:latin typeface="Arial"/>
-                <a:cs typeface="Arial"/>
-              </a:rPr>
-              <a:t>ha</a:t>
-            </a:r>
-            <a:r>
-              <a:rPr sz="2700" spc="-11" dirty="0">
-                <a:solidFill>
-                  <a:srgbClr val="231F20"/>
-                </a:solidFill>
-                <a:latin typeface="Arial"/>
-                <a:cs typeface="Arial"/>
-              </a:rPr>
-              <a:t>n</a:t>
-            </a:r>
-            <a:r>
-              <a:rPr sz="2700" spc="-22" dirty="0">
-                <a:solidFill>
-                  <a:srgbClr val="231F20"/>
-                </a:solidFill>
-                <a:latin typeface="Arial"/>
-                <a:cs typeface="Arial"/>
-              </a:rPr>
-              <a:t>dl</a:t>
-            </a:r>
-            <a:r>
-              <a:rPr sz="2700" spc="22" dirty="0">
-                <a:solidFill>
-                  <a:srgbClr val="231F20"/>
-                </a:solidFill>
-                <a:latin typeface="Arial"/>
-                <a:cs typeface="Arial"/>
-              </a:rPr>
-              <a:t>e </a:t>
-            </a:r>
-            <a:r>
-              <a:rPr sz="2700" spc="-44" dirty="0">
-                <a:solidFill>
-                  <a:srgbClr val="231F20"/>
-                </a:solidFill>
-                <a:latin typeface="Arial"/>
-                <a:cs typeface="Arial"/>
-              </a:rPr>
-              <a:t>t</a:t>
-            </a:r>
-            <a:r>
-              <a:rPr sz="2700" dirty="0">
-                <a:solidFill>
-                  <a:srgbClr val="231F20"/>
-                </a:solidFill>
-                <a:latin typeface="Arial"/>
-                <a:cs typeface="Arial"/>
-              </a:rPr>
-              <a:t>o</a:t>
-            </a:r>
-            <a:r>
-              <a:rPr sz="2700" spc="-65" dirty="0">
-                <a:solidFill>
-                  <a:srgbClr val="231F20"/>
-                </a:solidFill>
-                <a:latin typeface="Arial"/>
-                <a:cs typeface="Arial"/>
-              </a:rPr>
-              <a:t>o</a:t>
-            </a:r>
-            <a:r>
-              <a:rPr sz="2700" spc="11" dirty="0">
-                <a:solidFill>
-                  <a:srgbClr val="231F20"/>
-                </a:solidFill>
-                <a:latin typeface="Arial"/>
-                <a:cs typeface="Arial"/>
-              </a:rPr>
-              <a:t>.</a:t>
-            </a:r>
-            <a:r>
-              <a:rPr sz="2700" spc="22" dirty="0">
-                <a:solidFill>
-                  <a:srgbClr val="231F20"/>
-                </a:solidFill>
-                <a:latin typeface="Arial"/>
-                <a:cs typeface="Arial"/>
-              </a:rPr>
-              <a:t> </a:t>
-            </a:r>
-            <a:r>
-              <a:rPr sz="2700" spc="-55" dirty="0">
-                <a:solidFill>
-                  <a:srgbClr val="231F20"/>
-                </a:solidFill>
-                <a:latin typeface="Arial"/>
-                <a:cs typeface="Arial"/>
-              </a:rPr>
-              <a:t>W</a:t>
-            </a:r>
-            <a:r>
-              <a:rPr sz="2700" spc="22" dirty="0">
-                <a:solidFill>
-                  <a:srgbClr val="231F20"/>
-                </a:solidFill>
-                <a:latin typeface="Arial"/>
-                <a:cs typeface="Arial"/>
-              </a:rPr>
-              <a:t>e</a:t>
-            </a:r>
-            <a:r>
-              <a:rPr sz="2700" spc="11" dirty="0">
-                <a:solidFill>
-                  <a:srgbClr val="231F20"/>
-                </a:solidFill>
-                <a:latin typeface="Arial"/>
-                <a:cs typeface="Arial"/>
-              </a:rPr>
-              <a:t> f</a:t>
-            </a:r>
-            <a:r>
-              <a:rPr sz="2700" spc="-11" dirty="0">
-                <a:solidFill>
-                  <a:srgbClr val="231F20"/>
-                </a:solidFill>
-                <a:latin typeface="Arial"/>
-                <a:cs typeface="Arial"/>
-              </a:rPr>
-              <a:t>in</a:t>
-            </a:r>
-            <a:r>
-              <a:rPr sz="2700" spc="22" dirty="0">
-                <a:solidFill>
-                  <a:srgbClr val="231F20"/>
-                </a:solidFill>
-                <a:latin typeface="Arial"/>
-                <a:cs typeface="Arial"/>
-              </a:rPr>
-              <a:t>d </a:t>
-            </a:r>
-            <a:r>
-              <a:rPr sz="2700" spc="-11" dirty="0">
-                <a:solidFill>
-                  <a:srgbClr val="231F20"/>
-                </a:solidFill>
-                <a:latin typeface="Arial"/>
-                <a:cs typeface="Arial"/>
-              </a:rPr>
-              <a:t>t</a:t>
-            </a:r>
-            <a:r>
-              <a:rPr sz="2700" spc="-22" dirty="0">
-                <a:solidFill>
-                  <a:srgbClr val="231F20"/>
-                </a:solidFill>
-                <a:latin typeface="Arial"/>
-                <a:cs typeface="Arial"/>
-              </a:rPr>
-              <a:t>h</a:t>
-            </a:r>
-            <a:r>
-              <a:rPr sz="2700" spc="-33" dirty="0">
-                <a:solidFill>
-                  <a:srgbClr val="231F20"/>
-                </a:solidFill>
-                <a:latin typeface="Arial"/>
-                <a:cs typeface="Arial"/>
-              </a:rPr>
-              <a:t>a</a:t>
-            </a:r>
-            <a:r>
-              <a:rPr sz="2700" spc="11" dirty="0">
-                <a:solidFill>
-                  <a:srgbClr val="231F20"/>
-                </a:solidFill>
-                <a:latin typeface="Arial"/>
-                <a:cs typeface="Arial"/>
-              </a:rPr>
-              <a:t>t</a:t>
-            </a:r>
-            <a:r>
-              <a:rPr sz="2700" spc="22" dirty="0">
-                <a:solidFill>
-                  <a:srgbClr val="231F20"/>
-                </a:solidFill>
-                <a:latin typeface="Arial"/>
-                <a:cs typeface="Arial"/>
-              </a:rPr>
-              <a:t> </a:t>
-            </a:r>
-            <a:r>
-              <a:rPr sz="2700" spc="-33" dirty="0">
-                <a:solidFill>
-                  <a:srgbClr val="231F20"/>
-                </a:solidFill>
-                <a:latin typeface="Arial"/>
-                <a:cs typeface="Arial"/>
-              </a:rPr>
-              <a:t>i</a:t>
-            </a:r>
-            <a:r>
-              <a:rPr sz="2700" spc="11" dirty="0">
-                <a:solidFill>
-                  <a:srgbClr val="231F20"/>
-                </a:solidFill>
-                <a:latin typeface="Arial"/>
-                <a:cs typeface="Arial"/>
-              </a:rPr>
-              <a:t>m</a:t>
-            </a:r>
-            <a:r>
-              <a:rPr sz="2700" spc="-22" dirty="0">
-                <a:solidFill>
-                  <a:srgbClr val="231F20"/>
-                </a:solidFill>
-                <a:latin typeface="Arial"/>
-                <a:cs typeface="Arial"/>
-              </a:rPr>
-              <a:t>a</a:t>
-            </a:r>
-            <a:r>
-              <a:rPr sz="2700" spc="-11" dirty="0">
-                <a:solidFill>
-                  <a:srgbClr val="231F20"/>
-                </a:solidFill>
-                <a:latin typeface="Arial"/>
-                <a:cs typeface="Arial"/>
-              </a:rPr>
-              <a:t>g</a:t>
-            </a:r>
-            <a:r>
-              <a:rPr sz="2700" dirty="0">
-                <a:solidFill>
-                  <a:srgbClr val="231F20"/>
-                </a:solidFill>
-                <a:latin typeface="Arial"/>
-                <a:cs typeface="Arial"/>
-              </a:rPr>
-              <a:t>e</a:t>
-            </a:r>
-            <a:r>
-              <a:rPr sz="2700" spc="22" dirty="0">
-                <a:solidFill>
-                  <a:srgbClr val="231F20"/>
-                </a:solidFill>
-                <a:latin typeface="Arial"/>
-                <a:cs typeface="Arial"/>
-              </a:rPr>
-              <a:t>s </a:t>
-            </a:r>
-            <a:r>
-              <a:rPr sz="2700" spc="-153" dirty="0">
-                <a:solidFill>
-                  <a:srgbClr val="231F20"/>
-                </a:solidFill>
-                <a:latin typeface="Arial"/>
-                <a:cs typeface="Arial"/>
-              </a:rPr>
-              <a:t>1</a:t>
-            </a:r>
-            <a:r>
-              <a:rPr sz="2700" spc="-11" dirty="0">
-                <a:solidFill>
-                  <a:srgbClr val="231F20"/>
-                </a:solidFill>
-                <a:latin typeface="Arial"/>
-                <a:cs typeface="Arial"/>
-              </a:rPr>
-              <a:t>2</a:t>
-            </a:r>
-            <a:r>
-              <a:rPr sz="2700" spc="55" dirty="0">
-                <a:solidFill>
-                  <a:srgbClr val="231F20"/>
-                </a:solidFill>
-                <a:latin typeface="Arial"/>
-                <a:cs typeface="Arial"/>
-              </a:rPr>
-              <a:t>0</a:t>
-            </a:r>
-            <a:r>
-              <a:rPr sz="2700" dirty="0">
-                <a:solidFill>
-                  <a:srgbClr val="231F20"/>
-                </a:solidFill>
-                <a:latin typeface="Arial"/>
-                <a:cs typeface="Arial"/>
-              </a:rPr>
-              <a:t>0</a:t>
-            </a:r>
-            <a:r>
-              <a:rPr sz="2700" spc="-65" dirty="0">
-                <a:solidFill>
-                  <a:srgbClr val="231F20"/>
-                </a:solidFill>
-                <a:latin typeface="Arial"/>
-                <a:cs typeface="Arial"/>
-              </a:rPr>
-              <a:t>x</a:t>
-            </a:r>
-            <a:r>
-              <a:rPr sz="2700" spc="-109" dirty="0">
-                <a:solidFill>
-                  <a:srgbClr val="231F20"/>
-                </a:solidFill>
-                <a:latin typeface="Arial"/>
-                <a:cs typeface="Arial"/>
-              </a:rPr>
-              <a:t>1</a:t>
-            </a:r>
-            <a:r>
-              <a:rPr sz="2700" spc="33" dirty="0">
-                <a:solidFill>
-                  <a:srgbClr val="231F20"/>
-                </a:solidFill>
-                <a:latin typeface="Arial"/>
-                <a:cs typeface="Arial"/>
-              </a:rPr>
-              <a:t>6</a:t>
-            </a:r>
-            <a:r>
-              <a:rPr sz="2700" spc="55" dirty="0">
-                <a:solidFill>
-                  <a:srgbClr val="231F20"/>
-                </a:solidFill>
-                <a:latin typeface="Arial"/>
-                <a:cs typeface="Arial"/>
-              </a:rPr>
-              <a:t>0</a:t>
-            </a:r>
-            <a:r>
-              <a:rPr sz="2700" spc="22" dirty="0">
-                <a:solidFill>
-                  <a:srgbClr val="231F20"/>
-                </a:solidFill>
-                <a:latin typeface="Arial"/>
-                <a:cs typeface="Arial"/>
-              </a:rPr>
-              <a:t>0 </a:t>
-            </a:r>
-            <a:r>
-              <a:rPr sz="2700" spc="-11" dirty="0">
-                <a:solidFill>
-                  <a:srgbClr val="231F20"/>
-                </a:solidFill>
-                <a:latin typeface="Arial"/>
-                <a:cs typeface="Arial"/>
-              </a:rPr>
-              <a:t>pi</a:t>
-            </a:r>
-            <a:r>
-              <a:rPr sz="2700" spc="-65" dirty="0">
-                <a:solidFill>
-                  <a:srgbClr val="231F20"/>
-                </a:solidFill>
-                <a:latin typeface="Arial"/>
-                <a:cs typeface="Arial"/>
-              </a:rPr>
-              <a:t>x</a:t>
-            </a:r>
-            <a:r>
-              <a:rPr sz="2700" spc="-11" dirty="0">
-                <a:solidFill>
-                  <a:srgbClr val="231F20"/>
-                </a:solidFill>
-                <a:latin typeface="Arial"/>
-                <a:cs typeface="Arial"/>
-              </a:rPr>
-              <a:t>e</a:t>
-            </a:r>
-            <a:r>
-              <a:rPr sz="2700" spc="-22" dirty="0">
-                <a:solidFill>
-                  <a:srgbClr val="231F20"/>
-                </a:solidFill>
-                <a:latin typeface="Arial"/>
-                <a:cs typeface="Arial"/>
-              </a:rPr>
-              <a:t>l</a:t>
-            </a:r>
-            <a:r>
-              <a:rPr sz="2700" spc="22" dirty="0">
-                <a:solidFill>
-                  <a:srgbClr val="231F20"/>
-                </a:solidFill>
-                <a:latin typeface="Arial"/>
-                <a:cs typeface="Arial"/>
-              </a:rPr>
-              <a:t>s </a:t>
-            </a:r>
-            <a:r>
-              <a:rPr sz="2700" dirty="0">
-                <a:solidFill>
-                  <a:srgbClr val="231F20"/>
-                </a:solidFill>
-                <a:latin typeface="Arial"/>
-                <a:cs typeface="Arial"/>
-              </a:rPr>
-              <a:t>o</a:t>
-            </a:r>
-            <a:r>
-              <a:rPr sz="2700" spc="11" dirty="0">
-                <a:solidFill>
-                  <a:srgbClr val="231F20"/>
-                </a:solidFill>
-                <a:latin typeface="Arial"/>
-                <a:cs typeface="Arial"/>
-              </a:rPr>
-              <a:t>r</a:t>
-            </a:r>
-            <a:r>
-              <a:rPr sz="2700" spc="22" dirty="0">
-                <a:solidFill>
-                  <a:srgbClr val="231F20"/>
-                </a:solidFill>
-                <a:latin typeface="Arial"/>
-                <a:cs typeface="Arial"/>
-              </a:rPr>
-              <a:t> </a:t>
-            </a:r>
-            <a:r>
-              <a:rPr sz="2700" spc="-22" dirty="0">
-                <a:solidFill>
-                  <a:srgbClr val="231F20"/>
-                </a:solidFill>
-                <a:latin typeface="Arial"/>
-                <a:cs typeface="Arial"/>
-              </a:rPr>
-              <a:t>s</a:t>
-            </a:r>
-            <a:r>
-              <a:rPr sz="2700" spc="11" dirty="0">
-                <a:solidFill>
-                  <a:srgbClr val="231F20"/>
-                </a:solidFill>
-                <a:latin typeface="Arial"/>
-                <a:cs typeface="Arial"/>
-              </a:rPr>
-              <a:t>m</a:t>
-            </a:r>
-            <a:r>
-              <a:rPr sz="2700" spc="-22" dirty="0">
-                <a:solidFill>
-                  <a:srgbClr val="231F20"/>
-                </a:solidFill>
-                <a:latin typeface="Arial"/>
-                <a:cs typeface="Arial"/>
-              </a:rPr>
-              <a:t>a</a:t>
-            </a:r>
-            <a:r>
-              <a:rPr sz="2700" spc="-33" dirty="0">
-                <a:solidFill>
-                  <a:srgbClr val="231F20"/>
-                </a:solidFill>
-                <a:latin typeface="Arial"/>
-                <a:cs typeface="Arial"/>
-              </a:rPr>
-              <a:t>l</a:t>
-            </a:r>
-            <a:r>
-              <a:rPr sz="2700" spc="-22" dirty="0">
-                <a:solidFill>
-                  <a:srgbClr val="231F20"/>
-                </a:solidFill>
-                <a:latin typeface="Arial"/>
-                <a:cs typeface="Arial"/>
-              </a:rPr>
-              <a:t>l</a:t>
-            </a:r>
-            <a:r>
-              <a:rPr sz="2700" spc="-11" dirty="0">
-                <a:solidFill>
-                  <a:srgbClr val="231F20"/>
-                </a:solidFill>
-                <a:latin typeface="Arial"/>
-                <a:cs typeface="Arial"/>
-              </a:rPr>
-              <a:t>e</a:t>
-            </a:r>
-            <a:r>
-              <a:rPr sz="2700" spc="11" dirty="0">
-                <a:solidFill>
-                  <a:srgbClr val="231F20"/>
-                </a:solidFill>
-                <a:latin typeface="Arial"/>
-                <a:cs typeface="Arial"/>
-              </a:rPr>
-              <a:t>r</a:t>
-            </a:r>
-            <a:r>
-              <a:rPr sz="2700" spc="22" dirty="0">
-                <a:solidFill>
-                  <a:srgbClr val="231F20"/>
-                </a:solidFill>
-                <a:latin typeface="Arial"/>
-                <a:cs typeface="Arial"/>
-              </a:rPr>
-              <a:t> </a:t>
-            </a:r>
-            <a:r>
-              <a:rPr sz="2700" spc="-22" dirty="0">
-                <a:solidFill>
-                  <a:srgbClr val="231F20"/>
-                </a:solidFill>
-                <a:latin typeface="Arial"/>
-                <a:cs typeface="Arial"/>
-              </a:rPr>
-              <a:t>w</a:t>
-            </a:r>
-            <a:r>
-              <a:rPr sz="2700" dirty="0">
-                <a:solidFill>
-                  <a:srgbClr val="231F20"/>
-                </a:solidFill>
-                <a:latin typeface="Arial"/>
-                <a:cs typeface="Arial"/>
-              </a:rPr>
-              <a:t>o</a:t>
-            </a:r>
-            <a:r>
-              <a:rPr sz="2700" spc="22" dirty="0">
-                <a:solidFill>
-                  <a:srgbClr val="231F20"/>
-                </a:solidFill>
-                <a:latin typeface="Arial"/>
-                <a:cs typeface="Arial"/>
-              </a:rPr>
-              <a:t>rk </a:t>
-            </a:r>
-            <a:r>
-              <a:rPr sz="2700" spc="-55" dirty="0">
-                <a:solidFill>
-                  <a:srgbClr val="231F20"/>
-                </a:solidFill>
-                <a:latin typeface="Arial"/>
-                <a:cs typeface="Arial"/>
-              </a:rPr>
-              <a:t>v</a:t>
-            </a:r>
-            <a:r>
-              <a:rPr sz="2700" spc="-11" dirty="0">
-                <a:solidFill>
-                  <a:srgbClr val="231F20"/>
-                </a:solidFill>
-                <a:latin typeface="Arial"/>
-                <a:cs typeface="Arial"/>
-              </a:rPr>
-              <a:t>e</a:t>
-            </a:r>
-            <a:r>
-              <a:rPr sz="2700" spc="87" dirty="0">
-                <a:solidFill>
-                  <a:srgbClr val="231F20"/>
-                </a:solidFill>
-                <a:latin typeface="Arial"/>
-                <a:cs typeface="Arial"/>
-              </a:rPr>
-              <a:t>r</a:t>
-            </a:r>
-            <a:r>
-              <a:rPr sz="2700" spc="22" dirty="0">
-                <a:solidFill>
-                  <a:srgbClr val="231F20"/>
-                </a:solidFill>
-                <a:latin typeface="Arial"/>
-                <a:cs typeface="Arial"/>
-              </a:rPr>
-              <a:t>y</a:t>
-            </a:r>
-            <a:r>
-              <a:rPr sz="2700" spc="11" dirty="0">
-                <a:solidFill>
-                  <a:srgbClr val="231F20"/>
-                </a:solidFill>
-                <a:latin typeface="Arial"/>
-                <a:cs typeface="Arial"/>
-              </a:rPr>
-              <a:t> </a:t>
-            </a:r>
-            <a:r>
-              <a:rPr sz="2700" spc="-33" dirty="0">
-                <a:solidFill>
-                  <a:srgbClr val="231F20"/>
-                </a:solidFill>
-                <a:latin typeface="Arial"/>
-                <a:cs typeface="Arial"/>
-              </a:rPr>
-              <a:t>w</a:t>
-            </a:r>
-            <a:r>
-              <a:rPr sz="2700" spc="-11" dirty="0">
-                <a:solidFill>
-                  <a:srgbClr val="231F20"/>
-                </a:solidFill>
-                <a:latin typeface="Arial"/>
-                <a:cs typeface="Arial"/>
-              </a:rPr>
-              <a:t>e</a:t>
-            </a:r>
-            <a:r>
-              <a:rPr sz="2700" spc="-33" dirty="0">
-                <a:solidFill>
-                  <a:srgbClr val="231F20"/>
-                </a:solidFill>
-                <a:latin typeface="Arial"/>
-                <a:cs typeface="Arial"/>
-              </a:rPr>
-              <a:t>l</a:t>
-            </a:r>
-            <a:r>
-              <a:rPr sz="2700" spc="-55" dirty="0">
-                <a:solidFill>
-                  <a:srgbClr val="231F20"/>
-                </a:solidFill>
-                <a:latin typeface="Arial"/>
-                <a:cs typeface="Arial"/>
-              </a:rPr>
-              <a:t>l</a:t>
-            </a:r>
-            <a:r>
-              <a:rPr sz="2700" spc="11" dirty="0">
-                <a:solidFill>
-                  <a:srgbClr val="231F20"/>
-                </a:solidFill>
-                <a:latin typeface="Arial"/>
-                <a:cs typeface="Arial"/>
-              </a:rPr>
-              <a:t>.</a:t>
-            </a:r>
-            <a:r>
-              <a:rPr sz="2700" spc="22" dirty="0">
-                <a:solidFill>
-                  <a:srgbClr val="231F20"/>
-                </a:solidFill>
-                <a:latin typeface="Arial"/>
-                <a:cs typeface="Arial"/>
-              </a:rPr>
-              <a:t> </a:t>
-            </a:r>
-            <a:r>
-              <a:rPr sz="2700" spc="-142" dirty="0">
-                <a:solidFill>
-                  <a:srgbClr val="231F20"/>
-                </a:solidFill>
-                <a:latin typeface="Arial"/>
-                <a:cs typeface="Arial"/>
-              </a:rPr>
-              <a:t>V</a:t>
-            </a:r>
-            <a:r>
-              <a:rPr sz="2700" spc="-11" dirty="0">
-                <a:solidFill>
-                  <a:srgbClr val="231F20"/>
-                </a:solidFill>
-                <a:latin typeface="Arial"/>
-                <a:cs typeface="Arial"/>
-              </a:rPr>
-              <a:t>e</a:t>
-            </a:r>
-            <a:r>
-              <a:rPr sz="2700" spc="87" dirty="0">
-                <a:solidFill>
-                  <a:srgbClr val="231F20"/>
-                </a:solidFill>
-                <a:latin typeface="Arial"/>
-                <a:cs typeface="Arial"/>
-              </a:rPr>
-              <a:t>r</a:t>
-            </a:r>
-            <a:r>
-              <a:rPr sz="2700" spc="22" dirty="0">
-                <a:solidFill>
-                  <a:srgbClr val="231F20"/>
-                </a:solidFill>
-                <a:latin typeface="Arial"/>
-                <a:cs typeface="Arial"/>
-              </a:rPr>
-              <a:t>y </a:t>
-            </a:r>
-            <a:r>
-              <a:rPr sz="2700" spc="-33" dirty="0">
-                <a:solidFill>
-                  <a:srgbClr val="231F20"/>
-                </a:solidFill>
-                <a:latin typeface="Arial"/>
-                <a:cs typeface="Arial"/>
-              </a:rPr>
-              <a:t>l</a:t>
-            </a:r>
-            <a:r>
-              <a:rPr sz="2700" spc="-22" dirty="0">
-                <a:solidFill>
-                  <a:srgbClr val="231F20"/>
-                </a:solidFill>
-                <a:latin typeface="Arial"/>
-                <a:cs typeface="Arial"/>
-              </a:rPr>
-              <a:t>ar</a:t>
-            </a:r>
-            <a:r>
-              <a:rPr sz="2700" spc="-11" dirty="0">
-                <a:solidFill>
-                  <a:srgbClr val="231F20"/>
-                </a:solidFill>
-                <a:latin typeface="Arial"/>
-                <a:cs typeface="Arial"/>
-              </a:rPr>
-              <a:t>g</a:t>
-            </a:r>
-            <a:r>
-              <a:rPr sz="2700" spc="22" dirty="0">
-                <a:solidFill>
-                  <a:srgbClr val="231F20"/>
-                </a:solidFill>
-                <a:latin typeface="Arial"/>
-                <a:cs typeface="Arial"/>
-              </a:rPr>
-              <a:t>e </a:t>
-            </a:r>
-            <a:r>
-              <a:rPr sz="2700" spc="-33" dirty="0">
-                <a:solidFill>
-                  <a:srgbClr val="231F20"/>
-                </a:solidFill>
-                <a:latin typeface="Arial"/>
-                <a:cs typeface="Arial"/>
-              </a:rPr>
-              <a:t>i</a:t>
-            </a:r>
-            <a:r>
-              <a:rPr sz="2700" spc="11" dirty="0">
-                <a:solidFill>
-                  <a:srgbClr val="231F20"/>
-                </a:solidFill>
-                <a:latin typeface="Arial"/>
-                <a:cs typeface="Arial"/>
-              </a:rPr>
-              <a:t>m</a:t>
-            </a:r>
-            <a:r>
-              <a:rPr sz="2700" spc="-22" dirty="0">
-                <a:solidFill>
-                  <a:srgbClr val="231F20"/>
-                </a:solidFill>
-                <a:latin typeface="Arial"/>
-                <a:cs typeface="Arial"/>
-              </a:rPr>
-              <a:t>a</a:t>
-            </a:r>
-            <a:r>
-              <a:rPr sz="2700" spc="-11" dirty="0">
-                <a:solidFill>
-                  <a:srgbClr val="231F20"/>
-                </a:solidFill>
-                <a:latin typeface="Arial"/>
-                <a:cs typeface="Arial"/>
-              </a:rPr>
-              <a:t>g</a:t>
-            </a:r>
-            <a:r>
-              <a:rPr sz="2700" dirty="0">
-                <a:solidFill>
-                  <a:srgbClr val="231F20"/>
-                </a:solidFill>
-                <a:latin typeface="Arial"/>
-                <a:cs typeface="Arial"/>
-              </a:rPr>
-              <a:t>e</a:t>
-            </a:r>
-            <a:r>
-              <a:rPr sz="2700" spc="22" dirty="0">
-                <a:solidFill>
-                  <a:srgbClr val="231F20"/>
-                </a:solidFill>
-                <a:latin typeface="Arial"/>
-                <a:cs typeface="Arial"/>
-              </a:rPr>
-              <a:t>s </a:t>
-            </a:r>
-            <a:r>
-              <a:rPr sz="2700" spc="11" dirty="0">
-                <a:solidFill>
-                  <a:srgbClr val="231F20"/>
-                </a:solidFill>
-                <a:latin typeface="Arial"/>
-                <a:cs typeface="Arial"/>
-              </a:rPr>
-              <a:t>m</a:t>
-            </a:r>
-            <a:r>
-              <a:rPr sz="2700" spc="-65" dirty="0">
-                <a:solidFill>
-                  <a:srgbClr val="231F20"/>
-                </a:solidFill>
-                <a:latin typeface="Arial"/>
-                <a:cs typeface="Arial"/>
-              </a:rPr>
-              <a:t>a</a:t>
-            </a:r>
-            <a:r>
-              <a:rPr sz="2700" spc="22" dirty="0">
-                <a:solidFill>
-                  <a:srgbClr val="231F20"/>
-                </a:solidFill>
-                <a:latin typeface="Arial"/>
-                <a:cs typeface="Arial"/>
-              </a:rPr>
-              <a:t>y </a:t>
-            </a:r>
-            <a:r>
-              <a:rPr sz="2700" spc="-22" dirty="0">
-                <a:solidFill>
-                  <a:srgbClr val="231F20"/>
-                </a:solidFill>
-                <a:latin typeface="Arial"/>
-                <a:cs typeface="Arial"/>
-              </a:rPr>
-              <a:t>s</a:t>
-            </a:r>
-            <a:r>
-              <a:rPr sz="2700" spc="-11" dirty="0">
-                <a:solidFill>
-                  <a:srgbClr val="231F20"/>
-                </a:solidFill>
-                <a:latin typeface="Arial"/>
-                <a:cs typeface="Arial"/>
-              </a:rPr>
-              <a:t>h</a:t>
-            </a:r>
-            <a:r>
-              <a:rPr sz="2700" spc="-33" dirty="0">
-                <a:solidFill>
-                  <a:srgbClr val="231F20"/>
-                </a:solidFill>
-                <a:latin typeface="Arial"/>
-                <a:cs typeface="Arial"/>
-              </a:rPr>
-              <a:t>o</a:t>
-            </a:r>
-            <a:r>
-              <a:rPr sz="2700" spc="33" dirty="0">
-                <a:solidFill>
-                  <a:srgbClr val="231F20"/>
-                </a:solidFill>
-                <a:latin typeface="Arial"/>
-                <a:cs typeface="Arial"/>
-              </a:rPr>
-              <a:t>w</a:t>
-            </a:r>
-            <a:r>
-              <a:rPr sz="2700" spc="22" dirty="0">
-                <a:solidFill>
-                  <a:srgbClr val="231F20"/>
-                </a:solidFill>
-                <a:latin typeface="Arial"/>
-                <a:cs typeface="Arial"/>
-              </a:rPr>
-              <a:t> </a:t>
-            </a:r>
-            <a:r>
-              <a:rPr sz="2700" dirty="0">
-                <a:solidFill>
-                  <a:srgbClr val="231F20"/>
-                </a:solidFill>
-                <a:latin typeface="Arial"/>
-                <a:cs typeface="Arial"/>
-              </a:rPr>
-              <a:t>o</a:t>
-            </a:r>
-            <a:r>
-              <a:rPr sz="2700" spc="22" dirty="0">
-                <a:solidFill>
-                  <a:srgbClr val="231F20"/>
-                </a:solidFill>
-                <a:latin typeface="Arial"/>
-                <a:cs typeface="Arial"/>
-              </a:rPr>
-              <a:t>n </a:t>
-            </a:r>
-            <a:r>
-              <a:rPr sz="2700" spc="-44" dirty="0">
-                <a:solidFill>
-                  <a:srgbClr val="231F20"/>
-                </a:solidFill>
-                <a:latin typeface="Arial"/>
-                <a:cs typeface="Arial"/>
-              </a:rPr>
-              <a:t>y</a:t>
-            </a:r>
-            <a:r>
-              <a:rPr sz="2700" spc="-11" dirty="0">
-                <a:solidFill>
-                  <a:srgbClr val="231F20"/>
-                </a:solidFill>
-                <a:latin typeface="Arial"/>
-                <a:cs typeface="Arial"/>
-              </a:rPr>
-              <a:t>o</a:t>
-            </a:r>
-            <a:r>
-              <a:rPr sz="2700" spc="-22" dirty="0">
-                <a:solidFill>
-                  <a:srgbClr val="231F20"/>
-                </a:solidFill>
-                <a:latin typeface="Arial"/>
-                <a:cs typeface="Arial"/>
-              </a:rPr>
-              <a:t>u</a:t>
-            </a:r>
-            <a:r>
-              <a:rPr sz="2700" spc="11" dirty="0">
-                <a:solidFill>
-                  <a:srgbClr val="231F20"/>
-                </a:solidFill>
-                <a:latin typeface="Arial"/>
-                <a:cs typeface="Arial"/>
-              </a:rPr>
-              <a:t>r</a:t>
-            </a:r>
-            <a:r>
-              <a:rPr sz="2700" spc="22" dirty="0">
-                <a:solidFill>
-                  <a:srgbClr val="231F20"/>
-                </a:solidFill>
-                <a:latin typeface="Arial"/>
-                <a:cs typeface="Arial"/>
-              </a:rPr>
-              <a:t> </a:t>
-            </a:r>
-            <a:r>
-              <a:rPr sz="2700" spc="-11" dirty="0">
-                <a:solidFill>
-                  <a:srgbClr val="231F20"/>
-                </a:solidFill>
-                <a:latin typeface="Arial"/>
-                <a:cs typeface="Arial"/>
-              </a:rPr>
-              <a:t>s</a:t>
-            </a:r>
-            <a:r>
-              <a:rPr sz="2700" spc="11" dirty="0">
-                <a:solidFill>
-                  <a:srgbClr val="231F20"/>
-                </a:solidFill>
-                <a:latin typeface="Arial"/>
-                <a:cs typeface="Arial"/>
-              </a:rPr>
-              <a:t>c</a:t>
-            </a:r>
-            <a:r>
-              <a:rPr sz="2700" spc="-22" dirty="0">
-                <a:solidFill>
-                  <a:srgbClr val="231F20"/>
-                </a:solidFill>
-                <a:latin typeface="Arial"/>
-                <a:cs typeface="Arial"/>
-              </a:rPr>
-              <a:t>r</a:t>
-            </a:r>
-            <a:r>
-              <a:rPr sz="2700" spc="-11" dirty="0">
-                <a:solidFill>
-                  <a:srgbClr val="231F20"/>
-                </a:solidFill>
-                <a:latin typeface="Arial"/>
-                <a:cs typeface="Arial"/>
-              </a:rPr>
-              <a:t>ee</a:t>
-            </a:r>
-            <a:r>
-              <a:rPr sz="2700" spc="22" dirty="0">
-                <a:solidFill>
-                  <a:srgbClr val="231F20"/>
-                </a:solidFill>
-                <a:latin typeface="Arial"/>
-                <a:cs typeface="Arial"/>
-              </a:rPr>
-              <a:t>n </a:t>
-            </a:r>
-            <a:r>
-              <a:rPr sz="2700" spc="-22" dirty="0">
-                <a:solidFill>
-                  <a:srgbClr val="231F20"/>
-                </a:solidFill>
-                <a:latin typeface="Arial"/>
-                <a:cs typeface="Arial"/>
-              </a:rPr>
-              <a:t>bu</a:t>
-            </a:r>
-            <a:r>
-              <a:rPr sz="2700" spc="11" dirty="0">
-                <a:solidFill>
-                  <a:srgbClr val="231F20"/>
-                </a:solidFill>
-                <a:latin typeface="Arial"/>
-                <a:cs typeface="Arial"/>
-              </a:rPr>
-              <a:t>t </a:t>
-            </a:r>
-            <a:r>
-              <a:rPr sz="2700" spc="-44" dirty="0">
-                <a:solidFill>
-                  <a:srgbClr val="231F20"/>
-                </a:solidFill>
-                <a:latin typeface="Arial"/>
-                <a:cs typeface="Arial"/>
-              </a:rPr>
-              <a:t>P</a:t>
-            </a:r>
-            <a:r>
-              <a:rPr sz="2700" spc="-33" dirty="0">
-                <a:solidFill>
-                  <a:srgbClr val="231F20"/>
-                </a:solidFill>
-                <a:latin typeface="Arial"/>
-                <a:cs typeface="Arial"/>
-              </a:rPr>
-              <a:t>ow</a:t>
-            </a:r>
-            <a:r>
-              <a:rPr sz="2700" spc="-11" dirty="0">
-                <a:solidFill>
-                  <a:srgbClr val="231F20"/>
-                </a:solidFill>
-                <a:latin typeface="Arial"/>
-                <a:cs typeface="Arial"/>
-              </a:rPr>
-              <a:t>e</a:t>
-            </a:r>
-            <a:r>
-              <a:rPr sz="2700" spc="22" dirty="0">
-                <a:solidFill>
-                  <a:srgbClr val="231F20"/>
-                </a:solidFill>
-                <a:latin typeface="Arial"/>
-                <a:cs typeface="Arial"/>
-              </a:rPr>
-              <a:t>r</a:t>
-            </a:r>
-            <a:r>
-              <a:rPr sz="2700" spc="-44" dirty="0">
-                <a:solidFill>
-                  <a:srgbClr val="231F20"/>
-                </a:solidFill>
-                <a:latin typeface="Arial"/>
-                <a:cs typeface="Arial"/>
-              </a:rPr>
-              <a:t>P</a:t>
-            </a:r>
-            <a:r>
-              <a:rPr sz="2700" spc="-11" dirty="0">
-                <a:solidFill>
-                  <a:srgbClr val="231F20"/>
-                </a:solidFill>
-                <a:latin typeface="Arial"/>
-                <a:cs typeface="Arial"/>
-              </a:rPr>
-              <a:t>o</a:t>
-            </a:r>
-            <a:r>
-              <a:rPr sz="2700" spc="-33" dirty="0">
-                <a:solidFill>
-                  <a:srgbClr val="231F20"/>
-                </a:solidFill>
-                <a:latin typeface="Arial"/>
-                <a:cs typeface="Arial"/>
-              </a:rPr>
-              <a:t>i</a:t>
-            </a:r>
-            <a:r>
-              <a:rPr sz="2700" spc="-44" dirty="0">
-                <a:solidFill>
-                  <a:srgbClr val="231F20"/>
-                </a:solidFill>
-                <a:latin typeface="Arial"/>
-                <a:cs typeface="Arial"/>
-              </a:rPr>
-              <a:t>n</a:t>
-            </a:r>
-            <a:r>
-              <a:rPr sz="2700" spc="11" dirty="0">
-                <a:solidFill>
-                  <a:srgbClr val="231F20"/>
-                </a:solidFill>
-                <a:latin typeface="Arial"/>
-                <a:cs typeface="Arial"/>
-              </a:rPr>
-              <a:t>t</a:t>
-            </a:r>
-            <a:r>
-              <a:rPr sz="2700" spc="22" dirty="0">
-                <a:solidFill>
-                  <a:srgbClr val="231F20"/>
-                </a:solidFill>
-                <a:latin typeface="Arial"/>
-                <a:cs typeface="Arial"/>
-              </a:rPr>
-              <a:t> </a:t>
-            </a:r>
-            <a:r>
-              <a:rPr sz="2700" spc="33" dirty="0">
-                <a:solidFill>
-                  <a:srgbClr val="231F20"/>
-                </a:solidFill>
-                <a:latin typeface="Arial"/>
-                <a:cs typeface="Arial"/>
-              </a:rPr>
-              <a:t>c</a:t>
-            </a:r>
-            <a:r>
-              <a:rPr sz="2700" spc="-22" dirty="0">
-                <a:solidFill>
-                  <a:srgbClr val="231F20"/>
-                </a:solidFill>
-                <a:latin typeface="Arial"/>
-                <a:cs typeface="Arial"/>
-              </a:rPr>
-              <a:t>an</a:t>
-            </a:r>
-            <a:r>
-              <a:rPr sz="2700" spc="-11" dirty="0">
-                <a:solidFill>
-                  <a:srgbClr val="231F20"/>
-                </a:solidFill>
-                <a:latin typeface="Arial"/>
-                <a:cs typeface="Arial"/>
-              </a:rPr>
-              <a:t>n</a:t>
-            </a:r>
-            <a:r>
-              <a:rPr sz="2700" spc="-33" dirty="0">
-                <a:solidFill>
-                  <a:srgbClr val="231F20"/>
-                </a:solidFill>
-                <a:latin typeface="Arial"/>
-                <a:cs typeface="Arial"/>
-              </a:rPr>
-              <a:t>o</a:t>
-            </a:r>
-            <a:r>
-              <a:rPr sz="2700" spc="11" dirty="0">
-                <a:solidFill>
-                  <a:srgbClr val="231F20"/>
-                </a:solidFill>
-                <a:latin typeface="Arial"/>
-                <a:cs typeface="Arial"/>
-              </a:rPr>
-              <a:t>t</a:t>
-            </a:r>
-            <a:r>
-              <a:rPr sz="2700" spc="22" dirty="0">
-                <a:solidFill>
-                  <a:srgbClr val="231F20"/>
-                </a:solidFill>
-                <a:latin typeface="Arial"/>
-                <a:cs typeface="Arial"/>
-              </a:rPr>
-              <a:t> </a:t>
-            </a:r>
-            <a:r>
-              <a:rPr sz="2700" spc="-11" dirty="0">
-                <a:solidFill>
-                  <a:srgbClr val="231F20"/>
-                </a:solidFill>
-                <a:latin typeface="Arial"/>
-                <a:cs typeface="Arial"/>
-              </a:rPr>
-              <a:t>p</a:t>
-            </a:r>
-            <a:r>
-              <a:rPr sz="2700" spc="22" dirty="0">
-                <a:solidFill>
-                  <a:srgbClr val="231F20"/>
-                </a:solidFill>
-                <a:latin typeface="Arial"/>
-                <a:cs typeface="Arial"/>
-              </a:rPr>
-              <a:t>r</a:t>
-            </a:r>
-            <a:r>
-              <a:rPr sz="2700" spc="-33" dirty="0">
-                <a:solidFill>
-                  <a:srgbClr val="231F20"/>
-                </a:solidFill>
-                <a:latin typeface="Arial"/>
-                <a:cs typeface="Arial"/>
-              </a:rPr>
-              <a:t>i</a:t>
-            </a:r>
-            <a:r>
-              <a:rPr sz="2700" spc="-44" dirty="0">
-                <a:solidFill>
-                  <a:srgbClr val="231F20"/>
-                </a:solidFill>
-                <a:latin typeface="Arial"/>
-                <a:cs typeface="Arial"/>
-              </a:rPr>
-              <a:t>n</a:t>
-            </a:r>
-            <a:r>
-              <a:rPr sz="2700" spc="11" dirty="0">
-                <a:solidFill>
-                  <a:srgbClr val="231F20"/>
-                </a:solidFill>
-                <a:latin typeface="Arial"/>
-                <a:cs typeface="Arial"/>
-              </a:rPr>
-              <a:t>t</a:t>
-            </a:r>
-            <a:r>
-              <a:rPr sz="2700" spc="22" dirty="0">
-                <a:solidFill>
-                  <a:srgbClr val="231F20"/>
-                </a:solidFill>
-                <a:latin typeface="Arial"/>
-                <a:cs typeface="Arial"/>
-              </a:rPr>
-              <a:t> </a:t>
-            </a:r>
-            <a:r>
-              <a:rPr sz="2700" spc="-11" dirty="0">
-                <a:solidFill>
-                  <a:srgbClr val="231F20"/>
-                </a:solidFill>
-                <a:latin typeface="Arial"/>
-                <a:cs typeface="Arial"/>
-              </a:rPr>
-              <a:t>them</a:t>
             </a:r>
             <a:r>
               <a:rPr sz="2700" spc="11" dirty="0">
@@ -13770,7 +10625,7 @@
         </p:nvSpPr>
         <p:spPr>
           <a:xfrm>
-            <a:off x="22636352" y="25776666"/>
+            <a:off x="22636352" y="16095069"/>
             <a:ext cx="9113732" cy="1329467"/>
           </a:xfrm>
           <a:prstGeom prst="rect">
@@ -14199,10 +11054,10 @@
       </p:pic>
       <p:pic>
         <p:nvPicPr>
-          <p:cNvPr id="20" name="Picture 19" descr="A screenshot of a cell phone&#10;&#10;Description automatically generated">
+          <p:cNvPr id="7" name="Picture 6" descr="A screenshot of a computer&#10;&#10;Description automatically generated">
             <a:extLst>
               <a:ext uri="{FF2B5EF4-FFF2-40B4-BE49-F238E27FC236}">
-                <a16:creationId xmlns:a16="http://schemas.microsoft.com/office/drawing/2014/main" id="{C33CFF64-B304-5925-C5D5-01E2B39E3B08}"/>
+                <a16:creationId xmlns:a16="http://schemas.microsoft.com/office/drawing/2014/main" id="{8B31322C-0AF9-9A3E-333D-F8D2B7FC5706}"/>
               </a:ext>
             </a:extLst>
           </p:cNvPr>
@@ -14225,14 +11080,210 @@
         </p:blipFill>
         <p:spPr>
           <a:xfrm>
-            <a:off x="22598537" y="15163294"/>
-            <a:ext cx="8812394" cy="9779738"/>
+            <a:off x="33115292" y="7193501"/>
+            <a:ext cx="9030472" cy="5830894"/>
           </a:xfrm>
           <a:prstGeom prst="rect">
             <a:avLst/>
           </a:prstGeom>
         </p:spPr>
       </p:pic>
+      <p:pic>
+        <p:nvPicPr>
+          <p:cNvPr id="14" name="Picture 13" descr="A black background with a black square&#10;&#10;Description automatically generated with medium confidence">
+            <a:extLst>
+              <a:ext uri="{FF2B5EF4-FFF2-40B4-BE49-F238E27FC236}">
+                <a16:creationId xmlns:a16="http://schemas.microsoft.com/office/drawing/2014/main" id="{BFDEF3A7-0616-6EB8-8A25-0EB6AD0E5D5F}"/>
+              </a:ext>
+            </a:extLst>
+          </p:cNvPr>
+          <p:cNvPicPr>
+            <a:picLocks noChangeAspect="1"/>
+          </p:cNvPicPr>
+          <p:nvPr/>
+        </p:nvPicPr>
+        <p:blipFill>
+          <a:blip r:embed="rId8">
+            <a:extLst>
+              <a:ext uri="{28A0092B-C50C-407E-A947-70E740481C1C}">
+                <a14:useLocalDpi xmlns:a14="http://schemas.microsoft.com/office/drawing/2010/main" val="0"/>
+              </a:ext>
+            </a:extLst>
+          </a:blip>
+          <a:stretch>
+            <a:fillRect/>
+          </a:stretch>
+        </p:blipFill>
+        <p:spPr>
+          <a:xfrm>
+            <a:off x="22603370" y="11361623"/>
+            <a:ext cx="9297776" cy="4562903"/>
+          </a:xfrm>
+          <a:prstGeom prst="rect">
+            <a:avLst/>
+          </a:prstGeom>
+        </p:spPr>
+      </p:pic>
+      <p:pic>
+        <p:nvPicPr>
+          <p:cNvPr id="30" name="Picture 29" descr="A graph of different colored lines">
+            <a:extLst>
+              <a:ext uri="{FF2B5EF4-FFF2-40B4-BE49-F238E27FC236}">
+                <a16:creationId xmlns:a16="http://schemas.microsoft.com/office/drawing/2014/main" id="{C867C69C-52D7-687D-4FBE-39373EE624B7}"/>
+              </a:ext>
+            </a:extLst>
+          </p:cNvPr>
+          <p:cNvPicPr>
+            <a:picLocks noChangeAspect="1"/>
+          </p:cNvPicPr>
+          <p:nvPr/>
+        </p:nvPicPr>
+        <p:blipFill>
+          <a:blip r:embed="rId9">
+            <a:extLst>
+              <a:ext uri="{28A0092B-C50C-407E-A947-70E740481C1C}">
+                <a14:useLocalDpi xmlns:a14="http://schemas.microsoft.com/office/drawing/2010/main" val="0"/>
+              </a:ext>
+            </a:extLst>
+          </a:blip>
+          <a:stretch>
+            <a:fillRect/>
+          </a:stretch>
+        </p:blipFill>
+        <p:spPr>
+          <a:xfrm>
+            <a:off x="22603370" y="22137320"/>
+            <a:ext cx="9297776" cy="6764550"/>
+          </a:xfrm>
+          <a:prstGeom prst="rect">
+            <a:avLst/>
+          </a:prstGeom>
+        </p:spPr>
+      </p:pic>
+      <p:sp>
+        <p:nvSpPr>
+          <p:cNvPr id="34" name="object 13">
+            <a:extLst>
+              <a:ext uri="{FF2B5EF4-FFF2-40B4-BE49-F238E27FC236}">
+                <a16:creationId xmlns:a16="http://schemas.microsoft.com/office/drawing/2014/main" id="{8A52A7CF-E617-4412-7158-35365FB59556}"/>
+              </a:ext>
+            </a:extLst>
+          </p:cNvPr>
+          <p:cNvSpPr txBox="1"/>
+          <p:nvPr/>
+        </p:nvSpPr>
+        <p:spPr>
+          <a:xfrm>
+            <a:off x="22603370" y="29162006"/>
+            <a:ext cx="9113732" cy="1329467"/>
+          </a:xfrm>
+          <a:prstGeom prst="rect">
+            <a:avLst/>
+          </a:prstGeom>
+        </p:spPr>
+        <p:txBody>
+          <a:bodyPr vert="horz" wrap="square" lIns="0" tIns="0" rIns="0" bIns="0" rtlCol="0">
+            <a:spAutoFit/>
+          </a:bodyPr>
+          <a:lstStyle/>
+          <a:p>
+            <a:pPr marL="27719" marR="13860">
+              <a:lnSpc>
+                <a:spcPct val="103099"/>
+              </a:lnSpc>
+            </a:pPr>
+            <a:r>
+              <a:rPr lang="en-US" sz="1700" spc="22" dirty="0">
+                <a:solidFill>
+                  <a:srgbClr val="717272"/>
+                </a:solidFill>
+                <a:latin typeface="Arial"/>
+                <a:cs typeface="Arial"/>
+              </a:rPr>
+              <a:t>Figure 3 caption. A figure captions should accompany each figure.  Captions should be clear, concise and explain everything that is contained in the figure.  A figure caption is 50-100 words in length.  Figure and caption should stand alone, meaning that if figure and caption were removed from the poster, the audience would still be able to read and understand the figure without the need to see the rest of the poster. Cite sources.</a:t>
+            </a:r>
+            <a:r>
+              <a:rPr lang="en-US" sz="1700" spc="22" baseline="30000" dirty="0">
+                <a:solidFill>
+                  <a:srgbClr val="717272"/>
+                </a:solidFill>
+                <a:latin typeface="Arial"/>
+                <a:cs typeface="Arial"/>
+              </a:rPr>
+              <a:t>6</a:t>
+            </a:r>
+            <a:endParaRPr lang="en-US" sz="1700" dirty="0">
+              <a:latin typeface="Arial"/>
+              <a:cs typeface="Arial"/>
+            </a:endParaRPr>
+          </a:p>
+        </p:txBody>
+      </p:sp>
+      <p:sp>
+        <p:nvSpPr>
+          <p:cNvPr id="35" name="object 15">
+            <a:extLst>
+              <a:ext uri="{FF2B5EF4-FFF2-40B4-BE49-F238E27FC236}">
+                <a16:creationId xmlns:a16="http://schemas.microsoft.com/office/drawing/2014/main" id="{4A65351C-B380-6068-A0C3-50FB906168BA}"/>
+              </a:ext>
+            </a:extLst>
+          </p:cNvPr>
+          <p:cNvSpPr txBox="1"/>
+          <p:nvPr/>
+        </p:nvSpPr>
+        <p:spPr>
+          <a:xfrm>
+            <a:off x="22603370" y="21384005"/>
+            <a:ext cx="8638630" cy="415498"/>
+          </a:xfrm>
+          <a:prstGeom prst="rect">
+            <a:avLst/>
+          </a:prstGeom>
+        </p:spPr>
+        <p:txBody>
+          <a:bodyPr vert="horz" wrap="square" lIns="0" tIns="0" rIns="0" bIns="0" rtlCol="0">
+            <a:spAutoFit/>
+          </a:bodyPr>
+          <a:lstStyle/>
+          <a:p>
+            <a:pPr marL="27719"/>
+            <a:r>
+              <a:rPr lang="en-US" sz="2700" b="1" spc="33" dirty="0">
+                <a:solidFill>
+                  <a:srgbClr val="CD1445"/>
+                </a:solidFill>
+                <a:latin typeface="Arial"/>
+                <a:cs typeface="Arial"/>
+              </a:rPr>
+              <a:t>Parameters That Recapitulate </a:t>
+            </a:r>
+            <a:r>
+              <a:rPr lang="en-US" sz="2700" b="1" i="1" spc="33" dirty="0">
+                <a:solidFill>
+                  <a:srgbClr val="CD1445"/>
+                </a:solidFill>
+                <a:latin typeface="Arial"/>
+                <a:cs typeface="Arial"/>
+              </a:rPr>
+              <a:t>in vivo</a:t>
+            </a:r>
+            <a:r>
+              <a:rPr lang="en-US" sz="2700" b="1" spc="33" dirty="0">
+                <a:solidFill>
+                  <a:srgbClr val="CD1445"/>
+                </a:solidFill>
+                <a:latin typeface="Arial"/>
+                <a:cs typeface="Arial"/>
+              </a:rPr>
+              <a:t> Data</a:t>
+            </a:r>
+            <a:endParaRPr lang="en-US" sz="2700" dirty="0">
+              <a:latin typeface="Arial"/>
+              <a:cs typeface="Arial"/>
+            </a:endParaRPr>
+          </a:p>
+        </p:txBody>
+      </p:sp>
     </p:spTree>
   </p:cSld>
   <p:clrMapOvr>

--- a/GRACE/Poster/Dec2023Poster.pptx
+++ b/GRACE/Poster/Dec2023Poster.pptx
@@ -271,7 +271,7 @@
           <a:p>
             <a:fld id="{1D8BD707-D9CF-40AE-B4C6-C98DA3205C09}" type="datetimeFigureOut">
               <a:rPr lang="en-US"/>
-              <a:t>11/30/2023</a:t>
+              <a:t>12/1/2023</a:t>
             </a:fld>
             <a:endParaRPr lang="en-US"/>
           </a:p>
@@ -447,7 +447,7 @@
           <a:p>
             <a:fld id="{1D8BD707-D9CF-40AE-B4C6-C98DA3205C09}" type="datetimeFigureOut">
               <a:rPr lang="en-US"/>
-              <a:t>11/30/2023</a:t>
+              <a:t>12/1/2023</a:t>
             </a:fld>
             <a:endParaRPr lang="en-US"/>
           </a:p>
@@ -666,7 +666,7 @@
           <a:p>
             <a:fld id="{1D8BD707-D9CF-40AE-B4C6-C98DA3205C09}" type="datetimeFigureOut">
               <a:rPr lang="en-US"/>
-              <a:t>11/30/2023</a:t>
+              <a:t>12/1/2023</a:t>
             </a:fld>
             <a:endParaRPr lang="en-US"/>
           </a:p>
@@ -819,7 +819,7 @@
           <a:p>
             <a:fld id="{1D8BD707-D9CF-40AE-B4C6-C98DA3205C09}" type="datetimeFigureOut">
               <a:rPr lang="en-US"/>
-              <a:t>11/30/2023</a:t>
+              <a:t>12/1/2023</a:t>
             </a:fld>
             <a:endParaRPr lang="en-US"/>
           </a:p>
@@ -938,7 +938,7 @@
           <a:p>
             <a:fld id="{1D8BD707-D9CF-40AE-B4C6-C98DA3205C09}" type="datetimeFigureOut">
               <a:rPr lang="en-US"/>
-              <a:t>11/30/2023</a:t>
+              <a:t>12/1/2023</a:t>
             </a:fld>
             <a:endParaRPr lang="en-US"/>
           </a:p>
@@ -1157,7 +1157,7 @@
           <a:p>
             <a:fld id="{1D8BD707-D9CF-40AE-B4C6-C98DA3205C09}" type="datetimeFigureOut">
               <a:rPr lang="en-US"/>
-              <a:t>11/30/2023</a:t>
+              <a:t>12/1/2023</a:t>
             </a:fld>
             <a:endParaRPr lang="en-US"/>
           </a:p>
@@ -1487,7 +1487,7 @@
         <p:spPr>
           <a:xfrm>
             <a:off x="1572471" y="1551594"/>
-            <a:ext cx="33479529" cy="3816429"/>
+            <a:ext cx="35232129" cy="3816429"/>
           </a:xfrm>
           <a:prstGeom prst="rect">
             <a:avLst/>
@@ -1510,7 +1510,23 @@
                   <a:srgbClr val="C00000"/>
                 </a:solidFill>
               </a:rPr>
-              <a:t>Multi-scale Microscopy and Mathematical Modeling Reveal Asymmetric Centrosome Maturation in the Early C. elegans Embryo</a:t>
+              <a:t>Asymmetric Centrosome Maturation in the Early </a:t>
+            </a:r>
+            <a:r>
+              <a:rPr lang="en-US" sz="8800" b="0" i="1" spc="-513" dirty="0">
+                <a:solidFill>
+                  <a:srgbClr val="C00000"/>
+                </a:solidFill>
+              </a:rPr>
+              <a:t>C. elegans </a:t>
+            </a:r>
+            <a:r>
+              <a:rPr lang="en-US" sz="8800" b="0" spc="-513" dirty="0">
+                <a:solidFill>
+                  <a:srgbClr val="C00000"/>
+                </a:solidFill>
+              </a:rPr>
+              <a:t>Embryo Revealed by Multi-scale Microscopy and Mathematical Modeling</a:t>
             </a:r>
             <a:br>
               <a:rPr lang="en-US" sz="8800" b="0" spc="-513" dirty="0">
@@ -1533,15 +1549,7 @@
             </a:r>
             <a:r>
               <a:rPr lang="en-US" sz="3600" b="0" spc="-11" dirty="0"/>
-              <a:t> Natalia Kravstova</a:t>
-            </a:r>
-            <a:r>
-              <a:rPr lang="en-US" sz="3600" b="0" spc="-11" baseline="30000" dirty="0"/>
-              <a:t>2</a:t>
-            </a:r>
-            <a:r>
-              <a:rPr lang="en-US" sz="3600" b="0" spc="-11" dirty="0"/>
-              <a:t>, Adriana Dawes</a:t>
+              <a:t> Natalia ______, Adriana Dawes</a:t>
             </a:r>
             <a:r>
               <a:rPr lang="en-US" sz="3600" b="0" spc="-11" baseline="30000" dirty="0"/>

--- a/GRACE/Poster/Dec2023Poster.pptx
+++ b/GRACE/Poster/Dec2023Poster.pptx
@@ -271,7 +271,7 @@
           <a:p>
             <a:fld id="{1D8BD707-D9CF-40AE-B4C6-C98DA3205C09}" type="datetimeFigureOut">
               <a:rPr lang="en-US"/>
-              <a:t>12/1/2023</a:t>
+              <a:t>12/4/2023</a:t>
             </a:fld>
             <a:endParaRPr lang="en-US"/>
           </a:p>
@@ -447,7 +447,7 @@
           <a:p>
             <a:fld id="{1D8BD707-D9CF-40AE-B4C6-C98DA3205C09}" type="datetimeFigureOut">
               <a:rPr lang="en-US"/>
-              <a:t>12/1/2023</a:t>
+              <a:t>12/4/2023</a:t>
             </a:fld>
             <a:endParaRPr lang="en-US"/>
           </a:p>
@@ -666,7 +666,7 @@
           <a:p>
             <a:fld id="{1D8BD707-D9CF-40AE-B4C6-C98DA3205C09}" type="datetimeFigureOut">
               <a:rPr lang="en-US"/>
-              <a:t>12/1/2023</a:t>
+              <a:t>12/4/2023</a:t>
             </a:fld>
             <a:endParaRPr lang="en-US"/>
           </a:p>
@@ -819,7 +819,7 @@
           <a:p>
             <a:fld id="{1D8BD707-D9CF-40AE-B4C6-C98DA3205C09}" type="datetimeFigureOut">
               <a:rPr lang="en-US"/>
-              <a:t>12/1/2023</a:t>
+              <a:t>12/4/2023</a:t>
             </a:fld>
             <a:endParaRPr lang="en-US"/>
           </a:p>
@@ -938,7 +938,7 @@
           <a:p>
             <a:fld id="{1D8BD707-D9CF-40AE-B4C6-C98DA3205C09}" type="datetimeFigureOut">
               <a:rPr lang="en-US"/>
-              <a:t>12/1/2023</a:t>
+              <a:t>12/4/2023</a:t>
             </a:fld>
             <a:endParaRPr lang="en-US"/>
           </a:p>
@@ -1157,7 +1157,7 @@
           <a:p>
             <a:fld id="{1D8BD707-D9CF-40AE-B4C6-C98DA3205C09}" type="datetimeFigureOut">
               <a:rPr lang="en-US"/>
-              <a:t>12/1/2023</a:t>
+              <a:t>12/4/2023</a:t>
             </a:fld>
             <a:endParaRPr lang="en-US"/>
           </a:p>
@@ -1793,7 +1793,7 @@
         </p:nvSpPr>
         <p:spPr>
           <a:xfrm>
-            <a:off x="1572332" y="23407824"/>
+            <a:off x="1572332" y="22785660"/>
             <a:ext cx="9113732" cy="1329467"/>
           </a:xfrm>
           <a:prstGeom prst="rect">
@@ -10430,7 +10430,7 @@
         </p:nvSpPr>
         <p:spPr>
           <a:xfrm>
-            <a:off x="1549078" y="26880759"/>
+            <a:off x="1549078" y="25024771"/>
             <a:ext cx="9149776" cy="4521238"/>
           </a:xfrm>
           <a:prstGeom prst="rect">
@@ -10493,7 +10493,7 @@
         </p:nvSpPr>
         <p:spPr>
           <a:xfrm>
-            <a:off x="1572332" y="16546690"/>
+            <a:off x="1572332" y="15924526"/>
             <a:ext cx="8714667" cy="830997"/>
           </a:xfrm>
           <a:prstGeom prst="rect">
@@ -10633,7 +10633,7 @@
         </p:nvSpPr>
         <p:spPr>
           <a:xfrm>
-            <a:off x="22636352" y="16095069"/>
+            <a:off x="22636352" y="16515650"/>
             <a:ext cx="9113732" cy="1329467"/>
           </a:xfrm>
           <a:prstGeom prst="rect">
@@ -10692,7 +10692,7 @@
         </p:nvSpPr>
         <p:spPr>
           <a:xfrm>
-            <a:off x="33113471" y="14782800"/>
+            <a:off x="33113471" y="13779857"/>
             <a:ext cx="9113732" cy="1329467"/>
           </a:xfrm>
           <a:prstGeom prst="rect">
@@ -10808,7 +10808,7 @@
         </p:nvSpPr>
         <p:spPr bwMode="auto">
           <a:xfrm>
-            <a:off x="38884505" y="3854569"/>
+            <a:off x="37946288" y="4300396"/>
             <a:ext cx="4597728" cy="1077218"/>
           </a:xfrm>
           <a:prstGeom prst="rect">
@@ -10970,7 +10970,7 @@
         </p:blipFill>
         <p:spPr bwMode="auto">
           <a:xfrm>
-            <a:off x="39462694" y="928768"/>
+            <a:off x="38524477" y="1374595"/>
             <a:ext cx="2828306" cy="2828306"/>
           </a:xfrm>
           <a:prstGeom prst="rect">
@@ -11016,7 +11016,7 @@
         </p:blipFill>
         <p:spPr>
           <a:xfrm>
-            <a:off x="1567336" y="17486990"/>
+            <a:off x="1567336" y="16864826"/>
             <a:ext cx="9052578" cy="5760731"/>
           </a:xfrm>
           <a:prstGeom prst="rect">
@@ -11062,42 +11062,6 @@
       </p:pic>
       <p:pic>
         <p:nvPicPr>
-          <p:cNvPr id="7" name="Picture 6" descr="A screenshot of a computer&#10;&#10;Description automatically generated">
-            <a:extLst>
-              <a:ext uri="{FF2B5EF4-FFF2-40B4-BE49-F238E27FC236}">
-                <a16:creationId xmlns:a16="http://schemas.microsoft.com/office/drawing/2014/main" id="{8B31322C-0AF9-9A3E-333D-F8D2B7FC5706}"/>
-              </a:ext>
-            </a:extLst>
-          </p:cNvPr>
-          <p:cNvPicPr>
-            <a:picLocks noChangeAspect="1"/>
-          </p:cNvPicPr>
-          <p:nvPr/>
-        </p:nvPicPr>
-        <p:blipFill>
-          <a:blip r:embed="rId7">
-            <a:extLst>
-              <a:ext uri="{28A0092B-C50C-407E-A947-70E740481C1C}">
-                <a14:useLocalDpi xmlns:a14="http://schemas.microsoft.com/office/drawing/2010/main" val="0"/>
-              </a:ext>
-            </a:extLst>
-          </a:blip>
-          <a:stretch>
-            <a:fillRect/>
-          </a:stretch>
-        </p:blipFill>
-        <p:spPr>
-          <a:xfrm>
-            <a:off x="33115292" y="7193501"/>
-            <a:ext cx="9030472" cy="5830894"/>
-          </a:xfrm>
-          <a:prstGeom prst="rect">
-            <a:avLst/>
-          </a:prstGeom>
-        </p:spPr>
-      </p:pic>
-      <p:pic>
-        <p:nvPicPr>
           <p:cNvPr id="14" name="Picture 13" descr="A black background with a black square&#10;&#10;Description automatically generated with medium confidence">
             <a:extLst>
               <a:ext uri="{FF2B5EF4-FFF2-40B4-BE49-F238E27FC236}">
@@ -11111,7 +11075,7 @@
           <p:nvPr/>
         </p:nvPicPr>
         <p:blipFill>
-          <a:blip r:embed="rId8">
+          <a:blip r:embed="rId7">
             <a:extLst>
               <a:ext uri="{28A0092B-C50C-407E-A947-70E740481C1C}">
                 <a14:useLocalDpi xmlns:a14="http://schemas.microsoft.com/office/drawing/2010/main" val="0"/>
@@ -11147,7 +11111,7 @@
           <p:nvPr/>
         </p:nvPicPr>
         <p:blipFill>
-          <a:blip r:embed="rId9">
+          <a:blip r:embed="rId8">
             <a:extLst>
               <a:ext uri="{28A0092B-C50C-407E-A947-70E740481C1C}">
                 <a14:useLocalDpi xmlns:a14="http://schemas.microsoft.com/office/drawing/2010/main" val="0"/>
@@ -11160,8 +11124,8 @@
         </p:blipFill>
         <p:spPr>
           <a:xfrm>
-            <a:off x="22603370" y="22137320"/>
-            <a:ext cx="9297776" cy="6764550"/>
+            <a:off x="23128902" y="22077790"/>
+            <a:ext cx="8127909" cy="5913419"/>
           </a:xfrm>
           <a:prstGeom prst="rect">
             <a:avLst/>
@@ -11208,7 +11172,7 @@
                 <a:latin typeface="Arial"/>
                 <a:cs typeface="Arial"/>
               </a:rPr>
-              <a:t>Figure 3 caption. A figure captions should accompany each figure.  Captions should be clear, concise and explain everything that is contained in the figure.  A figure caption is 50-100 words in length.  Figure and caption should stand alone, meaning that if figure and caption were removed from the poster, the audience would still be able to read and understand the figure without the need to see the rest of the poster. Cite sources.</a:t>
+              <a:t>Figure 4 caption. A figure captions should accompany each figure.  Captions should be clear, concise and explain everything that is contained in the figure.  A figure caption is 50-100 words in length.  Figure and caption should stand alone, meaning that if figure and caption were removed from the poster, the audience would still be able to read and understand the figure without the need to see the rest of the poster. Cite sources.</a:t>
             </a:r>
             <a:r>
               <a:rPr lang="en-US" sz="1700" spc="22" baseline="30000" dirty="0">
@@ -11292,6 +11256,41 @@
           </a:p>
         </p:txBody>
       </p:sp>
+      <p:pic>
+        <p:nvPicPr>
+          <p:cNvPr id="5" name="Picture 4" descr="A screenshot of a computer&#10;&#10;Description automatically generated">
+            <a:extLst>
+              <a:ext uri="{FF2B5EF4-FFF2-40B4-BE49-F238E27FC236}">
+                <a16:creationId xmlns:a16="http://schemas.microsoft.com/office/drawing/2014/main" id="{813C1916-0B23-6AB2-7F14-ADCC28DC5C6C}"/>
+              </a:ext>
+            </a:extLst>
+          </p:cNvPr>
+          <p:cNvPicPr>
+            <a:picLocks noChangeAspect="1"/>
+          </p:cNvPicPr>
+          <p:nvPr/>
+        </p:nvPicPr>
+        <p:blipFill rotWithShape="1">
+          <a:blip r:embed="rId9">
+            <a:extLst>
+              <a:ext uri="{28A0092B-C50C-407E-A947-70E740481C1C}">
+                <a14:useLocalDpi xmlns:a14="http://schemas.microsoft.com/office/drawing/2010/main" val="0"/>
+              </a:ext>
+            </a:extLst>
+          </a:blip>
+          <a:srcRect t="4042"/>
+          <a:stretch/>
+        </p:blipFill>
+        <p:spPr>
+          <a:xfrm>
+            <a:off x="34261365" y="7266826"/>
+            <a:ext cx="6711709" cy="6308813"/>
+          </a:xfrm>
+          <a:prstGeom prst="rect">
+            <a:avLst/>
+          </a:prstGeom>
+        </p:spPr>
+      </p:pic>
     </p:spTree>
   </p:cSld>
   <p:clrMapOvr>

--- a/GRACE/Poster/Dec2023Poster.pptx
+++ b/GRACE/Poster/Dec2023Poster.pptx
@@ -271,7 +271,7 @@
           <a:p>
             <a:fld id="{1D8BD707-D9CF-40AE-B4C6-C98DA3205C09}" type="datetimeFigureOut">
               <a:rPr lang="en-US"/>
-              <a:t>12/4/2023</a:t>
+              <a:t>12/7/2023</a:t>
             </a:fld>
             <a:endParaRPr lang="en-US"/>
           </a:p>
@@ -447,7 +447,7 @@
           <a:p>
             <a:fld id="{1D8BD707-D9CF-40AE-B4C6-C98DA3205C09}" type="datetimeFigureOut">
               <a:rPr lang="en-US"/>
-              <a:t>12/4/2023</a:t>
+              <a:t>12/7/2023</a:t>
             </a:fld>
             <a:endParaRPr lang="en-US"/>
           </a:p>
@@ -666,7 +666,7 @@
           <a:p>
             <a:fld id="{1D8BD707-D9CF-40AE-B4C6-C98DA3205C09}" type="datetimeFigureOut">
               <a:rPr lang="en-US"/>
-              <a:t>12/4/2023</a:t>
+              <a:t>12/7/2023</a:t>
             </a:fld>
             <a:endParaRPr lang="en-US"/>
           </a:p>
@@ -819,7 +819,7 @@
           <a:p>
             <a:fld id="{1D8BD707-D9CF-40AE-B4C6-C98DA3205C09}" type="datetimeFigureOut">
               <a:rPr lang="en-US"/>
-              <a:t>12/4/2023</a:t>
+              <a:t>12/7/2023</a:t>
             </a:fld>
             <a:endParaRPr lang="en-US"/>
           </a:p>
@@ -938,7 +938,7 @@
           <a:p>
             <a:fld id="{1D8BD707-D9CF-40AE-B4C6-C98DA3205C09}" type="datetimeFigureOut">
               <a:rPr lang="en-US"/>
-              <a:t>12/4/2023</a:t>
+              <a:t>12/7/2023</a:t>
             </a:fld>
             <a:endParaRPr lang="en-US"/>
           </a:p>
@@ -1157,7 +1157,7 @@
           <a:p>
             <a:fld id="{1D8BD707-D9CF-40AE-B4C6-C98DA3205C09}" type="datetimeFigureOut">
               <a:rPr lang="en-US"/>
-              <a:t>12/4/2023</a:t>
+              <a:t>12/7/2023</a:t>
             </a:fld>
             <a:endParaRPr lang="en-US"/>
           </a:p>
@@ -1949,7 +1949,7 @@
         <p:spPr>
           <a:xfrm>
             <a:off x="33118816" y="6477000"/>
-            <a:ext cx="7571984" cy="415498"/>
+            <a:ext cx="7571984" cy="830997"/>
           </a:xfrm>
           <a:prstGeom prst="rect">
             <a:avLst/>
@@ -1970,37 +1970,7 @@
                 <a:latin typeface="Arial"/>
                 <a:cs typeface="Arial"/>
               </a:rPr>
-              <a:t>H</a:t>
-            </a:r>
-            <a:r>
-              <a:rPr lang="en-US" sz="2700" b="1" dirty="0">
-                <a:solidFill>
-                  <a:srgbClr val="CD1445"/>
-                </a:solidFill>
-                <a:latin typeface="Arial"/>
-                <a:cs typeface="Arial"/>
-              </a:rPr>
-              <a:t>ea</a:t>
-            </a:r>
-            <a:r>
-              <a:rPr lang="en-US" sz="2700" b="1" spc="33" dirty="0">
-                <a:solidFill>
-                  <a:srgbClr val="CD1445"/>
-                </a:solidFill>
-                <a:latin typeface="Arial"/>
-                <a:cs typeface="Arial"/>
-              </a:rPr>
-              <a:t>der</a:t>
-            </a:r>
-            <a:r>
-              <a:rPr lang="en-US" sz="2700" b="1" spc="22" dirty="0">
-                <a:solidFill>
-                  <a:srgbClr val="CD1445"/>
-                </a:solidFill>
-                <a:latin typeface="Arial"/>
-                <a:cs typeface="Arial"/>
-              </a:rPr>
-              <a:t> for Figure or Table below.</a:t>
+              <a:t>Parameter Space Shows Asymmetry in Centrosome Structural Composition</a:t>
             </a:r>
             <a:endParaRPr lang="en-US" sz="2700" dirty="0">
               <a:latin typeface="Arial"/>
@@ -10552,8 +10522,8 @@
         </p:nvSpPr>
         <p:spPr>
           <a:xfrm>
-            <a:off x="12130387" y="13182600"/>
-            <a:ext cx="6627513" cy="830997"/>
+            <a:off x="12130387" y="13376798"/>
+            <a:ext cx="8499723" cy="415498"/>
           </a:xfrm>
           <a:prstGeom prst="rect">
             <a:avLst/>
@@ -10574,7 +10544,7 @@
                 <a:latin typeface="Arial"/>
                 <a:cs typeface="Arial"/>
               </a:rPr>
-              <a:t>Asymmetric Recruitment and Recovery of AIR:1::GFP</a:t>
+              <a:t>Asymmetric Recruitment and Recovery</a:t>
             </a:r>
             <a:endParaRPr lang="en-US" sz="2700" dirty="0">
               <a:latin typeface="Arial"/>
@@ -11205,8 +11175,8 @@
         </p:nvSpPr>
         <p:spPr>
           <a:xfrm>
-            <a:off x="22603370" y="21384005"/>
-            <a:ext cx="8638630" cy="415498"/>
+            <a:off x="22603370" y="20948288"/>
+            <a:ext cx="7555684" cy="830997"/>
           </a:xfrm>
           <a:prstGeom prst="rect">
             <a:avLst/>
@@ -11227,7 +11197,7 @@
                 <a:latin typeface="Arial"/>
                 <a:cs typeface="Arial"/>
               </a:rPr>
-              <a:t>Parameters That Recapitulate </a:t>
+              <a:t>Parameter Sets that Recapitulate </a:t>
             </a:r>
             <a:r>
               <a:rPr lang="en-US" sz="2700" b="1" i="1" spc="33" dirty="0">
@@ -11247,7 +11217,7 @@
                 <a:latin typeface="Arial"/>
                 <a:cs typeface="Arial"/>
               </a:rPr>
-              <a:t> Data</a:t>
+              <a:t> Recruitment &amp; Recovery Data</a:t>
             </a:r>
             <a:endParaRPr lang="en-US" sz="2700" dirty="0">
               <a:latin typeface="Arial"/>

--- a/GRACE/Poster/Dec2023Poster.pptx
+++ b/GRACE/Poster/Dec2023Poster.pptx
@@ -108,6 +108,9 @@
     <p:ext uri="{521415D9-36F7-43E2-AB2F-B90AF26B5E84}">
       <p14:sectionLst xmlns:p14="http://schemas.microsoft.com/office/powerpoint/2010/main">
         <p14:section name="Untitled Section" id="{741A8924-1C67-4246-9609-A5630B873A69}">
+          <p14:sldIdLst/>
+        </p14:section>
+        <p14:section name="Untitled Section" id="{C6A98627-713A-4EA1-8486-50427925BD24}">
           <p14:sldIdLst>
             <p14:sldId id="256"/>
           </p14:sldIdLst>
@@ -271,7 +274,7 @@
           <a:p>
             <a:fld id="{1D8BD707-D9CF-40AE-B4C6-C98DA3205C09}" type="datetimeFigureOut">
               <a:rPr lang="en-US"/>
-              <a:t>12/7/2023</a:t>
+              <a:t>12/11/2023</a:t>
             </a:fld>
             <a:endParaRPr lang="en-US"/>
           </a:p>
@@ -447,7 +450,7 @@
           <a:p>
             <a:fld id="{1D8BD707-D9CF-40AE-B4C6-C98DA3205C09}" type="datetimeFigureOut">
               <a:rPr lang="en-US"/>
-              <a:t>12/7/2023</a:t>
+              <a:t>12/11/2023</a:t>
             </a:fld>
             <a:endParaRPr lang="en-US"/>
           </a:p>
@@ -666,7 +669,7 @@
           <a:p>
             <a:fld id="{1D8BD707-D9CF-40AE-B4C6-C98DA3205C09}" type="datetimeFigureOut">
               <a:rPr lang="en-US"/>
-              <a:t>12/7/2023</a:t>
+              <a:t>12/11/2023</a:t>
             </a:fld>
             <a:endParaRPr lang="en-US"/>
           </a:p>
@@ -819,7 +822,7 @@
           <a:p>
             <a:fld id="{1D8BD707-D9CF-40AE-B4C6-C98DA3205C09}" type="datetimeFigureOut">
               <a:rPr lang="en-US"/>
-              <a:t>12/7/2023</a:t>
+              <a:t>12/11/2023</a:t>
             </a:fld>
             <a:endParaRPr lang="en-US"/>
           </a:p>
@@ -938,7 +941,7 @@
           <a:p>
             <a:fld id="{1D8BD707-D9CF-40AE-B4C6-C98DA3205C09}" type="datetimeFigureOut">
               <a:rPr lang="en-US"/>
-              <a:t>12/7/2023</a:t>
+              <a:t>12/11/2023</a:t>
             </a:fld>
             <a:endParaRPr lang="en-US"/>
           </a:p>
@@ -1157,7 +1160,7 @@
           <a:p>
             <a:fld id="{1D8BD707-D9CF-40AE-B4C6-C98DA3205C09}" type="datetimeFigureOut">
               <a:rPr lang="en-US"/>
-              <a:t>12/7/2023</a:t>
+              <a:t>12/11/2023</a:t>
             </a:fld>
             <a:endParaRPr lang="en-US"/>
           </a:p>
@@ -1549,7 +1552,15 @@
             </a:r>
             <a:r>
               <a:rPr lang="en-US" sz="3600" b="0" spc="-11" dirty="0"/>
-              <a:t> Natalia ______, Adriana Dawes</a:t>
+              <a:t> Natalia Kractsova</a:t>
+            </a:r>
+            <a:r>
+              <a:rPr lang="en-US" sz="3600" b="0" spc="-11" baseline="30000" dirty="0"/>
+              <a:t>1</a:t>
+            </a:r>
+            <a:r>
+              <a:rPr lang="en-US" sz="3600" b="0" spc="-11" dirty="0"/>
+              <a:t>, Adriana Dawes</a:t>
             </a:r>
             <a:r>
               <a:rPr lang="en-US" sz="3600" b="0" spc="-11" baseline="30000" dirty="0"/>
@@ -1594,8 +1605,8 @@
         </p:nvSpPr>
         <p:spPr>
           <a:xfrm>
-            <a:off x="1572469" y="6553200"/>
-            <a:ext cx="9063269" cy="6471195"/>
+            <a:off x="1572469" y="6082314"/>
+            <a:ext cx="9063269" cy="11755590"/>
           </a:xfrm>
           <a:prstGeom prst="rect">
             <a:avLst/>
@@ -1673,7 +1684,7 @@
                 <a:latin typeface="Arial"/>
                 <a:cs typeface="Arial"/>
               </a:rPr>
-              <a:t>Centrosomes are the main microtubule organizing centers of the cell and abnormal positioning of them during cell division is one potential cause leading to cancer metastasis. </a:t>
+              <a:t>Centrosomes are the main microtubule organizing centers of the cell and abnormal positioning during cell division is one potential cause leading to cancer metastasis. </a:t>
             </a:r>
           </a:p>
           <a:p>
@@ -1694,6 +1705,124 @@
               <a:tabLst/>
               <a:defRPr/>
             </a:pPr>
+            <a:endParaRPr lang="en-US" sz="2700" spc="11" dirty="0">
+              <a:solidFill>
+                <a:srgbClr val="231F20"/>
+              </a:solidFill>
+              <a:latin typeface="Arial"/>
+              <a:cs typeface="Arial"/>
+            </a:endParaRPr>
+          </a:p>
+          <a:p>
+            <a:pPr marL="27719" marR="13860" lvl="0" indent="0" algn="l" defTabSz="997885" rtl="0" eaLnBrk="1" fontAlgn="auto" latinLnBrk="0" hangingPunct="1">
+              <a:lnSpc>
+                <a:spcPct val="102600"/>
+              </a:lnSpc>
+              <a:spcBef>
+                <a:spcPts val="893"/>
+              </a:spcBef>
+              <a:spcAft>
+                <a:spcPts val="0"/>
+              </a:spcAft>
+              <a:buClrTx/>
+              <a:buSzTx/>
+              <a:buFontTx/>
+              <a:buNone/>
+              <a:tabLst/>
+              <a:defRPr/>
+            </a:pPr>
+            <a:r>
+              <a:rPr lang="en-US" sz="2700" spc="11" dirty="0">
+                <a:solidFill>
+                  <a:srgbClr val="231F20"/>
+                </a:solidFill>
+                <a:latin typeface="Arial"/>
+                <a:cs typeface="Arial"/>
+              </a:rPr>
+              <a:t>Using </a:t>
+            </a:r>
+            <a:r>
+              <a:rPr lang="en-US" sz="2700" i="1" spc="11" dirty="0">
+                <a:solidFill>
+                  <a:srgbClr val="231F20"/>
+                </a:solidFill>
+                <a:latin typeface="Arial"/>
+                <a:cs typeface="Arial"/>
+              </a:rPr>
+              <a:t>c. elegans</a:t>
+            </a:r>
+            <a:r>
+              <a:rPr lang="en-US" sz="2700" spc="11" dirty="0">
+                <a:solidFill>
+                  <a:srgbClr val="231F20"/>
+                </a:solidFill>
+                <a:latin typeface="Arial"/>
+                <a:cs typeface="Arial"/>
+              </a:rPr>
+              <a:t> as a model for asymmetric cell division and </a:t>
+            </a:r>
+            <a:r>
+              <a:rPr lang="en-US" sz="2700" spc="11">
+                <a:solidFill>
+                  <a:srgbClr val="231F20"/>
+                </a:solidFill>
+                <a:latin typeface="Arial"/>
+                <a:cs typeface="Arial"/>
+              </a:rPr>
+              <a:t>centrosome placement</a:t>
+            </a:r>
+            <a:endParaRPr lang="en-US" sz="2700" spc="11" dirty="0">
+              <a:solidFill>
+                <a:srgbClr val="231F20"/>
+              </a:solidFill>
+              <a:latin typeface="Arial"/>
+              <a:cs typeface="Arial"/>
+            </a:endParaRPr>
+          </a:p>
+          <a:p>
+            <a:pPr marL="27719" marR="13860" lvl="0" indent="0" algn="l" defTabSz="997885" rtl="0" eaLnBrk="1" fontAlgn="auto" latinLnBrk="0" hangingPunct="1">
+              <a:lnSpc>
+                <a:spcPct val="102600"/>
+              </a:lnSpc>
+              <a:spcBef>
+                <a:spcPts val="893"/>
+              </a:spcBef>
+              <a:spcAft>
+                <a:spcPts val="0"/>
+              </a:spcAft>
+              <a:buClrTx/>
+              <a:buSzTx/>
+              <a:buFontTx/>
+              <a:buNone/>
+              <a:tabLst/>
+              <a:defRPr/>
+            </a:pPr>
+            <a:endParaRPr lang="en-US" sz="2700" spc="11" dirty="0">
+              <a:solidFill>
+                <a:srgbClr val="231F20"/>
+              </a:solidFill>
+              <a:latin typeface="Arial"/>
+              <a:cs typeface="Arial"/>
+            </a:endParaRPr>
+          </a:p>
+          <a:p>
+            <a:pPr marL="27719" marR="13860" lvl="0" indent="0" algn="l" defTabSz="997885" rtl="0" eaLnBrk="1" fontAlgn="auto" latinLnBrk="0" hangingPunct="1">
+              <a:lnSpc>
+                <a:spcPct val="102600"/>
+              </a:lnSpc>
+              <a:spcBef>
+                <a:spcPts val="893"/>
+              </a:spcBef>
+              <a:spcAft>
+                <a:spcPts val="0"/>
+              </a:spcAft>
+              <a:buClrTx/>
+              <a:buSzTx/>
+              <a:buFontTx/>
+              <a:buNone/>
+              <a:tabLst/>
+              <a:defRPr/>
+            </a:pPr>
             <a:r>
               <a:rPr kumimoji="0" lang="en-US" sz="2700" b="0" i="0" u="none" strike="noStrike" kern="1200" cap="none" spc="11" normalizeH="0" baseline="0" noProof="0" dirty="0">
                 <a:ln>
@@ -1712,23 +1841,6 @@
               <a:t>Our lab has previously discovered an asymmetry </a:t>
             </a:r>
             <a:r>
-              <a:rPr kumimoji="0" lang="en-US" sz="2700" b="0" i="0" u="none" strike="noStrike" kern="1200" cap="none" spc="11" normalizeH="0" baseline="0" noProof="0" dirty="0" err="1">
-                <a:ln>
-                  <a:noFill/>
-                </a:ln>
-                <a:solidFill>
-                  <a:srgbClr val="231F20"/>
-                </a:solidFill>
-                <a:effectLst/>
-                <a:uLnTx/>
-                <a:uFillTx/>
-                <a:latin typeface="Arial"/>
-                <a:ea typeface="+mn-ea"/>
-                <a:cs typeface="Arial"/>
-              </a:rPr>
-              <a:t>i</a:t>
-            </a:r>
-            <a:r>
               <a:rPr lang="en-US" sz="2700" spc="11" dirty="0">
                 <a:solidFill>
                   <a:srgbClr val="231F20"/>
@@ -1736,7 +1848,7 @@
                 <a:latin typeface="Arial"/>
                 <a:cs typeface="Arial"/>
               </a:rPr>
-              <a:t>n the size and density of the microtubule arrays that emanate from the two MTOCs during the first cellular division of the </a:t>
+              <a:t>in the size and density of the microtubule arrays that emanate from the two centrosomes during the first cellular division of the </a:t>
             </a:r>
             <a:r>
               <a:rPr lang="en-US" sz="2700" i="1" spc="11" dirty="0">
@@ -1756,18 +1868,53 @@
                 <a:latin typeface="Arial"/>
                 <a:cs typeface="Arial"/>
               </a:rPr>
-              <a:t>embryo. Here we verify those results with EBP-2 which marks the ends of growing </a:t>
-            </a:r>
-            <a:r>
-              <a:rPr lang="en-US" sz="2700" spc="11" dirty="0" err="1">
-                <a:solidFill>
-                  <a:srgbClr val="231F20"/>
-                </a:solidFill>
-                <a:latin typeface="Arial"/>
-                <a:cs typeface="Arial"/>
-              </a:rPr>
-              <a:t>MTs.</a:t>
-            </a:r>
+              <a:t>embryo. We analyze AIR-1, a factor found in the centrosome that is required for microtubule nucleation. We precisely quantify the long time-scale of recruitment and the short time-scale of recovery after photobleaching. Then we build and fit a mathematical model to this data. </a:t>
+            </a:r>
+          </a:p>
+          <a:p>
+            <a:pPr marL="27719" marR="13860" lvl="0" indent="0" algn="l" defTabSz="997885" rtl="0" eaLnBrk="1" fontAlgn="auto" latinLnBrk="0" hangingPunct="1">
+              <a:lnSpc>
+                <a:spcPct val="102600"/>
+              </a:lnSpc>
+              <a:spcBef>
+                <a:spcPts val="893"/>
+              </a:spcBef>
+              <a:spcAft>
+                <a:spcPts val="0"/>
+              </a:spcAft>
+              <a:buClrTx/>
+              <a:buSzTx/>
+              <a:buFontTx/>
+              <a:buNone/>
+              <a:tabLst/>
+              <a:defRPr/>
+            </a:pPr>
+            <a:endParaRPr lang="en-US" sz="2700" spc="11" dirty="0">
+              <a:solidFill>
+                <a:srgbClr val="231F20"/>
+              </a:solidFill>
+              <a:latin typeface="Arial"/>
+              <a:cs typeface="Arial"/>
+            </a:endParaRPr>
+          </a:p>
+          <a:p>
+            <a:pPr marL="27719" marR="13860" lvl="0" indent="0" algn="l" defTabSz="997885" rtl="0" eaLnBrk="1" fontAlgn="auto" latinLnBrk="0" hangingPunct="1">
+              <a:lnSpc>
+                <a:spcPct val="102600"/>
+              </a:lnSpc>
+              <a:spcBef>
+                <a:spcPts val="893"/>
+              </a:spcBef>
+              <a:spcAft>
+                <a:spcPts val="0"/>
+              </a:spcAft>
+              <a:buClrTx/>
+              <a:buSzTx/>
+              <a:buFontTx/>
+              <a:buNone/>
+              <a:tabLst/>
+              <a:defRPr/>
+            </a:pPr>
             <a:r>
               <a:rPr lang="en-US" sz="2700" spc="11" dirty="0">
                 <a:solidFill>
@@ -1776,7 +1923,27 @@
                 <a:latin typeface="Arial"/>
                 <a:cs typeface="Arial"/>
               </a:rPr>
-              <a:t> We also extend the analysis to Air-1, a factor found in the PCM that is required for spindle assembly and recruitment of other MT-nucleating factors</a:t>
+              <a:t>Taken together our results reveals the kinetics and dynamics required for proper centrosome maturation and further the uncover a novel understanding of the structure of the two asymmetric centrosomes during the first division of the </a:t>
+            </a:r>
+            <a:r>
+              <a:rPr lang="en-US" sz="2700" i="1" spc="11" dirty="0">
+                <a:solidFill>
+                  <a:srgbClr val="231F20"/>
+                </a:solidFill>
+                <a:latin typeface="Arial"/>
+                <a:cs typeface="Arial"/>
+              </a:rPr>
+              <a:t>C. elegans </a:t>
+            </a:r>
+            <a:r>
+              <a:rPr lang="en-US" sz="2700" spc="11" dirty="0">
+                <a:solidFill>
+                  <a:srgbClr val="231F20"/>
+                </a:solidFill>
+                <a:latin typeface="Arial"/>
+                <a:cs typeface="Arial"/>
+              </a:rPr>
+              <a:t>embryo.</a:t>
             </a:r>
             <a:endParaRPr sz="2700" dirty="0">
               <a:latin typeface="Arial"/>
@@ -1793,7 +1960,7 @@
         </p:nvSpPr>
         <p:spPr>
           <a:xfrm>
-            <a:off x="1572332" y="22785660"/>
+            <a:off x="1572332" y="25333382"/>
             <a:ext cx="9113732" cy="1329467"/>
           </a:xfrm>
           <a:prstGeom prst="rect">
@@ -1856,7 +2023,7 @@
         </p:nvSpPr>
         <p:spPr>
           <a:xfrm>
-            <a:off x="12088073" y="21363787"/>
+            <a:off x="12088073" y="23440092"/>
             <a:ext cx="9113732" cy="1329467"/>
           </a:xfrm>
           <a:prstGeom prst="rect">
@@ -1909,8 +2076,8 @@
         </p:nvSpPr>
         <p:spPr>
           <a:xfrm>
-            <a:off x="22603370" y="10611622"/>
-            <a:ext cx="8638630" cy="415498"/>
+            <a:off x="22603370" y="10421232"/>
+            <a:ext cx="8638630" cy="830997"/>
           </a:xfrm>
           <a:prstGeom prst="rect">
             <a:avLst/>
@@ -1931,7 +2098,7 @@
                 <a:latin typeface="Arial"/>
                 <a:cs typeface="Arial"/>
               </a:rPr>
-              <a:t>Modeling Centrosome Recruitment &amp; Recovery</a:t>
+              <a:t>A 3 Compartment Model of Centrosome Recruitment and Recovery After Photobleaching</a:t>
             </a:r>
             <a:endParaRPr lang="en-US" sz="2700" dirty="0">
               <a:latin typeface="Arial"/>
@@ -1948,7 +2115,7 @@
         </p:nvSpPr>
         <p:spPr>
           <a:xfrm>
-            <a:off x="33118816" y="6477000"/>
+            <a:off x="33118816" y="6006114"/>
             <a:ext cx="7571984" cy="830997"/>
           </a:xfrm>
           <a:prstGeom prst="rect">
@@ -2128,8 +2295,8 @@
         </p:nvSpPr>
         <p:spPr>
           <a:xfrm>
-            <a:off x="12088074" y="6553200"/>
-            <a:ext cx="9062438" cy="6092297"/>
+            <a:off x="12088074" y="6082314"/>
+            <a:ext cx="9062438" cy="8015015"/>
           </a:xfrm>
           <a:prstGeom prst="rect">
             <a:avLst/>
@@ -2217,2347 +2384,59 @@
               </a:rPr>
               <a:t>t</a:t>
             </a:r>
-            <a:endParaRPr sz="2700" dirty="0">
+            <a:endParaRPr lang="en-US" sz="2700" b="1" spc="11" dirty="0">
+              <a:solidFill>
+                <a:srgbClr val="4C4D4F"/>
+              </a:solidFill>
               <a:latin typeface="Arial"/>
               <a:cs typeface="Arial"/>
             </a:endParaRPr>
           </a:p>
           <a:p>
-            <a:pPr marL="27719" marR="13860">
-              <a:lnSpc>
-                <a:spcPct val="102600"/>
-              </a:lnSpc>
-              <a:spcBef>
-                <a:spcPts val="893"/>
-              </a:spcBef>
-            </a:pPr>
-            <a:r>
-              <a:rPr sz="2700" spc="11" dirty="0">
-                <a:solidFill>
-                  <a:srgbClr val="231F20"/>
-                </a:solidFill>
-                <a:latin typeface="Arial"/>
-                <a:cs typeface="Arial"/>
-              </a:rPr>
-              <a:t>B</a:t>
-            </a:r>
-            <a:r>
-              <a:rPr sz="2700" spc="22" dirty="0">
-                <a:solidFill>
-                  <a:srgbClr val="231F20"/>
-                </a:solidFill>
-                <a:latin typeface="Arial"/>
-                <a:cs typeface="Arial"/>
-              </a:rPr>
-              <a:t>e </a:t>
-            </a:r>
-            <a:r>
-              <a:rPr sz="2700" spc="-22" dirty="0">
-                <a:solidFill>
-                  <a:srgbClr val="231F20"/>
-                </a:solidFill>
-                <a:latin typeface="Arial"/>
-                <a:cs typeface="Arial"/>
-              </a:rPr>
-              <a:t>sur</a:t>
-            </a:r>
-            <a:r>
-              <a:rPr sz="2700" spc="22" dirty="0">
-                <a:solidFill>
-                  <a:srgbClr val="231F20"/>
-                </a:solidFill>
-                <a:latin typeface="Arial"/>
-                <a:cs typeface="Arial"/>
-              </a:rPr>
-              <a:t>e </a:t>
-            </a:r>
-            <a:r>
-              <a:rPr sz="2700" spc="-44" dirty="0">
-                <a:solidFill>
-                  <a:srgbClr val="231F20"/>
-                </a:solidFill>
-                <a:latin typeface="Arial"/>
-                <a:cs typeface="Arial"/>
-              </a:rPr>
-              <a:t>t</a:t>
-            </a:r>
-            <a:r>
-              <a:rPr sz="2700" spc="22" dirty="0">
-                <a:solidFill>
-                  <a:srgbClr val="231F20"/>
-                </a:solidFill>
-                <a:latin typeface="Arial"/>
-                <a:cs typeface="Arial"/>
-              </a:rPr>
-              <a:t>o </a:t>
-            </a:r>
-            <a:r>
-              <a:rPr sz="2700" spc="-22" dirty="0">
-                <a:solidFill>
-                  <a:srgbClr val="231F20"/>
-                </a:solidFill>
-                <a:latin typeface="Arial"/>
-                <a:cs typeface="Arial"/>
-              </a:rPr>
-              <a:t>s</a:t>
-            </a:r>
-            <a:r>
-              <a:rPr sz="2700" dirty="0">
-                <a:solidFill>
-                  <a:srgbClr val="231F20"/>
-                </a:solidFill>
-                <a:latin typeface="Arial"/>
-                <a:cs typeface="Arial"/>
-              </a:rPr>
-              <a:t>p</a:t>
-            </a:r>
-            <a:r>
-              <a:rPr sz="2700" spc="-11" dirty="0">
-                <a:solidFill>
-                  <a:srgbClr val="231F20"/>
-                </a:solidFill>
-                <a:latin typeface="Arial"/>
-                <a:cs typeface="Arial"/>
-              </a:rPr>
-              <a:t>e</a:t>
-            </a:r>
-            <a:r>
-              <a:rPr sz="2700" spc="-33" dirty="0">
-                <a:solidFill>
-                  <a:srgbClr val="231F20"/>
-                </a:solidFill>
-                <a:latin typeface="Arial"/>
-                <a:cs typeface="Arial"/>
-              </a:rPr>
-              <a:t>l</a:t>
-            </a:r>
-            <a:r>
-              <a:rPr sz="2700" spc="11" dirty="0">
-                <a:solidFill>
-                  <a:srgbClr val="231F20"/>
-                </a:solidFill>
-                <a:latin typeface="Arial"/>
-                <a:cs typeface="Arial"/>
-              </a:rPr>
-              <a:t>l</a:t>
-            </a:r>
-            <a:r>
-              <a:rPr sz="2700" spc="22" dirty="0">
-                <a:solidFill>
-                  <a:srgbClr val="231F20"/>
-                </a:solidFill>
-                <a:latin typeface="Arial"/>
-                <a:cs typeface="Arial"/>
-              </a:rPr>
-              <a:t> </a:t>
-            </a:r>
-            <a:r>
-              <a:rPr sz="2700" spc="11" dirty="0">
-                <a:solidFill>
-                  <a:srgbClr val="231F20"/>
-                </a:solidFill>
-                <a:latin typeface="Arial"/>
-                <a:cs typeface="Arial"/>
-              </a:rPr>
-              <a:t>c</a:t>
-            </a:r>
-            <a:r>
-              <a:rPr sz="2700" spc="-11" dirty="0">
-                <a:solidFill>
-                  <a:srgbClr val="231F20"/>
-                </a:solidFill>
-                <a:latin typeface="Arial"/>
-                <a:cs typeface="Arial"/>
-              </a:rPr>
-              <a:t>he</a:t>
-            </a:r>
-            <a:r>
-              <a:rPr sz="2700" spc="11" dirty="0">
-                <a:solidFill>
-                  <a:srgbClr val="231F20"/>
-                </a:solidFill>
-                <a:latin typeface="Arial"/>
-                <a:cs typeface="Arial"/>
-              </a:rPr>
-              <a:t>c</a:t>
-            </a:r>
-            <a:r>
-              <a:rPr sz="2700" spc="22" dirty="0">
-                <a:solidFill>
-                  <a:srgbClr val="231F20"/>
-                </a:solidFill>
-                <a:latin typeface="Arial"/>
-                <a:cs typeface="Arial"/>
-              </a:rPr>
-              <a:t>k </a:t>
-            </a:r>
-            <a:r>
-              <a:rPr sz="2700" spc="-22" dirty="0">
-                <a:solidFill>
-                  <a:srgbClr val="231F20"/>
-                </a:solidFill>
-                <a:latin typeface="Arial"/>
-                <a:cs typeface="Arial"/>
-              </a:rPr>
-              <a:t>a</a:t>
-            </a:r>
-            <a:r>
-              <a:rPr sz="2700" spc="-33" dirty="0">
-                <a:solidFill>
-                  <a:srgbClr val="231F20"/>
-                </a:solidFill>
-                <a:latin typeface="Arial"/>
-                <a:cs typeface="Arial"/>
-              </a:rPr>
-              <a:t>l</a:t>
-            </a:r>
-            <a:r>
-              <a:rPr sz="2700" spc="11" dirty="0">
-                <a:solidFill>
-                  <a:srgbClr val="231F20"/>
-                </a:solidFill>
-                <a:latin typeface="Arial"/>
-                <a:cs typeface="Arial"/>
-              </a:rPr>
-              <a:t>l</a:t>
-            </a:r>
-            <a:r>
-              <a:rPr sz="2700" spc="22" dirty="0">
-                <a:solidFill>
-                  <a:srgbClr val="231F20"/>
-                </a:solidFill>
-                <a:latin typeface="Arial"/>
-                <a:cs typeface="Arial"/>
-              </a:rPr>
-              <a:t> </a:t>
-            </a:r>
-            <a:r>
-              <a:rPr sz="2700" spc="-44" dirty="0">
-                <a:solidFill>
-                  <a:srgbClr val="231F20"/>
-                </a:solidFill>
-                <a:latin typeface="Arial"/>
-                <a:cs typeface="Arial"/>
-              </a:rPr>
-              <a:t>t</a:t>
-            </a:r>
-            <a:r>
-              <a:rPr sz="2700" spc="-76" dirty="0">
-                <a:solidFill>
-                  <a:srgbClr val="231F20"/>
-                </a:solidFill>
-                <a:latin typeface="Arial"/>
-                <a:cs typeface="Arial"/>
-              </a:rPr>
-              <a:t>e</a:t>
-            </a:r>
-            <a:r>
-              <a:rPr sz="2700" spc="55" dirty="0">
-                <a:solidFill>
-                  <a:srgbClr val="231F20"/>
-                </a:solidFill>
-                <a:latin typeface="Arial"/>
-                <a:cs typeface="Arial"/>
-              </a:rPr>
-              <a:t>x</a:t>
-            </a:r>
-            <a:r>
-              <a:rPr sz="2700" spc="11" dirty="0">
-                <a:solidFill>
-                  <a:srgbClr val="231F20"/>
-                </a:solidFill>
-                <a:latin typeface="Arial"/>
-                <a:cs typeface="Arial"/>
-              </a:rPr>
-              <a:t>t</a:t>
-            </a:r>
-            <a:r>
-              <a:rPr sz="2700" spc="22" dirty="0">
-                <a:solidFill>
-                  <a:srgbClr val="231F20"/>
-                </a:solidFill>
-                <a:latin typeface="Arial"/>
-                <a:cs typeface="Arial"/>
-              </a:rPr>
-              <a:t> </a:t>
-            </a:r>
-            <a:r>
-              <a:rPr sz="2700" spc="-22" dirty="0">
-                <a:solidFill>
-                  <a:srgbClr val="231F20"/>
-                </a:solidFill>
-                <a:latin typeface="Arial"/>
-                <a:cs typeface="Arial"/>
-              </a:rPr>
-              <a:t>a</a:t>
-            </a:r>
-            <a:r>
-              <a:rPr sz="2700" spc="-11" dirty="0">
-                <a:solidFill>
-                  <a:srgbClr val="231F20"/>
-                </a:solidFill>
-                <a:latin typeface="Arial"/>
-                <a:cs typeface="Arial"/>
-              </a:rPr>
-              <a:t>n</a:t>
-            </a:r>
-            <a:r>
-              <a:rPr sz="2700" spc="22" dirty="0">
-                <a:solidFill>
-                  <a:srgbClr val="231F20"/>
-                </a:solidFill>
-                <a:latin typeface="Arial"/>
-                <a:cs typeface="Arial"/>
-              </a:rPr>
-              <a:t>d </a:t>
-            </a:r>
-            <a:r>
-              <a:rPr sz="2700" spc="-22" dirty="0">
-                <a:solidFill>
-                  <a:srgbClr val="231F20"/>
-                </a:solidFill>
-                <a:latin typeface="Arial"/>
-                <a:cs typeface="Arial"/>
-              </a:rPr>
-              <a:t>h</a:t>
-            </a:r>
-            <a:r>
-              <a:rPr sz="2700" spc="-65" dirty="0">
-                <a:solidFill>
-                  <a:srgbClr val="231F20"/>
-                </a:solidFill>
-                <a:latin typeface="Arial"/>
-                <a:cs typeface="Arial"/>
-              </a:rPr>
-              <a:t>a</a:t>
-            </a:r>
-            <a:r>
-              <a:rPr sz="2700" spc="-55" dirty="0">
-                <a:solidFill>
-                  <a:srgbClr val="231F20"/>
-                </a:solidFill>
-                <a:latin typeface="Arial"/>
-                <a:cs typeface="Arial"/>
-              </a:rPr>
-              <a:t>v</a:t>
-            </a:r>
-            <a:r>
-              <a:rPr sz="2700" spc="22" dirty="0">
-                <a:solidFill>
-                  <a:srgbClr val="231F20"/>
-                </a:solidFill>
-                <a:latin typeface="Arial"/>
-                <a:cs typeface="Arial"/>
-              </a:rPr>
-              <a:t>e </a:t>
-            </a:r>
-            <a:r>
-              <a:rPr sz="2700" spc="-11" dirty="0">
-                <a:solidFill>
-                  <a:srgbClr val="231F20"/>
-                </a:solidFill>
-                <a:latin typeface="Arial"/>
-                <a:cs typeface="Arial"/>
-              </a:rPr>
-              <a:t>t</a:t>
-            </a:r>
-            <a:r>
-              <a:rPr sz="2700" spc="22" dirty="0">
-                <a:solidFill>
-                  <a:srgbClr val="231F20"/>
-                </a:solidFill>
-                <a:latin typeface="Arial"/>
-                <a:cs typeface="Arial"/>
-              </a:rPr>
-              <a:t>r</a:t>
-            </a:r>
-            <a:r>
-              <a:rPr sz="2700" spc="-22" dirty="0">
-                <a:solidFill>
-                  <a:srgbClr val="231F20"/>
-                </a:solidFill>
-                <a:latin typeface="Arial"/>
-                <a:cs typeface="Arial"/>
-              </a:rPr>
-              <a:t>us</a:t>
-            </a:r>
-            <a:r>
-              <a:rPr sz="2700" spc="-44" dirty="0">
-                <a:solidFill>
-                  <a:srgbClr val="231F20"/>
-                </a:solidFill>
-                <a:latin typeface="Arial"/>
-                <a:cs typeface="Arial"/>
-              </a:rPr>
-              <a:t>t</a:t>
-            </a:r>
-            <a:r>
-              <a:rPr sz="2700" dirty="0">
-                <a:solidFill>
-                  <a:srgbClr val="231F20"/>
-                </a:solidFill>
-                <a:latin typeface="Arial"/>
-                <a:cs typeface="Arial"/>
-              </a:rPr>
-              <a:t>e</a:t>
-            </a:r>
-            <a:r>
-              <a:rPr sz="2700" spc="22" dirty="0">
-                <a:solidFill>
-                  <a:srgbClr val="231F20"/>
-                </a:solidFill>
-                <a:latin typeface="Arial"/>
-                <a:cs typeface="Arial"/>
-              </a:rPr>
-              <a:t>d </a:t>
-            </a:r>
-            <a:r>
-              <a:rPr sz="2700" spc="33" dirty="0">
-                <a:solidFill>
-                  <a:srgbClr val="231F20"/>
-                </a:solidFill>
-                <a:latin typeface="Arial"/>
-                <a:cs typeface="Arial"/>
-              </a:rPr>
-              <a:t>c</a:t>
-            </a:r>
-            <a:r>
-              <a:rPr sz="2700" dirty="0">
-                <a:solidFill>
-                  <a:srgbClr val="231F20"/>
-                </a:solidFill>
-                <a:latin typeface="Arial"/>
-                <a:cs typeface="Arial"/>
-              </a:rPr>
-              <a:t>o</a:t>
-            </a:r>
-            <a:r>
-              <a:rPr sz="2700" spc="-33" dirty="0">
-                <a:solidFill>
-                  <a:srgbClr val="231F20"/>
-                </a:solidFill>
-                <a:latin typeface="Arial"/>
-                <a:cs typeface="Arial"/>
-              </a:rPr>
-              <a:t>l</a:t>
-            </a:r>
-            <a:r>
-              <a:rPr sz="2700" spc="-22" dirty="0">
-                <a:solidFill>
-                  <a:srgbClr val="231F20"/>
-                </a:solidFill>
-                <a:latin typeface="Arial"/>
-                <a:cs typeface="Arial"/>
-              </a:rPr>
-              <a:t>l</a:t>
-            </a:r>
-            <a:r>
-              <a:rPr sz="2700" spc="-11" dirty="0">
-                <a:solidFill>
-                  <a:srgbClr val="231F20"/>
-                </a:solidFill>
-                <a:latin typeface="Arial"/>
-                <a:cs typeface="Arial"/>
-              </a:rPr>
-              <a:t>e</a:t>
-            </a:r>
-            <a:r>
-              <a:rPr sz="2700" spc="-22" dirty="0">
-                <a:solidFill>
-                  <a:srgbClr val="231F20"/>
-                </a:solidFill>
-                <a:latin typeface="Arial"/>
-                <a:cs typeface="Arial"/>
-              </a:rPr>
-              <a:t>a</a:t>
-            </a:r>
-            <a:r>
-              <a:rPr sz="2700" spc="-11" dirty="0">
-                <a:solidFill>
-                  <a:srgbClr val="231F20"/>
-                </a:solidFill>
-                <a:latin typeface="Arial"/>
-                <a:cs typeface="Arial"/>
-              </a:rPr>
-              <a:t>gu</a:t>
-            </a:r>
-            <a:r>
-              <a:rPr sz="2700" dirty="0">
-                <a:solidFill>
-                  <a:srgbClr val="231F20"/>
-                </a:solidFill>
-                <a:latin typeface="Arial"/>
-                <a:cs typeface="Arial"/>
-              </a:rPr>
-              <a:t>e</a:t>
-            </a:r>
-            <a:r>
-              <a:rPr sz="2700" spc="22" dirty="0">
-                <a:solidFill>
-                  <a:srgbClr val="231F20"/>
-                </a:solidFill>
-                <a:latin typeface="Arial"/>
-                <a:cs typeface="Arial"/>
-              </a:rPr>
-              <a:t>s</a:t>
-            </a:r>
-            <a:r>
-              <a:rPr sz="2700" spc="11" dirty="0">
-                <a:solidFill>
-                  <a:srgbClr val="231F20"/>
-                </a:solidFill>
-                <a:latin typeface="Arial"/>
-                <a:cs typeface="Arial"/>
-              </a:rPr>
-              <a:t> </a:t>
-            </a:r>
-            <a:r>
-              <a:rPr sz="2700" spc="-11" dirty="0">
-                <a:solidFill>
-                  <a:srgbClr val="231F20"/>
-                </a:solidFill>
-                <a:latin typeface="Arial"/>
-                <a:cs typeface="Arial"/>
-              </a:rPr>
-              <a:t>p</a:t>
-            </a:r>
-            <a:r>
-              <a:rPr sz="2700" spc="-22" dirty="0">
-                <a:solidFill>
-                  <a:srgbClr val="231F20"/>
-                </a:solidFill>
-                <a:latin typeface="Arial"/>
-                <a:cs typeface="Arial"/>
-              </a:rPr>
-              <a:t>r</a:t>
-            </a:r>
-            <a:r>
-              <a:rPr sz="2700" dirty="0">
-                <a:solidFill>
-                  <a:srgbClr val="231F20"/>
-                </a:solidFill>
-                <a:latin typeface="Arial"/>
-                <a:cs typeface="Arial"/>
-              </a:rPr>
-              <a:t>o</a:t>
-            </a:r>
-            <a:r>
-              <a:rPr sz="2700" spc="-33" dirty="0">
-                <a:solidFill>
-                  <a:srgbClr val="231F20"/>
-                </a:solidFill>
-                <a:latin typeface="Arial"/>
-                <a:cs typeface="Arial"/>
-              </a:rPr>
-              <a:t>o</a:t>
-            </a:r>
-            <a:r>
-              <a:rPr sz="2700" dirty="0">
-                <a:solidFill>
-                  <a:srgbClr val="231F20"/>
-                </a:solidFill>
-                <a:latin typeface="Arial"/>
-                <a:cs typeface="Arial"/>
-              </a:rPr>
-              <a:t>f</a:t>
-            </a:r>
-            <a:r>
-              <a:rPr sz="2700" spc="-22" dirty="0">
-                <a:solidFill>
-                  <a:srgbClr val="231F20"/>
-                </a:solidFill>
-                <a:latin typeface="Arial"/>
-                <a:cs typeface="Arial"/>
-              </a:rPr>
-              <a:t>r</a:t>
-            </a:r>
-            <a:r>
-              <a:rPr sz="2700" spc="-11" dirty="0">
-                <a:solidFill>
-                  <a:srgbClr val="231F20"/>
-                </a:solidFill>
-                <a:latin typeface="Arial"/>
-                <a:cs typeface="Arial"/>
-              </a:rPr>
-              <a:t>e</a:t>
-            </a:r>
-            <a:r>
-              <a:rPr sz="2700" spc="-22" dirty="0">
-                <a:solidFill>
-                  <a:srgbClr val="231F20"/>
-                </a:solidFill>
-                <a:latin typeface="Arial"/>
-                <a:cs typeface="Arial"/>
-              </a:rPr>
-              <a:t>a</a:t>
-            </a:r>
-            <a:r>
-              <a:rPr sz="2700" spc="22" dirty="0">
-                <a:solidFill>
-                  <a:srgbClr val="231F20"/>
-                </a:solidFill>
-                <a:latin typeface="Arial"/>
-                <a:cs typeface="Arial"/>
-              </a:rPr>
-              <a:t>d </a:t>
-            </a:r>
-            <a:r>
-              <a:rPr sz="2700" spc="-11" dirty="0">
-                <a:solidFill>
-                  <a:srgbClr val="231F20"/>
-                </a:solidFill>
-                <a:latin typeface="Arial"/>
-                <a:cs typeface="Arial"/>
-              </a:rPr>
-              <a:t>th</a:t>
-            </a:r>
-            <a:r>
-              <a:rPr sz="2700" spc="22" dirty="0">
-                <a:solidFill>
-                  <a:srgbClr val="231F20"/>
-                </a:solidFill>
-                <a:latin typeface="Arial"/>
-                <a:cs typeface="Arial"/>
-              </a:rPr>
-              <a:t>e </a:t>
-            </a:r>
-            <a:r>
-              <a:rPr sz="2700" dirty="0">
-                <a:solidFill>
-                  <a:srgbClr val="231F20"/>
-                </a:solidFill>
-                <a:latin typeface="Arial"/>
-                <a:cs typeface="Arial"/>
-              </a:rPr>
-              <a:t>po</a:t>
-            </a:r>
-            <a:r>
-              <a:rPr sz="2700" spc="-22" dirty="0">
-                <a:solidFill>
-                  <a:srgbClr val="231F20"/>
-                </a:solidFill>
-                <a:latin typeface="Arial"/>
-                <a:cs typeface="Arial"/>
-              </a:rPr>
-              <a:t>s</a:t>
-            </a:r>
-            <a:r>
-              <a:rPr sz="2700" spc="-44" dirty="0">
-                <a:solidFill>
-                  <a:srgbClr val="231F20"/>
-                </a:solidFill>
-                <a:latin typeface="Arial"/>
-                <a:cs typeface="Arial"/>
-              </a:rPr>
-              <a:t>t</a:t>
-            </a:r>
-            <a:r>
-              <a:rPr sz="2700" spc="-11" dirty="0">
-                <a:solidFill>
-                  <a:srgbClr val="231F20"/>
-                </a:solidFill>
-                <a:latin typeface="Arial"/>
-                <a:cs typeface="Arial"/>
-              </a:rPr>
-              <a:t>e</a:t>
-            </a:r>
-            <a:r>
-              <a:rPr sz="2700" spc="-207" dirty="0">
-                <a:solidFill>
-                  <a:srgbClr val="231F20"/>
-                </a:solidFill>
-                <a:latin typeface="Arial"/>
-                <a:cs typeface="Arial"/>
-              </a:rPr>
-              <a:t>r</a:t>
-            </a:r>
-            <a:r>
-              <a:rPr sz="2700" spc="11" dirty="0">
-                <a:solidFill>
-                  <a:srgbClr val="231F20"/>
-                </a:solidFill>
-                <a:latin typeface="Arial"/>
-                <a:cs typeface="Arial"/>
-              </a:rPr>
-              <a:t>.</a:t>
-            </a:r>
-            <a:r>
-              <a:rPr sz="2700" spc="22" dirty="0">
-                <a:solidFill>
-                  <a:srgbClr val="231F20"/>
-                </a:solidFill>
-                <a:latin typeface="Arial"/>
-                <a:cs typeface="Arial"/>
-              </a:rPr>
-              <a:t> </a:t>
-            </a:r>
-            <a:r>
-              <a:rPr sz="2700" spc="-33" dirty="0">
-                <a:solidFill>
-                  <a:srgbClr val="231F20"/>
-                </a:solidFill>
-                <a:latin typeface="Arial"/>
-                <a:cs typeface="Arial"/>
-              </a:rPr>
-              <a:t>I</a:t>
-            </a:r>
-            <a:r>
-              <a:rPr sz="2700" spc="22" dirty="0">
-                <a:solidFill>
-                  <a:srgbClr val="231F20"/>
-                </a:solidFill>
-                <a:latin typeface="Arial"/>
-                <a:cs typeface="Arial"/>
-              </a:rPr>
-              <a:t>n </a:t>
-            </a:r>
-            <a:r>
-              <a:rPr sz="2700" spc="-11" dirty="0">
-                <a:solidFill>
-                  <a:srgbClr val="231F20"/>
-                </a:solidFill>
-                <a:latin typeface="Arial"/>
-                <a:cs typeface="Arial"/>
-              </a:rPr>
-              <a:t>gener</a:t>
-            </a:r>
-            <a:r>
-              <a:rPr sz="2700" spc="-22" dirty="0">
-                <a:solidFill>
-                  <a:srgbClr val="231F20"/>
-                </a:solidFill>
-                <a:latin typeface="Arial"/>
-                <a:cs typeface="Arial"/>
-              </a:rPr>
-              <a:t>a</a:t>
-            </a:r>
-            <a:r>
-              <a:rPr sz="2700" spc="-55" dirty="0">
-                <a:solidFill>
-                  <a:srgbClr val="231F20"/>
-                </a:solidFill>
-                <a:latin typeface="Arial"/>
-                <a:cs typeface="Arial"/>
-              </a:rPr>
-              <a:t>l</a:t>
-            </a:r>
-            <a:r>
-              <a:rPr sz="2700" spc="11" dirty="0">
-                <a:solidFill>
-                  <a:srgbClr val="231F20"/>
-                </a:solidFill>
-                <a:latin typeface="Arial"/>
-                <a:cs typeface="Arial"/>
-              </a:rPr>
-              <a:t>,</a:t>
-            </a:r>
-            <a:r>
-              <a:rPr sz="2700" spc="22" dirty="0">
-                <a:solidFill>
-                  <a:srgbClr val="231F20"/>
-                </a:solidFill>
-                <a:latin typeface="Arial"/>
-                <a:cs typeface="Arial"/>
-              </a:rPr>
-              <a:t> </a:t>
-            </a:r>
-            <a:r>
-              <a:rPr sz="2700" spc="-33" dirty="0">
-                <a:solidFill>
-                  <a:srgbClr val="231F20"/>
-                </a:solidFill>
-                <a:latin typeface="Arial"/>
-                <a:cs typeface="Arial"/>
-              </a:rPr>
-              <a:t>a</a:t>
-            </a:r>
-            <a:r>
-              <a:rPr sz="2700" spc="-22" dirty="0">
-                <a:solidFill>
-                  <a:srgbClr val="231F20"/>
-                </a:solidFill>
-                <a:latin typeface="Arial"/>
-                <a:cs typeface="Arial"/>
-              </a:rPr>
-              <a:t>u</a:t>
-            </a:r>
-            <a:r>
-              <a:rPr sz="2700" spc="-11" dirty="0">
-                <a:solidFill>
-                  <a:srgbClr val="231F20"/>
-                </a:solidFill>
-                <a:latin typeface="Arial"/>
-                <a:cs typeface="Arial"/>
-              </a:rPr>
-              <a:t>th</a:t>
-            </a:r>
-            <a:r>
-              <a:rPr sz="2700" dirty="0">
-                <a:solidFill>
-                  <a:srgbClr val="231F20"/>
-                </a:solidFill>
-                <a:latin typeface="Arial"/>
-                <a:cs typeface="Arial"/>
-              </a:rPr>
-              <a:t>o</a:t>
-            </a:r>
-            <a:r>
-              <a:rPr sz="2700" spc="22" dirty="0">
-                <a:solidFill>
-                  <a:srgbClr val="231F20"/>
-                </a:solidFill>
-                <a:latin typeface="Arial"/>
-                <a:cs typeface="Arial"/>
-              </a:rPr>
-              <a:t>rs </a:t>
-            </a:r>
-            <a:r>
-              <a:rPr sz="2700" spc="-22" dirty="0">
-                <a:solidFill>
-                  <a:srgbClr val="231F20"/>
-                </a:solidFill>
-                <a:latin typeface="Arial"/>
-                <a:cs typeface="Arial"/>
-              </a:rPr>
-              <a:t>s</a:t>
-            </a:r>
-            <a:r>
-              <a:rPr sz="2700" spc="-11" dirty="0">
-                <a:solidFill>
-                  <a:srgbClr val="231F20"/>
-                </a:solidFill>
-                <a:latin typeface="Arial"/>
-                <a:cs typeface="Arial"/>
-              </a:rPr>
-              <a:t>ho</a:t>
-            </a:r>
-            <a:r>
-              <a:rPr sz="2700" spc="-22" dirty="0">
-                <a:solidFill>
-                  <a:srgbClr val="231F20"/>
-                </a:solidFill>
-                <a:latin typeface="Arial"/>
-                <a:cs typeface="Arial"/>
-              </a:rPr>
-              <a:t>ul</a:t>
-            </a:r>
-            <a:r>
-              <a:rPr sz="2700" spc="-87" dirty="0">
-                <a:solidFill>
-                  <a:srgbClr val="231F20"/>
-                </a:solidFill>
-                <a:latin typeface="Arial"/>
-                <a:cs typeface="Arial"/>
-              </a:rPr>
-              <a:t>d</a:t>
-            </a:r>
-            <a:r>
-              <a:rPr sz="2700" spc="11" dirty="0">
-                <a:solidFill>
-                  <a:srgbClr val="231F20"/>
-                </a:solidFill>
-                <a:latin typeface="Arial"/>
-                <a:cs typeface="Arial"/>
-              </a:rPr>
-              <a:t>:</a:t>
-            </a:r>
-            <a:endParaRPr sz="2700" dirty="0">
+            <a:pPr marL="27719"/>
+            <a:r>
+              <a:rPr lang="en-US" sz="2700" spc="11" dirty="0">
+                <a:latin typeface="Arial"/>
+                <a:cs typeface="Arial"/>
+              </a:rPr>
+              <a:t>Nuclear envelope breakdown (NEBD) is used to mark a time of 0 as it coincides with when the centrosomes have been properly placed for cell division. Recruitment was quantified every 10 seconds from 330 seconds before NEBD to 0 seconds (Fig. 1b). Recovery was quantified immediately after pronuclear meeting (PNM) every second for 50 seconds (Fig. 1c). </a:t>
+            </a:r>
+          </a:p>
+          <a:p>
+            <a:pPr marL="27719"/>
+            <a:endParaRPr lang="en-US" sz="2700" spc="11" dirty="0">
+              <a:solidFill>
+                <a:srgbClr val="4C4D4F"/>
+              </a:solidFill>
               <a:latin typeface="Arial"/>
               <a:cs typeface="Arial"/>
             </a:endParaRPr>
           </a:p>
           <a:p>
-            <a:pPr>
-              <a:lnSpc>
-                <a:spcPts val="1855"/>
-              </a:lnSpc>
-              <a:spcBef>
-                <a:spcPts val="28"/>
-              </a:spcBef>
-            </a:pPr>
-            <a:endParaRPr sz="1900" dirty="0"/>
-          </a:p>
-          <a:p>
-            <a:pPr marL="255013" indent="-228682">
-              <a:buClr>
-                <a:srgbClr val="231F20"/>
-              </a:buClr>
-              <a:buFont typeface="Arial"/>
-              <a:buChar char="•"/>
-              <a:tabLst>
-                <a:tab pos="250857" algn="l"/>
-              </a:tabLst>
-            </a:pPr>
-            <a:r>
-              <a:rPr sz="2700" spc="-11" dirty="0">
-                <a:solidFill>
-                  <a:srgbClr val="231F20"/>
-                </a:solidFill>
-                <a:latin typeface="Arial"/>
-                <a:cs typeface="Arial"/>
-              </a:rPr>
-              <a:t>Us</a:t>
-            </a:r>
-            <a:r>
-              <a:rPr sz="2700" spc="22" dirty="0">
-                <a:solidFill>
-                  <a:srgbClr val="231F20"/>
-                </a:solidFill>
-                <a:latin typeface="Arial"/>
-                <a:cs typeface="Arial"/>
-              </a:rPr>
-              <a:t>e </a:t>
-            </a:r>
-            <a:r>
-              <a:rPr sz="2700" spc="-11" dirty="0">
-                <a:solidFill>
-                  <a:srgbClr val="231F20"/>
-                </a:solidFill>
-                <a:latin typeface="Arial"/>
-                <a:cs typeface="Arial"/>
-              </a:rPr>
-              <a:t>th</a:t>
-            </a:r>
-            <a:r>
-              <a:rPr sz="2700" spc="22" dirty="0">
-                <a:solidFill>
-                  <a:srgbClr val="231F20"/>
-                </a:solidFill>
-                <a:latin typeface="Arial"/>
-                <a:cs typeface="Arial"/>
-              </a:rPr>
-              <a:t>e </a:t>
-            </a:r>
-            <a:r>
-              <a:rPr sz="2700" spc="-22" dirty="0">
-                <a:solidFill>
-                  <a:srgbClr val="231F20"/>
-                </a:solidFill>
-                <a:latin typeface="Arial"/>
-                <a:cs typeface="Arial"/>
-              </a:rPr>
-              <a:t>a</a:t>
-            </a:r>
-            <a:r>
-              <a:rPr sz="2700" spc="11" dirty="0">
-                <a:solidFill>
-                  <a:srgbClr val="231F20"/>
-                </a:solidFill>
-                <a:latin typeface="Arial"/>
-                <a:cs typeface="Arial"/>
-              </a:rPr>
-              <a:t>c</a:t>
-            </a:r>
-            <a:r>
-              <a:rPr sz="2700" spc="-11" dirty="0">
-                <a:solidFill>
-                  <a:srgbClr val="231F20"/>
-                </a:solidFill>
-                <a:latin typeface="Arial"/>
-                <a:cs typeface="Arial"/>
-              </a:rPr>
-              <a:t>t</a:t>
-            </a:r>
-            <a:r>
-              <a:rPr sz="2700" spc="-22" dirty="0">
-                <a:solidFill>
-                  <a:srgbClr val="231F20"/>
-                </a:solidFill>
-                <a:latin typeface="Arial"/>
-                <a:cs typeface="Arial"/>
-              </a:rPr>
-              <a:t>i</a:t>
-            </a:r>
-            <a:r>
-              <a:rPr sz="2700" spc="-55" dirty="0">
-                <a:solidFill>
-                  <a:srgbClr val="231F20"/>
-                </a:solidFill>
-                <a:latin typeface="Arial"/>
-                <a:cs typeface="Arial"/>
-              </a:rPr>
-              <a:t>v</a:t>
-            </a:r>
-            <a:r>
-              <a:rPr sz="2700" spc="22" dirty="0">
-                <a:solidFill>
-                  <a:srgbClr val="231F20"/>
-                </a:solidFill>
-                <a:latin typeface="Arial"/>
-                <a:cs typeface="Arial"/>
-              </a:rPr>
-              <a:t>e </a:t>
-            </a:r>
-            <a:r>
-              <a:rPr sz="2700" spc="-44" dirty="0">
-                <a:solidFill>
-                  <a:srgbClr val="231F20"/>
-                </a:solidFill>
-                <a:latin typeface="Arial"/>
-                <a:cs typeface="Arial"/>
-              </a:rPr>
-              <a:t>t</a:t>
-            </a:r>
-            <a:r>
-              <a:rPr sz="2700" spc="-11" dirty="0">
-                <a:solidFill>
-                  <a:srgbClr val="231F20"/>
-                </a:solidFill>
-                <a:latin typeface="Arial"/>
-                <a:cs typeface="Arial"/>
-              </a:rPr>
-              <a:t>e</a:t>
-            </a:r>
-            <a:r>
-              <a:rPr sz="2700" spc="-22" dirty="0">
-                <a:solidFill>
-                  <a:srgbClr val="231F20"/>
-                </a:solidFill>
-                <a:latin typeface="Arial"/>
-                <a:cs typeface="Arial"/>
-              </a:rPr>
-              <a:t>n</a:t>
-            </a:r>
-            <a:r>
-              <a:rPr sz="2700" spc="-11" dirty="0">
-                <a:solidFill>
-                  <a:srgbClr val="231F20"/>
-                </a:solidFill>
-                <a:latin typeface="Arial"/>
-                <a:cs typeface="Arial"/>
-              </a:rPr>
-              <a:t>s</a:t>
-            </a:r>
-            <a:r>
-              <a:rPr sz="2700" spc="22" dirty="0">
-                <a:solidFill>
-                  <a:srgbClr val="231F20"/>
-                </a:solidFill>
-                <a:latin typeface="Arial"/>
-                <a:cs typeface="Arial"/>
-              </a:rPr>
-              <a:t>e</a:t>
-            </a:r>
-            <a:endParaRPr sz="2700" dirty="0">
+            <a:pPr marL="27719"/>
+            <a:r>
+              <a:rPr lang="en-US" sz="2700" dirty="0">
+                <a:latin typeface="Arial"/>
+                <a:cs typeface="Arial"/>
+              </a:rPr>
+              <a:t>The recruitment on the long time-scale shows that the average fluorescence in the lagging centrosomes is greater than the leading centrosome (Fig. 2a). </a:t>
+            </a:r>
+          </a:p>
+          <a:p>
+            <a:pPr marL="27719"/>
+            <a:endParaRPr lang="en-US" sz="2700" dirty="0">
               <a:latin typeface="Arial"/>
               <a:cs typeface="Arial"/>
             </a:endParaRPr>
           </a:p>
           <a:p>
-            <a:pPr>
-              <a:lnSpc>
-                <a:spcPts val="1855"/>
-              </a:lnSpc>
-              <a:spcBef>
-                <a:spcPts val="28"/>
-              </a:spcBef>
-              <a:buClr>
-                <a:srgbClr val="231F20"/>
-              </a:buClr>
-              <a:buFont typeface="Arial"/>
-              <a:buChar char="•"/>
-            </a:pPr>
-            <a:endParaRPr sz="1900" dirty="0"/>
-          </a:p>
-          <a:p>
-            <a:pPr marL="250857" indent="-224524">
-              <a:buClr>
-                <a:srgbClr val="231F20"/>
-              </a:buClr>
-              <a:buFont typeface="Arial"/>
-              <a:buChar char="•"/>
-              <a:tabLst>
-                <a:tab pos="250857" algn="l"/>
-              </a:tabLst>
-            </a:pPr>
-            <a:r>
-              <a:rPr sz="2700" dirty="0">
-                <a:solidFill>
-                  <a:srgbClr val="231F20"/>
-                </a:solidFill>
-                <a:latin typeface="Arial"/>
-                <a:cs typeface="Arial"/>
-              </a:rPr>
-              <a:t>S</a:t>
-            </a:r>
-            <a:r>
-              <a:rPr sz="2700" spc="-33" dirty="0">
-                <a:solidFill>
-                  <a:srgbClr val="231F20"/>
-                </a:solidFill>
-                <a:latin typeface="Arial"/>
-                <a:cs typeface="Arial"/>
-              </a:rPr>
-              <a:t>i</a:t>
-            </a:r>
-            <a:r>
-              <a:rPr sz="2700" spc="11" dirty="0">
-                <a:solidFill>
-                  <a:srgbClr val="231F20"/>
-                </a:solidFill>
-                <a:latin typeface="Arial"/>
-                <a:cs typeface="Arial"/>
-              </a:rPr>
-              <a:t>m</a:t>
-            </a:r>
-            <a:r>
-              <a:rPr sz="2700" spc="-11" dirty="0">
-                <a:solidFill>
-                  <a:srgbClr val="231F20"/>
-                </a:solidFill>
-                <a:latin typeface="Arial"/>
-                <a:cs typeface="Arial"/>
-              </a:rPr>
-              <a:t>p</a:t>
-            </a:r>
-            <a:r>
-              <a:rPr sz="2700" spc="-33" dirty="0">
-                <a:solidFill>
-                  <a:srgbClr val="231F20"/>
-                </a:solidFill>
-                <a:latin typeface="Arial"/>
-                <a:cs typeface="Arial"/>
-              </a:rPr>
-              <a:t>l</a:t>
-            </a:r>
-            <a:r>
-              <a:rPr sz="2700" spc="-22" dirty="0">
-                <a:solidFill>
-                  <a:srgbClr val="231F20"/>
-                </a:solidFill>
-                <a:latin typeface="Arial"/>
-                <a:cs typeface="Arial"/>
-              </a:rPr>
-              <a:t>i</a:t>
-            </a:r>
-            <a:r>
-              <a:rPr sz="2700" spc="65" dirty="0">
-                <a:solidFill>
-                  <a:srgbClr val="231F20"/>
-                </a:solidFill>
-                <a:latin typeface="Arial"/>
-                <a:cs typeface="Arial"/>
-              </a:rPr>
-              <a:t>f</a:t>
-            </a:r>
-            <a:r>
-              <a:rPr sz="2700" spc="22" dirty="0">
-                <a:solidFill>
-                  <a:srgbClr val="231F20"/>
-                </a:solidFill>
-                <a:latin typeface="Arial"/>
-                <a:cs typeface="Arial"/>
-              </a:rPr>
-              <a:t>y </a:t>
-            </a:r>
-            <a:r>
-              <a:rPr sz="2700" spc="-44" dirty="0">
-                <a:solidFill>
-                  <a:srgbClr val="231F20"/>
-                </a:solidFill>
-                <a:latin typeface="Arial"/>
-                <a:cs typeface="Arial"/>
-              </a:rPr>
-              <a:t>t</a:t>
-            </a:r>
-            <a:r>
-              <a:rPr sz="2700" spc="-76" dirty="0">
-                <a:solidFill>
-                  <a:srgbClr val="231F20"/>
-                </a:solidFill>
-                <a:latin typeface="Arial"/>
-                <a:cs typeface="Arial"/>
-              </a:rPr>
-              <a:t>e</a:t>
-            </a:r>
-            <a:r>
-              <a:rPr sz="2700" spc="55" dirty="0">
-                <a:solidFill>
-                  <a:srgbClr val="231F20"/>
-                </a:solidFill>
-                <a:latin typeface="Arial"/>
-                <a:cs typeface="Arial"/>
-              </a:rPr>
-              <a:t>x</a:t>
-            </a:r>
-            <a:r>
-              <a:rPr sz="2700" spc="11" dirty="0">
-                <a:solidFill>
-                  <a:srgbClr val="231F20"/>
-                </a:solidFill>
-                <a:latin typeface="Arial"/>
-                <a:cs typeface="Arial"/>
-              </a:rPr>
-              <a:t>t</a:t>
-            </a:r>
-            <a:r>
-              <a:rPr sz="2700" spc="22" dirty="0">
-                <a:solidFill>
-                  <a:srgbClr val="231F20"/>
-                </a:solidFill>
-                <a:latin typeface="Arial"/>
-                <a:cs typeface="Arial"/>
-              </a:rPr>
-              <a:t> </a:t>
-            </a:r>
-            <a:r>
-              <a:rPr sz="2700" spc="-65" dirty="0">
-                <a:solidFill>
-                  <a:srgbClr val="231F20"/>
-                </a:solidFill>
-                <a:latin typeface="Arial"/>
-                <a:cs typeface="Arial"/>
-              </a:rPr>
-              <a:t>b</a:t>
-            </a:r>
-            <a:r>
-              <a:rPr sz="2700" spc="22" dirty="0">
-                <a:solidFill>
-                  <a:srgbClr val="231F20"/>
-                </a:solidFill>
-                <a:latin typeface="Arial"/>
-                <a:cs typeface="Arial"/>
-              </a:rPr>
-              <a:t>y </a:t>
-            </a:r>
-            <a:r>
-              <a:rPr sz="2700" spc="-22" dirty="0">
-                <a:solidFill>
-                  <a:srgbClr val="231F20"/>
-                </a:solidFill>
-                <a:latin typeface="Arial"/>
-                <a:cs typeface="Arial"/>
-              </a:rPr>
-              <a:t>u</a:t>
-            </a:r>
-            <a:r>
-              <a:rPr sz="2700" spc="-11" dirty="0">
-                <a:solidFill>
-                  <a:srgbClr val="231F20"/>
-                </a:solidFill>
-                <a:latin typeface="Arial"/>
-                <a:cs typeface="Arial"/>
-              </a:rPr>
-              <a:t>s</a:t>
-            </a:r>
-            <a:r>
-              <a:rPr sz="2700" spc="-33" dirty="0">
-                <a:solidFill>
-                  <a:srgbClr val="231F20"/>
-                </a:solidFill>
-                <a:latin typeface="Arial"/>
-                <a:cs typeface="Arial"/>
-              </a:rPr>
-              <a:t>i</a:t>
-            </a:r>
-            <a:r>
-              <a:rPr sz="2700" spc="-11" dirty="0">
-                <a:solidFill>
-                  <a:srgbClr val="231F20"/>
-                </a:solidFill>
-                <a:latin typeface="Arial"/>
-                <a:cs typeface="Arial"/>
-              </a:rPr>
-              <a:t>n</a:t>
-            </a:r>
-            <a:r>
-              <a:rPr sz="2700" spc="22" dirty="0">
-                <a:solidFill>
-                  <a:srgbClr val="231F20"/>
-                </a:solidFill>
-                <a:latin typeface="Arial"/>
-                <a:cs typeface="Arial"/>
-              </a:rPr>
-              <a:t>g </a:t>
-            </a:r>
-            <a:r>
-              <a:rPr sz="2700" spc="-22" dirty="0">
-                <a:solidFill>
-                  <a:srgbClr val="231F20"/>
-                </a:solidFill>
-                <a:latin typeface="Arial"/>
-                <a:cs typeface="Arial"/>
-              </a:rPr>
-              <a:t>bu</a:t>
-            </a:r>
-            <a:r>
-              <a:rPr sz="2700" spc="-33" dirty="0">
-                <a:solidFill>
-                  <a:srgbClr val="231F20"/>
-                </a:solidFill>
-                <a:latin typeface="Arial"/>
-                <a:cs typeface="Arial"/>
-              </a:rPr>
-              <a:t>l</a:t>
-            </a:r>
-            <a:r>
-              <a:rPr sz="2700" spc="-22" dirty="0">
-                <a:solidFill>
-                  <a:srgbClr val="231F20"/>
-                </a:solidFill>
-                <a:latin typeface="Arial"/>
-                <a:cs typeface="Arial"/>
-              </a:rPr>
-              <a:t>l</a:t>
-            </a:r>
-            <a:r>
-              <a:rPr sz="2700" spc="-44" dirty="0">
-                <a:solidFill>
-                  <a:srgbClr val="231F20"/>
-                </a:solidFill>
-                <a:latin typeface="Arial"/>
-                <a:cs typeface="Arial"/>
-              </a:rPr>
-              <a:t>e</a:t>
-            </a:r>
-            <a:r>
-              <a:rPr sz="2700" spc="11" dirty="0">
-                <a:solidFill>
-                  <a:srgbClr val="231F20"/>
-                </a:solidFill>
-                <a:latin typeface="Arial"/>
-                <a:cs typeface="Arial"/>
-              </a:rPr>
-              <a:t>t</a:t>
-            </a:r>
-            <a:r>
-              <a:rPr sz="2700" spc="22" dirty="0">
-                <a:solidFill>
-                  <a:srgbClr val="231F20"/>
-                </a:solidFill>
-                <a:latin typeface="Arial"/>
-                <a:cs typeface="Arial"/>
-              </a:rPr>
-              <a:t> </a:t>
-            </a:r>
-            <a:r>
-              <a:rPr sz="2700" dirty="0">
-                <a:solidFill>
-                  <a:srgbClr val="231F20"/>
-                </a:solidFill>
-                <a:latin typeface="Arial"/>
-                <a:cs typeface="Arial"/>
-              </a:rPr>
-              <a:t>p</a:t>
-            </a:r>
-            <a:r>
-              <a:rPr sz="2700" spc="-11" dirty="0">
-                <a:solidFill>
-                  <a:srgbClr val="231F20"/>
-                </a:solidFill>
-                <a:latin typeface="Arial"/>
-                <a:cs typeface="Arial"/>
-              </a:rPr>
-              <a:t>o</a:t>
-            </a:r>
-            <a:r>
-              <a:rPr sz="2700" spc="-33" dirty="0">
-                <a:solidFill>
-                  <a:srgbClr val="231F20"/>
-                </a:solidFill>
-                <a:latin typeface="Arial"/>
-                <a:cs typeface="Arial"/>
-              </a:rPr>
-              <a:t>i</a:t>
-            </a:r>
-            <a:r>
-              <a:rPr sz="2700" spc="-44" dirty="0">
-                <a:solidFill>
-                  <a:srgbClr val="231F20"/>
-                </a:solidFill>
-                <a:latin typeface="Arial"/>
-                <a:cs typeface="Arial"/>
-              </a:rPr>
-              <a:t>n</a:t>
-            </a:r>
-            <a:r>
-              <a:rPr sz="2700" spc="-11" dirty="0">
-                <a:solidFill>
-                  <a:srgbClr val="231F20"/>
-                </a:solidFill>
-                <a:latin typeface="Arial"/>
-                <a:cs typeface="Arial"/>
-              </a:rPr>
-              <a:t>t</a:t>
-            </a:r>
-            <a:r>
-              <a:rPr sz="2700" spc="22" dirty="0">
-                <a:solidFill>
-                  <a:srgbClr val="231F20"/>
-                </a:solidFill>
-                <a:latin typeface="Arial"/>
-                <a:cs typeface="Arial"/>
-              </a:rPr>
-              <a:t>s</a:t>
-            </a:r>
-            <a:endParaRPr sz="2700" dirty="0">
-              <a:latin typeface="Arial"/>
-              <a:cs typeface="Arial"/>
-            </a:endParaRPr>
-          </a:p>
-          <a:p>
-            <a:pPr>
-              <a:lnSpc>
-                <a:spcPts val="1855"/>
-              </a:lnSpc>
-              <a:spcBef>
-                <a:spcPts val="28"/>
-              </a:spcBef>
-              <a:buClr>
-                <a:srgbClr val="231F20"/>
-              </a:buClr>
-              <a:buFont typeface="Arial"/>
-              <a:buChar char="•"/>
-            </a:pPr>
-            <a:endParaRPr sz="1900" dirty="0"/>
-          </a:p>
-          <a:p>
-            <a:pPr marL="250857" indent="-224524">
-              <a:buClr>
-                <a:srgbClr val="231F20"/>
-              </a:buClr>
-              <a:buFont typeface="Arial"/>
-              <a:buChar char="•"/>
-              <a:tabLst>
-                <a:tab pos="250857" algn="l"/>
-              </a:tabLst>
-            </a:pPr>
-            <a:r>
-              <a:rPr sz="2700" spc="-11" dirty="0">
-                <a:solidFill>
-                  <a:srgbClr val="231F20"/>
-                </a:solidFill>
-                <a:latin typeface="Arial"/>
-                <a:cs typeface="Arial"/>
-              </a:rPr>
-              <a:t>Us</a:t>
-            </a:r>
-            <a:r>
-              <a:rPr sz="2700" spc="22" dirty="0">
-                <a:solidFill>
-                  <a:srgbClr val="231F20"/>
-                </a:solidFill>
-                <a:latin typeface="Arial"/>
-                <a:cs typeface="Arial"/>
-              </a:rPr>
-              <a:t>e </a:t>
-            </a:r>
-            <a:r>
-              <a:rPr sz="2700" spc="33" dirty="0">
-                <a:solidFill>
-                  <a:srgbClr val="231F20"/>
-                </a:solidFill>
-                <a:latin typeface="Arial"/>
-                <a:cs typeface="Arial"/>
-              </a:rPr>
-              <a:t>c</a:t>
-            </a:r>
-            <a:r>
-              <a:rPr sz="2700" dirty="0">
-                <a:solidFill>
-                  <a:srgbClr val="231F20"/>
-                </a:solidFill>
-                <a:latin typeface="Arial"/>
-                <a:cs typeface="Arial"/>
-              </a:rPr>
-              <a:t>o</a:t>
-            </a:r>
-            <a:r>
-              <a:rPr sz="2700" spc="-11" dirty="0">
-                <a:solidFill>
-                  <a:srgbClr val="231F20"/>
-                </a:solidFill>
-                <a:latin typeface="Arial"/>
-                <a:cs typeface="Arial"/>
-              </a:rPr>
-              <a:t>l</a:t>
-            </a:r>
-            <a:r>
-              <a:rPr sz="2700" dirty="0">
-                <a:solidFill>
-                  <a:srgbClr val="231F20"/>
-                </a:solidFill>
-                <a:latin typeface="Arial"/>
-                <a:cs typeface="Arial"/>
-              </a:rPr>
-              <a:t>o</a:t>
-            </a:r>
-            <a:r>
-              <a:rPr sz="2700" spc="-22" dirty="0">
-                <a:solidFill>
-                  <a:srgbClr val="231F20"/>
-                </a:solidFill>
-                <a:latin typeface="Arial"/>
-                <a:cs typeface="Arial"/>
-              </a:rPr>
-              <a:t>r</a:t>
-            </a:r>
-            <a:r>
-              <a:rPr sz="2700" dirty="0">
-                <a:solidFill>
-                  <a:srgbClr val="231F20"/>
-                </a:solidFill>
-                <a:latin typeface="Arial"/>
-                <a:cs typeface="Arial"/>
-              </a:rPr>
-              <a:t>e</a:t>
-            </a:r>
-            <a:r>
-              <a:rPr sz="2700" spc="22" dirty="0">
-                <a:solidFill>
-                  <a:srgbClr val="231F20"/>
-                </a:solidFill>
-                <a:latin typeface="Arial"/>
-                <a:cs typeface="Arial"/>
-              </a:rPr>
-              <a:t>d </a:t>
-            </a:r>
-            <a:r>
-              <a:rPr sz="2700" spc="-11" dirty="0">
-                <a:solidFill>
-                  <a:srgbClr val="231F20"/>
-                </a:solidFill>
-                <a:latin typeface="Arial"/>
-                <a:cs typeface="Arial"/>
-              </a:rPr>
-              <a:t>gr</a:t>
-            </a:r>
-            <a:r>
-              <a:rPr sz="2700" spc="-22" dirty="0">
-                <a:solidFill>
-                  <a:srgbClr val="231F20"/>
-                </a:solidFill>
-                <a:latin typeface="Arial"/>
-                <a:cs typeface="Arial"/>
-              </a:rPr>
-              <a:t>a</a:t>
-            </a:r>
-            <a:r>
-              <a:rPr sz="2700" spc="-11" dirty="0">
-                <a:solidFill>
-                  <a:srgbClr val="231F20"/>
-                </a:solidFill>
-                <a:latin typeface="Arial"/>
-                <a:cs typeface="Arial"/>
-              </a:rPr>
-              <a:t>p</a:t>
-            </a:r>
-            <a:r>
-              <a:rPr sz="2700" spc="-22" dirty="0">
-                <a:solidFill>
-                  <a:srgbClr val="231F20"/>
-                </a:solidFill>
-                <a:latin typeface="Arial"/>
-                <a:cs typeface="Arial"/>
-              </a:rPr>
-              <a:t>h</a:t>
-            </a:r>
-            <a:r>
-              <a:rPr sz="2700" spc="22" dirty="0">
-                <a:solidFill>
-                  <a:srgbClr val="231F20"/>
-                </a:solidFill>
-                <a:latin typeface="Arial"/>
-                <a:cs typeface="Arial"/>
-              </a:rPr>
-              <a:t>s </a:t>
-            </a:r>
-            <a:r>
-              <a:rPr sz="2700" spc="-22" dirty="0">
-                <a:solidFill>
-                  <a:srgbClr val="231F20"/>
-                </a:solidFill>
-                <a:latin typeface="Arial"/>
-                <a:cs typeface="Arial"/>
-              </a:rPr>
-              <a:t>a</a:t>
-            </a:r>
-            <a:r>
-              <a:rPr sz="2700" spc="-11" dirty="0">
-                <a:solidFill>
-                  <a:srgbClr val="231F20"/>
-                </a:solidFill>
-                <a:latin typeface="Arial"/>
-                <a:cs typeface="Arial"/>
-              </a:rPr>
-              <a:t>n</a:t>
-            </a:r>
-            <a:r>
-              <a:rPr sz="2700" spc="22" dirty="0">
-                <a:solidFill>
-                  <a:srgbClr val="231F20"/>
-                </a:solidFill>
-                <a:latin typeface="Arial"/>
-                <a:cs typeface="Arial"/>
-              </a:rPr>
-              <a:t>d </a:t>
-            </a:r>
-            <a:r>
-              <a:rPr sz="2700" spc="11" dirty="0">
-                <a:solidFill>
-                  <a:srgbClr val="231F20"/>
-                </a:solidFill>
-                <a:latin typeface="Arial"/>
-                <a:cs typeface="Arial"/>
-              </a:rPr>
-              <a:t>c</a:t>
-            </a:r>
-            <a:r>
-              <a:rPr sz="2700" spc="-22" dirty="0">
-                <a:solidFill>
-                  <a:srgbClr val="231F20"/>
-                </a:solidFill>
-                <a:latin typeface="Arial"/>
-                <a:cs typeface="Arial"/>
-              </a:rPr>
-              <a:t>ha</a:t>
-            </a:r>
-            <a:r>
-              <a:rPr sz="2700" spc="87" dirty="0">
-                <a:solidFill>
-                  <a:srgbClr val="231F20"/>
-                </a:solidFill>
-                <a:latin typeface="Arial"/>
-                <a:cs typeface="Arial"/>
-              </a:rPr>
-              <a:t>r</a:t>
-            </a:r>
-            <a:r>
-              <a:rPr sz="2700" spc="-11" dirty="0">
-                <a:solidFill>
-                  <a:srgbClr val="231F20"/>
-                </a:solidFill>
-                <a:latin typeface="Arial"/>
-                <a:cs typeface="Arial"/>
-              </a:rPr>
-              <a:t>t</a:t>
-            </a:r>
-            <a:r>
-              <a:rPr sz="2700" spc="22" dirty="0">
-                <a:solidFill>
-                  <a:srgbClr val="231F20"/>
-                </a:solidFill>
-                <a:latin typeface="Arial"/>
-                <a:cs typeface="Arial"/>
-              </a:rPr>
-              <a:t>s</a:t>
-            </a:r>
-            <a:endParaRPr sz="2700" dirty="0">
-              <a:latin typeface="Arial"/>
-              <a:cs typeface="Arial"/>
-            </a:endParaRPr>
-          </a:p>
-          <a:p>
-            <a:pPr>
-              <a:lnSpc>
-                <a:spcPts val="1746"/>
-              </a:lnSpc>
-              <a:spcBef>
-                <a:spcPts val="52"/>
-              </a:spcBef>
-              <a:buClr>
-                <a:srgbClr val="231F20"/>
-              </a:buClr>
-              <a:buFont typeface="Arial"/>
-              <a:buChar char="•"/>
-            </a:pPr>
-            <a:endParaRPr sz="1700" dirty="0"/>
-          </a:p>
-          <a:p>
-            <a:pPr marL="255013" marR="1204391" indent="-228682">
-              <a:lnSpc>
-                <a:spcPct val="102600"/>
-              </a:lnSpc>
-              <a:buClr>
-                <a:srgbClr val="231F20"/>
-              </a:buClr>
-              <a:buFont typeface="Arial"/>
-              <a:buChar char="•"/>
-              <a:tabLst>
-                <a:tab pos="250857" algn="l"/>
-              </a:tabLst>
-            </a:pPr>
-            <a:r>
-              <a:rPr sz="2700" spc="-11" dirty="0">
-                <a:solidFill>
-                  <a:srgbClr val="231F20"/>
-                </a:solidFill>
-                <a:latin typeface="Arial"/>
-                <a:cs typeface="Arial"/>
-              </a:rPr>
-              <a:t>Us</a:t>
-            </a:r>
-            <a:r>
-              <a:rPr sz="2700" spc="22" dirty="0">
-                <a:solidFill>
-                  <a:srgbClr val="231F20"/>
-                </a:solidFill>
-                <a:latin typeface="Arial"/>
-                <a:cs typeface="Arial"/>
-              </a:rPr>
-              <a:t>e </a:t>
-            </a:r>
-            <a:r>
-              <a:rPr sz="2700" dirty="0">
-                <a:solidFill>
-                  <a:srgbClr val="231F20"/>
-                </a:solidFill>
-                <a:latin typeface="Arial"/>
-                <a:cs typeface="Arial"/>
-              </a:rPr>
-              <a:t>bo</a:t>
-            </a:r>
-            <a:r>
-              <a:rPr sz="2700" spc="-22" dirty="0">
-                <a:solidFill>
-                  <a:srgbClr val="231F20"/>
-                </a:solidFill>
-                <a:latin typeface="Arial"/>
-                <a:cs typeface="Arial"/>
-              </a:rPr>
-              <a:t>l</a:t>
-            </a:r>
-            <a:r>
-              <a:rPr sz="2700" spc="22" dirty="0">
-                <a:solidFill>
-                  <a:srgbClr val="231F20"/>
-                </a:solidFill>
-                <a:latin typeface="Arial"/>
-                <a:cs typeface="Arial"/>
-              </a:rPr>
-              <a:t>d </a:t>
-            </a:r>
-            <a:r>
-              <a:rPr sz="2700" spc="-44" dirty="0">
-                <a:solidFill>
-                  <a:srgbClr val="231F20"/>
-                </a:solidFill>
-                <a:latin typeface="Arial"/>
-                <a:cs typeface="Arial"/>
-              </a:rPr>
-              <a:t>t</a:t>
-            </a:r>
-            <a:r>
-              <a:rPr sz="2700" spc="22" dirty="0">
-                <a:solidFill>
-                  <a:srgbClr val="231F20"/>
-                </a:solidFill>
-                <a:latin typeface="Arial"/>
-                <a:cs typeface="Arial"/>
-              </a:rPr>
-              <a:t>o </a:t>
-            </a:r>
-            <a:r>
-              <a:rPr sz="2700" spc="-11" dirty="0">
-                <a:solidFill>
-                  <a:srgbClr val="231F20"/>
-                </a:solidFill>
-                <a:latin typeface="Arial"/>
-                <a:cs typeface="Arial"/>
-              </a:rPr>
-              <a:t>p</a:t>
-            </a:r>
-            <a:r>
-              <a:rPr sz="2700" spc="-22" dirty="0">
-                <a:solidFill>
-                  <a:srgbClr val="231F20"/>
-                </a:solidFill>
-                <a:latin typeface="Arial"/>
-                <a:cs typeface="Arial"/>
-              </a:rPr>
-              <a:t>r</a:t>
-            </a:r>
-            <a:r>
-              <a:rPr sz="2700" spc="-55" dirty="0">
-                <a:solidFill>
-                  <a:srgbClr val="231F20"/>
-                </a:solidFill>
-                <a:latin typeface="Arial"/>
-                <a:cs typeface="Arial"/>
-              </a:rPr>
-              <a:t>o</a:t>
-            </a:r>
-            <a:r>
-              <a:rPr sz="2700" spc="-11" dirty="0">
-                <a:solidFill>
-                  <a:srgbClr val="231F20"/>
-                </a:solidFill>
-                <a:latin typeface="Arial"/>
-                <a:cs typeface="Arial"/>
-              </a:rPr>
-              <a:t>vid</a:t>
-            </a:r>
-            <a:r>
-              <a:rPr sz="2700" spc="22" dirty="0">
-                <a:solidFill>
-                  <a:srgbClr val="231F20"/>
-                </a:solidFill>
-                <a:latin typeface="Arial"/>
-                <a:cs typeface="Arial"/>
-              </a:rPr>
-              <a:t>e </a:t>
-            </a:r>
-            <a:r>
-              <a:rPr sz="2700" spc="-11" dirty="0">
-                <a:solidFill>
-                  <a:srgbClr val="231F20"/>
-                </a:solidFill>
-                <a:latin typeface="Arial"/>
-                <a:cs typeface="Arial"/>
-              </a:rPr>
-              <a:t>e</a:t>
-            </a:r>
-            <a:r>
-              <a:rPr sz="2700" spc="11" dirty="0">
-                <a:solidFill>
-                  <a:srgbClr val="231F20"/>
-                </a:solidFill>
-                <a:latin typeface="Arial"/>
-                <a:cs typeface="Arial"/>
-              </a:rPr>
-              <a:t>m</a:t>
-            </a:r>
-            <a:r>
-              <a:rPr sz="2700" spc="-11" dirty="0">
-                <a:solidFill>
-                  <a:srgbClr val="231F20"/>
-                </a:solidFill>
-                <a:latin typeface="Arial"/>
-                <a:cs typeface="Arial"/>
-              </a:rPr>
-              <a:t>p</a:t>
-            </a:r>
-            <a:r>
-              <a:rPr sz="2700" spc="-22" dirty="0">
-                <a:solidFill>
-                  <a:srgbClr val="231F20"/>
-                </a:solidFill>
-                <a:latin typeface="Arial"/>
-                <a:cs typeface="Arial"/>
-              </a:rPr>
-              <a:t>ha</a:t>
-            </a:r>
-            <a:r>
-              <a:rPr sz="2700" spc="-11" dirty="0">
-                <a:solidFill>
-                  <a:srgbClr val="231F20"/>
-                </a:solidFill>
-                <a:latin typeface="Arial"/>
-                <a:cs typeface="Arial"/>
-              </a:rPr>
-              <a:t>s</a:t>
-            </a:r>
-            <a:r>
-              <a:rPr sz="2700" spc="-22" dirty="0">
-                <a:solidFill>
-                  <a:srgbClr val="231F20"/>
-                </a:solidFill>
-                <a:latin typeface="Arial"/>
-                <a:cs typeface="Arial"/>
-              </a:rPr>
-              <a:t>i</a:t>
-            </a:r>
-            <a:r>
-              <a:rPr sz="2700" spc="-65" dirty="0">
-                <a:solidFill>
-                  <a:srgbClr val="231F20"/>
-                </a:solidFill>
-                <a:latin typeface="Arial"/>
-                <a:cs typeface="Arial"/>
-              </a:rPr>
-              <a:t>s</a:t>
-            </a:r>
-            <a:r>
-              <a:rPr sz="2700" spc="11" dirty="0">
-                <a:solidFill>
-                  <a:srgbClr val="231F20"/>
-                </a:solidFill>
-                <a:latin typeface="Arial"/>
-                <a:cs typeface="Arial"/>
-              </a:rPr>
-              <a:t>;</a:t>
-            </a:r>
-            <a:r>
-              <a:rPr sz="2700" spc="22" dirty="0">
-                <a:solidFill>
-                  <a:srgbClr val="231F20"/>
-                </a:solidFill>
-                <a:latin typeface="Arial"/>
-                <a:cs typeface="Arial"/>
-              </a:rPr>
-              <a:t> </a:t>
-            </a:r>
-            <a:r>
-              <a:rPr sz="2700" spc="-65" dirty="0">
-                <a:solidFill>
-                  <a:srgbClr val="231F20"/>
-                </a:solidFill>
-                <a:latin typeface="Arial"/>
-                <a:cs typeface="Arial"/>
-              </a:rPr>
-              <a:t>a</a:t>
-            </a:r>
-            <a:r>
-              <a:rPr sz="2700" spc="-55" dirty="0">
-                <a:solidFill>
-                  <a:srgbClr val="231F20"/>
-                </a:solidFill>
-                <a:latin typeface="Arial"/>
-                <a:cs typeface="Arial"/>
-              </a:rPr>
-              <a:t>v</a:t>
-            </a:r>
-            <a:r>
-              <a:rPr sz="2700" spc="-11" dirty="0">
-                <a:solidFill>
-                  <a:srgbClr val="231F20"/>
-                </a:solidFill>
-                <a:latin typeface="Arial"/>
-                <a:cs typeface="Arial"/>
-              </a:rPr>
-              <a:t>oi</a:t>
-            </a:r>
-            <a:r>
-              <a:rPr sz="2700" spc="22" dirty="0">
-                <a:solidFill>
-                  <a:srgbClr val="231F20"/>
-                </a:solidFill>
-                <a:latin typeface="Arial"/>
-                <a:cs typeface="Arial"/>
-              </a:rPr>
-              <a:t>d </a:t>
-            </a:r>
-            <a:r>
-              <a:rPr sz="2700" spc="33" dirty="0">
-                <a:solidFill>
-                  <a:srgbClr val="231F20"/>
-                </a:solidFill>
-                <a:latin typeface="Arial"/>
-                <a:cs typeface="Arial"/>
-              </a:rPr>
-              <a:t>c</a:t>
-            </a:r>
-            <a:r>
-              <a:rPr sz="2700" spc="-22" dirty="0">
-                <a:solidFill>
-                  <a:srgbClr val="231F20"/>
-                </a:solidFill>
-                <a:latin typeface="Arial"/>
-                <a:cs typeface="Arial"/>
-              </a:rPr>
-              <a:t>a</a:t>
-            </a:r>
-            <a:r>
-              <a:rPr sz="2700" spc="-11" dirty="0">
-                <a:solidFill>
-                  <a:srgbClr val="231F20"/>
-                </a:solidFill>
-                <a:latin typeface="Arial"/>
-                <a:cs typeface="Arial"/>
-              </a:rPr>
-              <a:t>p</a:t>
-            </a:r>
-            <a:r>
-              <a:rPr sz="2700" spc="-33" dirty="0">
-                <a:solidFill>
-                  <a:srgbClr val="231F20"/>
-                </a:solidFill>
-                <a:latin typeface="Arial"/>
-                <a:cs typeface="Arial"/>
-              </a:rPr>
-              <a:t>i</a:t>
-            </a:r>
-            <a:r>
-              <a:rPr sz="2700" spc="11" dirty="0">
-                <a:solidFill>
-                  <a:srgbClr val="231F20"/>
-                </a:solidFill>
-                <a:latin typeface="Arial"/>
-                <a:cs typeface="Arial"/>
-              </a:rPr>
-              <a:t>t</a:t>
-            </a:r>
-            <a:r>
-              <a:rPr sz="2700" spc="-22" dirty="0">
-                <a:solidFill>
-                  <a:srgbClr val="231F20"/>
-                </a:solidFill>
-                <a:latin typeface="Arial"/>
-                <a:cs typeface="Arial"/>
-              </a:rPr>
-              <a:t>al</a:t>
-            </a:r>
-            <a:r>
-              <a:rPr sz="2700" spc="22" dirty="0">
-                <a:solidFill>
-                  <a:srgbClr val="231F20"/>
-                </a:solidFill>
-                <a:latin typeface="Arial"/>
-                <a:cs typeface="Arial"/>
-              </a:rPr>
-              <a:t>s </a:t>
-            </a:r>
-            <a:r>
-              <a:rPr sz="2700" spc="-22" dirty="0">
-                <a:solidFill>
-                  <a:srgbClr val="231F20"/>
-                </a:solidFill>
-                <a:latin typeface="Arial"/>
-                <a:cs typeface="Arial"/>
-              </a:rPr>
-              <a:t>a</a:t>
-            </a:r>
-            <a:r>
-              <a:rPr sz="2700" spc="-11" dirty="0">
-                <a:solidFill>
-                  <a:srgbClr val="231F20"/>
-                </a:solidFill>
-                <a:latin typeface="Arial"/>
-                <a:cs typeface="Arial"/>
-              </a:rPr>
-              <a:t>n</a:t>
-            </a:r>
-            <a:r>
-              <a:rPr sz="2700" spc="22" dirty="0">
-                <a:solidFill>
-                  <a:srgbClr val="231F20"/>
-                </a:solidFill>
-                <a:latin typeface="Arial"/>
-                <a:cs typeface="Arial"/>
-              </a:rPr>
-              <a:t>d</a:t>
-            </a:r>
-            <a:r>
-              <a:rPr sz="2700" spc="11" dirty="0">
-                <a:solidFill>
-                  <a:srgbClr val="231F20"/>
-                </a:solidFill>
-                <a:latin typeface="Arial"/>
-                <a:cs typeface="Arial"/>
-              </a:rPr>
-              <a:t> </a:t>
-            </a:r>
-            <a:r>
-              <a:rPr sz="2700" spc="-22" dirty="0">
-                <a:solidFill>
-                  <a:srgbClr val="231F20"/>
-                </a:solidFill>
-                <a:latin typeface="Arial"/>
-                <a:cs typeface="Arial"/>
-              </a:rPr>
-              <a:t>u</a:t>
-            </a:r>
-            <a:r>
-              <a:rPr sz="2700" spc="-11" dirty="0">
-                <a:solidFill>
-                  <a:srgbClr val="231F20"/>
-                </a:solidFill>
-                <a:latin typeface="Arial"/>
-                <a:cs typeface="Arial"/>
-              </a:rPr>
-              <a:t>nde</a:t>
-            </a:r>
-            <a:r>
-              <a:rPr sz="2700" spc="22" dirty="0">
-                <a:solidFill>
-                  <a:srgbClr val="231F20"/>
-                </a:solidFill>
-                <a:latin typeface="Arial"/>
-                <a:cs typeface="Arial"/>
-              </a:rPr>
-              <a:t>r</a:t>
-            </a:r>
-            <a:r>
-              <a:rPr sz="2700" spc="-33" dirty="0">
-                <a:solidFill>
-                  <a:srgbClr val="231F20"/>
-                </a:solidFill>
-                <a:latin typeface="Arial"/>
-                <a:cs typeface="Arial"/>
-              </a:rPr>
-              <a:t>lini</a:t>
-            </a:r>
-            <a:r>
-              <a:rPr sz="2700" spc="-11" dirty="0">
-                <a:solidFill>
-                  <a:srgbClr val="231F20"/>
-                </a:solidFill>
-                <a:latin typeface="Arial"/>
-                <a:cs typeface="Arial"/>
-              </a:rPr>
-              <a:t>n</a:t>
-            </a:r>
-            <a:r>
-              <a:rPr sz="2700" spc="22" dirty="0">
-                <a:solidFill>
-                  <a:srgbClr val="231F20"/>
-                </a:solidFill>
-                <a:latin typeface="Arial"/>
-                <a:cs typeface="Arial"/>
-              </a:rPr>
-              <a:t>g</a:t>
-            </a:r>
-            <a:endParaRPr sz="2700" dirty="0">
-              <a:latin typeface="Arial"/>
-              <a:cs typeface="Arial"/>
-            </a:endParaRPr>
-          </a:p>
-          <a:p>
-            <a:pPr>
-              <a:lnSpc>
-                <a:spcPts val="1855"/>
-              </a:lnSpc>
-              <a:spcBef>
-                <a:spcPts val="28"/>
-              </a:spcBef>
-              <a:buClr>
-                <a:srgbClr val="231F20"/>
-              </a:buClr>
-              <a:buFont typeface="Arial"/>
-              <a:buChar char="•"/>
-            </a:pPr>
-            <a:endParaRPr sz="1900" dirty="0"/>
-          </a:p>
-          <a:p>
-            <a:pPr marL="250857" indent="-224524">
-              <a:buClr>
-                <a:srgbClr val="231F20"/>
-              </a:buClr>
-              <a:buFont typeface="Arial"/>
-              <a:buChar char="•"/>
-              <a:tabLst>
-                <a:tab pos="250857" algn="l"/>
-              </a:tabLst>
-            </a:pPr>
-            <a:r>
-              <a:rPr sz="2700" spc="-76" dirty="0">
-                <a:solidFill>
-                  <a:srgbClr val="231F20"/>
-                </a:solidFill>
-                <a:latin typeface="Arial"/>
-                <a:cs typeface="Arial"/>
-              </a:rPr>
-              <a:t>A</a:t>
-            </a:r>
-            <a:r>
-              <a:rPr sz="2700" spc="-55" dirty="0">
-                <a:solidFill>
-                  <a:srgbClr val="231F20"/>
-                </a:solidFill>
-                <a:latin typeface="Arial"/>
-                <a:cs typeface="Arial"/>
-              </a:rPr>
-              <a:t>v</a:t>
-            </a:r>
-            <a:r>
-              <a:rPr sz="2700" spc="-11" dirty="0">
-                <a:solidFill>
-                  <a:srgbClr val="231F20"/>
-                </a:solidFill>
-                <a:latin typeface="Arial"/>
-                <a:cs typeface="Arial"/>
-              </a:rPr>
-              <a:t>oi</a:t>
-            </a:r>
-            <a:r>
-              <a:rPr sz="2700" spc="22" dirty="0">
-                <a:solidFill>
-                  <a:srgbClr val="231F20"/>
-                </a:solidFill>
-                <a:latin typeface="Arial"/>
-                <a:cs typeface="Arial"/>
-              </a:rPr>
-              <a:t>d </a:t>
-            </a:r>
-            <a:r>
-              <a:rPr sz="2700" spc="-11" dirty="0">
-                <a:solidFill>
-                  <a:srgbClr val="231F20"/>
-                </a:solidFill>
-                <a:latin typeface="Arial"/>
-                <a:cs typeface="Arial"/>
-              </a:rPr>
-              <a:t>l</a:t>
-            </a:r>
-            <a:r>
-              <a:rPr sz="2700" dirty="0">
-                <a:solidFill>
-                  <a:srgbClr val="231F20"/>
-                </a:solidFill>
-                <a:latin typeface="Arial"/>
-                <a:cs typeface="Arial"/>
-              </a:rPr>
-              <a:t>o</a:t>
-            </a:r>
-            <a:r>
-              <a:rPr sz="2700" spc="-11" dirty="0">
-                <a:solidFill>
-                  <a:srgbClr val="231F20"/>
-                </a:solidFill>
-                <a:latin typeface="Arial"/>
-                <a:cs typeface="Arial"/>
-              </a:rPr>
-              <a:t>n</a:t>
-            </a:r>
-            <a:r>
-              <a:rPr sz="2700" spc="22" dirty="0">
-                <a:solidFill>
-                  <a:srgbClr val="231F20"/>
-                </a:solidFill>
-                <a:latin typeface="Arial"/>
-                <a:cs typeface="Arial"/>
-              </a:rPr>
-              <a:t>g </a:t>
-            </a:r>
-            <a:r>
-              <a:rPr sz="2700" spc="-22" dirty="0">
-                <a:solidFill>
-                  <a:srgbClr val="231F20"/>
-                </a:solidFill>
-                <a:latin typeface="Arial"/>
-                <a:cs typeface="Arial"/>
-              </a:rPr>
-              <a:t>nu</a:t>
-            </a:r>
-            <a:r>
-              <a:rPr sz="2700" spc="11" dirty="0">
-                <a:solidFill>
-                  <a:srgbClr val="231F20"/>
-                </a:solidFill>
-                <a:latin typeface="Arial"/>
-                <a:cs typeface="Arial"/>
-              </a:rPr>
-              <a:t>m</a:t>
-            </a:r>
-            <a:r>
-              <a:rPr sz="2700" spc="-11" dirty="0">
-                <a:solidFill>
-                  <a:srgbClr val="231F20"/>
-                </a:solidFill>
-                <a:latin typeface="Arial"/>
-                <a:cs typeface="Arial"/>
-              </a:rPr>
-              <a:t>e</a:t>
-            </a:r>
-            <a:r>
-              <a:rPr sz="2700" spc="22" dirty="0">
-                <a:solidFill>
-                  <a:srgbClr val="231F20"/>
-                </a:solidFill>
-                <a:latin typeface="Arial"/>
-                <a:cs typeface="Arial"/>
-              </a:rPr>
-              <a:t>r</a:t>
-            </a:r>
-            <a:r>
-              <a:rPr sz="2700" spc="-22" dirty="0">
-                <a:solidFill>
-                  <a:srgbClr val="231F20"/>
-                </a:solidFill>
-                <a:latin typeface="Arial"/>
-                <a:cs typeface="Arial"/>
-              </a:rPr>
-              <a:t>i</a:t>
-            </a:r>
-            <a:r>
-              <a:rPr sz="2700" spc="33" dirty="0">
-                <a:solidFill>
-                  <a:srgbClr val="231F20"/>
-                </a:solidFill>
-                <a:latin typeface="Arial"/>
-                <a:cs typeface="Arial"/>
-              </a:rPr>
-              <a:t>c</a:t>
-            </a:r>
-            <a:r>
-              <a:rPr sz="2700" spc="-22" dirty="0">
-                <a:solidFill>
-                  <a:srgbClr val="231F20"/>
-                </a:solidFill>
-                <a:latin typeface="Arial"/>
-                <a:cs typeface="Arial"/>
-              </a:rPr>
-              <a:t>a</a:t>
-            </a:r>
-            <a:r>
-              <a:rPr sz="2700" spc="11" dirty="0">
-                <a:solidFill>
-                  <a:srgbClr val="231F20"/>
-                </a:solidFill>
-                <a:latin typeface="Arial"/>
-                <a:cs typeface="Arial"/>
-              </a:rPr>
-              <a:t>l</a:t>
-            </a:r>
-            <a:r>
-              <a:rPr sz="2700" spc="22" dirty="0">
-                <a:solidFill>
-                  <a:srgbClr val="231F20"/>
-                </a:solidFill>
-                <a:latin typeface="Arial"/>
-                <a:cs typeface="Arial"/>
-              </a:rPr>
-              <a:t> </a:t>
-            </a:r>
-            <a:r>
-              <a:rPr sz="2700" spc="11" dirty="0">
-                <a:solidFill>
-                  <a:srgbClr val="231F20"/>
-                </a:solidFill>
-                <a:latin typeface="Arial"/>
-                <a:cs typeface="Arial"/>
-              </a:rPr>
-              <a:t>t</a:t>
-            </a:r>
-            <a:r>
-              <a:rPr sz="2700" spc="-22" dirty="0">
-                <a:solidFill>
-                  <a:srgbClr val="231F20"/>
-                </a:solidFill>
-                <a:latin typeface="Arial"/>
-                <a:cs typeface="Arial"/>
-              </a:rPr>
-              <a:t>a</a:t>
-            </a:r>
-            <a:r>
-              <a:rPr sz="2700" spc="-11" dirty="0">
-                <a:solidFill>
-                  <a:srgbClr val="231F20"/>
-                </a:solidFill>
-                <a:latin typeface="Arial"/>
-                <a:cs typeface="Arial"/>
-              </a:rPr>
-              <a:t>b</a:t>
-            </a:r>
-            <a:r>
-              <a:rPr sz="2700" spc="-22" dirty="0">
-                <a:solidFill>
-                  <a:srgbClr val="231F20"/>
-                </a:solidFill>
-                <a:latin typeface="Arial"/>
-                <a:cs typeface="Arial"/>
-              </a:rPr>
-              <a:t>l</a:t>
-            </a:r>
-            <a:r>
-              <a:rPr sz="2700" dirty="0">
-                <a:solidFill>
-                  <a:srgbClr val="231F20"/>
-                </a:solidFill>
-                <a:latin typeface="Arial"/>
-                <a:cs typeface="Arial"/>
-              </a:rPr>
-              <a:t>e</a:t>
-            </a:r>
-            <a:r>
-              <a:rPr sz="2700" spc="22" dirty="0">
-                <a:solidFill>
-                  <a:srgbClr val="231F20"/>
-                </a:solidFill>
-                <a:latin typeface="Arial"/>
-                <a:cs typeface="Arial"/>
-              </a:rPr>
-              <a:t>s</a:t>
+            <a:pPr marL="27719"/>
+            <a:r>
+              <a:rPr lang="en-US" sz="2700" dirty="0">
+                <a:latin typeface="Arial"/>
+                <a:cs typeface="Arial"/>
+              </a:rPr>
+              <a:t>The recovery after photobleaching shows similar final recovery amounts, however analysis of the recovery curves shows distinct recovery dynamics between the two centrosomes (Fig. 2b)</a:t>
             </a:r>
             <a:endParaRPr sz="2700" dirty="0">
               <a:latin typeface="Arial"/>
@@ -6977,7 +4856,7 @@
         </p:nvSpPr>
         <p:spPr>
           <a:xfrm>
-            <a:off x="22603672" y="6477000"/>
+            <a:off x="22603672" y="6006114"/>
             <a:ext cx="9199684" cy="3478581"/>
           </a:xfrm>
           <a:prstGeom prst="rect">
@@ -10356,7 +8235,7 @@
         </p:nvSpPr>
         <p:spPr>
           <a:xfrm>
-            <a:off x="1567336" y="6174155"/>
+            <a:off x="1567336" y="5702526"/>
             <a:ext cx="40641272" cy="600164"/>
           </a:xfrm>
           <a:custGeom>
@@ -10394,76 +8273,13 @@
       </p:sp>
       <p:sp>
         <p:nvSpPr>
-          <p:cNvPr id="37" name="TextBox 36"/>
-          <p:cNvSpPr txBox="1"/>
-          <p:nvPr/>
-        </p:nvSpPr>
-        <p:spPr>
-          <a:xfrm>
-            <a:off x="1549078" y="25024771"/>
-            <a:ext cx="9149776" cy="4521238"/>
-          </a:xfrm>
-          <a:prstGeom prst="rect">
-            <a:avLst/>
-          </a:prstGeom>
-          <a:noFill/>
-        </p:spPr>
-        <p:txBody>
-          <a:bodyPr wrap="square" lIns="0" tIns="0" rIns="0" bIns="0" rtlCol="0">
-            <a:spAutoFit/>
-          </a:bodyPr>
-          <a:lstStyle/>
-          <a:p>
-            <a:pPr marL="19958">
-              <a:lnSpc>
-                <a:spcPct val="110000"/>
-              </a:lnSpc>
-            </a:pPr>
-            <a:r>
-              <a:rPr lang="en-US" sz="3500" b="1" spc="-11" dirty="0">
-                <a:solidFill>
-                  <a:srgbClr val="BD003A"/>
-                </a:solidFill>
-                <a:latin typeface="Arial"/>
-                <a:cs typeface="Arial"/>
-              </a:rPr>
-              <a:t>AIM</a:t>
-            </a:r>
-          </a:p>
-          <a:p>
-            <a:pPr>
-              <a:lnSpc>
-                <a:spcPct val="103000"/>
-              </a:lnSpc>
-              <a:spcBef>
-                <a:spcPts val="655"/>
-              </a:spcBef>
-            </a:pPr>
-            <a:r>
-              <a:rPr lang="en-US" sz="2700" dirty="0">
-                <a:latin typeface="Arial"/>
-                <a:cs typeface="Arial"/>
-              </a:rPr>
-              <a:t>Using a combination of time-lapse microscopy and novel mathematical modeling we will investigate the origins of the asymmetry observed in the MT arrays. We will be able to quantify the spatial and temporal localization of tagged proteins and this data will serve as the basis of an interaction based mathematical model which can further uncover any mechanisms that could lead to the observed localization patterns.</a:t>
-            </a:r>
-          </a:p>
-          <a:p>
-            <a:endParaRPr lang="en-US" sz="2700" dirty="0">
-              <a:latin typeface="Arial"/>
-              <a:cs typeface="Arial"/>
-            </a:endParaRPr>
-          </a:p>
-        </p:txBody>
-      </p:sp>
-      <p:sp>
-        <p:nvSpPr>
           <p:cNvPr id="38" name="object 15"/>
           <p:cNvSpPr txBox="1"/>
           <p:nvPr/>
         </p:nvSpPr>
         <p:spPr>
           <a:xfrm>
-            <a:off x="1572332" y="15924526"/>
+            <a:off x="1572332" y="17887191"/>
             <a:ext cx="8714667" cy="830997"/>
           </a:xfrm>
           <a:prstGeom prst="rect">
@@ -10522,8 +8338,8 @@
         </p:nvSpPr>
         <p:spPr>
           <a:xfrm>
-            <a:off x="12130387" y="13376798"/>
-            <a:ext cx="8499723" cy="415498"/>
+            <a:off x="12130387" y="14256631"/>
+            <a:ext cx="8499723" cy="830997"/>
           </a:xfrm>
           <a:prstGeom prst="rect">
             <a:avLst/>
@@ -10544,7 +8360,7 @@
                 <a:latin typeface="Arial"/>
                 <a:cs typeface="Arial"/>
               </a:rPr>
-              <a:t>Asymmetric Recruitment and Recovery</a:t>
+              <a:t>Asymmetric Centrosome Recruitment and Recovery Revealed by a Precise Quantification</a:t>
             </a:r>
             <a:endParaRPr lang="en-US" sz="2700" dirty="0">
               <a:latin typeface="Arial"/>
@@ -10581,7 +8397,7 @@
         </p:blipFill>
         <p:spPr>
           <a:xfrm>
-            <a:off x="34735280" y="30556200"/>
+            <a:off x="1567336" y="30556200"/>
             <a:ext cx="7492178" cy="1085335"/>
           </a:xfrm>
           <a:prstGeom prst="rect">
@@ -10960,78 +8776,6 @@
       </p:pic>
       <p:pic>
         <p:nvPicPr>
-          <p:cNvPr id="10" name="Picture 9" descr="A screenshot of a computer&#10;&#10;Description automatically generated">
-            <a:extLst>
-              <a:ext uri="{FF2B5EF4-FFF2-40B4-BE49-F238E27FC236}">
-                <a16:creationId xmlns:a16="http://schemas.microsoft.com/office/drawing/2014/main" id="{D9654E5A-1951-F11B-27AA-09E3B635AC61}"/>
-              </a:ext>
-            </a:extLst>
-          </p:cNvPr>
-          <p:cNvPicPr>
-            <a:picLocks noChangeAspect="1"/>
-          </p:cNvPicPr>
-          <p:nvPr/>
-        </p:nvPicPr>
-        <p:blipFill>
-          <a:blip r:embed="rId5">
-            <a:extLst>
-              <a:ext uri="{28A0092B-C50C-407E-A947-70E740481C1C}">
-                <a14:useLocalDpi xmlns:a14="http://schemas.microsoft.com/office/drawing/2010/main" val="0"/>
-              </a:ext>
-            </a:extLst>
-          </a:blip>
-          <a:stretch>
-            <a:fillRect/>
-          </a:stretch>
-        </p:blipFill>
-        <p:spPr>
-          <a:xfrm>
-            <a:off x="1567336" y="16864826"/>
-            <a:ext cx="9052578" cy="5760731"/>
-          </a:xfrm>
-          <a:prstGeom prst="rect">
-            <a:avLst/>
-          </a:prstGeom>
-        </p:spPr>
-      </p:pic>
-      <p:pic>
-        <p:nvPicPr>
-          <p:cNvPr id="9" name="Picture 8" descr="A collage of graphs and diagrams&#10;&#10;Description automatically generated">
-            <a:extLst>
-              <a:ext uri="{FF2B5EF4-FFF2-40B4-BE49-F238E27FC236}">
-                <a16:creationId xmlns:a16="http://schemas.microsoft.com/office/drawing/2014/main" id="{88A52210-210C-4DFF-03B0-656CD3118E0F}"/>
-              </a:ext>
-            </a:extLst>
-          </p:cNvPr>
-          <p:cNvPicPr>
-            <a:picLocks noChangeAspect="1"/>
-          </p:cNvPicPr>
-          <p:nvPr/>
-        </p:nvPicPr>
-        <p:blipFill>
-          <a:blip r:embed="rId6">
-            <a:extLst>
-              <a:ext uri="{28A0092B-C50C-407E-A947-70E740481C1C}">
-                <a14:useLocalDpi xmlns:a14="http://schemas.microsoft.com/office/drawing/2010/main" val="0"/>
-              </a:ext>
-            </a:extLst>
-          </a:blip>
-          <a:stretch>
-            <a:fillRect/>
-          </a:stretch>
-        </p:blipFill>
-        <p:spPr>
-          <a:xfrm>
-            <a:off x="12126173" y="14392527"/>
-            <a:ext cx="8503937" cy="6775717"/>
-          </a:xfrm>
-          <a:prstGeom prst="rect">
-            <a:avLst/>
-          </a:prstGeom>
-        </p:spPr>
-      </p:pic>
-      <p:pic>
-        <p:nvPicPr>
           <p:cNvPr id="14" name="Picture 13" descr="A black background with a black square&#10;&#10;Description automatically generated with medium confidence">
             <a:extLst>
               <a:ext uri="{FF2B5EF4-FFF2-40B4-BE49-F238E27FC236}">
@@ -11045,7 +8789,7 @@
           <p:nvPr/>
         </p:nvPicPr>
         <p:blipFill>
-          <a:blip r:embed="rId7">
+          <a:blip r:embed="rId5">
             <a:extLst>
               <a:ext uri="{28A0092B-C50C-407E-A947-70E740481C1C}">
                 <a14:useLocalDpi xmlns:a14="http://schemas.microsoft.com/office/drawing/2010/main" val="0"/>
@@ -11081,7 +8825,7 @@
           <p:nvPr/>
         </p:nvPicPr>
         <p:blipFill>
-          <a:blip r:embed="rId8">
+          <a:blip r:embed="rId6">
             <a:extLst>
               <a:ext uri="{28A0092B-C50C-407E-A947-70E740481C1C}">
                 <a14:useLocalDpi xmlns:a14="http://schemas.microsoft.com/office/drawing/2010/main" val="0"/>
@@ -11241,7 +8985,7 @@
           <p:nvPr/>
         </p:nvPicPr>
         <p:blipFill rotWithShape="1">
-          <a:blip r:embed="rId9">
+          <a:blip r:embed="rId7">
             <a:extLst>
               <a:ext uri="{28A0092B-C50C-407E-A947-70E740481C1C}">
                 <a14:useLocalDpi xmlns:a14="http://schemas.microsoft.com/office/drawing/2010/main" val="0"/>
@@ -11255,6 +8999,78 @@
           <a:xfrm>
             <a:off x="34261365" y="7266826"/>
             <a:ext cx="6711709" cy="6308813"/>
+          </a:xfrm>
+          <a:prstGeom prst="rect">
+            <a:avLst/>
+          </a:prstGeom>
+        </p:spPr>
+      </p:pic>
+      <p:pic>
+        <p:nvPicPr>
+          <p:cNvPr id="8" name="Picture 7" descr="A screenshot of a computer&#10;&#10;Description automatically generated">
+            <a:extLst>
+              <a:ext uri="{FF2B5EF4-FFF2-40B4-BE49-F238E27FC236}">
+                <a16:creationId xmlns:a16="http://schemas.microsoft.com/office/drawing/2014/main" id="{72C7BE00-DA8C-91C4-F52B-01A90A4AE9A3}"/>
+              </a:ext>
+            </a:extLst>
+          </p:cNvPr>
+          <p:cNvPicPr>
+            <a:picLocks noChangeAspect="1"/>
+          </p:cNvPicPr>
+          <p:nvPr/>
+        </p:nvPicPr>
+        <p:blipFill>
+          <a:blip r:embed="rId8">
+            <a:extLst>
+              <a:ext uri="{28A0092B-C50C-407E-A947-70E740481C1C}">
+                <a14:useLocalDpi xmlns:a14="http://schemas.microsoft.com/office/drawing/2010/main" val="0"/>
+              </a:ext>
+            </a:extLst>
+          </a:blip>
+          <a:stretch>
+            <a:fillRect/>
+          </a:stretch>
+        </p:blipFill>
+        <p:spPr>
+          <a:xfrm>
+            <a:off x="1617829" y="19124331"/>
+            <a:ext cx="8860554" cy="5651003"/>
+          </a:xfrm>
+          <a:prstGeom prst="rect">
+            <a:avLst/>
+          </a:prstGeom>
+        </p:spPr>
+      </p:pic>
+      <p:pic>
+        <p:nvPicPr>
+          <p:cNvPr id="46" name="Picture 45" descr="A group of colorful lines&#10;&#10;Description automatically generated">
+            <a:extLst>
+              <a:ext uri="{FF2B5EF4-FFF2-40B4-BE49-F238E27FC236}">
+                <a16:creationId xmlns:a16="http://schemas.microsoft.com/office/drawing/2014/main" id="{99202188-9FA6-D22B-6845-B587979F90A4}"/>
+              </a:ext>
+            </a:extLst>
+          </p:cNvPr>
+          <p:cNvPicPr>
+            <a:picLocks noChangeAspect="1"/>
+          </p:cNvPicPr>
+          <p:nvPr/>
+        </p:nvPicPr>
+        <p:blipFill>
+          <a:blip r:embed="rId9" cstate="print">
+            <a:extLst>
+              <a:ext uri="{28A0092B-C50C-407E-A947-70E740481C1C}">
+                <a14:useLocalDpi xmlns:a14="http://schemas.microsoft.com/office/drawing/2010/main" val="0"/>
+              </a:ext>
+            </a:extLst>
+          </a:blip>
+          <a:stretch>
+            <a:fillRect/>
+          </a:stretch>
+        </p:blipFill>
+        <p:spPr>
+          <a:xfrm>
+            <a:off x="12856753" y="15389549"/>
+            <a:ext cx="7046990" cy="7644400"/>
           </a:xfrm>
           <a:prstGeom prst="rect">
             <a:avLst/>

--- a/GRACE/Poster/Dec2023Poster.pptx
+++ b/GRACE/Poster/Dec2023Poster.pptx
@@ -1473,7 +1473,10 @@
           <a:lstStyle/>
           <a:p>
             <a:pPr algn="ctr"/>
-            <a:endParaRPr lang="en-US" dirty="0"/>
+            <a:r>
+              <a:rPr lang="en-US" dirty="0"/>
+              <a:t>`</a:t>
+            </a:r>
           </a:p>
         </p:txBody>
       </p:sp>
@@ -1556,7 +1559,7 @@
             </a:r>
             <a:r>
               <a:rPr lang="en-US" sz="3600" b="0" spc="-11" baseline="30000" dirty="0"/>
-              <a:t>1</a:t>
+              <a:t>2</a:t>
             </a:r>
             <a:r>
               <a:rPr lang="en-US" sz="3600" b="0" spc="-11" dirty="0"/>
@@ -1571,7 +1574,7 @@
             </a:br>
             <a:r>
               <a:rPr lang="en-US" sz="3600" b="0" spc="-11" baseline="30000" dirty="0"/>
-              <a:t>1</a:t>
+              <a:t>1 </a:t>
             </a:r>
             <a:r>
               <a:rPr lang="en-US" sz="3600" b="0" spc="-11" dirty="0"/>
@@ -1579,11 +1582,11 @@
             </a:r>
             <a:r>
               <a:rPr lang="en-US" sz="3600" b="0" spc="-98" dirty="0"/>
-              <a:t>Columbus, Ohio </a:t>
+              <a:t>Columbus, Ohio  </a:t>
             </a:r>
             <a:r>
               <a:rPr lang="en-US" sz="3600" b="0" spc="-98" baseline="30000" dirty="0"/>
-              <a:t>2</a:t>
+              <a:t>2 </a:t>
             </a:r>
             <a:r>
               <a:rPr lang="en-US" sz="3600" b="0" spc="-11" dirty="0"/>
@@ -1606,7 +1609,7 @@
         <p:spPr>
           <a:xfrm>
             <a:off x="1572469" y="6082314"/>
-            <a:ext cx="9063269" cy="10125529"/>
+            <a:ext cx="9343482" cy="8957132"/>
           </a:xfrm>
           <a:prstGeom prst="rect">
             <a:avLst/>
@@ -1677,7 +1680,41 @@
                 <a:ea typeface="+mn-ea"/>
                 <a:cs typeface="Arial"/>
               </a:rPr>
-              <a:t>The process with which cells position their centrosomes is critically important for proper cell divisions. </a:t>
+              <a:t>The process with which cells position their centrosomes is critically important for proper cell </a:t>
+            </a:r>
+            <a:r>
+              <a:rPr kumimoji="0" lang="en-US" sz="2700" b="0" i="0" u="none" strike="noStrike" kern="1200" cap="none" spc="11" normalizeH="0" baseline="0" noProof="0" dirty="0">
+                <a:ln>
+                  <a:noFill/>
+                </a:ln>
+                <a:solidFill>
+                  <a:srgbClr val="FF0000"/>
+                </a:solidFill>
+                <a:effectLst/>
+                <a:uLnTx/>
+                <a:uFillTx/>
+                <a:latin typeface="Arial"/>
+                <a:ea typeface="+mn-ea"/>
+                <a:cs typeface="Arial"/>
+              </a:rPr>
+              <a:t>divisions</a:t>
+            </a:r>
+            <a:r>
+              <a:rPr kumimoji="0" lang="en-US" sz="2700" b="0" i="0" u="none" strike="noStrike" kern="1200" cap="none" spc="11" normalizeH="0" baseline="0" noProof="0" dirty="0">
+                <a:ln>
+                  <a:noFill/>
+                </a:ln>
+                <a:solidFill>
+                  <a:srgbClr val="231F20"/>
+                </a:solidFill>
+                <a:effectLst/>
+                <a:uLnTx/>
+                <a:uFillTx/>
+                <a:latin typeface="Arial"/>
+                <a:ea typeface="+mn-ea"/>
+                <a:cs typeface="Arial"/>
+              </a:rPr>
+              <a:t>. </a:t>
             </a:r>
             <a:r>
               <a:rPr lang="en-US" sz="2700" spc="11" dirty="0">
@@ -1687,7 +1724,27 @@
                 <a:latin typeface="Arial"/>
                 <a:cs typeface="Arial"/>
               </a:rPr>
-              <a:t>Centrosomes are the main microtubule organizing centers of the cell and abnormal positioning during cell division is one potential cause leading to cancer metastasis. </a:t>
+              <a:t>Centrosomes are the main microtubule organizing centers of the cell and abnormal positioning during cell division is one potential cause leading to cancer </a:t>
+            </a:r>
+            <a:r>
+              <a:rPr lang="en-US" sz="2700" spc="11" dirty="0">
+                <a:solidFill>
+                  <a:srgbClr val="FF0000"/>
+                </a:solidFill>
+                <a:latin typeface="Arial"/>
+                <a:cs typeface="Arial"/>
+              </a:rPr>
+              <a:t>metastasis</a:t>
+            </a:r>
+            <a:r>
+              <a:rPr lang="en-US" sz="2700" spc="11" dirty="0">
+                <a:solidFill>
+                  <a:srgbClr val="231F20"/>
+                </a:solidFill>
+                <a:latin typeface="Arial"/>
+                <a:cs typeface="Arial"/>
+              </a:rPr>
+              <a:t>. </a:t>
             </a:r>
           </a:p>
           <a:p>
@@ -1709,6 +1766,23 @@
               <a:defRPr/>
             </a:pPr>
             <a:r>
+              <a:rPr kumimoji="0" lang="en-US" sz="2700" b="0" i="0" u="none" strike="noStrike" kern="1200" cap="none" spc="11" normalizeH="0" baseline="0" noProof="0" dirty="0">
+                <a:ln>
+                  <a:noFill/>
+                </a:ln>
+                <a:solidFill>
+                  <a:srgbClr val="231F20"/>
+                </a:solidFill>
+                <a:effectLst/>
+                <a:uLnTx/>
+                <a:uFillTx/>
+                <a:latin typeface="Arial"/>
+                <a:ea typeface="+mn-ea"/>
+                <a:cs typeface="Arial"/>
+              </a:rPr>
+              <a:t>Our lab has previously discovered an asymmetry </a:t>
+            </a:r>
+            <a:r>
               <a:rPr lang="en-US" sz="2700" spc="11" dirty="0">
                 <a:solidFill>
                   <a:srgbClr val="231F20"/>
@@ -1716,7 +1790,7 @@
                 <a:latin typeface="Arial"/>
                 <a:cs typeface="Arial"/>
               </a:rPr>
-              <a:t>Using </a:t>
+              <a:t>in the size and density of the microtubule arrays that emanate from the two centrosomes during the first cellular division of the </a:t>
             </a:r>
             <a:r>
               <a:rPr lang="en-US" sz="2700" i="1" spc="11" dirty="0">
@@ -1726,55 +1800,40 @@
                 <a:latin typeface="Arial"/>
                 <a:cs typeface="Arial"/>
               </a:rPr>
-              <a:t>c. elegans</a:t>
+              <a:t>C. elegans </a:t>
             </a:r>
             <a:r>
               <a:rPr lang="en-US" sz="2700" spc="11" dirty="0">
                 <a:solidFill>
-                  <a:srgbClr val="231F20"/>
-                </a:solidFill>
-                <a:latin typeface="Arial"/>
-                <a:cs typeface="Arial"/>
-              </a:rPr>
-              <a:t> as a model for asymmetric cell division and centrosome placement</a:t>
-            </a:r>
-          </a:p>
-          <a:p>
-            <a:pPr marL="27719" marR="13860" lvl="0" indent="0" algn="l" defTabSz="997885" rtl="0" eaLnBrk="1" fontAlgn="auto" latinLnBrk="0" hangingPunct="1">
+                  <a:srgbClr val="FF0000"/>
+                </a:solidFill>
+                <a:latin typeface="Arial"/>
+                <a:cs typeface="Arial"/>
+              </a:rPr>
+              <a:t>embryo</a:t>
+            </a:r>
+            <a:r>
+              <a:rPr lang="en-US" sz="2700" spc="11" dirty="0">
+                <a:solidFill>
+                  <a:srgbClr val="231F20"/>
+                </a:solidFill>
+                <a:latin typeface="Arial"/>
+                <a:cs typeface="Arial"/>
+              </a:rPr>
+              <a:t>. The source of this asymmetry is currently unknown. </a:t>
+            </a:r>
+          </a:p>
+          <a:p>
+            <a:pPr marL="27719" marR="13860">
               <a:lnSpc>
                 <a:spcPct val="102600"/>
               </a:lnSpc>
               <a:spcBef>
                 <a:spcPts val="893"/>
               </a:spcBef>
-              <a:spcAft>
-                <a:spcPts val="0"/>
-              </a:spcAft>
-              <a:buClrTx/>
-              <a:buSzTx/>
-              <a:buFontTx/>
-              <a:buNone/>
-              <a:tabLst/>
               <a:defRPr/>
             </a:pPr>
             <a:r>
-              <a:rPr kumimoji="0" lang="en-US" sz="2700" b="0" i="0" u="none" strike="noStrike" kern="1200" cap="none" spc="11" normalizeH="0" baseline="0" noProof="0" dirty="0">
-                <a:ln>
-                  <a:noFill/>
-                </a:ln>
-                <a:solidFill>
-                  <a:srgbClr val="231F20"/>
-                </a:solidFill>
-                <a:effectLst/>
-                <a:uLnTx/>
-                <a:uFillTx/>
-                <a:latin typeface="Arial"/>
-                <a:ea typeface="+mn-ea"/>
-                <a:cs typeface="Arial"/>
-              </a:rPr>
-              <a:t>Our lab has previously discovered an asymmetry </a:t>
-            </a:r>
-            <a:r>
               <a:rPr lang="en-US" sz="2700" spc="11" dirty="0">
                 <a:solidFill>
                   <a:srgbClr val="231F20"/>
@@ -1782,7 +1841,7 @@
                 <a:latin typeface="Arial"/>
                 <a:cs typeface="Arial"/>
               </a:rPr>
-              <a:t>in the size and density of the microtubule arrays that emanate from the two centrosomes during the first cellular division of the </a:t>
+              <a:t>Using </a:t>
             </a:r>
             <a:r>
               <a:rPr lang="en-US" sz="2700" i="1" spc="11" dirty="0">
@@ -1792,7 +1851,7 @@
                 <a:latin typeface="Arial"/>
                 <a:cs typeface="Arial"/>
               </a:rPr>
-              <a:t>C. elegans </a:t>
+              <a:t>c. elegans</a:t>
             </a:r>
             <a:r>
               <a:rPr lang="en-US" sz="2700" spc="11" dirty="0">
@@ -1802,25 +1861,39 @@
                 <a:latin typeface="Arial"/>
                 <a:cs typeface="Arial"/>
               </a:rPr>
-              <a:t>embryo. We analyze AIR-1, a factor found in the centrosome that is required for microtubule nucleation. We precisely quantify the long time-scale of recruitment and the short time-scale of recovery after photobleaching. Then we build and fit a mathematical model to this data. </a:t>
-            </a:r>
-          </a:p>
-          <a:p>
-            <a:pPr marL="27719" marR="13860" lvl="0" indent="0" algn="l" defTabSz="997885" rtl="0" eaLnBrk="1" fontAlgn="auto" latinLnBrk="0" hangingPunct="1">
+              <a:t> as a model for asymmetric cell division and centrosome placement leading up to the first asymmetric cell division (Fig. 1a). We analyze AIR-1, a factor found in the centrosome that is required for microtubule </a:t>
+            </a:r>
+            <a:r>
+              <a:rPr lang="en-US" sz="2700" spc="11" dirty="0">
+                <a:solidFill>
+                  <a:srgbClr val="FF0000"/>
+                </a:solidFill>
+                <a:latin typeface="Arial"/>
+                <a:cs typeface="Arial"/>
+              </a:rPr>
+              <a:t>nucleation</a:t>
+            </a:r>
+            <a:r>
+              <a:rPr lang="en-US" sz="2700" spc="11" dirty="0">
+                <a:solidFill>
+                  <a:srgbClr val="231F20"/>
+                </a:solidFill>
+                <a:latin typeface="Arial"/>
+                <a:cs typeface="Arial"/>
+              </a:rPr>
+              <a:t>.  We differentiate the centrosomes by their location after first division:</a:t>
+            </a:r>
+          </a:p>
+          <a:p>
+            <a:pPr marL="484919" marR="13860" indent="-457200">
               <a:lnSpc>
                 <a:spcPct val="102600"/>
               </a:lnSpc>
               <a:spcBef>
                 <a:spcPts val="893"/>
               </a:spcBef>
-              <a:spcAft>
-                <a:spcPts val="0"/>
-              </a:spcAft>
-              <a:buClrTx/>
-              <a:buSzTx/>
-              <a:buFontTx/>
-              <a:buNone/>
-              <a:tabLst/>
+              <a:buFont typeface="Arial" panose="020B0604020202020204" pitchFamily="34" charset="0"/>
+              <a:buChar char="•"/>
               <a:defRPr/>
             </a:pPr>
             <a:r>
@@ -1831,18 +1904,21 @@
                 <a:latin typeface="Arial"/>
                 <a:cs typeface="Arial"/>
               </a:rPr>
-              <a:t>Taken together our results reveals the kinetics and dynamics required for proper centrosome maturation and further the uncover a novel understanding of the structure of the two asymmetric centrosomes during the first division of the </a:t>
-            </a:r>
-            <a:r>
-              <a:rPr lang="en-US" sz="2700" i="1" spc="11" dirty="0">
-                <a:solidFill>
-                  <a:srgbClr val="231F20"/>
-                </a:solidFill>
-                <a:latin typeface="Arial"/>
-                <a:cs typeface="Arial"/>
-              </a:rPr>
-              <a:t>C. elegans </a:t>
-            </a:r>
+              <a:t>Leading centrosome in the anterior (larger) cell.</a:t>
+            </a:r>
+          </a:p>
+          <a:p>
+            <a:pPr marL="484919" marR="13860" indent="-457200">
+              <a:lnSpc>
+                <a:spcPct val="102600"/>
+              </a:lnSpc>
+              <a:spcBef>
+                <a:spcPts val="893"/>
+              </a:spcBef>
+              <a:buFont typeface="Arial" panose="020B0604020202020204" pitchFamily="34" charset="0"/>
+              <a:buChar char="•"/>
+              <a:defRPr/>
+            </a:pPr>
             <a:r>
               <a:rPr lang="en-US" sz="2700" spc="11" dirty="0">
                 <a:solidFill>
@@ -1851,12 +1927,8 @@
                 <a:latin typeface="Arial"/>
                 <a:cs typeface="Arial"/>
               </a:rPr>
-              <a:t>embryo.</a:t>
-            </a:r>
-            <a:endParaRPr sz="2700" dirty="0">
-              <a:latin typeface="Arial"/>
-              <a:cs typeface="Arial"/>
-            </a:endParaRPr>
+              <a:t>Lagging centrosome in the posterior (smaller) cell.</a:t>
+            </a:r>
           </a:p>
         </p:txBody>
       </p:sp>
@@ -1868,7 +1940,7 @@
         </p:nvSpPr>
         <p:spPr>
           <a:xfrm>
-            <a:off x="1572332" y="28029255"/>
+            <a:off x="1572332" y="24034699"/>
             <a:ext cx="9113732" cy="1329467"/>
           </a:xfrm>
           <a:prstGeom prst="rect">
@@ -1931,7 +2003,7 @@
         </p:nvSpPr>
         <p:spPr>
           <a:xfrm>
-            <a:off x="12088073" y="22116314"/>
+            <a:off x="12088073" y="15402286"/>
             <a:ext cx="9113732" cy="1329467"/>
           </a:xfrm>
           <a:prstGeom prst="rect">
@@ -1984,7 +2056,7 @@
         </p:nvSpPr>
         <p:spPr>
           <a:xfrm>
-            <a:off x="22603370" y="6041249"/>
+            <a:off x="22603370" y="6217513"/>
             <a:ext cx="8638630" cy="830997"/>
           </a:xfrm>
           <a:prstGeom prst="rect">
@@ -2006,7 +2078,7 @@
                 <a:latin typeface="Arial"/>
                 <a:cs typeface="Arial"/>
               </a:rPr>
-              <a:t>A 3 Compartment Model of Centrosome Recruitment and Recovery After Photobleaching</a:t>
+              <a:t>Figure 3) A 3 Compartment Model of Centrosome Recruitment and Recovery After Photobleaching</a:t>
             </a:r>
             <a:endParaRPr lang="en-US" sz="2700" dirty="0">
               <a:latin typeface="Arial"/>
@@ -2023,7 +2095,7 @@
         </p:nvSpPr>
         <p:spPr>
           <a:xfrm>
-            <a:off x="33118816" y="6006114"/>
+            <a:off x="33118816" y="8613845"/>
             <a:ext cx="7571984" cy="830997"/>
           </a:xfrm>
           <a:prstGeom prst="rect">
@@ -2203,8 +2275,8 @@
         </p:nvSpPr>
         <p:spPr>
           <a:xfrm>
-            <a:off x="12088074" y="6082314"/>
-            <a:ext cx="9062438" cy="6755696"/>
+            <a:off x="1519254" y="26035724"/>
+            <a:ext cx="9133626" cy="3616375"/>
           </a:xfrm>
           <a:prstGeom prst="rect">
             <a:avLst/>
@@ -2260,38 +2332,6 @@
               <a:cs typeface="Arial"/>
             </a:endParaRPr>
           </a:p>
-          <a:p>
-            <a:pPr marL="27719">
-              <a:spcBef>
-                <a:spcPts val="893"/>
-              </a:spcBef>
-            </a:pPr>
-            <a:r>
-              <a:rPr lang="en-US" sz="2700" dirty="0">
-                <a:latin typeface="Arial"/>
-                <a:cs typeface="Arial"/>
-              </a:rPr>
-              <a:t>The recruitment on the long time-scale shows that the average fluorescence in the lagging centrosomes is greater than the leading centrosome (Fig. 2a). </a:t>
-            </a:r>
-          </a:p>
-          <a:p>
-            <a:pPr marL="27719">
-              <a:spcBef>
-                <a:spcPts val="893"/>
-              </a:spcBef>
-            </a:pPr>
-            <a:r>
-              <a:rPr lang="en-US" sz="2700" dirty="0">
-                <a:latin typeface="Arial"/>
-                <a:cs typeface="Arial"/>
-              </a:rPr>
-              <a:t>The recovery after photobleaching shows similar final recovery amounts, however analysis of the recovery curves shows distinct recovery dynamics between the two centrosomes (Fig. 2b)</a:t>
-            </a:r>
-            <a:endParaRPr sz="2700" dirty="0">
-              <a:latin typeface="Arial"/>
-              <a:cs typeface="Arial"/>
-            </a:endParaRPr>
-          </a:p>
         </p:txBody>
       </p:sp>
       <p:sp>
@@ -2302,7 +2342,7 @@
         </p:nvSpPr>
         <p:spPr>
           <a:xfrm>
-            <a:off x="12045097" y="27977036"/>
+            <a:off x="12088073" y="24492068"/>
             <a:ext cx="9199684" cy="3200876"/>
           </a:xfrm>
           <a:prstGeom prst="rect">
@@ -2369,8 +2409,8 @@
         </p:nvSpPr>
         <p:spPr>
           <a:xfrm>
-            <a:off x="12088073" y="23789746"/>
-            <a:ext cx="9323502" cy="3439403"/>
+            <a:off x="12088073" y="17137896"/>
+            <a:ext cx="9323502" cy="6163226"/>
           </a:xfrm>
           <a:prstGeom prst="rect">
             <a:avLst/>
@@ -2403,7 +2443,7 @@
             </a:endParaRPr>
           </a:p>
           <a:p>
-            <a:pPr>
+            <a:pPr marL="27719">
               <a:spcBef>
                 <a:spcPts val="893"/>
               </a:spcBef>
@@ -2413,8 +2453,64 @@
                 <a:latin typeface="Arial" panose="020B0604020202020204" pitchFamily="34" charset="0"/>
                 <a:cs typeface="Arial" panose="020B0604020202020204" pitchFamily="34" charset="0"/>
               </a:rPr>
-              <a:t>Our newly publish Gromov-Wasserstein based distance metric was used to identify any potential differences between the shapes of the calculated recruitment and recovery curves. The recruitment did not show a difference between leading and lagging centrosomes. However, the leading and lagging centrosomes did have different shaped recovery curves indicating that their recovery dynamics were different.</a:t>
-            </a:r>
+              <a:t>Our newly publish Gromov-Wasserstein based distance metric was used to identify any potential differences between the shapes of the calculated recruitment and recovery </a:t>
+            </a:r>
+            <a:r>
+              <a:rPr lang="en-US" sz="2700" dirty="0">
+                <a:solidFill>
+                  <a:srgbClr val="FF0000"/>
+                </a:solidFill>
+                <a:latin typeface="Arial" panose="020B0604020202020204" pitchFamily="34" charset="0"/>
+                <a:cs typeface="Arial" panose="020B0604020202020204" pitchFamily="34" charset="0"/>
+              </a:rPr>
+              <a:t>curves</a:t>
+            </a:r>
+            <a:r>
+              <a:rPr lang="en-US" sz="2700" dirty="0">
+                <a:latin typeface="Arial" panose="020B0604020202020204" pitchFamily="34" charset="0"/>
+                <a:cs typeface="Arial" panose="020B0604020202020204" pitchFamily="34" charset="0"/>
+              </a:rPr>
+              <a:t>. </a:t>
+            </a:r>
+          </a:p>
+          <a:p>
+            <a:pPr marL="27719">
+              <a:spcBef>
+                <a:spcPts val="893"/>
+              </a:spcBef>
+            </a:pPr>
+            <a:r>
+              <a:rPr lang="en-US" sz="2700" dirty="0">
+                <a:latin typeface="Arial" panose="020B0604020202020204" pitchFamily="34" charset="0"/>
+                <a:cs typeface="Arial" panose="020B0604020202020204" pitchFamily="34" charset="0"/>
+              </a:rPr>
+              <a:t>The recruitment did not show a difference between leading and lagging centrosomes. </a:t>
+            </a:r>
+            <a:r>
+              <a:rPr lang="en-US" sz="2700" dirty="0">
+                <a:latin typeface="Arial"/>
+                <a:cs typeface="Arial"/>
+              </a:rPr>
+              <a:t>The recruitment on the long time-scale shows that the average fluorescence in the lagging centrosomes is greater than the leading centrosome (Fig. 2a). </a:t>
+            </a:r>
+          </a:p>
+          <a:p>
+            <a:pPr marL="27719">
+              <a:spcBef>
+                <a:spcPts val="893"/>
+              </a:spcBef>
+            </a:pPr>
+            <a:r>
+              <a:rPr lang="en-US" sz="2700" dirty="0">
+                <a:latin typeface="Arial"/>
+                <a:cs typeface="Arial"/>
+              </a:rPr>
+              <a:t>The recovery after photobleaching shows similar final recovery amounts, however analysis of the recovery curves shows distinct recovery dynamics between the two centrosomes (Fig. 2b).</a:t>
+            </a:r>
+            <a:endParaRPr lang="en-US" sz="2700" dirty="0">
+              <a:latin typeface="Arial" panose="020B0604020202020204" pitchFamily="34" charset="0"/>
+              <a:cs typeface="Arial" panose="020B0604020202020204" pitchFamily="34" charset="0"/>
+            </a:endParaRPr>
           </a:p>
         </p:txBody>
       </p:sp>
@@ -2426,8 +2522,8 @@
         </p:nvSpPr>
         <p:spPr>
           <a:xfrm>
-            <a:off x="33119273" y="15551891"/>
-            <a:ext cx="8995894" cy="1274388"/>
+            <a:off x="33119273" y="18102047"/>
+            <a:ext cx="8995894" cy="7183826"/>
           </a:xfrm>
           <a:prstGeom prst="rect">
             <a:avLst/>
@@ -2478,32 +2574,112 @@
               </a:spcBef>
             </a:pPr>
             <a:r>
-              <a:rPr lang="en-US" sz="2700" spc="-33" dirty="0">
-                <a:solidFill>
-                  <a:srgbClr val="231F20"/>
-                </a:solidFill>
-                <a:latin typeface="Arial"/>
-                <a:cs typeface="Arial"/>
-              </a:rPr>
-              <a:t>By combining a precise </a:t>
-            </a:r>
-            <a:r>
-              <a:rPr lang="en-US" sz="2700" spc="-33" dirty="0" err="1">
-                <a:solidFill>
-                  <a:srgbClr val="231F20"/>
-                </a:solidFill>
-                <a:latin typeface="Arial"/>
-                <a:cs typeface="Arial"/>
-              </a:rPr>
-              <a:t>quianti</a:t>
-            </a:r>
-            <a:endParaRPr lang="en-US" sz="2700" spc="11" dirty="0">
+              <a:rPr lang="en-US" sz="2700" b="1" i="1" spc="-33" dirty="0">
+                <a:solidFill>
+                  <a:srgbClr val="231F20"/>
+                </a:solidFill>
+                <a:latin typeface="Arial"/>
+                <a:cs typeface="Arial"/>
+              </a:rPr>
+              <a:t>C. Elegans </a:t>
+            </a:r>
+            <a:r>
+              <a:rPr lang="en-US" sz="2700" b="1" spc="-33" dirty="0">
+                <a:solidFill>
+                  <a:srgbClr val="231F20"/>
+                </a:solidFill>
+                <a:latin typeface="Arial"/>
+                <a:cs typeface="Arial"/>
+              </a:rPr>
+              <a:t>Centrosomes are asymmetric in the early embryo.</a:t>
+            </a:r>
+            <a:endParaRPr lang="en-US" sz="2700" b="1" spc="11" dirty="0">
               <a:solidFill>
                 <a:srgbClr val="231F20"/>
               </a:solidFill>
               <a:latin typeface="Arial"/>
               <a:cs typeface="Arial"/>
             </a:endParaRPr>
+          </a:p>
+          <a:p>
+            <a:pPr marL="27719" marR="246699">
+              <a:lnSpc>
+                <a:spcPct val="102899"/>
+              </a:lnSpc>
+              <a:spcBef>
+                <a:spcPts val="893"/>
+              </a:spcBef>
+            </a:pPr>
+            <a:r>
+              <a:rPr lang="en-US" sz="2700" spc="-33" dirty="0">
+                <a:solidFill>
+                  <a:srgbClr val="231F20"/>
+                </a:solidFill>
+                <a:latin typeface="Arial"/>
+                <a:cs typeface="Arial"/>
+              </a:rPr>
+              <a:t>By combining a precise quantification of a factor required for proper MT nucleation and mathematical modeling we found that the leading and the lagging centrosomes have different dynamics and possibly different structural compositions. </a:t>
+            </a:r>
+          </a:p>
+          <a:p>
+            <a:pPr marL="27719" marR="246699">
+              <a:lnSpc>
+                <a:spcPct val="102899"/>
+              </a:lnSpc>
+              <a:spcBef>
+                <a:spcPts val="893"/>
+              </a:spcBef>
+            </a:pPr>
+            <a:r>
+              <a:rPr lang="en-US" sz="2700" b="1" spc="-33" dirty="0">
+                <a:solidFill>
+                  <a:srgbClr val="231F20"/>
+                </a:solidFill>
+                <a:latin typeface="Arial"/>
+                <a:cs typeface="Arial"/>
+              </a:rPr>
+              <a:t>Emergent Centrosome Structural Asymmetry</a:t>
+            </a:r>
+          </a:p>
+          <a:p>
+            <a:pPr marL="27719" marR="246699">
+              <a:lnSpc>
+                <a:spcPct val="102899"/>
+              </a:lnSpc>
+              <a:spcBef>
+                <a:spcPts val="893"/>
+              </a:spcBef>
+            </a:pPr>
+            <a:r>
+              <a:rPr lang="en-US" sz="2700" spc="-33" dirty="0">
+                <a:solidFill>
+                  <a:srgbClr val="231F20"/>
+                </a:solidFill>
+                <a:latin typeface="Arial"/>
+                <a:cs typeface="Arial"/>
+              </a:rPr>
+              <a:t>The two extremes of the parameter space coincide with previously published biological hypotheses of centrosome structure (Fig. 5b). Our model gives these three structures a common model and may explain the recently reported progression of centrosomes from a liquid condensate state to a more ridged lattice </a:t>
+            </a:r>
+            <a:r>
+              <a:rPr lang="en-US" sz="2700" spc="-33" dirty="0">
+                <a:solidFill>
+                  <a:srgbClr val="FF0000"/>
+                </a:solidFill>
+                <a:latin typeface="Arial"/>
+                <a:cs typeface="Arial"/>
+              </a:rPr>
+              <a:t>state</a:t>
+            </a:r>
+            <a:r>
+              <a:rPr lang="en-US" sz="2700" spc="-33" dirty="0">
+                <a:solidFill>
+                  <a:srgbClr val="231F20"/>
+                </a:solidFill>
+                <a:latin typeface="Arial"/>
+                <a:cs typeface="Arial"/>
+              </a:rPr>
+              <a:t>.</a:t>
+            </a:r>
           </a:p>
         </p:txBody>
       </p:sp>
@@ -3532,7 +3708,7 @@
         </p:nvSpPr>
         <p:spPr>
           <a:xfrm>
-            <a:off x="1572332" y="19431000"/>
+            <a:off x="1572332" y="15436444"/>
             <a:ext cx="8714667" cy="830997"/>
           </a:xfrm>
           <a:prstGeom prst="rect">
@@ -3591,7 +3767,7 @@
         </p:nvSpPr>
         <p:spPr>
           <a:xfrm>
-            <a:off x="12130387" y="12932853"/>
+            <a:off x="12130387" y="6218825"/>
             <a:ext cx="8499723" cy="830997"/>
           </a:xfrm>
           <a:prstGeom prst="rect">
@@ -3672,8 +3848,8 @@
         </p:nvSpPr>
         <p:spPr>
           <a:xfrm>
-            <a:off x="22636352" y="12188597"/>
-            <a:ext cx="9113732" cy="1329467"/>
+            <a:off x="22636352" y="12364861"/>
+            <a:ext cx="9113732" cy="1598899"/>
           </a:xfrm>
           <a:prstGeom prst="rect">
             <a:avLst/>
@@ -3698,7 +3874,7 @@
                 <a:latin typeface="Arial"/>
                 <a:cs typeface="Arial"/>
               </a:rPr>
-              <a:t>Figure 3 caption. A figure captions should accompany each figure.  Captions should be clear, concise and explain everything that is contained in the figure.  A figure caption is 50-100 words in length.  Figure and caption should stand alone, meaning that if figure and caption were removed from the poster, the audience would still be able to read and understand the figure without the need to see the rest of the poster. Cite sources.</a:t>
+              <a:t>Figure 3 Mathematical Model of Centrosome Maturation. A figure captions should accompany each figure.  Captions should be clear, concise and explain everything that is contained in the figure.  A figure caption is 50-100 words in length.  Figure and caption should stand alone, meaning that if figure and caption were removed from the poster, the audience would still be able to read and understand the figure without the need to see the rest of the poster. Cite sources.</a:t>
             </a:r>
             <a:r>
               <a:rPr lang="en-US" sz="1700" spc="22" baseline="30000" dirty="0">
@@ -3731,7 +3907,7 @@
         </p:nvSpPr>
         <p:spPr>
           <a:xfrm>
-            <a:off x="33113471" y="13779857"/>
+            <a:off x="33113471" y="16330013"/>
             <a:ext cx="9113732" cy="1329467"/>
           </a:xfrm>
           <a:prstGeom prst="rect">
@@ -4055,7 +4231,7 @@
         </p:blipFill>
         <p:spPr>
           <a:xfrm>
-            <a:off x="22603370" y="7216509"/>
+            <a:off x="22603370" y="7392773"/>
             <a:ext cx="9297776" cy="4562903"/>
           </a:xfrm>
           <a:prstGeom prst="rect">
@@ -4091,7 +4267,7 @@
         </p:blipFill>
         <p:spPr>
           <a:xfrm>
-            <a:off x="23128902" y="16903633"/>
+            <a:off x="23128902" y="17387703"/>
             <a:ext cx="8127909" cy="5913419"/>
           </a:xfrm>
           <a:prstGeom prst="rect">
@@ -4099,65 +4275,6 @@
           </a:prstGeom>
         </p:spPr>
       </p:pic>
-      <p:sp>
-        <p:nvSpPr>
-          <p:cNvPr id="34" name="object 13">
-            <a:extLst>
-              <a:ext uri="{FF2B5EF4-FFF2-40B4-BE49-F238E27FC236}">
-                <a16:creationId xmlns:a16="http://schemas.microsoft.com/office/drawing/2014/main" id="{8A52A7CF-E617-4412-7158-35365FB59556}"/>
-              </a:ext>
-            </a:extLst>
-          </p:cNvPr>
-          <p:cNvSpPr txBox="1"/>
-          <p:nvPr/>
-        </p:nvSpPr>
-        <p:spPr>
-          <a:xfrm>
-            <a:off x="22603370" y="23084082"/>
-            <a:ext cx="9113732" cy="1329467"/>
-          </a:xfrm>
-          <a:prstGeom prst="rect">
-            <a:avLst/>
-          </a:prstGeom>
-        </p:spPr>
-        <p:txBody>
-          <a:bodyPr vert="horz" wrap="square" lIns="0" tIns="0" rIns="0" bIns="0" rtlCol="0">
-            <a:spAutoFit/>
-          </a:bodyPr>
-          <a:lstStyle/>
-          <a:p>
-            <a:pPr marL="27719" marR="13860">
-              <a:lnSpc>
-                <a:spcPct val="103099"/>
-              </a:lnSpc>
-            </a:pPr>
-            <a:r>
-              <a:rPr lang="en-US" sz="1700" spc="22" dirty="0">
-                <a:solidFill>
-                  <a:srgbClr val="717272"/>
-                </a:solidFill>
-                <a:latin typeface="Arial"/>
-                <a:cs typeface="Arial"/>
-              </a:rPr>
-              <a:t>Figure 4 caption. A figure captions should accompany each figure.  Captions should be clear, concise and explain everything that is contained in the figure.  A figure caption is 50-100 words in length.  Figure and caption should stand alone, meaning that if figure and caption were removed from the poster, the audience would still be able to read and understand the figure without the need to see the rest of the poster. Cite sources.</a:t>
-            </a:r>
-            <a:r>
-              <a:rPr lang="en-US" sz="1700" spc="22" baseline="30000" dirty="0">
-                <a:solidFill>
-                  <a:srgbClr val="717272"/>
-                </a:solidFill>
-                <a:latin typeface="Arial"/>
-                <a:cs typeface="Arial"/>
-              </a:rPr>
-              <a:t>6</a:t>
-            </a:r>
-            <a:endParaRPr lang="en-US" sz="1700" dirty="0">
-              <a:latin typeface="Arial"/>
-              <a:cs typeface="Arial"/>
-            </a:endParaRPr>
-          </a:p>
-        </p:txBody>
-      </p:sp>
       <p:sp>
         <p:nvSpPr>
           <p:cNvPr id="35" name="object 15">
@@ -4172,7 +4289,7 @@
         </p:nvSpPr>
         <p:spPr>
           <a:xfrm>
-            <a:off x="22603370" y="15774131"/>
+            <a:off x="22603370" y="16258201"/>
             <a:ext cx="7555684" cy="830997"/>
           </a:xfrm>
           <a:prstGeom prst="rect">
@@ -4194,7 +4311,7 @@
                 <a:latin typeface="Arial"/>
                 <a:cs typeface="Arial"/>
               </a:rPr>
-              <a:t>Parameter Sets that Recapitulate </a:t>
+              <a:t>Figure 4) Parameter Sets that Recapitulate </a:t>
             </a:r>
             <a:r>
               <a:rPr lang="en-US" sz="2700" b="1" i="1" spc="33" dirty="0">
@@ -4250,7 +4367,7 @@
         </p:blipFill>
         <p:spPr>
           <a:xfrm>
-            <a:off x="34261365" y="7266826"/>
+            <a:off x="34261365" y="9816982"/>
             <a:ext cx="6711709" cy="6308813"/>
           </a:xfrm>
           <a:prstGeom prst="rect">
@@ -4286,7 +4403,7 @@
         </p:blipFill>
         <p:spPr>
           <a:xfrm>
-            <a:off x="12856753" y="14065771"/>
+            <a:off x="12856753" y="7351743"/>
             <a:ext cx="7046990" cy="7644400"/>
           </a:xfrm>
           <a:prstGeom prst="rect">
@@ -4322,7 +4439,7 @@
         </p:blipFill>
         <p:spPr>
           <a:xfrm>
-            <a:off x="1567336" y="20453756"/>
+            <a:off x="1567336" y="16459200"/>
             <a:ext cx="8860554" cy="7296926"/>
           </a:xfrm>
           <a:prstGeom prst="rect">
@@ -4344,8 +4461,8 @@
         </p:nvSpPr>
         <p:spPr>
           <a:xfrm>
-            <a:off x="22636352" y="13798907"/>
-            <a:ext cx="9323502" cy="1777410"/>
+            <a:off x="22636352" y="23484833"/>
+            <a:ext cx="9323502" cy="1231106"/>
           </a:xfrm>
           <a:prstGeom prst="rect">
             <a:avLst/>
@@ -4357,54 +4474,46 @@
           </a:bodyPr>
           <a:lstStyle/>
           <a:p>
-            <a:pPr marL="27719"/>
-            <a:r>
-              <a:rPr lang="en-US" sz="2700" b="1" spc="-33" dirty="0">
-                <a:solidFill>
-                  <a:srgbClr val="4C4D4F"/>
-                </a:solidFill>
-                <a:latin typeface="Arial" panose="020B0604020202020204" pitchFamily="34" charset="0"/>
-                <a:cs typeface="Arial" panose="020B0604020202020204" pitchFamily="34" charset="0"/>
-              </a:rPr>
-              <a:t>112 Parameter Sets That Recapitulate </a:t>
-            </a:r>
-            <a:r>
-              <a:rPr lang="en-US" sz="2700" b="1" i="1" spc="-33" dirty="0">
-                <a:solidFill>
-                  <a:srgbClr val="4C4D4F"/>
-                </a:solidFill>
-                <a:latin typeface="Arial" panose="020B0604020202020204" pitchFamily="34" charset="0"/>
-                <a:cs typeface="Arial" panose="020B0604020202020204" pitchFamily="34" charset="0"/>
-              </a:rPr>
-              <a:t>in vivo</a:t>
-            </a:r>
-            <a:r>
-              <a:rPr lang="en-US" sz="2700" b="1" spc="-33" dirty="0">
-                <a:solidFill>
-                  <a:srgbClr val="4C4D4F"/>
-                </a:solidFill>
-                <a:latin typeface="Arial" panose="020B0604020202020204" pitchFamily="34" charset="0"/>
-                <a:cs typeface="Arial" panose="020B0604020202020204" pitchFamily="34" charset="0"/>
-              </a:rPr>
-              <a:t> Dynamics</a:t>
-            </a:r>
-            <a:endParaRPr lang="en-US" sz="2700" dirty="0">
-              <a:latin typeface="Arial" panose="020B0604020202020204" pitchFamily="34" charset="0"/>
-              <a:cs typeface="Arial" panose="020B0604020202020204" pitchFamily="34" charset="0"/>
-            </a:endParaRPr>
-          </a:p>
-          <a:p>
             <a:pPr>
               <a:spcBef>
                 <a:spcPts val="889"/>
               </a:spcBef>
             </a:pPr>
             <a:r>
-              <a:rPr lang="en-US" sz="2700" dirty="0">
+              <a:rPr lang="en-US" sz="2000" dirty="0">
+                <a:solidFill>
+                  <a:schemeClr val="tx1">
+                    <a:lumMod val="50000"/>
+                    <a:lumOff val="50000"/>
+                  </a:schemeClr>
+                </a:solidFill>
                 <a:latin typeface="Arial" panose="020B0604020202020204" pitchFamily="34" charset="0"/>
                 <a:cs typeface="Arial" panose="020B0604020202020204" pitchFamily="34" charset="0"/>
               </a:rPr>
-              <a:t>Using a parameter search based on our MCMC method we were able to find 112 parameter sets that fit the model’s maturation factor to the observed AIR-1::GFP data (Fig. 4). </a:t>
+              <a:t>Using a parameter search based on our </a:t>
+            </a:r>
+            <a:r>
+              <a:rPr lang="en-US" sz="2000" dirty="0">
+                <a:solidFill>
+                  <a:srgbClr val="FF0000"/>
+                </a:solidFill>
+                <a:latin typeface="Arial" panose="020B0604020202020204" pitchFamily="34" charset="0"/>
+                <a:cs typeface="Arial" panose="020B0604020202020204" pitchFamily="34" charset="0"/>
+              </a:rPr>
+              <a:t>MCMC method </a:t>
+            </a:r>
+            <a:r>
+              <a:rPr lang="en-US" sz="2000" dirty="0">
+                <a:solidFill>
+                  <a:schemeClr val="tx1">
+                    <a:lumMod val="50000"/>
+                    <a:lumOff val="50000"/>
+                  </a:schemeClr>
+                </a:solidFill>
+                <a:latin typeface="Arial" panose="020B0604020202020204" pitchFamily="34" charset="0"/>
+                <a:cs typeface="Arial" panose="020B0604020202020204" pitchFamily="34" charset="0"/>
+              </a:rPr>
+              <a:t>we were able to find 112 parameter sets that fit the model’s maturation factor to the observed AIR-1::GFP data. These parameter sets all independently fit to the 6 data curves with a low error as calculated by the sum of absolute differences.</a:t>
             </a:r>
           </a:p>
         </p:txBody>
@@ -4423,7 +4532,7 @@
         </p:nvSpPr>
         <p:spPr>
           <a:xfrm>
-            <a:off x="22603370" y="25042727"/>
+            <a:off x="22610977" y="25605541"/>
             <a:ext cx="9323502" cy="3854901"/>
           </a:xfrm>
           <a:prstGeom prst="rect">

--- a/GRACE/Poster/Dec2023Poster.pptx
+++ b/GRACE/Poster/Dec2023Poster.pptx
@@ -274,7 +274,7 @@
           <a:p>
             <a:fld id="{1D8BD707-D9CF-40AE-B4C6-C98DA3205C09}" type="datetimeFigureOut">
               <a:rPr lang="en-US"/>
-              <a:t>12/11/2023</a:t>
+              <a:t>12/13/2023</a:t>
             </a:fld>
             <a:endParaRPr lang="en-US"/>
           </a:p>
@@ -450,7 +450,7 @@
           <a:p>
             <a:fld id="{1D8BD707-D9CF-40AE-B4C6-C98DA3205C09}" type="datetimeFigureOut">
               <a:rPr lang="en-US"/>
-              <a:t>12/11/2023</a:t>
+              <a:t>12/13/2023</a:t>
             </a:fld>
             <a:endParaRPr lang="en-US"/>
           </a:p>
@@ -669,7 +669,7 @@
           <a:p>
             <a:fld id="{1D8BD707-D9CF-40AE-B4C6-C98DA3205C09}" type="datetimeFigureOut">
               <a:rPr lang="en-US"/>
-              <a:t>12/11/2023</a:t>
+              <a:t>12/13/2023</a:t>
             </a:fld>
             <a:endParaRPr lang="en-US"/>
           </a:p>
@@ -822,7 +822,7 @@
           <a:p>
             <a:fld id="{1D8BD707-D9CF-40AE-B4C6-C98DA3205C09}" type="datetimeFigureOut">
               <a:rPr lang="en-US"/>
-              <a:t>12/11/2023</a:t>
+              <a:t>12/13/2023</a:t>
             </a:fld>
             <a:endParaRPr lang="en-US"/>
           </a:p>
@@ -941,7 +941,7 @@
           <a:p>
             <a:fld id="{1D8BD707-D9CF-40AE-B4C6-C98DA3205C09}" type="datetimeFigureOut">
               <a:rPr lang="en-US"/>
-              <a:t>12/11/2023</a:t>
+              <a:t>12/13/2023</a:t>
             </a:fld>
             <a:endParaRPr lang="en-US"/>
           </a:p>
@@ -1160,7 +1160,7 @@
           <a:p>
             <a:fld id="{1D8BD707-D9CF-40AE-B4C6-C98DA3205C09}" type="datetimeFigureOut">
               <a:rPr lang="en-US"/>
-              <a:t>12/11/2023</a:t>
+              <a:t>12/13/2023</a:t>
             </a:fld>
             <a:endParaRPr lang="en-US"/>
           </a:p>
@@ -1609,7 +1609,7 @@
         <p:spPr>
           <a:xfrm>
             <a:off x="1572469" y="6082314"/>
-            <a:ext cx="9343482" cy="8957132"/>
+            <a:ext cx="9658526" cy="9072548"/>
           </a:xfrm>
           <a:prstGeom prst="rect">
             <a:avLst/>
@@ -1766,6 +1766,42 @@
               <a:defRPr/>
             </a:pPr>
             <a:r>
+              <a:rPr kumimoji="0" lang="en-US" sz="2700" b="1" i="0" u="none" strike="noStrike" kern="1200" cap="none" spc="11" normalizeH="0" baseline="0" noProof="0" dirty="0">
+                <a:ln>
+                  <a:noFill/>
+                </a:ln>
+                <a:solidFill>
+                  <a:srgbClr val="231F20"/>
+                </a:solidFill>
+                <a:effectLst/>
+                <a:uLnTx/>
+                <a:uFillTx/>
+                <a:latin typeface="Arial"/>
+                <a:ea typeface="+mn-ea"/>
+                <a:cs typeface="Arial"/>
+              </a:rPr>
+              <a:t>Microtubule (MT) Array Asymmetry</a:t>
+            </a:r>
+          </a:p>
+          <a:p>
+            <a:pPr marL="27719" marR="13860" lvl="0" indent="0" algn="l" defTabSz="997885" rtl="0" eaLnBrk="1" fontAlgn="auto" latinLnBrk="0" hangingPunct="1">
+              <a:lnSpc>
+                <a:spcPct val="102600"/>
+              </a:lnSpc>
+              <a:spcBef>
+                <a:spcPts val="893"/>
+              </a:spcBef>
+              <a:spcAft>
+                <a:spcPts val="0"/>
+              </a:spcAft>
+              <a:buClrTx/>
+              <a:buSzTx/>
+              <a:buFontTx/>
+              <a:buNone/>
+              <a:tabLst/>
+              <a:defRPr/>
+            </a:pPr>
+            <a:r>
               <a:rPr kumimoji="0" lang="en-US" sz="2700" b="0" i="0" u="none" strike="noStrike" kern="1200" cap="none" spc="11" normalizeH="0" baseline="0" noProof="0" dirty="0">
                 <a:ln>
                   <a:noFill/>
@@ -1780,7 +1816,7 @@
                 <a:ea typeface="+mn-ea"/>
                 <a:cs typeface="Arial"/>
               </a:rPr>
-              <a:t>Our lab has previously discovered an asymmetry </a:t>
+              <a:t>Our lab previously reported an asymmetry </a:t>
             </a:r>
             <a:r>
               <a:rPr lang="en-US" sz="2700" spc="11" dirty="0">
@@ -1790,7 +1826,7 @@
                 <a:latin typeface="Arial"/>
                 <a:cs typeface="Arial"/>
               </a:rPr>
-              <a:t>in the size and density of the microtubule arrays that emanate from the two centrosomes during the first cellular division of the </a:t>
+              <a:t>in the size and density of the MT arrays from the two centrosomes during the first cellular division of the </a:t>
             </a:r>
             <a:r>
               <a:rPr lang="en-US" sz="2700" i="1" spc="11" dirty="0">
@@ -1841,7 +1877,7 @@
                 <a:latin typeface="Arial"/>
                 <a:cs typeface="Arial"/>
               </a:rPr>
-              <a:t>Using </a:t>
+              <a:t>We use </a:t>
             </a:r>
             <a:r>
               <a:rPr lang="en-US" sz="2700" i="1" spc="11" dirty="0">
@@ -1861,7 +1897,7 @@
                 <a:latin typeface="Arial"/>
                 <a:cs typeface="Arial"/>
               </a:rPr>
-              <a:t> as a model for asymmetric cell division and centrosome placement leading up to the first asymmetric cell division (Fig. 1a). We analyze AIR-1, a factor found in the centrosome that is required for microtubule </a:t>
+              <a:t> as a model for asymmetric cell division and centrosome placement because the steps leading up to the first asymmetric cell division are tightly </a:t>
             </a:r>
             <a:r>
               <a:rPr lang="en-US" sz="2700" spc="11" dirty="0">
@@ -1871,7 +1907,7 @@
                 <a:latin typeface="Arial"/>
                 <a:cs typeface="Arial"/>
               </a:rPr>
-              <a:t>nucleation</a:t>
+              <a:t>regulated </a:t>
             </a:r>
             <a:r>
               <a:rPr lang="en-US" sz="2700" spc="11" dirty="0">
@@ -1881,7 +1917,24 @@
                 <a:latin typeface="Arial"/>
                 <a:cs typeface="Arial"/>
               </a:rPr>
-              <a:t>.  We differentiate the centrosomes by their location after first division:</a:t>
+              <a:t>(Fig. 1a). We analyze the fluorescence intensity of a GFP tagged AIR-1, a factor found in the centrosome that is required for microtubule </a:t>
+            </a:r>
+            <a:r>
+              <a:rPr lang="en-US" sz="2700" spc="11" dirty="0">
+                <a:latin typeface="Arial"/>
+                <a:cs typeface="Arial"/>
+              </a:rPr>
+              <a:t>nucleation in both centrosomes</a:t>
+            </a:r>
+            <a:r>
+              <a:rPr lang="en-US" sz="2700" spc="11" dirty="0">
+                <a:solidFill>
+                  <a:srgbClr val="231F20"/>
+                </a:solidFill>
+                <a:latin typeface="Arial"/>
+                <a:cs typeface="Arial"/>
+              </a:rPr>
+              <a:t>.</a:t>
             </a:r>
           </a:p>
           <a:p>
@@ -1904,7 +1957,7 @@
                 <a:latin typeface="Arial"/>
                 <a:cs typeface="Arial"/>
               </a:rPr>
-              <a:t>Leading centrosome in the anterior (larger) cell.</a:t>
+              <a:t>Leading centrosome found in the anterior (larger) cell.</a:t>
             </a:r>
           </a:p>
           <a:p>
@@ -1927,7 +1980,7 @@
                 <a:latin typeface="Arial"/>
                 <a:cs typeface="Arial"/>
               </a:rPr>
-              <a:t>Lagging centrosome in the posterior (smaller) cell.</a:t>
+              <a:t>Lagging centrosome found in the posterior (smaller) cell.</a:t>
             </a:r>
           </a:p>
         </p:txBody>
@@ -1940,8 +1993,8 @@
         </p:nvSpPr>
         <p:spPr>
           <a:xfrm>
-            <a:off x="1572332" y="24034699"/>
-            <a:ext cx="9113732" cy="1329467"/>
+            <a:off x="1572331" y="26348297"/>
+            <a:ext cx="9211997" cy="2832250"/>
           </a:xfrm>
           <a:prstGeom prst="rect">
             <a:avLst/>
@@ -1959,36 +2012,13 @@
               </a:lnSpc>
             </a:pPr>
             <a:r>
-              <a:rPr lang="en-US" sz="1700" spc="22" dirty="0">
-                <a:solidFill>
-                  <a:srgbClr val="717272"/>
-                </a:solidFill>
-                <a:latin typeface="Arial"/>
-                <a:cs typeface="Arial"/>
-              </a:rPr>
-              <a:t>Figure 1 or Table I caption. A figure captions should accompany each figure.  Captions should be clear, concise and explain everything that is contained in the figure.  A figure caption is 50-100 words in length.  Figure and caption should stand alone, meaning that if figure and caption were removed from the poster, the audience would still be able to read and understand the figure without the need to see the rest of the poster.  Cite sources.</a:t>
-            </a:r>
-            <a:r>
-              <a:rPr lang="en-US" sz="1700" spc="22" baseline="30000" dirty="0">
-                <a:solidFill>
-                  <a:srgbClr val="717272"/>
-                </a:solidFill>
-                <a:latin typeface="Arial"/>
-                <a:cs typeface="Arial"/>
-              </a:rPr>
-              <a:t>1,2</a:t>
-            </a:r>
-            <a:r>
-              <a:rPr lang="en-US" sz="1700" spc="22" dirty="0">
-                <a:solidFill>
-                  <a:srgbClr val="717272"/>
-                </a:solidFill>
-                <a:latin typeface="Arial"/>
-                <a:cs typeface="Arial"/>
-              </a:rPr>
-              <a:t> </a:t>
-            </a:r>
-            <a:endParaRPr sz="1700" dirty="0">
+              <a:rPr lang="en-US" sz="2000" spc="22" dirty="0">
+                <a:latin typeface="Arial"/>
+                <a:cs typeface="Arial"/>
+              </a:rPr>
+              <a:t>a) The steps leading up to first division are fertilization, pronuclear meeting (PNM), centration and rotation (C&amp;R), and Nuclear envelope breakdown (NEBD). NEBD is used to mark a time of 0 as it coincides with when the centrosomes have been properly placed for cell division. C) Recruitment was quantified every 10 seconds from 330 seconds before NEBD to 0 seconds. Blue circles represent the quantified regions representing the middle of the centrosome and the average of all stacks with centrosomes masked out representing the cytoplasmic fluorescence intensity. c) Recovery was quantified immediately after pronuclear meeting (PNM) every second for 50 seconds.</a:t>
+            </a:r>
+            <a:endParaRPr lang="en-US" sz="2000" dirty="0">
               <a:latin typeface="Arial"/>
               <a:cs typeface="Arial"/>
             </a:endParaRPr>
@@ -2003,8 +2033,8 @@
         </p:nvSpPr>
         <p:spPr>
           <a:xfrm>
-            <a:off x="12088073" y="15402286"/>
-            <a:ext cx="9113732" cy="1329467"/>
+            <a:off x="12088073" y="16099969"/>
+            <a:ext cx="9246592" cy="2198230"/>
           </a:xfrm>
           <a:prstGeom prst="rect">
             <a:avLst/>
@@ -2022,26 +2052,40 @@
               </a:lnSpc>
             </a:pPr>
             <a:r>
-              <a:rPr lang="en-US" sz="1700" spc="22" dirty="0">
-                <a:solidFill>
-                  <a:srgbClr val="717272"/>
-                </a:solidFill>
-                <a:latin typeface="Arial"/>
-                <a:cs typeface="Arial"/>
-              </a:rPr>
-              <a:t>Figure 2 or Table II caption. A figure captions should accompany each figure.  Captions should be clear, concise and explain everything that is contained in the figure.  A figure caption is 50-100 words in length.  Figure and caption should stand alone, meaning that if figure and caption were removed from the poster, the audience would still be able to read and understand the figure without the need to see the rest of the poster.  Cite sources. </a:t>
-            </a:r>
-            <a:r>
-              <a:rPr lang="en-US" sz="1700" spc="22" baseline="30000" dirty="0">
-                <a:solidFill>
-                  <a:srgbClr val="717272"/>
-                </a:solidFill>
-                <a:latin typeface="Arial"/>
-                <a:cs typeface="Arial"/>
-              </a:rPr>
-              <a:t>4</a:t>
-            </a:r>
-            <a:endParaRPr lang="en-US" sz="1700" dirty="0">
+              <a:rPr lang="en-US" sz="2000" spc="22" dirty="0">
+                <a:latin typeface="Arial"/>
+                <a:cs typeface="Arial"/>
+              </a:rPr>
+              <a:t>a) Leading centrosome, lagging centrosome, cytoplasmic, ad the total cell fluorescence intensities of GFP::AIR-1 were precisely quantified and then normalized. The average intensity of the lagging centrosome was observed to be higher than that of the leading centrosome. </a:t>
+            </a:r>
+            <a:r>
+              <a:rPr lang="en-US" sz="2000" dirty="0">
+                <a:latin typeface="Arial"/>
+                <a:cs typeface="Arial"/>
+              </a:rPr>
+              <a:t>b) Fluorescence recovery after photobleaching (FRAP) was recorded for 10 leading and 10 lagging centrosomes and normalized as per standard </a:t>
+            </a:r>
+            <a:r>
+              <a:rPr lang="en-US" sz="2000" dirty="0">
+                <a:solidFill>
+                  <a:srgbClr val="FF0000"/>
+                </a:solidFill>
+                <a:latin typeface="Arial"/>
+                <a:cs typeface="Arial"/>
+              </a:rPr>
+              <a:t>protocols. </a:t>
+            </a:r>
+            <a:r>
+              <a:rPr lang="en-US" sz="2000" dirty="0">
+                <a:latin typeface="Arial"/>
+                <a:cs typeface="Arial"/>
+              </a:rPr>
+              <a:t>The final concentrations of the recovery curves were similar for both compartments.</a:t>
+            </a:r>
+            <a:endParaRPr lang="en-US" sz="2000" dirty="0">
+              <a:solidFill>
+                <a:srgbClr val="FF0000"/>
+              </a:solidFill>
               <a:latin typeface="Arial"/>
               <a:cs typeface="Arial"/>
             </a:endParaRPr>
@@ -2057,7 +2101,7 @@
         <p:spPr>
           <a:xfrm>
             <a:off x="22603370" y="6217513"/>
-            <a:ext cx="8638630" cy="830997"/>
+            <a:ext cx="9052596" cy="830997"/>
           </a:xfrm>
           <a:prstGeom prst="rect">
             <a:avLst/>
@@ -2078,7 +2122,7 @@
                 <a:latin typeface="Arial"/>
                 <a:cs typeface="Arial"/>
               </a:rPr>
-              <a:t>Figure 3) A 3 Compartment Model of Centrosome Recruitment and Recovery After Photobleaching</a:t>
+              <a:t>Figure 3. A 3 Compartment Model of Centrosome Recruitment and Recovery After Photobleaching</a:t>
             </a:r>
             <a:endParaRPr lang="en-US" sz="2700" dirty="0">
               <a:latin typeface="Arial"/>
@@ -2095,8 +2139,8 @@
         </p:nvSpPr>
         <p:spPr>
           <a:xfrm>
-            <a:off x="33118816" y="8613845"/>
-            <a:ext cx="7571984" cy="830997"/>
+            <a:off x="33118815" y="6259603"/>
+            <a:ext cx="8233967" cy="830997"/>
           </a:xfrm>
           <a:prstGeom prst="rect">
             <a:avLst/>
@@ -2117,7 +2161,7 @@
                 <a:latin typeface="Arial"/>
                 <a:cs typeface="Arial"/>
               </a:rPr>
-              <a:t>Parameter Space Shows Asymmetry in Centrosome Structural Composition</a:t>
+              <a:t>Figure 5. Parameter Space Shows Asymmetry in Centrosome Structural Composition</a:t>
             </a:r>
             <a:endParaRPr lang="en-US" sz="2700" dirty="0">
               <a:latin typeface="Arial"/>
@@ -2275,8 +2319,8 @@
         </p:nvSpPr>
         <p:spPr>
           <a:xfrm>
-            <a:off x="1519254" y="26035724"/>
-            <a:ext cx="9133626" cy="3616375"/>
+            <a:off x="12189667" y="6002608"/>
+            <a:ext cx="9658525" cy="1123384"/>
           </a:xfrm>
           <a:prstGeom prst="rect">
             <a:avLst/>
@@ -2322,7 +2366,7 @@
                 <a:latin typeface="Arial"/>
                 <a:cs typeface="Arial"/>
               </a:rPr>
-              <a:t>Nuclear envelope breakdown (NEBD) is used to mark a time of 0 as it coincides with when the centrosomes have been properly placed for cell division. Recruitment was quantified every 10 seconds from 330 seconds before NEBD to 0 seconds (Fig. 1b). Recovery was quantified immediately after pronuclear meeting (PNM) every second for 50 seconds (Fig. 1c). </a:t>
+              <a:t> </a:t>
             </a:r>
             <a:endParaRPr lang="en-US" sz="2700" spc="11" dirty="0">
               <a:solidFill>
@@ -2342,8 +2386,8 @@
         </p:nvSpPr>
         <p:spPr>
           <a:xfrm>
-            <a:off x="12088073" y="24492068"/>
-            <a:ext cx="9199684" cy="3200876"/>
+            <a:off x="12088073" y="25315354"/>
+            <a:ext cx="9677096" cy="2785378"/>
           </a:xfrm>
           <a:prstGeom prst="rect">
             <a:avLst/>
@@ -2392,7 +2436,7 @@
                 <a:latin typeface="Arial"/>
                 <a:cs typeface="Arial"/>
               </a:rPr>
-              <a:t>To help uncover potential mechanisms responsible for the reported centrosomal dynamics, we turned to mathematical modeling. A 3-compartment model representing the two centrosomes as well as the cytoplasm was constructed to simulate a maturation factor’s recruitment and recovery in a one-cell embryo (Fig. 3).</a:t>
+              <a:t>To uncover potential mechanisms responsible for the reported centrosomal dynamics, we turned to mathematical modeling. A 3-compartment model representing the two centrosomes as well as the cytoplasm was constructed to simulate a maturation factor’s recruitment and recovery in a one-cell embryo (Fig. 3).</a:t>
             </a:r>
             <a:endParaRPr sz="2700" dirty="0">
               <a:latin typeface="Arial"/>
@@ -2409,8 +2453,8 @@
         </p:nvSpPr>
         <p:spPr>
           <a:xfrm>
-            <a:off x="12088073" y="17137896"/>
-            <a:ext cx="9323502" cy="6163226"/>
+            <a:off x="12088072" y="19101513"/>
+            <a:ext cx="9743613" cy="4916731"/>
           </a:xfrm>
           <a:prstGeom prst="rect">
             <a:avLst/>
@@ -2429,9 +2473,6 @@
             </a:pPr>
             <a:r>
               <a:rPr lang="en-US" sz="2700" b="1" spc="-33" dirty="0">
-                <a:solidFill>
-                  <a:srgbClr val="4C4D4F"/>
-                </a:solidFill>
                 <a:latin typeface="Arial" panose="020B0604020202020204" pitchFamily="34" charset="0"/>
                 <a:cs typeface="Arial" panose="020B0604020202020204" pitchFamily="34" charset="0"/>
               </a:rPr>
@@ -2505,7 +2546,7 @@
                 <a:latin typeface="Arial"/>
                 <a:cs typeface="Arial"/>
               </a:rPr>
-              <a:t>The recovery after photobleaching shows similar final recovery amounts, however analysis of the recovery curves shows distinct recovery dynamics between the two centrosomes (Fig. 2b).</a:t>
+              <a:t>The FRAP curves show similar final recovery amounts, however analysis shows distinct recovery dynamics between the two centrosomes (Fig. 2b).</a:t>
             </a:r>
             <a:endParaRPr lang="en-US" sz="2700" dirty="0">
               <a:latin typeface="Arial" panose="020B0604020202020204" pitchFamily="34" charset="0"/>
@@ -2522,8 +2563,8 @@
         </p:nvSpPr>
         <p:spPr>
           <a:xfrm>
-            <a:off x="33119273" y="18102047"/>
-            <a:ext cx="8995894" cy="7183826"/>
+            <a:off x="33119272" y="18102047"/>
+            <a:ext cx="9424743" cy="6755888"/>
           </a:xfrm>
           <a:prstGeom prst="rect">
             <a:avLst/>
@@ -3708,7 +3749,7 @@
         </p:nvSpPr>
         <p:spPr>
           <a:xfrm>
-            <a:off x="1572332" y="15436444"/>
+            <a:off x="1572332" y="17613583"/>
             <a:ext cx="8714667" cy="830997"/>
           </a:xfrm>
           <a:prstGeom prst="rect">
@@ -3730,7 +3771,7 @@
                 <a:latin typeface="Arial"/>
                 <a:cs typeface="Arial"/>
               </a:rPr>
-              <a:t>Imaging Fluorescent Centrosomes in the First Division of </a:t>
+              <a:t>Figure 1. Imaging Fluorescent Centrosomes in the First Division of </a:t>
             </a:r>
             <a:r>
               <a:rPr lang="en-US" sz="2700" b="1" i="1" spc="33" dirty="0">
@@ -3767,8 +3808,8 @@
         </p:nvSpPr>
         <p:spPr>
           <a:xfrm>
-            <a:off x="12130387" y="6218825"/>
-            <a:ext cx="8499723" cy="830997"/>
+            <a:off x="12130387" y="6916508"/>
+            <a:ext cx="9344998" cy="830997"/>
           </a:xfrm>
           <a:prstGeom prst="rect">
             <a:avLst/>
@@ -3789,7 +3830,7 @@
                 <a:latin typeface="Arial"/>
                 <a:cs typeface="Arial"/>
               </a:rPr>
-              <a:t>Asymmetric Centrosome Recruitment and Recovery Revealed by a Precise Quantification</a:t>
+              <a:t>Figure 2. Asymmetric Centrosome Recruitment and Recovery Revealed by a Precise Quantification</a:t>
             </a:r>
             <a:endParaRPr lang="en-US" sz="2700" dirty="0">
               <a:latin typeface="Arial"/>
@@ -3848,8 +3889,8 @@
         </p:nvSpPr>
         <p:spPr>
           <a:xfrm>
-            <a:off x="22636352" y="12364861"/>
-            <a:ext cx="9113732" cy="1598899"/>
+            <a:off x="22636351" y="12364861"/>
+            <a:ext cx="9019615" cy="2515240"/>
           </a:xfrm>
           <a:prstGeom prst="rect">
             <a:avLst/>
@@ -3867,26 +3908,55 @@
               </a:lnSpc>
             </a:pPr>
             <a:r>
-              <a:rPr lang="en-US" sz="1700" spc="22" dirty="0">
-                <a:solidFill>
-                  <a:srgbClr val="717272"/>
-                </a:solidFill>
-                <a:latin typeface="Arial"/>
-                <a:cs typeface="Arial"/>
-              </a:rPr>
-              <a:t>Figure 3 Mathematical Model of Centrosome Maturation. A figure captions should accompany each figure.  Captions should be clear, concise and explain everything that is contained in the figure.  A figure caption is 50-100 words in length.  Figure and caption should stand alone, meaning that if figure and caption were removed from the poster, the audience would still be able to read and understand the figure without the need to see the rest of the poster. Cite sources.</a:t>
-            </a:r>
-            <a:r>
-              <a:rPr lang="en-US" sz="1700" spc="22" baseline="30000" dirty="0">
-                <a:solidFill>
-                  <a:srgbClr val="717272"/>
-                </a:solidFill>
-                <a:latin typeface="Arial"/>
-                <a:cs typeface="Arial"/>
-              </a:rPr>
-              <a:t>6</a:t>
-            </a:r>
-            <a:endParaRPr lang="en-US" sz="1700" dirty="0">
+              <a:rPr lang="en-US" sz="2000" spc="22" dirty="0">
+                <a:latin typeface="Arial"/>
+                <a:cs typeface="Arial"/>
+              </a:rPr>
+              <a:t>3 compartment mathematical model of a maturation factor that can localize to the simulated cytoplasm (C</a:t>
+            </a:r>
+            <a:r>
+              <a:rPr lang="en-US" sz="2000" spc="22" baseline="-25000" dirty="0">
+                <a:latin typeface="Arial"/>
+                <a:cs typeface="Arial"/>
+              </a:rPr>
+              <a:t>y</a:t>
+            </a:r>
+            <a:r>
+              <a:rPr lang="en-US" sz="2000" spc="22" dirty="0">
+                <a:latin typeface="Arial"/>
+                <a:cs typeface="Arial"/>
+              </a:rPr>
+              <a:t>), or the two centrosome compartments (C</a:t>
+            </a:r>
+            <a:r>
+              <a:rPr lang="en-US" sz="2000" spc="22" baseline="-25000" dirty="0">
+                <a:latin typeface="Arial"/>
+                <a:cs typeface="Arial"/>
+              </a:rPr>
+              <a:t>1</a:t>
+            </a:r>
+            <a:r>
+              <a:rPr lang="en-US" sz="2000" spc="22" dirty="0">
+                <a:latin typeface="Arial"/>
+                <a:cs typeface="Arial"/>
+              </a:rPr>
+              <a:t>, C</a:t>
+            </a:r>
+            <a:r>
+              <a:rPr lang="en-US" sz="2000" spc="22" baseline="-25000" dirty="0">
+                <a:latin typeface="Arial"/>
+                <a:cs typeface="Arial"/>
+              </a:rPr>
+              <a:t>2</a:t>
+            </a:r>
+            <a:r>
+              <a:rPr lang="en-US" sz="2000" spc="22" dirty="0">
+                <a:latin typeface="Arial"/>
+                <a:cs typeface="Arial"/>
+              </a:rPr>
+              <a:t>).  To incorporate the ability to photobleach the model factor we track both a fluorescent version (f) and a bleached version (b) of the maturation factor. Dynamics for the system accounted for both version of the factor to be as biologically relevant as possible. b) Model equations with a dynamic cytoplasm and centrosome compartment that have a carrying capacity, cooperativity, and basal gain and loss terms. </a:t>
+            </a:r>
+            <a:endParaRPr lang="en-US" sz="2000" dirty="0">
               <a:latin typeface="Arial"/>
               <a:cs typeface="Arial"/>
             </a:endParaRPr>
@@ -3907,8 +3977,8 @@
         </p:nvSpPr>
         <p:spPr>
           <a:xfrm>
-            <a:off x="33113471" y="16330013"/>
-            <a:ext cx="9113732" cy="1329467"/>
+            <a:off x="33113470" y="13975771"/>
+            <a:ext cx="9435679" cy="2515240"/>
           </a:xfrm>
           <a:prstGeom prst="rect">
             <a:avLst/>
@@ -3926,26 +3996,13 @@
               </a:lnSpc>
             </a:pPr>
             <a:r>
-              <a:rPr lang="en-US" sz="1700" spc="22" dirty="0">
-                <a:solidFill>
-                  <a:srgbClr val="717272"/>
-                </a:solidFill>
-                <a:latin typeface="Arial"/>
-                <a:cs typeface="Arial"/>
-              </a:rPr>
-              <a:t>Figure 5 caption. A figure captions should accompany each figure.  Captions should be clear, concise and explain everything that is contained in the figure.  A figure caption is 50-100 words in length.  Figure and caption should stand alone, meaning that if figure and caption were removed from the poster, the audience would still be able to read and understand the figure without the need to see the rest of the poster.  Cite sources. </a:t>
-            </a:r>
-            <a:r>
-              <a:rPr lang="en-US" sz="1700" spc="22" baseline="30000" dirty="0">
-                <a:solidFill>
-                  <a:srgbClr val="717272"/>
-                </a:solidFill>
-                <a:latin typeface="Arial"/>
-                <a:cs typeface="Arial"/>
-              </a:rPr>
-              <a:t>7-9</a:t>
-            </a:r>
-            <a:endParaRPr lang="en-US" sz="1700" dirty="0">
+              <a:rPr lang="en-US" sz="2000" spc="22" dirty="0">
+                <a:latin typeface="Arial"/>
+                <a:cs typeface="Arial"/>
+              </a:rPr>
+              <a:t>The centrosome compartment parameters represent the overall structural composition of the centrosomes. To visualize the possibilities revealed by our parameter search we plotted all parameter sets on 3D plot with axis for cooperativity, carrying capacity, and the ratio of the on rate to the off rate. We saw that the parameters were confined to a well-defined region of this parameter space. This region is defined by two arms reaching out to high levels of carrying capacity and also to high cooperativity and on rate to off rate ratio. There is a region connecting these two arms where all 3 parameter values are relatively low.</a:t>
+            </a:r>
+            <a:endParaRPr lang="en-US" sz="2000" dirty="0">
               <a:latin typeface="Arial"/>
               <a:cs typeface="Arial"/>
             </a:endParaRPr>
@@ -4311,7 +4368,7 @@
                 <a:latin typeface="Arial"/>
                 <a:cs typeface="Arial"/>
               </a:rPr>
-              <a:t>Figure 4) Parameter Sets that Recapitulate </a:t>
+              <a:t>Figure 4. Parameter Sets that Recapitulate </a:t>
             </a:r>
             <a:r>
               <a:rPr lang="en-US" sz="2700" b="1" i="1" spc="33" dirty="0">
@@ -4367,7 +4424,7 @@
         </p:blipFill>
         <p:spPr>
           <a:xfrm>
-            <a:off x="34261365" y="9816982"/>
+            <a:off x="34261365" y="7462740"/>
             <a:ext cx="6711709" cy="6308813"/>
           </a:xfrm>
           <a:prstGeom prst="rect">
@@ -4403,7 +4460,7 @@
         </p:blipFill>
         <p:spPr>
           <a:xfrm>
-            <a:off x="12856753" y="7351743"/>
+            <a:off x="12856753" y="8101537"/>
             <a:ext cx="7046990" cy="7644400"/>
           </a:xfrm>
           <a:prstGeom prst="rect">
@@ -4411,12 +4468,127 @@
           </a:prstGeom>
         </p:spPr>
       </p:pic>
+      <p:sp>
+        <p:nvSpPr>
+          <p:cNvPr id="37" name="object 25">
+            <a:extLst>
+              <a:ext uri="{FF2B5EF4-FFF2-40B4-BE49-F238E27FC236}">
+                <a16:creationId xmlns:a16="http://schemas.microsoft.com/office/drawing/2014/main" id="{19A13F4F-3D92-39A8-4C16-46EB770A2346}"/>
+              </a:ext>
+            </a:extLst>
+          </p:cNvPr>
+          <p:cNvSpPr txBox="1"/>
+          <p:nvPr/>
+        </p:nvSpPr>
+        <p:spPr>
+          <a:xfrm>
+            <a:off x="22636352" y="23484833"/>
+            <a:ext cx="9264794" cy="1231106"/>
+          </a:xfrm>
+          <a:prstGeom prst="rect">
+            <a:avLst/>
+          </a:prstGeom>
+        </p:spPr>
+        <p:txBody>
+          <a:bodyPr vert="horz" wrap="square" lIns="0" tIns="0" rIns="0" bIns="0" rtlCol="0">
+            <a:spAutoFit/>
+          </a:bodyPr>
+          <a:lstStyle/>
+          <a:p>
+            <a:pPr>
+              <a:spcBef>
+                <a:spcPts val="889"/>
+              </a:spcBef>
+            </a:pPr>
+            <a:r>
+              <a:rPr lang="en-US" sz="2000" dirty="0">
+                <a:latin typeface="Arial" panose="020B0604020202020204" pitchFamily="34" charset="0"/>
+                <a:cs typeface="Arial" panose="020B0604020202020204" pitchFamily="34" charset="0"/>
+              </a:rPr>
+              <a:t>Using a parameter search based on our MCMC </a:t>
+            </a:r>
+            <a:r>
+              <a:rPr lang="en-US" sz="2000" dirty="0">
+                <a:solidFill>
+                  <a:srgbClr val="FF0000"/>
+                </a:solidFill>
+                <a:latin typeface="Arial" panose="020B0604020202020204" pitchFamily="34" charset="0"/>
+                <a:cs typeface="Arial" panose="020B0604020202020204" pitchFamily="34" charset="0"/>
+              </a:rPr>
+              <a:t>method</a:t>
+            </a:r>
+            <a:r>
+              <a:rPr lang="en-US" sz="2000" dirty="0">
+                <a:latin typeface="Arial" panose="020B0604020202020204" pitchFamily="34" charset="0"/>
+                <a:cs typeface="Arial" panose="020B0604020202020204" pitchFamily="34" charset="0"/>
+              </a:rPr>
+              <a:t> we were found 112 parameter sets that fit the model’s maturation factor to the observed AIR-1::GFP data. These parameter sets all independently fit to the 6 data curves with a low error as calculated by the sum of absolute differences.</a:t>
+            </a:r>
+          </a:p>
+        </p:txBody>
+      </p:sp>
+      <p:sp>
+        <p:nvSpPr>
+          <p:cNvPr id="41" name="object 25">
+            <a:extLst>
+              <a:ext uri="{FF2B5EF4-FFF2-40B4-BE49-F238E27FC236}">
+                <a16:creationId xmlns:a16="http://schemas.microsoft.com/office/drawing/2014/main" id="{DCB1E5B5-3BC2-B500-B357-3C1E151F09E0}"/>
+              </a:ext>
+            </a:extLst>
+          </p:cNvPr>
+          <p:cNvSpPr txBox="1"/>
+          <p:nvPr/>
+        </p:nvSpPr>
+        <p:spPr>
+          <a:xfrm>
+            <a:off x="22610977" y="25605541"/>
+            <a:ext cx="9662486" cy="3854901"/>
+          </a:xfrm>
+          <a:prstGeom prst="rect">
+            <a:avLst/>
+          </a:prstGeom>
+        </p:spPr>
+        <p:txBody>
+          <a:bodyPr vert="horz" wrap="square" lIns="0" tIns="0" rIns="0" bIns="0" rtlCol="0">
+            <a:spAutoFit/>
+          </a:bodyPr>
+          <a:lstStyle/>
+          <a:p>
+            <a:pPr marL="27719"/>
+            <a:r>
+              <a:rPr lang="en-US" sz="2700" b="1" spc="-33" dirty="0">
+                <a:latin typeface="Arial" panose="020B0604020202020204" pitchFamily="34" charset="0"/>
+                <a:cs typeface="Arial" panose="020B0604020202020204" pitchFamily="34" charset="0"/>
+              </a:rPr>
+              <a:t>Parameter Space of the Model Reveals Structural Features of the Centrosomes</a:t>
+            </a:r>
+            <a:endParaRPr lang="en-US" sz="2700" dirty="0">
+              <a:latin typeface="Arial" panose="020B0604020202020204" pitchFamily="34" charset="0"/>
+              <a:cs typeface="Arial" panose="020B0604020202020204" pitchFamily="34" charset="0"/>
+            </a:endParaRPr>
+          </a:p>
+          <a:p>
+            <a:pPr>
+              <a:spcBef>
+                <a:spcPts val="889"/>
+              </a:spcBef>
+            </a:pPr>
+            <a:r>
+              <a:rPr lang="en-US" sz="2700" dirty="0">
+                <a:latin typeface="Arial" panose="020B0604020202020204" pitchFamily="34" charset="0"/>
+                <a:cs typeface="Arial" panose="020B0604020202020204" pitchFamily="34" charset="0"/>
+              </a:rPr>
+              <a:t>There are three features that define the structural dynamics of the centrosome compartments in the model. The cooperativity, carrying capacity, and the ratio of the on rate to the off rate. Plotting all 112 parameter sets on a 3D plot with these features as the axis and differentiating the leading from the lagging centrosome revealed a high level of restriction to the location of possible parameters (Fig. 5).</a:t>
+            </a:r>
+          </a:p>
+        </p:txBody>
+      </p:sp>
       <p:pic>
         <p:nvPicPr>
-          <p:cNvPr id="24" name="Picture 23" descr="A screenshot of a computer&#10;&#10;Description automatically generated">
+          <p:cNvPr id="8" name="Picture 7" descr="A screenshot of a computer&#10;&#10;Description automatically generated">
             <a:extLst>
               <a:ext uri="{FF2B5EF4-FFF2-40B4-BE49-F238E27FC236}">
-                <a16:creationId xmlns:a16="http://schemas.microsoft.com/office/drawing/2014/main" id="{71A8E3D7-216D-1F13-D443-DE67C607E816}"/>
+                <a16:creationId xmlns:a16="http://schemas.microsoft.com/office/drawing/2014/main" id="{55A8A7AB-5906-9902-6C94-941CC4E21CF8}"/>
               </a:ext>
             </a:extLst>
           </p:cNvPr>
@@ -4439,7 +4611,7 @@
         </p:blipFill>
         <p:spPr>
           <a:xfrm>
-            <a:off x="1567336" y="16459200"/>
+            <a:off x="1567336" y="18735192"/>
             <a:ext cx="8860554" cy="7296926"/>
           </a:xfrm>
           <a:prstGeom prst="rect">
@@ -4447,136 +4619,6 @@
           </a:prstGeom>
         </p:spPr>
       </p:pic>
-      <p:sp>
-        <p:nvSpPr>
-          <p:cNvPr id="37" name="object 25">
-            <a:extLst>
-              <a:ext uri="{FF2B5EF4-FFF2-40B4-BE49-F238E27FC236}">
-                <a16:creationId xmlns:a16="http://schemas.microsoft.com/office/drawing/2014/main" id="{19A13F4F-3D92-39A8-4C16-46EB770A2346}"/>
-              </a:ext>
-            </a:extLst>
-          </p:cNvPr>
-          <p:cNvSpPr txBox="1"/>
-          <p:nvPr/>
-        </p:nvSpPr>
-        <p:spPr>
-          <a:xfrm>
-            <a:off x="22636352" y="23484833"/>
-            <a:ext cx="9323502" cy="1231106"/>
-          </a:xfrm>
-          <a:prstGeom prst="rect">
-            <a:avLst/>
-          </a:prstGeom>
-        </p:spPr>
-        <p:txBody>
-          <a:bodyPr vert="horz" wrap="square" lIns="0" tIns="0" rIns="0" bIns="0" rtlCol="0">
-            <a:spAutoFit/>
-          </a:bodyPr>
-          <a:lstStyle/>
-          <a:p>
-            <a:pPr>
-              <a:spcBef>
-                <a:spcPts val="889"/>
-              </a:spcBef>
-            </a:pPr>
-            <a:r>
-              <a:rPr lang="en-US" sz="2000" dirty="0">
-                <a:solidFill>
-                  <a:schemeClr val="tx1">
-                    <a:lumMod val="50000"/>
-                    <a:lumOff val="50000"/>
-                  </a:schemeClr>
-                </a:solidFill>
-                <a:latin typeface="Arial" panose="020B0604020202020204" pitchFamily="34" charset="0"/>
-                <a:cs typeface="Arial" panose="020B0604020202020204" pitchFamily="34" charset="0"/>
-              </a:rPr>
-              <a:t>Using a parameter search based on our </a:t>
-            </a:r>
-            <a:r>
-              <a:rPr lang="en-US" sz="2000" dirty="0">
-                <a:solidFill>
-                  <a:srgbClr val="FF0000"/>
-                </a:solidFill>
-                <a:latin typeface="Arial" panose="020B0604020202020204" pitchFamily="34" charset="0"/>
-                <a:cs typeface="Arial" panose="020B0604020202020204" pitchFamily="34" charset="0"/>
-              </a:rPr>
-              <a:t>MCMC method </a:t>
-            </a:r>
-            <a:r>
-              <a:rPr lang="en-US" sz="2000" dirty="0">
-                <a:solidFill>
-                  <a:schemeClr val="tx1">
-                    <a:lumMod val="50000"/>
-                    <a:lumOff val="50000"/>
-                  </a:schemeClr>
-                </a:solidFill>
-                <a:latin typeface="Arial" panose="020B0604020202020204" pitchFamily="34" charset="0"/>
-                <a:cs typeface="Arial" panose="020B0604020202020204" pitchFamily="34" charset="0"/>
-              </a:rPr>
-              <a:t>we were able to find 112 parameter sets that fit the model’s maturation factor to the observed AIR-1::GFP data. These parameter sets all independently fit to the 6 data curves with a low error as calculated by the sum of absolute differences.</a:t>
-            </a:r>
-          </a:p>
-        </p:txBody>
-      </p:sp>
-      <p:sp>
-        <p:nvSpPr>
-          <p:cNvPr id="41" name="object 25">
-            <a:extLst>
-              <a:ext uri="{FF2B5EF4-FFF2-40B4-BE49-F238E27FC236}">
-                <a16:creationId xmlns:a16="http://schemas.microsoft.com/office/drawing/2014/main" id="{DCB1E5B5-3BC2-B500-B357-3C1E151F09E0}"/>
-              </a:ext>
-            </a:extLst>
-          </p:cNvPr>
-          <p:cNvSpPr txBox="1"/>
-          <p:nvPr/>
-        </p:nvSpPr>
-        <p:spPr>
-          <a:xfrm>
-            <a:off x="22610977" y="25605541"/>
-            <a:ext cx="9323502" cy="3854901"/>
-          </a:xfrm>
-          <a:prstGeom prst="rect">
-            <a:avLst/>
-          </a:prstGeom>
-        </p:spPr>
-        <p:txBody>
-          <a:bodyPr vert="horz" wrap="square" lIns="0" tIns="0" rIns="0" bIns="0" rtlCol="0">
-            <a:spAutoFit/>
-          </a:bodyPr>
-          <a:lstStyle/>
-          <a:p>
-            <a:pPr marL="27719"/>
-            <a:r>
-              <a:rPr lang="en-US" sz="2700" b="1" spc="-33" dirty="0">
-                <a:solidFill>
-                  <a:srgbClr val="4C4D4F"/>
-                </a:solidFill>
-                <a:latin typeface="Arial" panose="020B0604020202020204" pitchFamily="34" charset="0"/>
-                <a:cs typeface="Arial" panose="020B0604020202020204" pitchFamily="34" charset="0"/>
-              </a:rPr>
-              <a:t>Parameter Space of the Model Reveals Structural Features of the Centrosomes</a:t>
-            </a:r>
-            <a:endParaRPr lang="en-US" sz="2700" dirty="0">
-              <a:latin typeface="Arial" panose="020B0604020202020204" pitchFamily="34" charset="0"/>
-              <a:cs typeface="Arial" panose="020B0604020202020204" pitchFamily="34" charset="0"/>
-            </a:endParaRPr>
-          </a:p>
-          <a:p>
-            <a:pPr>
-              <a:spcBef>
-                <a:spcPts val="889"/>
-              </a:spcBef>
-            </a:pPr>
-            <a:r>
-              <a:rPr lang="en-US" sz="2700" dirty="0">
-                <a:latin typeface="Arial" panose="020B0604020202020204" pitchFamily="34" charset="0"/>
-                <a:cs typeface="Arial" panose="020B0604020202020204" pitchFamily="34" charset="0"/>
-              </a:rPr>
-              <a:t>There are three features that define the structural dynamics of the centrosome compartments in the model. The cooperativity, carrying capacity, and the ratio of the on rate to the off rate. Plotting all 112 parameter sets on a 3D plot with these features as the axis and differentiating the leading from the lagging centrosome revealed a high level of restriction to the location of possible parameters (Fig. 5).</a:t>
-            </a:r>
-          </a:p>
-        </p:txBody>
-      </p:sp>
     </p:spTree>
   </p:cSld>
   <p:clrMapOvr>

--- a/GRACE/Poster/Dec2023Poster.pptx
+++ b/GRACE/Poster/Dec2023Poster.pptx
@@ -1608,8 +1608,8 @@
         </p:nvSpPr>
         <p:spPr>
           <a:xfrm>
-            <a:off x="1572469" y="6082314"/>
-            <a:ext cx="9658526" cy="9072548"/>
+            <a:off x="1597690" y="6082314"/>
+            <a:ext cx="9545045" cy="9072548"/>
           </a:xfrm>
           <a:prstGeom prst="rect">
             <a:avLst/>
@@ -1621,7 +1621,7 @@
           </a:bodyPr>
           <a:lstStyle/>
           <a:p>
-            <a:pPr marL="27719">
+            <a:pPr marL="27719" algn="just">
               <a:spcBef>
                 <a:spcPts val="893"/>
               </a:spcBef>
@@ -1648,7 +1648,7 @@
             </a:endParaRPr>
           </a:p>
           <a:p>
-            <a:pPr marL="27719" marR="13860" lvl="0" indent="0" algn="l" defTabSz="997885" rtl="0" eaLnBrk="1" fontAlgn="auto" latinLnBrk="0" hangingPunct="1">
+            <a:pPr marL="27719" marR="13860" lvl="0" indent="0" algn="just" defTabSz="997885" rtl="0" eaLnBrk="1" fontAlgn="auto" latinLnBrk="0" hangingPunct="1">
               <a:lnSpc>
                 <a:spcPct val="102600"/>
               </a:lnSpc>
@@ -1680,16 +1680,13 @@
                 <a:ea typeface="+mn-ea"/>
                 <a:cs typeface="Arial"/>
               </a:rPr>
-              <a:t>The process with which cells position their centrosomes is critically important for proper cell </a:t>
+              <a:t>The process by which cells position their centrosomes is critically important for proper cell </a:t>
             </a:r>
             <a:r>
               <a:rPr kumimoji="0" lang="en-US" sz="2700" b="0" i="0" u="none" strike="noStrike" kern="1200" cap="none" spc="11" normalizeH="0" baseline="0" noProof="0" dirty="0">
                 <a:ln>
                   <a:noFill/>
                 </a:ln>
-                <a:solidFill>
-                  <a:srgbClr val="FF0000"/>
-                </a:solidFill>
                 <a:effectLst/>
                 <a:uLnTx/>
                 <a:uFillTx/>
@@ -1698,6 +1695,20 @@
                 <a:cs typeface="Arial"/>
               </a:rPr>
               <a:t>divisions</a:t>
+            </a:r>
+            <a:r>
+              <a:rPr kumimoji="0" lang="en-US" sz="2700" b="0" i="0" u="none" strike="noStrike" kern="1200" cap="none" spc="11" normalizeH="0" baseline="30000" noProof="0" dirty="0">
+                <a:ln>
+                  <a:noFill/>
+                </a:ln>
+                <a:effectLst/>
+                <a:uLnTx/>
+                <a:uFillTx/>
+                <a:latin typeface="Arial"/>
+                <a:ea typeface="+mn-ea"/>
+                <a:cs typeface="Arial"/>
+              </a:rPr>
+              <a:t>1,2</a:t>
             </a:r>
             <a:r>
               <a:rPr kumimoji="0" lang="en-US" sz="2700" b="0" i="0" u="none" strike="noStrike" kern="1200" cap="none" spc="11" normalizeH="0" baseline="0" noProof="0" dirty="0">
@@ -1728,15 +1739,19 @@
             </a:r>
             <a:r>
               <a:rPr lang="en-US" sz="2700" spc="11" dirty="0">
-                <a:solidFill>
-                  <a:srgbClr val="FF0000"/>
-                </a:solidFill>
                 <a:latin typeface="Arial"/>
                 <a:cs typeface="Arial"/>
               </a:rPr>
               <a:t>metastasis</a:t>
             </a:r>
             <a:r>
+              <a:rPr lang="en-US" sz="2700" spc="11" baseline="30000" dirty="0">
+                <a:latin typeface="Arial"/>
+                <a:cs typeface="Arial"/>
+              </a:rPr>
+              <a:t>3</a:t>
+            </a:r>
+            <a:r>
               <a:rPr lang="en-US" sz="2700" spc="11" dirty="0">
                 <a:solidFill>
                   <a:srgbClr val="231F20"/>
@@ -1748,7 +1763,7 @@
             </a:r>
           </a:p>
           <a:p>
-            <a:pPr marL="27719" marR="13860" lvl="0" indent="0" algn="l" defTabSz="997885" rtl="0" eaLnBrk="1" fontAlgn="auto" latinLnBrk="0" hangingPunct="1">
+            <a:pPr marL="27719" marR="13860" lvl="0" indent="0" algn="just" defTabSz="997885" rtl="0" eaLnBrk="1" fontAlgn="auto" latinLnBrk="0" hangingPunct="1">
               <a:lnSpc>
                 <a:spcPct val="102600"/>
               </a:lnSpc>
@@ -1780,87 +1795,35 @@
                 <a:ea typeface="+mn-ea"/>
                 <a:cs typeface="Arial"/>
               </a:rPr>
-              <a:t>Microtubule (MT) Array Asymmetry</a:t>
-            </a:r>
-          </a:p>
-          <a:p>
-            <a:pPr marL="27719" marR="13860" lvl="0" indent="0" algn="l" defTabSz="997885" rtl="0" eaLnBrk="1" fontAlgn="auto" latinLnBrk="0" hangingPunct="1">
-              <a:lnSpc>
-                <a:spcPct val="102600"/>
-              </a:lnSpc>
-              <a:spcBef>
-                <a:spcPts val="893"/>
-              </a:spcBef>
-              <a:spcAft>
-                <a:spcPts val="0"/>
-              </a:spcAft>
-              <a:buClrTx/>
-              <a:buSzTx/>
-              <a:buFontTx/>
-              <a:buNone/>
-              <a:tabLst/>
-              <a:defRPr/>
-            </a:pPr>
-            <a:r>
-              <a:rPr kumimoji="0" lang="en-US" sz="2700" b="0" i="0" u="none" strike="noStrike" kern="1200" cap="none" spc="11" normalizeH="0" baseline="0" noProof="0" dirty="0">
-                <a:ln>
-                  <a:noFill/>
-                </a:ln>
-                <a:solidFill>
-                  <a:srgbClr val="231F20"/>
-                </a:solidFill>
-                <a:effectLst/>
-                <a:uLnTx/>
-                <a:uFillTx/>
-                <a:latin typeface="Arial"/>
-                <a:ea typeface="+mn-ea"/>
-                <a:cs typeface="Arial"/>
-              </a:rPr>
-              <a:t>Our lab previously reported an asymmetry </a:t>
-            </a:r>
-            <a:r>
-              <a:rPr lang="en-US" sz="2700" spc="11" dirty="0">
-                <a:solidFill>
-                  <a:srgbClr val="231F20"/>
-                </a:solidFill>
-                <a:latin typeface="Arial"/>
-                <a:cs typeface="Arial"/>
-              </a:rPr>
-              <a:t>in the size and density of the MT arrays from the two centrosomes during the first cellular division of the </a:t>
-            </a:r>
-            <a:r>
-              <a:rPr lang="en-US" sz="2700" i="1" spc="11" dirty="0">
-                <a:solidFill>
-                  <a:srgbClr val="231F20"/>
-                </a:solidFill>
-                <a:latin typeface="Arial"/>
-                <a:cs typeface="Arial"/>
-              </a:rPr>
-              <a:t>C. elegans </a:t>
-            </a:r>
-            <a:r>
-              <a:rPr lang="en-US" sz="2700" spc="11" dirty="0">
-                <a:solidFill>
-                  <a:srgbClr val="FF0000"/>
-                </a:solidFill>
-                <a:latin typeface="Arial"/>
-                <a:cs typeface="Arial"/>
-              </a:rPr>
-              <a:t>embryo</a:t>
-            </a:r>
-            <a:r>
-              <a:rPr lang="en-US" sz="2700" spc="11" dirty="0">
-                <a:solidFill>
-                  <a:srgbClr val="231F20"/>
-                </a:solidFill>
-                <a:latin typeface="Arial"/>
-                <a:cs typeface="Arial"/>
-              </a:rPr>
-              <a:t>. The source of this asymmetry is currently unknown. </a:t>
-            </a:r>
-          </a:p>
-          <a:p>
-            <a:pPr marL="27719" marR="13860">
+              <a:t>Microtubule (MT) Array Asymmetry in </a:t>
+            </a:r>
+            <a:r>
+              <a:rPr lang="en-US" sz="2700" b="1" i="1" spc="11" dirty="0">
+                <a:solidFill>
+                  <a:srgbClr val="231F20"/>
+                </a:solidFill>
+                <a:latin typeface="Arial"/>
+                <a:cs typeface="Arial"/>
+              </a:rPr>
+              <a:t>C. elegans</a:t>
+            </a:r>
+            <a:endParaRPr kumimoji="0" lang="en-US" sz="2700" b="1" i="0" u="none" strike="noStrike" kern="1200" cap="none" spc="11" normalizeH="0" baseline="0" noProof="0" dirty="0">
+              <a:ln>
+                <a:noFill/>
+              </a:ln>
+              <a:solidFill>
+                <a:srgbClr val="231F20"/>
+              </a:solidFill>
+              <a:effectLst/>
+              <a:uLnTx/>
+              <a:uFillTx/>
+              <a:latin typeface="Arial"/>
+              <a:ea typeface="+mn-ea"/>
+              <a:cs typeface="Arial"/>
+            </a:endParaRPr>
+          </a:p>
+          <a:p>
+            <a:pPr marL="27719" marR="13860" algn="just">
               <a:lnSpc>
                 <a:spcPct val="102600"/>
               </a:lnSpc>
@@ -1887,7 +1850,7 @@
                 <a:latin typeface="Arial"/>
                 <a:cs typeface="Arial"/>
               </a:rPr>
-              <a:t>c. elegans</a:t>
+              <a:t>C. elegans</a:t>
             </a:r>
             <a:r>
               <a:rPr lang="en-US" sz="2700" spc="11" dirty="0">
@@ -1901,13 +1864,27 @@
             </a:r>
             <a:r>
               <a:rPr lang="en-US" sz="2700" spc="11" dirty="0">
+                <a:latin typeface="Arial"/>
+                <a:cs typeface="Arial"/>
+              </a:rPr>
+              <a:t>regulated</a:t>
+            </a:r>
+            <a:r>
+              <a:rPr lang="en-US" sz="2700" spc="11" baseline="30000" dirty="0">
+                <a:latin typeface="Arial"/>
+                <a:cs typeface="Arial"/>
+              </a:rPr>
+              <a:t>4</a:t>
+            </a:r>
+            <a:r>
+              <a:rPr lang="en-US" sz="2700" spc="11" dirty="0">
                 <a:solidFill>
                   <a:srgbClr val="FF0000"/>
                 </a:solidFill>
                 <a:latin typeface="Arial"/>
                 <a:cs typeface="Arial"/>
               </a:rPr>
-              <a:t>regulated </a:t>
+              <a:t> </a:t>
             </a:r>
             <a:r>
               <a:rPr lang="en-US" sz="2700" spc="11" dirty="0">
@@ -1917,10 +1894,92 @@
                 <a:latin typeface="Arial"/>
                 <a:cs typeface="Arial"/>
               </a:rPr>
-              <a:t>(Fig. 1a). We analyze the fluorescence intensity of a GFP tagged AIR-1, a factor found in the centrosome that is required for microtubule </a:t>
+              <a:t>(Fig. 1a). </a:t>
+            </a:r>
+            <a:r>
+              <a:rPr kumimoji="0" lang="en-US" sz="2700" b="0" i="0" u="none" strike="noStrike" kern="1200" cap="none" spc="11" normalizeH="0" baseline="0" noProof="0" dirty="0">
+                <a:ln>
+                  <a:noFill/>
+                </a:ln>
+                <a:solidFill>
+                  <a:srgbClr val="231F20"/>
+                </a:solidFill>
+                <a:effectLst/>
+                <a:uLnTx/>
+                <a:uFillTx/>
+                <a:latin typeface="Arial"/>
+                <a:ea typeface="+mn-ea"/>
+                <a:cs typeface="Arial"/>
+              </a:rPr>
+              <a:t>Our lab previously reported an asymmetry </a:t>
             </a:r>
             <a:r>
               <a:rPr lang="en-US" sz="2700" spc="11" dirty="0">
+                <a:solidFill>
+                  <a:srgbClr val="231F20"/>
+                </a:solidFill>
+                <a:latin typeface="Arial"/>
+                <a:cs typeface="Arial"/>
+              </a:rPr>
+              <a:t>in the size and density of the MT arrays from the two centrosomes during the first cellular division of the </a:t>
+            </a:r>
+            <a:r>
+              <a:rPr lang="en-US" sz="2700" i="1" spc="11" dirty="0">
+                <a:solidFill>
+                  <a:srgbClr val="231F20"/>
+                </a:solidFill>
+                <a:latin typeface="Arial"/>
+                <a:cs typeface="Arial"/>
+              </a:rPr>
+              <a:t>C. elegans </a:t>
+            </a:r>
+            <a:r>
+              <a:rPr lang="en-US" sz="2700" spc="11" dirty="0">
+                <a:latin typeface="Arial"/>
+                <a:cs typeface="Arial"/>
+              </a:rPr>
+              <a:t>embryo</a:t>
+            </a:r>
+            <a:r>
+              <a:rPr lang="en-US" sz="2700" spc="11" baseline="30000" dirty="0">
+                <a:latin typeface="Arial"/>
+                <a:cs typeface="Arial"/>
+              </a:rPr>
+              <a:t>5</a:t>
+            </a:r>
+            <a:r>
+              <a:rPr lang="en-US" sz="2700" spc="11" dirty="0">
+                <a:solidFill>
+                  <a:srgbClr val="231F20"/>
+                </a:solidFill>
+                <a:latin typeface="Arial"/>
+                <a:cs typeface="Arial"/>
+              </a:rPr>
+              <a:t>. The source of this asymmetry is currently unknown. </a:t>
+            </a:r>
+          </a:p>
+          <a:p>
+            <a:pPr marL="27719" marR="13860" algn="just">
+              <a:lnSpc>
+                <a:spcPct val="102600"/>
+              </a:lnSpc>
+              <a:spcBef>
+                <a:spcPts val="893"/>
+              </a:spcBef>
+              <a:defRPr/>
+            </a:pPr>
+            <a:r>
+              <a:rPr lang="en-US" sz="2700" spc="11" dirty="0">
+                <a:solidFill>
+                  <a:srgbClr val="231F20"/>
+                </a:solidFill>
+                <a:latin typeface="Arial"/>
+                <a:cs typeface="Arial"/>
+              </a:rPr>
+              <a:t>We analyze the fluorescence intensity of a GFP tagged AIR-1, a factor found in the centrosome that is required for microtubule </a:t>
+            </a:r>
+            <a:r>
+              <a:rPr lang="en-US" sz="2700" spc="11" dirty="0">
                 <a:latin typeface="Arial"/>
                 <a:cs typeface="Arial"/>
               </a:rPr>
@@ -1938,7 +1997,7 @@
             </a:r>
           </a:p>
           <a:p>
-            <a:pPr marL="484919" marR="13860" indent="-457200">
+            <a:pPr marL="484919" marR="13860" indent="-457200" algn="just">
               <a:lnSpc>
                 <a:spcPct val="102600"/>
               </a:lnSpc>
@@ -1961,7 +2020,7 @@
             </a:r>
           </a:p>
           <a:p>
-            <a:pPr marL="484919" marR="13860" indent="-457200">
+            <a:pPr marL="484919" marR="13860" indent="-457200" algn="just">
               <a:lnSpc>
                 <a:spcPct val="102600"/>
               </a:lnSpc>
@@ -1993,8 +2052,8 @@
         </p:nvSpPr>
         <p:spPr>
           <a:xfrm>
-            <a:off x="1572331" y="26348297"/>
-            <a:ext cx="9211997" cy="2832250"/>
+            <a:off x="1598036" y="26480692"/>
+            <a:ext cx="9553771" cy="2832250"/>
           </a:xfrm>
           <a:prstGeom prst="rect">
             <a:avLst/>
@@ -2006,7 +2065,7 @@
           </a:bodyPr>
           <a:lstStyle/>
           <a:p>
-            <a:pPr marL="27719" marR="13860">
+            <a:pPr marL="27719" marR="13860" algn="just">
               <a:lnSpc>
                 <a:spcPct val="103099"/>
               </a:lnSpc>
@@ -2016,7 +2075,7 @@
                 <a:latin typeface="Arial"/>
                 <a:cs typeface="Arial"/>
               </a:rPr>
-              <a:t>a) The steps leading up to first division are fertilization, pronuclear meeting (PNM), centration and rotation (C&amp;R), and Nuclear envelope breakdown (NEBD). NEBD is used to mark a time of 0 as it coincides with when the centrosomes have been properly placed for cell division. C) Recruitment was quantified every 10 seconds from 330 seconds before NEBD to 0 seconds. Blue circles represent the quantified regions representing the middle of the centrosome and the average of all stacks with centrosomes masked out representing the cytoplasmic fluorescence intensity. c) Recovery was quantified immediately after pronuclear meeting (PNM) every second for 50 seconds.</a:t>
+              <a:t>Figure 1. a) The steps leading up to first division are fertilization, pronuclear meeting (PNM), centration and rotation (C&amp;R), and Nuclear envelope breakdown (NEBD). NEBD is used to mark a time of 0 seconds as it coincides with when the centrosomes have been properly placed for cell division. C) Recruitment was quantified every 10 seconds from 330 seconds before NEBD to 0 seconds. Blue circles represent the quantified regions representing the middle of the centrosome and the average of all stacks with centrosomes masked out representing the cytoplasmic fluorescence intensity. c) Recovery was quantified immediately after pronuclear meeting (PNM) every second for 50 seconds.</a:t>
             </a:r>
             <a:endParaRPr lang="en-US" sz="2000" dirty="0">
               <a:latin typeface="Arial"/>
@@ -2033,8 +2092,8 @@
         </p:nvSpPr>
         <p:spPr>
           <a:xfrm>
-            <a:off x="12088073" y="16099969"/>
-            <a:ext cx="9246592" cy="2198230"/>
+            <a:off x="11810999" y="17431945"/>
+            <a:ext cx="9843585" cy="2198230"/>
           </a:xfrm>
           <a:prstGeom prst="rect">
             <a:avLst/>
@@ -2046,7 +2105,7 @@
           </a:bodyPr>
           <a:lstStyle/>
           <a:p>
-            <a:pPr marL="27719" marR="13860">
+            <a:pPr marL="27719" marR="13860" algn="just">
               <a:lnSpc>
                 <a:spcPct val="103099"/>
               </a:lnSpc>
@@ -2056,14 +2115,21 @@
                 <a:latin typeface="Arial"/>
                 <a:cs typeface="Arial"/>
               </a:rPr>
-              <a:t>a) Leading centrosome, lagging centrosome, cytoplasmic, ad the total cell fluorescence intensities of GFP::AIR-1 were precisely quantified and then normalized. The average intensity of the lagging centrosome was observed to be higher than that of the leading centrosome. </a:t>
+              <a:t>Figure 2. a) Leading centrosome, lagging centrosome, cytoplasmic, ad the total cell fluorescence intensities of GFP::AIR-1 were precisely quantified and then normalized. The average intensity of the lagging centrosome was observed to be higher than that of the leading centrosome. </a:t>
             </a:r>
             <a:r>
               <a:rPr lang="en-US" sz="2000" dirty="0">
                 <a:latin typeface="Arial"/>
                 <a:cs typeface="Arial"/>
               </a:rPr>
-              <a:t>b) Fluorescence recovery after photobleaching (FRAP) was recorded for 10 leading and 10 lagging centrosomes and normalized as per standard </a:t>
+              <a:t>b) Fluorescence recovery after photobleaching (FRAP) was recorded for 10 leading and 10 lagging centrosomes and normalized as per standard protocols</a:t>
+            </a:r>
+            <a:r>
+              <a:rPr lang="en-US" sz="2000" baseline="30000" dirty="0">
+                <a:latin typeface="Arial"/>
+                <a:cs typeface="Arial"/>
+              </a:rPr>
+              <a:t>6</a:t>
             </a:r>
             <a:r>
               <a:rPr lang="en-US" sz="2000" dirty="0">
@@ -2073,7 +2139,7 @@
                 <a:latin typeface="Arial"/>
                 <a:cs typeface="Arial"/>
               </a:rPr>
-              <a:t>protocols. </a:t>
+              <a:t>. </a:t>
             </a:r>
             <a:r>
               <a:rPr lang="en-US" sz="2000" dirty="0">
@@ -2100,8 +2166,8 @@
         </p:nvSpPr>
         <p:spPr>
           <a:xfrm>
-            <a:off x="22603370" y="6217513"/>
-            <a:ext cx="9052596" cy="830997"/>
+            <a:off x="22533225" y="6217513"/>
+            <a:ext cx="9662486" cy="984885"/>
           </a:xfrm>
           <a:prstGeom prst="rect">
             <a:avLst/>
@@ -2113,18 +2179,18 @@
           </a:bodyPr>
           <a:lstStyle/>
           <a:p>
-            <a:pPr marL="27719"/>
-            <a:r>
-              <a:rPr lang="en-US" sz="2700" b="1" spc="33" dirty="0">
+            <a:pPr marL="27719" algn="just"/>
+            <a:r>
+              <a:rPr lang="en-US" sz="3200" b="1" spc="33" dirty="0">
                 <a:solidFill>
                   <a:srgbClr val="CD1445"/>
                 </a:solidFill>
                 <a:latin typeface="Arial"/>
                 <a:cs typeface="Arial"/>
               </a:rPr>
-              <a:t>Figure 3. A 3 Compartment Model of Centrosome Recruitment and Recovery After Photobleaching</a:t>
-            </a:r>
-            <a:endParaRPr lang="en-US" sz="2700" dirty="0">
+              <a:t>Figure 3. 3-Compartment Model of Centrosome Recruitment and Recovery After Photobleaching</a:t>
+            </a:r>
+            <a:endParaRPr lang="en-US" sz="3200" dirty="0">
               <a:latin typeface="Arial"/>
               <a:cs typeface="Arial"/>
             </a:endParaRPr>
@@ -2139,8 +2205,8 @@
         </p:nvSpPr>
         <p:spPr>
           <a:xfrm>
-            <a:off x="33118815" y="6259603"/>
-            <a:ext cx="8233967" cy="830997"/>
+            <a:off x="32992659" y="6259603"/>
+            <a:ext cx="9234799" cy="984885"/>
           </a:xfrm>
           <a:prstGeom prst="rect">
             <a:avLst/>
@@ -2152,9 +2218,9 @@
           </a:bodyPr>
           <a:lstStyle/>
           <a:p>
-            <a:pPr marL="27719"/>
-            <a:r>
-              <a:rPr lang="en-US" sz="2700" b="1" spc="33" dirty="0">
+            <a:pPr marL="27719" algn="just"/>
+            <a:r>
+              <a:rPr lang="en-US" sz="3200" b="1" spc="33" dirty="0">
                 <a:solidFill>
                   <a:srgbClr val="CD1445"/>
                 </a:solidFill>
@@ -2163,7 +2229,7 @@
               </a:rPr>
               <a:t>Figure 5. Parameter Space Shows Asymmetry in Centrosome Structural Composition</a:t>
             </a:r>
-            <a:endParaRPr lang="en-US" sz="2700" dirty="0">
+            <a:endParaRPr lang="en-US" sz="3200" dirty="0">
               <a:latin typeface="Arial"/>
               <a:cs typeface="Arial"/>
             </a:endParaRPr>
@@ -2223,8 +2289,8 @@
         </p:nvSpPr>
         <p:spPr>
           <a:xfrm>
-            <a:off x="21958300" y="6032895"/>
-            <a:ext cx="271210" cy="23619204"/>
+            <a:off x="22002718" y="6032895"/>
+            <a:ext cx="226792" cy="22851299"/>
           </a:xfrm>
           <a:custGeom>
             <a:avLst/>
@@ -2319,7 +2385,7 @@
         </p:nvSpPr>
         <p:spPr>
           <a:xfrm>
-            <a:off x="12189667" y="6002608"/>
+            <a:off x="11811000" y="6002608"/>
             <a:ext cx="9658525" cy="1123384"/>
           </a:xfrm>
           <a:prstGeom prst="rect">
@@ -2386,8 +2452,8 @@
         </p:nvSpPr>
         <p:spPr>
           <a:xfrm>
-            <a:off x="12088073" y="25315354"/>
-            <a:ext cx="9677096" cy="2785378"/>
+            <a:off x="11810999" y="25926374"/>
+            <a:ext cx="9843583" cy="3200876"/>
           </a:xfrm>
           <a:prstGeom prst="rect">
             <a:avLst/>
@@ -2399,7 +2465,7 @@
           </a:bodyPr>
           <a:lstStyle/>
           <a:p>
-            <a:pPr marL="19958">
+            <a:pPr marL="19958" algn="just">
               <a:lnSpc>
                 <a:spcPct val="110000"/>
               </a:lnSpc>
@@ -2423,7 +2489,7 @@
             </a:endParaRPr>
           </a:p>
           <a:p>
-            <a:pPr marL="27719">
+            <a:pPr marL="27719" algn="just">
               <a:spcBef>
                 <a:spcPts val="893"/>
               </a:spcBef>
@@ -2436,7 +2502,7 @@
                 <a:latin typeface="Arial"/>
                 <a:cs typeface="Arial"/>
               </a:rPr>
-              <a:t>To uncover potential mechanisms responsible for the reported centrosomal dynamics, we turned to mathematical modeling. A 3-compartment model representing the two centrosomes as well as the cytoplasm was constructed to simulate a maturation factor’s recruitment and recovery in a one-cell embryo (Fig. 3).</a:t>
+              <a:t>To uncover potential mechanisms responsible for the reported centrosomal dynamics and the differences between centrosomes, we turned to mathematical modeling. A 3-compartment model representing the two centrosomes as well as the cytoplasm was constructed to simulate a maturation factor’s recruitment and recovery in a one-cell embryo (Fig. 3).</a:t>
             </a:r>
             <a:endParaRPr sz="2700" dirty="0">
               <a:latin typeface="Arial"/>
@@ -2453,8 +2519,8 @@
         </p:nvSpPr>
         <p:spPr>
           <a:xfrm>
-            <a:off x="12088072" y="19101513"/>
-            <a:ext cx="9743613" cy="4916731"/>
+            <a:off x="11811000" y="20101053"/>
+            <a:ext cx="9843584" cy="5332229"/>
           </a:xfrm>
           <a:prstGeom prst="rect">
             <a:avLst/>
@@ -2466,7 +2532,7 @@
           </a:bodyPr>
           <a:lstStyle/>
           <a:p>
-            <a:pPr marL="27719">
+            <a:pPr marL="27719" algn="just">
               <a:spcBef>
                 <a:spcPts val="893"/>
               </a:spcBef>
@@ -2484,7 +2550,7 @@
             </a:endParaRPr>
           </a:p>
           <a:p>
-            <a:pPr marL="27719">
+            <a:pPr marL="27719" algn="just">
               <a:spcBef>
                 <a:spcPts val="893"/>
               </a:spcBef>
@@ -2494,17 +2560,14 @@
                 <a:latin typeface="Arial" panose="020B0604020202020204" pitchFamily="34" charset="0"/>
                 <a:cs typeface="Arial" panose="020B0604020202020204" pitchFamily="34" charset="0"/>
               </a:rPr>
-              <a:t>Our newly publish Gromov-Wasserstein based distance metric was used to identify any potential differences between the shapes of the calculated recruitment and recovery </a:t>
-            </a:r>
-            <a:r>
-              <a:rPr lang="en-US" sz="2700" dirty="0">
-                <a:solidFill>
-                  <a:srgbClr val="FF0000"/>
-                </a:solidFill>
+              <a:t>Our recently published Gromov-Wasserstein based distance metric was used to identify any potential differences between the shapes of the calculated recruitment and recovery curves</a:t>
+            </a:r>
+            <a:r>
+              <a:rPr lang="en-US" sz="2700" baseline="30000" dirty="0">
                 <a:latin typeface="Arial" panose="020B0604020202020204" pitchFamily="34" charset="0"/>
                 <a:cs typeface="Arial" panose="020B0604020202020204" pitchFamily="34" charset="0"/>
               </a:rPr>
-              <a:t>curves</a:t>
+              <a:t>7</a:t>
             </a:r>
             <a:r>
               <a:rPr lang="en-US" sz="2700" dirty="0">
@@ -2515,7 +2578,7 @@
             </a:r>
           </a:p>
           <a:p>
-            <a:pPr marL="27719">
+            <a:pPr marL="27719" algn="just">
               <a:spcBef>
                 <a:spcPts val="893"/>
               </a:spcBef>
@@ -2525,18 +2588,18 @@
                 <a:latin typeface="Arial" panose="020B0604020202020204" pitchFamily="34" charset="0"/>
                 <a:cs typeface="Arial" panose="020B0604020202020204" pitchFamily="34" charset="0"/>
               </a:rPr>
-              <a:t>The recruitment did not show a difference between leading and lagging centrosomes. </a:t>
+              <a:t>The recruitment did not show a difference between leading and lagging centrosomes indicating that their dynamics were overall similar. However, t</a:t>
             </a:r>
             <a:r>
               <a:rPr lang="en-US" sz="2700" dirty="0">
                 <a:latin typeface="Arial"/>
                 <a:cs typeface="Arial"/>
               </a:rPr>
-              <a:t>The recruitment on the long time-scale shows that the average fluorescence in the lagging centrosomes is greater than the leading centrosome (Fig. 2a). </a:t>
-            </a:r>
-          </a:p>
-          <a:p>
-            <a:pPr marL="27719">
+              <a:t>he recruitment in the lagging centrosomes is greater than the leading centrosome until ~-50s which would not be captured by this analysis (Fig. 2a). </a:t>
+            </a:r>
+          </a:p>
+          <a:p>
+            <a:pPr marL="27719" algn="just">
               <a:spcBef>
                 <a:spcPts val="893"/>
               </a:spcBef>
@@ -2546,7 +2609,7 @@
                 <a:latin typeface="Arial"/>
                 <a:cs typeface="Arial"/>
               </a:rPr>
-              <a:t>The FRAP curves show similar final recovery amounts, however analysis shows distinct recovery dynamics between the two centrosomes (Fig. 2b).</a:t>
+              <a:t>The FRAP curve analysis identified distinct recovery dynamics between the two centrosomes even though the curves recovered to the same final amount (Fig. 2b).</a:t>
             </a:r>
             <a:endParaRPr lang="en-US" sz="2700" dirty="0">
               <a:latin typeface="Arial" panose="020B0604020202020204" pitchFamily="34" charset="0"/>
@@ -2563,8 +2626,8 @@
         </p:nvSpPr>
         <p:spPr>
           <a:xfrm>
-            <a:off x="33119272" y="18102047"/>
-            <a:ext cx="9424743" cy="6755888"/>
+            <a:off x="32992659" y="17266494"/>
+            <a:ext cx="9552728" cy="10339946"/>
           </a:xfrm>
           <a:prstGeom prst="rect">
             <a:avLst/>
@@ -2576,7 +2639,7 @@
           </a:bodyPr>
           <a:lstStyle/>
           <a:p>
-            <a:pPr marL="19958">
+            <a:pPr marL="19958" algn="just">
               <a:lnSpc>
                 <a:spcPct val="110000"/>
               </a:lnSpc>
@@ -2606,7 +2669,7 @@
             </a:endParaRPr>
           </a:p>
           <a:p>
-            <a:pPr marL="27719" marR="246699">
+            <a:pPr marL="27719" marR="246699" algn="just">
               <a:lnSpc>
                 <a:spcPct val="102899"/>
               </a:lnSpc>
@@ -2615,6 +2678,16 @@
               </a:spcBef>
             </a:pPr>
             <a:r>
+              <a:rPr lang="en-US" sz="2700" b="1" spc="-33" dirty="0">
+                <a:solidFill>
+                  <a:srgbClr val="231F20"/>
+                </a:solidFill>
+                <a:latin typeface="Arial"/>
+                <a:cs typeface="Arial"/>
+              </a:rPr>
+              <a:t>Early embryo </a:t>
+            </a:r>
+            <a:r>
               <a:rPr lang="en-US" sz="2700" b="1" i="1" spc="-33" dirty="0">
                 <a:solidFill>
                   <a:srgbClr val="231F20"/>
@@ -2622,7 +2695,7 @@
                 <a:latin typeface="Arial"/>
                 <a:cs typeface="Arial"/>
               </a:rPr>
-              <a:t>C. Elegans </a:t>
+              <a:t>C. elegans </a:t>
             </a:r>
             <a:r>
               <a:rPr lang="en-US" sz="2700" b="1" spc="-33" dirty="0">
@@ -2632,7 +2705,7 @@
                 <a:latin typeface="Arial"/>
                 <a:cs typeface="Arial"/>
               </a:rPr>
-              <a:t>Centrosomes are asymmetric in the early embryo.</a:t>
+              <a:t>Centrosomes are asymmetric.</a:t>
             </a:r>
             <a:endParaRPr lang="en-US" sz="2700" b="1" spc="11" dirty="0">
               <a:solidFill>
@@ -2643,7 +2716,7 @@
             </a:endParaRPr>
           </a:p>
           <a:p>
-            <a:pPr marL="27719" marR="246699">
+            <a:pPr marL="27719" marR="246699" algn="just">
               <a:lnSpc>
                 <a:spcPct val="102899"/>
               </a:lnSpc>
@@ -2659,11 +2732,11 @@
                 <a:latin typeface="Arial"/>
                 <a:cs typeface="Arial"/>
               </a:rPr>
-              <a:t>By combining a precise quantification of a factor required for proper MT nucleation and mathematical modeling we found that the leading and the lagging centrosomes have different dynamics and possibly different structural compositions. </a:t>
-            </a:r>
-          </a:p>
-          <a:p>
-            <a:pPr marL="27719" marR="246699">
+              <a:t>Combining a precise quantification of a factor required for MT nucleation and mathematical modeling we found that the leading and the lagging centrosomes have different dynamics. </a:t>
+            </a:r>
+          </a:p>
+          <a:p>
+            <a:pPr marL="27719" marR="246699" algn="just">
               <a:lnSpc>
                 <a:spcPct val="102899"/>
               </a:lnSpc>
@@ -2683,7 +2756,7 @@
             </a:r>
           </a:p>
           <a:p>
-            <a:pPr marL="27719" marR="246699">
+            <a:pPr marL="27719" marR="246699" algn="just">
               <a:lnSpc>
                 <a:spcPct val="102899"/>
               </a:lnSpc>
@@ -2703,15 +2776,19 @@
             </a:r>
             <a:r>
               <a:rPr lang="en-US" sz="2700" spc="-33" dirty="0">
-                <a:solidFill>
-                  <a:srgbClr val="FF0000"/>
-                </a:solidFill>
                 <a:latin typeface="Arial"/>
                 <a:cs typeface="Arial"/>
               </a:rPr>
               <a:t>state</a:t>
             </a:r>
             <a:r>
+              <a:rPr lang="en-US" sz="2700" spc="-33" baseline="30000" dirty="0">
+                <a:latin typeface="Arial"/>
+                <a:cs typeface="Arial"/>
+              </a:rPr>
+              <a:t>9</a:t>
+            </a:r>
+            <a:r>
               <a:rPr lang="en-US" sz="2700" spc="-33" dirty="0">
                 <a:solidFill>
                   <a:srgbClr val="231F20"/>
@@ -2720,6 +2797,123 @@
                 <a:cs typeface="Arial"/>
               </a:rPr>
               <a:t>.</a:t>
+            </a:r>
+          </a:p>
+          <a:p>
+            <a:pPr marL="27719" marR="246699" algn="just">
+              <a:lnSpc>
+                <a:spcPct val="102899"/>
+              </a:lnSpc>
+              <a:spcBef>
+                <a:spcPts val="893"/>
+              </a:spcBef>
+            </a:pPr>
+            <a:endParaRPr lang="en-US" sz="2700" spc="-33" dirty="0">
+              <a:solidFill>
+                <a:srgbClr val="231F20"/>
+              </a:solidFill>
+              <a:latin typeface="Arial"/>
+              <a:cs typeface="Arial"/>
+            </a:endParaRPr>
+          </a:p>
+          <a:p>
+            <a:pPr marL="27719" marR="246699" algn="just">
+              <a:lnSpc>
+                <a:spcPct val="102899"/>
+              </a:lnSpc>
+              <a:spcBef>
+                <a:spcPts val="893"/>
+              </a:spcBef>
+            </a:pPr>
+            <a:r>
+              <a:rPr lang="en-US" sz="3500" b="1" spc="-33" dirty="0">
+                <a:solidFill>
+                  <a:srgbClr val="BD003A"/>
+                </a:solidFill>
+                <a:latin typeface="Arial"/>
+                <a:cs typeface="Arial"/>
+              </a:rPr>
+              <a:t>FUTURE DIRECTIONS</a:t>
+            </a:r>
+          </a:p>
+          <a:p>
+            <a:pPr marL="27719" marR="246699" algn="just">
+              <a:lnSpc>
+                <a:spcPct val="102899"/>
+              </a:lnSpc>
+              <a:spcBef>
+                <a:spcPts val="893"/>
+              </a:spcBef>
+            </a:pPr>
+            <a:r>
+              <a:rPr lang="en-US" sz="2700" b="1" spc="-33" dirty="0">
+                <a:solidFill>
+                  <a:srgbClr val="231F20"/>
+                </a:solidFill>
+                <a:latin typeface="Arial"/>
+                <a:cs typeface="Arial"/>
+              </a:rPr>
+              <a:t>Expanding </a:t>
+            </a:r>
+            <a:r>
+              <a:rPr lang="en-US" sz="2700" b="1" i="1" spc="-33" dirty="0">
+                <a:solidFill>
+                  <a:srgbClr val="231F20"/>
+                </a:solidFill>
+                <a:latin typeface="Arial"/>
+                <a:cs typeface="Arial"/>
+              </a:rPr>
+              <a:t>in vivo </a:t>
+            </a:r>
+            <a:r>
+              <a:rPr lang="en-US" sz="2700" b="1" spc="-33" dirty="0">
+                <a:solidFill>
+                  <a:srgbClr val="231F20"/>
+                </a:solidFill>
+                <a:latin typeface="Arial"/>
+                <a:cs typeface="Arial"/>
+              </a:rPr>
+              <a:t>&amp; </a:t>
+            </a:r>
+            <a:r>
+              <a:rPr lang="en-US" sz="2700" b="1" i="1" spc="-33" dirty="0">
+                <a:solidFill>
+                  <a:srgbClr val="231F20"/>
+                </a:solidFill>
+                <a:latin typeface="Arial"/>
+                <a:cs typeface="Arial"/>
+              </a:rPr>
+              <a:t>in silico</a:t>
+            </a:r>
+            <a:r>
+              <a:rPr lang="en-US" sz="2700" b="1" spc="-33" dirty="0">
+                <a:solidFill>
+                  <a:srgbClr val="231F20"/>
+                </a:solidFill>
+                <a:latin typeface="Arial"/>
+                <a:cs typeface="Arial"/>
+              </a:rPr>
+              <a:t> Work to New Factors</a:t>
+            </a:r>
+          </a:p>
+          <a:p>
+            <a:pPr marL="27719" marR="246699" algn="just">
+              <a:lnSpc>
+                <a:spcPct val="102899"/>
+              </a:lnSpc>
+              <a:spcBef>
+                <a:spcPts val="893"/>
+              </a:spcBef>
+            </a:pPr>
+            <a:r>
+              <a:rPr lang="en-US" sz="2700" spc="-33" dirty="0">
+                <a:solidFill>
+                  <a:srgbClr val="231F20"/>
+                </a:solidFill>
+                <a:latin typeface="Arial"/>
+                <a:cs typeface="Arial"/>
+              </a:rPr>
+              <a:t>To extend these results we will be investigating the recruitment, recovery, and maturation of more centrosomal factors. Of particular interest will be factors granting the centrosome its strength. With a larger data set we will also be able to expand our mathematical model to include more terms and more dynamic interactions.</a:t>
             </a:r>
           </a:p>
         </p:txBody>
@@ -2732,7 +2926,7 @@
         </p:nvSpPr>
         <p:spPr>
           <a:xfrm>
-            <a:off x="33119271" y="25558147"/>
+            <a:off x="32992659" y="27842755"/>
             <a:ext cx="7125881" cy="546496"/>
           </a:xfrm>
           <a:prstGeom prst="rect">
@@ -2778,8 +2972,8 @@
         </p:nvSpPr>
         <p:spPr>
           <a:xfrm>
-            <a:off x="33119272" y="26460586"/>
-            <a:ext cx="9108186" cy="3751283"/>
+            <a:off x="32992658" y="28590067"/>
+            <a:ext cx="6859941" cy="2807115"/>
           </a:xfrm>
           <a:prstGeom prst="rect">
             <a:avLst/>
@@ -2805,14 +2999,24 @@
               </a:tabLst>
             </a:pPr>
             <a:r>
-              <a:rPr lang="en-US" sz="1600" spc="-33" dirty="0">
-                <a:solidFill>
-                  <a:srgbClr val="231F20"/>
-                </a:solidFill>
-                <a:latin typeface="Arial"/>
-                <a:cs typeface="Arial"/>
-              </a:rPr>
-              <a:t>References style should be:  Authors Names, Year Published, Name of Journal, Volume(Issue):Pages.</a:t>
+              <a:rPr lang="en-US" sz="1800" spc="-33" dirty="0" err="1">
+                <a:solidFill>
+                  <a:srgbClr val="231F20"/>
+                </a:solidFill>
+                <a:latin typeface="Arial"/>
+                <a:cs typeface="Arial"/>
+              </a:rPr>
+              <a:t>Meraldi</a:t>
+            </a:r>
+            <a:r>
+              <a:rPr lang="en-US" sz="1800" spc="-33" dirty="0">
+                <a:solidFill>
+                  <a:srgbClr val="231F20"/>
+                </a:solidFill>
+                <a:latin typeface="Arial"/>
+                <a:cs typeface="Arial"/>
+              </a:rPr>
+              <a:t> et al., 2016, Chromosome Res. 24:19-34</a:t>
             </a:r>
           </a:p>
           <a:p>
@@ -2830,24 +3034,14 @@
               </a:tabLst>
             </a:pPr>
             <a:r>
-              <a:rPr lang="en-US" sz="1600" spc="-33" dirty="0" err="1">
-                <a:solidFill>
-                  <a:srgbClr val="231F20"/>
-                </a:solidFill>
-                <a:latin typeface="Arial"/>
-                <a:cs typeface="Arial"/>
-              </a:rPr>
-              <a:t>Grebmeier</a:t>
-            </a:r>
-            <a:r>
-              <a:rPr lang="en-US" sz="1600" spc="-33" dirty="0">
-                <a:solidFill>
-                  <a:srgbClr val="231F20"/>
-                </a:solidFill>
-                <a:latin typeface="Arial"/>
-                <a:cs typeface="Arial"/>
-              </a:rPr>
-              <a:t> et al., 2006, Science, 311(5766):1461-1664.</a:t>
+              <a:rPr lang="en-US" sz="1800" spc="-33" dirty="0">
+                <a:solidFill>
+                  <a:srgbClr val="231F20"/>
+                </a:solidFill>
+                <a:latin typeface="Arial"/>
+                <a:cs typeface="Arial"/>
+              </a:rPr>
+              <a:t>Yamashita et al., 2009, Frontiers in Bioscience, (14):3003</a:t>
             </a:r>
           </a:p>
           <a:p>
@@ -2865,24 +3059,24 @@
               </a:tabLst>
             </a:pPr>
             <a:r>
-              <a:rPr lang="en-US" sz="1600" spc="-33" dirty="0" err="1">
-                <a:solidFill>
-                  <a:srgbClr val="231F20"/>
-                </a:solidFill>
-                <a:latin typeface="Arial"/>
-                <a:cs typeface="Arial"/>
-              </a:rPr>
-              <a:t>Golubova</a:t>
-            </a:r>
-            <a:r>
-              <a:rPr lang="en-US" sz="1600" spc="-33" dirty="0">
-                <a:solidFill>
-                  <a:srgbClr val="231F20"/>
-                </a:solidFill>
-                <a:latin typeface="Arial"/>
-                <a:cs typeface="Arial"/>
-              </a:rPr>
-              <a:t> et al., 2009, Journal of Marine Biology, 35(7):593-608.</a:t>
+              <a:rPr lang="en-US" sz="1800" spc="-33" dirty="0" err="1">
+                <a:solidFill>
+                  <a:srgbClr val="231F20"/>
+                </a:solidFill>
+                <a:latin typeface="Arial"/>
+                <a:cs typeface="Arial"/>
+              </a:rPr>
+              <a:t>Pancione</a:t>
+            </a:r>
+            <a:r>
+              <a:rPr lang="en-US" sz="1800" spc="-33" dirty="0">
+                <a:solidFill>
+                  <a:srgbClr val="231F20"/>
+                </a:solidFill>
+                <a:latin typeface="Arial"/>
+                <a:cs typeface="Arial"/>
+              </a:rPr>
+              <a:t> et al., 2021, Biomolecules, 11(5): 629</a:t>
             </a:r>
           </a:p>
           <a:p>
@@ -2900,14 +3094,34 @@
               </a:tabLst>
             </a:pPr>
             <a:r>
-              <a:rPr lang="en-US" sz="1600" spc="-33" dirty="0">
-                <a:solidFill>
-                  <a:srgbClr val="231F20"/>
-                </a:solidFill>
-                <a:latin typeface="Arial"/>
-                <a:cs typeface="Arial"/>
-              </a:rPr>
-              <a:t>Flint, 2003, Marine Biology, 160(1):59-65.</a:t>
+              <a:rPr lang="en-US" sz="1800" spc="-33" dirty="0">
+                <a:solidFill>
+                  <a:srgbClr val="231F20"/>
+                </a:solidFill>
+                <a:latin typeface="Arial"/>
+                <a:cs typeface="Arial"/>
+              </a:rPr>
+              <a:t>Rose et al., 2014, </a:t>
+            </a:r>
+            <a:r>
+              <a:rPr lang="en-US" sz="1800" spc="-33" dirty="0" err="1">
+                <a:solidFill>
+                  <a:srgbClr val="231F20"/>
+                </a:solidFill>
+                <a:latin typeface="Arial"/>
+                <a:cs typeface="Arial"/>
+              </a:rPr>
+              <a:t>WormBook</a:t>
+            </a:r>
+            <a:r>
+              <a:rPr lang="en-US" sz="1800" spc="-33" dirty="0">
+                <a:solidFill>
+                  <a:srgbClr val="231F20"/>
+                </a:solidFill>
+                <a:latin typeface="Arial"/>
+                <a:cs typeface="Arial"/>
+              </a:rPr>
+              <a:t>, Dec 30:1-43.</a:t>
             </a:r>
           </a:p>
           <a:p>
@@ -2925,24 +3139,14 @@
               </a:tabLst>
             </a:pPr>
             <a:r>
-              <a:rPr lang="en-US" sz="1600" spc="-33" dirty="0" err="1">
-                <a:solidFill>
-                  <a:srgbClr val="231F20"/>
-                </a:solidFill>
-                <a:latin typeface="Arial"/>
-                <a:cs typeface="Arial"/>
-              </a:rPr>
-              <a:t>Mizobata</a:t>
-            </a:r>
-            <a:r>
-              <a:rPr lang="en-US" sz="1600" spc="-33" dirty="0">
-                <a:solidFill>
-                  <a:srgbClr val="231F20"/>
-                </a:solidFill>
-                <a:latin typeface="Arial"/>
-                <a:cs typeface="Arial"/>
-              </a:rPr>
-              <a:t> et al., 2010, Journal of Oceanography, 66(3):405-424.</a:t>
+              <a:rPr lang="en-US" sz="1800" spc="-33" dirty="0">
+                <a:solidFill>
+                  <a:srgbClr val="231F20"/>
+                </a:solidFill>
+                <a:latin typeface="Arial"/>
+                <a:cs typeface="Arial"/>
+              </a:rPr>
+              <a:t>Coffman et al., 2016, MBOC, 27(22):3550–3562.</a:t>
             </a:r>
           </a:p>
           <a:p>
@@ -2960,14 +3164,14 @@
               </a:tabLst>
             </a:pPr>
             <a:r>
-              <a:rPr lang="en-US" sz="1600" spc="-33" dirty="0">
-                <a:solidFill>
-                  <a:srgbClr val="231F20"/>
-                </a:solidFill>
-                <a:latin typeface="Arial"/>
-                <a:cs typeface="Arial"/>
-              </a:rPr>
-              <a:t>You need at least 10 references total for your poster.  6 of these need to be journal articles (these are also called primary sources), the remaining 4 references can be secondary sources (e.g., newspaper, magazine, documentary) or primary sources. </a:t>
+              <a:rPr lang="en-US" sz="1800" spc="-33" dirty="0">
+                <a:solidFill>
+                  <a:srgbClr val="231F20"/>
+                </a:solidFill>
+                <a:latin typeface="Arial"/>
+                <a:cs typeface="Arial"/>
+              </a:rPr>
+              <a:t>Kress et al., 2013, JCB, 201(4):559-575</a:t>
             </a:r>
           </a:p>
           <a:p>
@@ -2985,14 +3189,24 @@
               </a:tabLst>
             </a:pPr>
             <a:r>
-              <a:rPr lang="en-US" sz="1600" spc="-33" dirty="0">
-                <a:solidFill>
-                  <a:srgbClr val="231F20"/>
-                </a:solidFill>
-                <a:latin typeface="Arial"/>
-                <a:cs typeface="Arial"/>
-              </a:rPr>
-              <a:t>Of these 10 total references, you will want to find 2-3 for the introduction section, 2-3 for the methods section, 2-3 for the results section and 2-3 for the discussion section.  You need a  </a:t>
+              <a:rPr lang="en-US" sz="1800" spc="-33" dirty="0" err="1">
+                <a:solidFill>
+                  <a:srgbClr val="231F20"/>
+                </a:solidFill>
+                <a:latin typeface="Arial"/>
+                <a:cs typeface="Arial"/>
+              </a:rPr>
+              <a:t>Kravtsova</a:t>
+            </a:r>
+            <a:r>
+              <a:rPr lang="en-US" sz="1800" spc="-33" dirty="0">
+                <a:solidFill>
+                  <a:srgbClr val="231F20"/>
+                </a:solidFill>
+                <a:latin typeface="Arial"/>
+                <a:cs typeface="Arial"/>
+              </a:rPr>
+              <a:t> et al. 2023, Bulletin of Mathematical Biology 85(8)</a:t>
             </a:r>
           </a:p>
           <a:p>
@@ -3010,14 +3224,24 @@
               </a:tabLst>
             </a:pPr>
             <a:r>
-              <a:rPr lang="en-US" sz="1600" spc="-33" dirty="0">
-                <a:solidFill>
-                  <a:srgbClr val="231F20"/>
-                </a:solidFill>
-                <a:latin typeface="Arial"/>
-                <a:cs typeface="Arial"/>
-              </a:rPr>
-              <a:t>Johns and Arnot, 2019, Environmental Science &amp; Technology, 53(1):113-117.</a:t>
+              <a:rPr lang="en-US" sz="1800" spc="-33" dirty="0" err="1">
+                <a:solidFill>
+                  <a:srgbClr val="231F20"/>
+                </a:solidFill>
+                <a:latin typeface="Arial"/>
+                <a:cs typeface="Arial"/>
+              </a:rPr>
+              <a:t>Kravtsova</a:t>
+            </a:r>
+            <a:r>
+              <a:rPr lang="en-US" sz="1800" spc="-33" dirty="0">
+                <a:solidFill>
+                  <a:srgbClr val="231F20"/>
+                </a:solidFill>
+                <a:latin typeface="Arial"/>
+                <a:cs typeface="Arial"/>
+              </a:rPr>
+              <a:t> et al. 2023, Scientific reports 13(1), 16285.</a:t>
             </a:r>
           </a:p>
           <a:p>
@@ -3035,24 +3259,74 @@
               </a:tabLst>
             </a:pPr>
             <a:r>
-              <a:rPr lang="en-US" sz="1600" spc="-33" dirty="0" err="1">
-                <a:solidFill>
-                  <a:srgbClr val="231F20"/>
-                </a:solidFill>
-                <a:latin typeface="Arial"/>
-                <a:cs typeface="Arial"/>
-              </a:rPr>
-              <a:t>Sorrykumar</a:t>
-            </a:r>
-            <a:r>
-              <a:rPr lang="en-US" sz="1600" spc="-33" dirty="0">
-                <a:solidFill>
-                  <a:srgbClr val="231F20"/>
-                </a:solidFill>
-                <a:latin typeface="Arial"/>
-                <a:cs typeface="Arial"/>
-              </a:rPr>
-              <a:t> et al., 2012, Infection &amp; Immunity, 213(12):11456-11461.</a:t>
+              <a:rPr lang="en-US" sz="1800" spc="-33" dirty="0">
+                <a:solidFill>
+                  <a:srgbClr val="231F20"/>
+                </a:solidFill>
+                <a:latin typeface="Arial"/>
+                <a:cs typeface="Arial"/>
+              </a:rPr>
+              <a:t>Woodruff 2021, </a:t>
+            </a:r>
+            <a:r>
+              <a:rPr lang="en-US" sz="1800" spc="-33" dirty="0" err="1">
+                <a:solidFill>
+                  <a:srgbClr val="231F20"/>
+                </a:solidFill>
+                <a:latin typeface="Arial"/>
+                <a:cs typeface="Arial"/>
+              </a:rPr>
+              <a:t>Curr</a:t>
+            </a:r>
+            <a:r>
+              <a:rPr lang="en-US" sz="1800" spc="-33" dirty="0">
+                <a:solidFill>
+                  <a:srgbClr val="231F20"/>
+                </a:solidFill>
+                <a:latin typeface="Arial"/>
+                <a:cs typeface="Arial"/>
+              </a:rPr>
+              <a:t> </a:t>
+            </a:r>
+            <a:r>
+              <a:rPr lang="en-US" sz="1800" spc="-33" dirty="0" err="1">
+                <a:solidFill>
+                  <a:srgbClr val="231F20"/>
+                </a:solidFill>
+                <a:latin typeface="Arial"/>
+                <a:cs typeface="Arial"/>
+              </a:rPr>
+              <a:t>Opin</a:t>
+            </a:r>
+            <a:r>
+              <a:rPr lang="en-US" sz="1800" spc="-33" dirty="0">
+                <a:solidFill>
+                  <a:srgbClr val="231F20"/>
+                </a:solidFill>
+                <a:latin typeface="Arial"/>
+                <a:cs typeface="Arial"/>
+              </a:rPr>
+              <a:t> </a:t>
+            </a:r>
+            <a:r>
+              <a:rPr lang="en-US" sz="1800" spc="-33" dirty="0" err="1">
+                <a:solidFill>
+                  <a:srgbClr val="231F20"/>
+                </a:solidFill>
+                <a:latin typeface="Arial"/>
+                <a:cs typeface="Arial"/>
+              </a:rPr>
+              <a:t>Strruct</a:t>
+            </a:r>
+            <a:r>
+              <a:rPr lang="en-US" sz="1800" spc="-33" dirty="0">
+                <a:solidFill>
+                  <a:srgbClr val="231F20"/>
+                </a:solidFill>
+                <a:latin typeface="Arial"/>
+                <a:cs typeface="Arial"/>
+              </a:rPr>
+              <a:t> Biol. 66:139-147</a:t>
             </a:r>
           </a:p>
           <a:p>
@@ -3069,628 +3343,10 @@
                 <a:tab pos="370049" algn="l"/>
               </a:tabLst>
             </a:pPr>
-            <a:r>
-              <a:rPr lang="en-US" sz="1600" spc="-33" dirty="0">
-                <a:solidFill>
-                  <a:srgbClr val="231F20"/>
-                </a:solidFill>
-                <a:latin typeface="Arial"/>
-                <a:cs typeface="Arial"/>
-              </a:rPr>
-              <a:t>Yang and Brown, 2018, Journal of Biological Chemistry, 347(18):1450-1459.</a:t>
-            </a:r>
-          </a:p>
-          <a:p>
-            <a:pPr marL="370049" marR="339558" indent="-343716" algn="just">
-              <a:lnSpc>
-                <a:spcPct val="101800"/>
-              </a:lnSpc>
-              <a:buClr>
+            <a:endParaRPr lang="en-US" sz="1800" spc="-33" dirty="0">
+              <a:solidFill>
                 <a:srgbClr val="231F20"/>
-              </a:buClr>
-              <a:buFont typeface="Arial"/>
-              <a:buAutoNum type="arabicPeriod"/>
-              <a:tabLst>
-                <a:tab pos="370049" algn="l"/>
-              </a:tabLst>
-            </a:pPr>
-            <a:endParaRPr sz="1600" dirty="0">
-              <a:latin typeface="Arial"/>
-              <a:cs typeface="Arial"/>
-            </a:endParaRPr>
-          </a:p>
-        </p:txBody>
-      </p:sp>
-      <p:sp>
-        <p:nvSpPr>
-          <p:cNvPr id="29" name="object 29"/>
-          <p:cNvSpPr txBox="1"/>
-          <p:nvPr/>
-        </p:nvSpPr>
-        <p:spPr>
-          <a:xfrm>
-            <a:off x="33119273" y="30230919"/>
-            <a:ext cx="8840625" cy="1431899"/>
-          </a:xfrm>
-          <a:prstGeom prst="rect">
-            <a:avLst/>
-          </a:prstGeom>
-        </p:spPr>
-        <p:txBody>
-          <a:bodyPr vert="horz" wrap="square" lIns="0" tIns="0" rIns="0" bIns="0" rtlCol="0">
-            <a:spAutoFit/>
-          </a:bodyPr>
-          <a:lstStyle/>
-          <a:p>
-            <a:pPr marL="19958">
-              <a:lnSpc>
-                <a:spcPct val="110000"/>
-              </a:lnSpc>
-              <a:spcAft>
-                <a:spcPts val="1310"/>
-              </a:spcAft>
-            </a:pPr>
-            <a:r>
-              <a:rPr sz="3500" b="1" spc="-11" dirty="0">
-                <a:solidFill>
-                  <a:srgbClr val="BD003A"/>
-                </a:solidFill>
-                <a:latin typeface="Arial"/>
-                <a:cs typeface="Arial"/>
-              </a:rPr>
-              <a:t>ACKNOWLEDGEMENTS</a:t>
-            </a:r>
-          </a:p>
-          <a:p>
-            <a:pPr marL="27719" marR="13860">
-              <a:lnSpc>
-                <a:spcPct val="101800"/>
-              </a:lnSpc>
-              <a:spcBef>
-                <a:spcPts val="458"/>
-              </a:spcBef>
-            </a:pPr>
-            <a:r>
-              <a:rPr lang="en-US" sz="2000" dirty="0">
-                <a:solidFill>
-                  <a:srgbClr val="231F20"/>
-                </a:solidFill>
-                <a:latin typeface="Arial"/>
-                <a:cs typeface="Arial"/>
-              </a:rPr>
-              <a:t>Here is where you </a:t>
-            </a:r>
-            <a:r>
-              <a:rPr sz="2000" spc="-11" dirty="0">
-                <a:solidFill>
-                  <a:srgbClr val="231F20"/>
-                </a:solidFill>
-                <a:latin typeface="Arial"/>
-                <a:cs typeface="Arial"/>
-              </a:rPr>
-              <a:t>a</a:t>
-            </a:r>
-            <a:r>
-              <a:rPr sz="2000" dirty="0">
-                <a:solidFill>
-                  <a:srgbClr val="231F20"/>
-                </a:solidFill>
-                <a:latin typeface="Arial"/>
-                <a:cs typeface="Arial"/>
-              </a:rPr>
-              <a:t>c</a:t>
-            </a:r>
-            <a:r>
-              <a:rPr sz="2000" spc="-11" dirty="0">
-                <a:solidFill>
-                  <a:srgbClr val="231F20"/>
-                </a:solidFill>
-                <a:latin typeface="Arial"/>
-                <a:cs typeface="Arial"/>
-              </a:rPr>
-              <a:t>kn</a:t>
-            </a:r>
-            <a:r>
-              <a:rPr sz="2000" spc="-22" dirty="0">
-                <a:solidFill>
-                  <a:srgbClr val="231F20"/>
-                </a:solidFill>
-                <a:latin typeface="Arial"/>
-                <a:cs typeface="Arial"/>
-              </a:rPr>
-              <a:t>o</a:t>
-            </a:r>
-            <a:r>
-              <a:rPr sz="2000" spc="-11" dirty="0">
-                <a:solidFill>
-                  <a:srgbClr val="231F20"/>
-                </a:solidFill>
-                <a:latin typeface="Arial"/>
-                <a:cs typeface="Arial"/>
-              </a:rPr>
-              <a:t>w</a:t>
-            </a:r>
-            <a:r>
-              <a:rPr sz="2000" spc="-22" dirty="0">
-                <a:solidFill>
-                  <a:srgbClr val="231F20"/>
-                </a:solidFill>
-                <a:latin typeface="Arial"/>
-                <a:cs typeface="Arial"/>
-              </a:rPr>
-              <a:t>l</a:t>
-            </a:r>
-            <a:r>
-              <a:rPr sz="2000" spc="-11" dirty="0">
-                <a:solidFill>
-                  <a:srgbClr val="231F20"/>
-                </a:solidFill>
-                <a:latin typeface="Arial"/>
-                <a:cs typeface="Arial"/>
-              </a:rPr>
-              <a:t>edge</a:t>
-            </a:r>
-            <a:r>
-              <a:rPr sz="2000" spc="11" dirty="0">
-                <a:solidFill>
-                  <a:srgbClr val="231F20"/>
-                </a:solidFill>
-                <a:latin typeface="Arial"/>
-                <a:cs typeface="Arial"/>
-              </a:rPr>
-              <a:t> </a:t>
-            </a:r>
-            <a:r>
-              <a:rPr lang="en-US" sz="2000" spc="-11" dirty="0">
-                <a:solidFill>
-                  <a:srgbClr val="231F20"/>
-                </a:solidFill>
-                <a:latin typeface="Arial"/>
-                <a:cs typeface="Arial"/>
-              </a:rPr>
-              <a:t>collaborators</a:t>
-            </a:r>
-            <a:r>
-              <a:rPr sz="2000" spc="11" dirty="0">
-                <a:solidFill>
-                  <a:srgbClr val="231F20"/>
-                </a:solidFill>
-                <a:latin typeface="Arial"/>
-                <a:cs typeface="Arial"/>
-              </a:rPr>
-              <a:t> </a:t>
-            </a:r>
-            <a:r>
-              <a:rPr sz="2000" spc="-11" dirty="0">
-                <a:solidFill>
-                  <a:srgbClr val="231F20"/>
-                </a:solidFill>
-                <a:latin typeface="Arial"/>
-                <a:cs typeface="Arial"/>
-              </a:rPr>
-              <a:t>an</a:t>
-            </a:r>
-            <a:r>
-              <a:rPr sz="2000" spc="11" dirty="0">
-                <a:solidFill>
-                  <a:srgbClr val="231F20"/>
-                </a:solidFill>
-                <a:latin typeface="Arial"/>
-                <a:cs typeface="Arial"/>
-              </a:rPr>
-              <a:t>d </a:t>
-            </a:r>
-            <a:r>
-              <a:rPr sz="2000" spc="-11" dirty="0">
-                <a:solidFill>
-                  <a:srgbClr val="231F20"/>
-                </a:solidFill>
-                <a:latin typeface="Arial"/>
-                <a:cs typeface="Arial"/>
-              </a:rPr>
-              <a:t>fun</a:t>
-            </a:r>
-            <a:r>
-              <a:rPr sz="2000" dirty="0">
-                <a:solidFill>
-                  <a:srgbClr val="231F20"/>
-                </a:solidFill>
-                <a:latin typeface="Arial"/>
-                <a:cs typeface="Arial"/>
-              </a:rPr>
-              <a:t>d</a:t>
-            </a:r>
-            <a:r>
-              <a:rPr sz="2000" spc="-11" dirty="0">
-                <a:solidFill>
-                  <a:srgbClr val="231F20"/>
-                </a:solidFill>
-                <a:latin typeface="Arial"/>
-                <a:cs typeface="Arial"/>
-              </a:rPr>
-              <a:t>i</a:t>
-            </a:r>
-            <a:r>
-              <a:rPr sz="2000" spc="-22" dirty="0">
-                <a:solidFill>
-                  <a:srgbClr val="231F20"/>
-                </a:solidFill>
-                <a:latin typeface="Arial"/>
-                <a:cs typeface="Arial"/>
-              </a:rPr>
-              <a:t>n</a:t>
-            </a:r>
-            <a:r>
-              <a:rPr sz="2000" spc="11" dirty="0">
-                <a:solidFill>
-                  <a:srgbClr val="231F20"/>
-                </a:solidFill>
-                <a:latin typeface="Arial"/>
-                <a:cs typeface="Arial"/>
-              </a:rPr>
-              <a:t>g </a:t>
-            </a:r>
-            <a:r>
-              <a:rPr sz="2000" spc="-11" dirty="0">
-                <a:solidFill>
-                  <a:srgbClr val="231F20"/>
-                </a:solidFill>
-                <a:latin typeface="Arial"/>
-                <a:cs typeface="Arial"/>
-              </a:rPr>
-              <a:t>ag</a:t>
-            </a:r>
-            <a:r>
-              <a:rPr sz="2000" spc="-22" dirty="0">
-                <a:solidFill>
-                  <a:srgbClr val="231F20"/>
-                </a:solidFill>
-                <a:latin typeface="Arial"/>
-                <a:cs typeface="Arial"/>
-              </a:rPr>
-              <a:t>en</a:t>
-            </a:r>
-            <a:r>
-              <a:rPr sz="2000" dirty="0">
-                <a:solidFill>
-                  <a:srgbClr val="231F20"/>
-                </a:solidFill>
-                <a:latin typeface="Arial"/>
-                <a:cs typeface="Arial"/>
-              </a:rPr>
-              <a:t>c</a:t>
-            </a:r>
-            <a:r>
-              <a:rPr sz="2000" spc="-22" dirty="0">
-                <a:solidFill>
-                  <a:srgbClr val="231F20"/>
-                </a:solidFill>
-                <a:latin typeface="Arial"/>
-                <a:cs typeface="Arial"/>
-              </a:rPr>
-              <a:t>i</a:t>
-            </a:r>
-            <a:r>
-              <a:rPr sz="2000" spc="-33" dirty="0">
-                <a:solidFill>
-                  <a:srgbClr val="231F20"/>
-                </a:solidFill>
-                <a:latin typeface="Arial"/>
-                <a:cs typeface="Arial"/>
-              </a:rPr>
-              <a:t>e</a:t>
-            </a:r>
-            <a:r>
-              <a:rPr sz="2000" dirty="0">
-                <a:solidFill>
-                  <a:srgbClr val="231F20"/>
-                </a:solidFill>
-                <a:latin typeface="Arial"/>
-                <a:cs typeface="Arial"/>
-              </a:rPr>
-              <a:t>s</a:t>
-            </a:r>
-            <a:r>
-              <a:rPr sz="2000" spc="11" dirty="0">
-                <a:solidFill>
-                  <a:srgbClr val="231F20"/>
-                </a:solidFill>
-                <a:latin typeface="Arial"/>
-                <a:cs typeface="Arial"/>
-              </a:rPr>
-              <a:t>, </a:t>
-            </a:r>
-            <a:r>
-              <a:rPr sz="2000" spc="-22" dirty="0">
-                <a:solidFill>
-                  <a:srgbClr val="231F20"/>
-                </a:solidFill>
-                <a:latin typeface="Arial"/>
-                <a:cs typeface="Arial"/>
-              </a:rPr>
-              <a:t>e</a:t>
-            </a:r>
-            <a:r>
-              <a:rPr sz="2000" spc="-11" dirty="0">
-                <a:solidFill>
-                  <a:srgbClr val="231F20"/>
-                </a:solidFill>
-                <a:latin typeface="Arial"/>
-                <a:cs typeface="Arial"/>
-              </a:rPr>
-              <a:t>i</a:t>
-            </a:r>
-            <a:r>
-              <a:rPr sz="2000" spc="-22" dirty="0">
-                <a:solidFill>
-                  <a:srgbClr val="231F20"/>
-                </a:solidFill>
-                <a:latin typeface="Arial"/>
-                <a:cs typeface="Arial"/>
-              </a:rPr>
-              <a:t>t</a:t>
-            </a:r>
-            <a:r>
-              <a:rPr sz="2000" spc="-11" dirty="0">
-                <a:solidFill>
-                  <a:srgbClr val="231F20"/>
-                </a:solidFill>
-                <a:latin typeface="Arial"/>
-                <a:cs typeface="Arial"/>
-              </a:rPr>
-              <a:t>h</a:t>
-            </a:r>
-            <a:r>
-              <a:rPr sz="2000" spc="-22" dirty="0">
-                <a:solidFill>
-                  <a:srgbClr val="231F20"/>
-                </a:solidFill>
-                <a:latin typeface="Arial"/>
-                <a:cs typeface="Arial"/>
-              </a:rPr>
-              <a:t>e</a:t>
-            </a:r>
-            <a:r>
-              <a:rPr sz="2000" dirty="0">
-                <a:solidFill>
-                  <a:srgbClr val="231F20"/>
-                </a:solidFill>
-                <a:latin typeface="Arial"/>
-                <a:cs typeface="Arial"/>
-              </a:rPr>
-              <a:t>r </a:t>
-            </a:r>
-            <a:r>
-              <a:rPr sz="2000" spc="-11" dirty="0">
-                <a:solidFill>
-                  <a:srgbClr val="231F20"/>
-                </a:solidFill>
-                <a:latin typeface="Arial"/>
-                <a:cs typeface="Arial"/>
-              </a:rPr>
-              <a:t>wi</a:t>
-            </a:r>
-            <a:r>
-              <a:rPr sz="2000" spc="-22" dirty="0">
-                <a:solidFill>
-                  <a:srgbClr val="231F20"/>
-                </a:solidFill>
-                <a:latin typeface="Arial"/>
-                <a:cs typeface="Arial"/>
-              </a:rPr>
-              <a:t>t</a:t>
-            </a:r>
-            <a:r>
-              <a:rPr sz="2000" spc="11" dirty="0">
-                <a:solidFill>
-                  <a:srgbClr val="231F20"/>
-                </a:solidFill>
-                <a:latin typeface="Arial"/>
-                <a:cs typeface="Arial"/>
-              </a:rPr>
-              <a:t>h </a:t>
-            </a:r>
-            <a:r>
-              <a:rPr sz="2000" spc="-22" dirty="0">
-                <a:solidFill>
-                  <a:srgbClr val="231F20"/>
-                </a:solidFill>
-                <a:latin typeface="Arial"/>
-                <a:cs typeface="Arial"/>
-              </a:rPr>
-              <a:t>t</a:t>
-            </a:r>
-            <a:r>
-              <a:rPr sz="2000" spc="-65" dirty="0">
-                <a:solidFill>
-                  <a:srgbClr val="231F20"/>
-                </a:solidFill>
-                <a:latin typeface="Arial"/>
-                <a:cs typeface="Arial"/>
-              </a:rPr>
-              <a:t>e</a:t>
-            </a:r>
-            <a:r>
-              <a:rPr sz="2000" spc="22" dirty="0">
-                <a:solidFill>
-                  <a:srgbClr val="231F20"/>
-                </a:solidFill>
-                <a:latin typeface="Arial"/>
-                <a:cs typeface="Arial"/>
-              </a:rPr>
-              <a:t>x</a:t>
-            </a:r>
-            <a:r>
-              <a:rPr sz="2000" spc="11" dirty="0">
-                <a:solidFill>
-                  <a:srgbClr val="231F20"/>
-                </a:solidFill>
-                <a:latin typeface="Arial"/>
-                <a:cs typeface="Arial"/>
-              </a:rPr>
-              <a:t>t </a:t>
-            </a:r>
-            <a:r>
-              <a:rPr sz="2000" spc="-11" dirty="0">
-                <a:solidFill>
-                  <a:srgbClr val="231F20"/>
-                </a:solidFill>
-                <a:latin typeface="Arial"/>
-                <a:cs typeface="Arial"/>
-              </a:rPr>
-              <a:t>o</a:t>
-            </a:r>
-            <a:r>
-              <a:rPr sz="2000" dirty="0">
-                <a:solidFill>
-                  <a:srgbClr val="231F20"/>
-                </a:solidFill>
-                <a:latin typeface="Arial"/>
-                <a:cs typeface="Arial"/>
-              </a:rPr>
-              <a:t>r</a:t>
-            </a:r>
-            <a:r>
-              <a:rPr sz="2000" spc="11" dirty="0">
-                <a:solidFill>
-                  <a:srgbClr val="231F20"/>
-                </a:solidFill>
-                <a:latin typeface="Arial"/>
-                <a:cs typeface="Arial"/>
-              </a:rPr>
-              <a:t> </a:t>
-            </a:r>
-            <a:r>
-              <a:rPr sz="2000" spc="-11" dirty="0">
-                <a:solidFill>
-                  <a:srgbClr val="231F20"/>
-                </a:solidFill>
-                <a:latin typeface="Arial"/>
-                <a:cs typeface="Arial"/>
-              </a:rPr>
-              <a:t>wi</a:t>
-            </a:r>
-            <a:r>
-              <a:rPr sz="2000" spc="-22" dirty="0">
-                <a:solidFill>
-                  <a:srgbClr val="231F20"/>
-                </a:solidFill>
-                <a:latin typeface="Arial"/>
-                <a:cs typeface="Arial"/>
-              </a:rPr>
-              <a:t>t</a:t>
-            </a:r>
-            <a:r>
-              <a:rPr sz="2000" spc="11" dirty="0">
-                <a:solidFill>
-                  <a:srgbClr val="231F20"/>
-                </a:solidFill>
-                <a:latin typeface="Arial"/>
-                <a:cs typeface="Arial"/>
-              </a:rPr>
-              <a:t>h </a:t>
-            </a:r>
-            <a:r>
-              <a:rPr sz="2000" spc="-22" dirty="0">
-                <a:solidFill>
-                  <a:srgbClr val="231F20"/>
-                </a:solidFill>
-                <a:latin typeface="Arial"/>
-                <a:cs typeface="Arial"/>
-              </a:rPr>
-              <a:t>t</a:t>
-            </a:r>
-            <a:r>
-              <a:rPr sz="2000" spc="-11" dirty="0">
-                <a:solidFill>
-                  <a:srgbClr val="231F20"/>
-                </a:solidFill>
-                <a:latin typeface="Arial"/>
-                <a:cs typeface="Arial"/>
-              </a:rPr>
-              <a:t>h</a:t>
-            </a:r>
-            <a:r>
-              <a:rPr sz="2000" spc="-22" dirty="0">
-                <a:solidFill>
-                  <a:srgbClr val="231F20"/>
-                </a:solidFill>
-                <a:latin typeface="Arial"/>
-                <a:cs typeface="Arial"/>
-              </a:rPr>
-              <a:t>e</a:t>
-            </a:r>
-            <a:r>
-              <a:rPr sz="2000" spc="-11" dirty="0">
-                <a:solidFill>
-                  <a:srgbClr val="231F20"/>
-                </a:solidFill>
-                <a:latin typeface="Arial"/>
-                <a:cs typeface="Arial"/>
-              </a:rPr>
-              <a:t>i</a:t>
-            </a:r>
-            <a:r>
-              <a:rPr sz="2000" spc="11" dirty="0">
-                <a:solidFill>
-                  <a:srgbClr val="231F20"/>
-                </a:solidFill>
-                <a:latin typeface="Arial"/>
-                <a:cs typeface="Arial"/>
-              </a:rPr>
-              <a:t> </a:t>
-            </a:r>
-            <a:r>
-              <a:rPr sz="2000" spc="-22" dirty="0">
-                <a:solidFill>
-                  <a:srgbClr val="231F20"/>
-                </a:solidFill>
-                <a:latin typeface="Arial"/>
-                <a:cs typeface="Arial"/>
-              </a:rPr>
-              <a:t>l</a:t>
-            </a:r>
-            <a:r>
-              <a:rPr sz="2000" dirty="0">
-                <a:solidFill>
-                  <a:srgbClr val="231F20"/>
-                </a:solidFill>
-                <a:latin typeface="Arial"/>
-                <a:cs typeface="Arial"/>
-              </a:rPr>
-              <a:t>og</a:t>
-            </a:r>
-            <a:r>
-              <a:rPr sz="2000" spc="-11" dirty="0">
-                <a:solidFill>
-                  <a:srgbClr val="231F20"/>
-                </a:solidFill>
-                <a:latin typeface="Arial"/>
-                <a:cs typeface="Arial"/>
-              </a:rPr>
-              <a:t>o</a:t>
-            </a:r>
-            <a:r>
-              <a:rPr sz="2000" dirty="0">
-                <a:solidFill>
-                  <a:srgbClr val="231F20"/>
-                </a:solidFill>
-                <a:latin typeface="Arial"/>
-                <a:cs typeface="Arial"/>
-              </a:rPr>
-              <a:t>s</a:t>
-            </a:r>
-            <a:r>
-              <a:rPr sz="2000" spc="11" dirty="0">
-                <a:solidFill>
-                  <a:srgbClr val="231F20"/>
-                </a:solidFill>
-                <a:latin typeface="Arial"/>
-                <a:cs typeface="Arial"/>
-              </a:rPr>
-              <a:t>.</a:t>
-            </a:r>
-            <a:endParaRPr sz="2000" dirty="0">
+              </a:solidFill>
               <a:latin typeface="Arial"/>
               <a:cs typeface="Arial"/>
             </a:endParaRPr>
@@ -3749,8 +3405,8 @@
         </p:nvSpPr>
         <p:spPr>
           <a:xfrm>
-            <a:off x="1572332" y="17613583"/>
-            <a:ext cx="8714667" cy="830997"/>
+            <a:off x="1567335" y="15928292"/>
+            <a:ext cx="9626695" cy="984885"/>
           </a:xfrm>
           <a:prstGeom prst="rect">
             <a:avLst/>
@@ -3762,38 +3418,28 @@
           </a:bodyPr>
           <a:lstStyle/>
           <a:p>
-            <a:pPr marL="27719"/>
-            <a:r>
-              <a:rPr lang="en-US" sz="2700" b="1" spc="33" dirty="0">
+            <a:pPr marL="27719" algn="just"/>
+            <a:r>
+              <a:rPr lang="en-US" sz="3200" b="1" spc="33" dirty="0">
                 <a:solidFill>
                   <a:srgbClr val="CD1445"/>
                 </a:solidFill>
                 <a:latin typeface="Arial"/>
                 <a:cs typeface="Arial"/>
               </a:rPr>
-              <a:t>Figure 1. Imaging Fluorescent Centrosomes in the First Division of </a:t>
-            </a:r>
-            <a:r>
-              <a:rPr lang="en-US" sz="2700" b="1" i="1" spc="33" dirty="0">
+              <a:t>Figure 1. Imaging Fluorescent Centrosomes Leading up to the First Division of </a:t>
+            </a:r>
+            <a:r>
+              <a:rPr lang="en-US" sz="3200" b="1" i="1" spc="33" dirty="0">
                 <a:solidFill>
                   <a:srgbClr val="CD1445"/>
                 </a:solidFill>
                 <a:latin typeface="Arial"/>
                 <a:cs typeface="Arial"/>
               </a:rPr>
-              <a:t>C. elegans </a:t>
-            </a:r>
-            <a:r>
-              <a:rPr lang="en-US" sz="2700" b="1" spc="33" dirty="0">
-                <a:solidFill>
-                  <a:srgbClr val="CD1445"/>
-                </a:solidFill>
-                <a:latin typeface="Arial"/>
-                <a:cs typeface="Arial"/>
-              </a:rPr>
-              <a:t>Development</a:t>
-            </a:r>
-            <a:endParaRPr sz="2700" dirty="0">
+              <a:t>C. elegans</a:t>
+            </a:r>
+            <a:endParaRPr sz="3200" dirty="0">
               <a:latin typeface="Arial"/>
               <a:cs typeface="Arial"/>
             </a:endParaRPr>
@@ -3808,8 +3454,8 @@
         </p:nvSpPr>
         <p:spPr>
           <a:xfrm>
-            <a:off x="12130387" y="6916508"/>
-            <a:ext cx="9344998" cy="830997"/>
+            <a:off x="11811000" y="6704954"/>
+            <a:ext cx="9773440" cy="984885"/>
           </a:xfrm>
           <a:prstGeom prst="rect">
             <a:avLst/>
@@ -3821,18 +3467,18 @@
           </a:bodyPr>
           <a:lstStyle/>
           <a:p>
-            <a:pPr marL="27719"/>
-            <a:r>
-              <a:rPr lang="en-US" sz="2700" b="1" spc="33" dirty="0">
+            <a:pPr marL="27719" algn="just"/>
+            <a:r>
+              <a:rPr lang="en-US" sz="3200" b="1" spc="33" dirty="0">
                 <a:solidFill>
                   <a:srgbClr val="CD1445"/>
                 </a:solidFill>
                 <a:latin typeface="Arial"/>
                 <a:cs typeface="Arial"/>
               </a:rPr>
-              <a:t>Figure 2. Asymmetric Centrosome Recruitment and Recovery Revealed by a Precise Quantification</a:t>
-            </a:r>
-            <a:endParaRPr lang="en-US" sz="2700" dirty="0">
+              <a:t>Figure 2. Asymmetric Centrosome Recruitment and Recovery Revealed by Precise Quantification</a:t>
+            </a:r>
+            <a:endParaRPr lang="en-US" sz="3200" dirty="0">
               <a:latin typeface="Arial"/>
               <a:cs typeface="Arial"/>
             </a:endParaRPr>
@@ -3867,7 +3513,7 @@
         </p:blipFill>
         <p:spPr>
           <a:xfrm>
-            <a:off x="1567336" y="30556200"/>
+            <a:off x="1379123" y="30457945"/>
             <a:ext cx="7492178" cy="1085335"/>
           </a:xfrm>
           <a:prstGeom prst="rect">
@@ -3889,8 +3535,8 @@
         </p:nvSpPr>
         <p:spPr>
           <a:xfrm>
-            <a:off x="22636351" y="12364861"/>
-            <a:ext cx="9019615" cy="2515240"/>
+            <a:off x="22533225" y="12204368"/>
+            <a:ext cx="9662486" cy="2515240"/>
           </a:xfrm>
           <a:prstGeom prst="rect">
             <a:avLst/>
@@ -3902,7 +3548,7 @@
           </a:bodyPr>
           <a:lstStyle/>
           <a:p>
-            <a:pPr marL="27719" marR="13860">
+            <a:pPr marL="27719" marR="13860" algn="just">
               <a:lnSpc>
                 <a:spcPct val="103099"/>
               </a:lnSpc>
@@ -3912,7 +3558,7 @@
                 <a:latin typeface="Arial"/>
                 <a:cs typeface="Arial"/>
               </a:rPr>
-              <a:t>3 compartment mathematical model of a maturation factor that can localize to the simulated cytoplasm (C</a:t>
+              <a:t>Figure 3. 3-compartment mathematical model of a maturation factor that can localize to the simulated cytoplasm (C</a:t>
             </a:r>
             <a:r>
               <a:rPr lang="en-US" sz="2000" spc="22" baseline="-25000" dirty="0">
@@ -3977,7 +3623,7 @@
         </p:nvSpPr>
         <p:spPr>
           <a:xfrm>
-            <a:off x="33113470" y="13975771"/>
+            <a:off x="32992659" y="14514939"/>
             <a:ext cx="9435679" cy="2515240"/>
           </a:xfrm>
           <a:prstGeom prst="rect">
@@ -3990,7 +3636,7 @@
           </a:bodyPr>
           <a:lstStyle/>
           <a:p>
-            <a:pPr marL="27719" marR="13860">
+            <a:pPr marL="27719" marR="13860" algn="just">
               <a:lnSpc>
                 <a:spcPct val="103099"/>
               </a:lnSpc>
@@ -4000,7 +3646,7 @@
                 <a:latin typeface="Arial"/>
                 <a:cs typeface="Arial"/>
               </a:rPr>
-              <a:t>The centrosome compartment parameters represent the overall structural composition of the centrosomes. To visualize the possibilities revealed by our parameter search we plotted all parameter sets on 3D plot with axis for cooperativity, carrying capacity, and the ratio of the on rate to the off rate. We saw that the parameters were confined to a well-defined region of this parameter space. This region is defined by two arms reaching out to high levels of carrying capacity and also to high cooperativity and on rate to off rate ratio. There is a region connecting these two arms where all 3 parameter values are relatively low.</a:t>
+              <a:t>Figure 5. The centrosome compartment parameters represent the overall structural composition of the centrosomes. To visualize the possibilities revealed by our parameter search we plotted all parameter sets on 3D plot with axis for cooperativity, carrying capacity, and the ratio of the on rate to the off rate. We saw that the parameters were confined to a well-defined region of this parameter space. This region is defined by two arms, one with high levels of carrying capacity and one with high cooperativity and on rate to off rate ratio. There is a region connecting these two arms where all 3 parameter values are relatively low.</a:t>
             </a:r>
             <a:endParaRPr lang="en-US" sz="2000" dirty="0">
               <a:latin typeface="Arial"/>
@@ -4260,12 +3906,77 @@
           </a:extLst>
         </p:spPr>
       </p:pic>
+      <p:sp>
+        <p:nvSpPr>
+          <p:cNvPr id="35" name="object 15">
+            <a:extLst>
+              <a:ext uri="{FF2B5EF4-FFF2-40B4-BE49-F238E27FC236}">
+                <a16:creationId xmlns:a16="http://schemas.microsoft.com/office/drawing/2014/main" id="{4A65351C-B380-6068-A0C3-50FB906168BA}"/>
+              </a:ext>
+            </a:extLst>
+          </p:cNvPr>
+          <p:cNvSpPr txBox="1"/>
+          <p:nvPr/>
+        </p:nvSpPr>
+        <p:spPr>
+          <a:xfrm>
+            <a:off x="22533224" y="15506126"/>
+            <a:ext cx="9662485" cy="984885"/>
+          </a:xfrm>
+          <a:prstGeom prst="rect">
+            <a:avLst/>
+          </a:prstGeom>
+        </p:spPr>
+        <p:txBody>
+          <a:bodyPr vert="horz" wrap="square" lIns="0" tIns="0" rIns="0" bIns="0" rtlCol="0">
+            <a:spAutoFit/>
+          </a:bodyPr>
+          <a:lstStyle/>
+          <a:p>
+            <a:pPr marL="27719" algn="just"/>
+            <a:r>
+              <a:rPr lang="en-US" sz="3200" b="1" spc="33" dirty="0">
+                <a:solidFill>
+                  <a:srgbClr val="CD1445"/>
+                </a:solidFill>
+                <a:latin typeface="Arial"/>
+                <a:cs typeface="Arial"/>
+              </a:rPr>
+              <a:t>Figure 4. Parameter Sets that Recapitulate </a:t>
+            </a:r>
+            <a:r>
+              <a:rPr lang="en-US" sz="3200" b="1" i="1" spc="33" dirty="0">
+                <a:solidFill>
+                  <a:srgbClr val="CD1445"/>
+                </a:solidFill>
+                <a:latin typeface="Arial"/>
+                <a:cs typeface="Arial"/>
+              </a:rPr>
+              <a:t>in vivo</a:t>
+            </a:r>
+            <a:r>
+              <a:rPr lang="en-US" sz="3200" b="1" spc="33" dirty="0">
+                <a:solidFill>
+                  <a:srgbClr val="CD1445"/>
+                </a:solidFill>
+                <a:latin typeface="Arial"/>
+                <a:cs typeface="Arial"/>
+              </a:rPr>
+              <a:t> Recruitment &amp; Recovery Data</a:t>
+            </a:r>
+            <a:endParaRPr lang="en-US" sz="3200" dirty="0">
+              <a:latin typeface="Arial"/>
+              <a:cs typeface="Arial"/>
+            </a:endParaRPr>
+          </a:p>
+        </p:txBody>
+      </p:sp>
       <p:pic>
         <p:nvPicPr>
-          <p:cNvPr id="14" name="Picture 13" descr="A black background with a black square&#10;&#10;Description automatically generated with medium confidence">
+          <p:cNvPr id="5" name="Picture 4" descr="A screenshot of a computer&#10;&#10;Description automatically generated">
             <a:extLst>
               <a:ext uri="{FF2B5EF4-FFF2-40B4-BE49-F238E27FC236}">
-                <a16:creationId xmlns:a16="http://schemas.microsoft.com/office/drawing/2014/main" id="{BFDEF3A7-0616-6EB8-8A25-0EB6AD0E5D5F}"/>
+                <a16:creationId xmlns:a16="http://schemas.microsoft.com/office/drawing/2014/main" id="{813C1916-0B23-6AB2-7F14-ADCC28DC5C6C}"/>
               </a:ext>
             </a:extLst>
           </p:cNvPr>
@@ -4274,7 +3985,7 @@
           </p:cNvPicPr>
           <p:nvPr/>
         </p:nvPicPr>
-        <p:blipFill>
+        <p:blipFill rotWithShape="1">
           <a:blip r:embed="rId4">
             <a:extLst>
               <a:ext uri="{28A0092B-C50C-407E-A947-70E740481C1C}">
@@ -4282,26 +3993,144 @@
               </a:ext>
             </a:extLst>
           </a:blip>
-          <a:stretch>
-            <a:fillRect/>
-          </a:stretch>
+          <a:srcRect t="4042"/>
+          <a:stretch/>
         </p:blipFill>
         <p:spPr>
           <a:xfrm>
-            <a:off x="22603370" y="7392773"/>
-            <a:ext cx="9297776" cy="4562903"/>
+            <a:off x="34050675" y="7355663"/>
+            <a:ext cx="7118766" cy="6691435"/>
           </a:xfrm>
           <a:prstGeom prst="rect">
             <a:avLst/>
           </a:prstGeom>
         </p:spPr>
       </p:pic>
+      <p:sp>
+        <p:nvSpPr>
+          <p:cNvPr id="37" name="object 25">
+            <a:extLst>
+              <a:ext uri="{FF2B5EF4-FFF2-40B4-BE49-F238E27FC236}">
+                <a16:creationId xmlns:a16="http://schemas.microsoft.com/office/drawing/2014/main" id="{19A13F4F-3D92-39A8-4C16-46EB770A2346}"/>
+              </a:ext>
+            </a:extLst>
+          </p:cNvPr>
+          <p:cNvSpPr txBox="1"/>
+          <p:nvPr/>
+        </p:nvSpPr>
+        <p:spPr>
+          <a:xfrm>
+            <a:off x="22533225" y="22260200"/>
+            <a:ext cx="9662484" cy="1231106"/>
+          </a:xfrm>
+          <a:prstGeom prst="rect">
+            <a:avLst/>
+          </a:prstGeom>
+        </p:spPr>
+        <p:txBody>
+          <a:bodyPr vert="horz" wrap="square" lIns="0" tIns="0" rIns="0" bIns="0" rtlCol="0">
+            <a:spAutoFit/>
+          </a:bodyPr>
+          <a:lstStyle/>
+          <a:p>
+            <a:pPr algn="just">
+              <a:spcBef>
+                <a:spcPts val="889"/>
+              </a:spcBef>
+            </a:pPr>
+            <a:r>
+              <a:rPr lang="en-US" sz="2000" spc="22" dirty="0">
+                <a:latin typeface="Arial"/>
+                <a:cs typeface="Arial"/>
+              </a:rPr>
+              <a:t>Figure 4. </a:t>
+            </a:r>
+            <a:r>
+              <a:rPr lang="en-US" sz="2000" dirty="0">
+                <a:latin typeface="Arial" panose="020B0604020202020204" pitchFamily="34" charset="0"/>
+                <a:cs typeface="Arial" panose="020B0604020202020204" pitchFamily="34" charset="0"/>
+              </a:rPr>
+              <a:t>Using a parameter search based on our MCMC method</a:t>
+            </a:r>
+            <a:r>
+              <a:rPr lang="en-US" sz="2000" baseline="30000" dirty="0">
+                <a:latin typeface="Arial" panose="020B0604020202020204" pitchFamily="34" charset="0"/>
+                <a:cs typeface="Arial" panose="020B0604020202020204" pitchFamily="34" charset="0"/>
+              </a:rPr>
+              <a:t>8</a:t>
+            </a:r>
+            <a:r>
+              <a:rPr lang="en-US" sz="2000" dirty="0">
+                <a:latin typeface="Arial" panose="020B0604020202020204" pitchFamily="34" charset="0"/>
+                <a:cs typeface="Arial" panose="020B0604020202020204" pitchFamily="34" charset="0"/>
+              </a:rPr>
+              <a:t> we were found 112 parameter sets that fit the model’s maturation factor to the observed AIR-1::GFP data. These parameter sets all independently fit to the 6 data curves with a low error as calculated by the sum of absolute differences.</a:t>
+            </a:r>
+          </a:p>
+        </p:txBody>
+      </p:sp>
+      <p:sp>
+        <p:nvSpPr>
+          <p:cNvPr id="41" name="object 25">
+            <a:extLst>
+              <a:ext uri="{FF2B5EF4-FFF2-40B4-BE49-F238E27FC236}">
+                <a16:creationId xmlns:a16="http://schemas.microsoft.com/office/drawing/2014/main" id="{DCB1E5B5-3BC2-B500-B357-3C1E151F09E0}"/>
+              </a:ext>
+            </a:extLst>
+          </p:cNvPr>
+          <p:cNvSpPr txBox="1"/>
+          <p:nvPr/>
+        </p:nvSpPr>
+        <p:spPr>
+          <a:xfrm>
+            <a:off x="22533225" y="24080984"/>
+            <a:ext cx="9662486" cy="3854901"/>
+          </a:xfrm>
+          <a:prstGeom prst="rect">
+            <a:avLst/>
+          </a:prstGeom>
+        </p:spPr>
+        <p:txBody>
+          <a:bodyPr vert="horz" wrap="square" lIns="0" tIns="0" rIns="0" bIns="0" rtlCol="0">
+            <a:spAutoFit/>
+          </a:bodyPr>
+          <a:lstStyle/>
+          <a:p>
+            <a:pPr marL="27719" algn="just"/>
+            <a:r>
+              <a:rPr lang="en-US" sz="2700" b="1" spc="-33" dirty="0">
+                <a:latin typeface="Arial" panose="020B0604020202020204" pitchFamily="34" charset="0"/>
+                <a:cs typeface="Arial" panose="020B0604020202020204" pitchFamily="34" charset="0"/>
+              </a:rPr>
+              <a:t>Parameter Space of the Model Reveals Structural Features of the Centrosomes</a:t>
+            </a:r>
+            <a:endParaRPr lang="en-US" sz="2700" dirty="0">
+              <a:latin typeface="Arial" panose="020B0604020202020204" pitchFamily="34" charset="0"/>
+              <a:cs typeface="Arial" panose="020B0604020202020204" pitchFamily="34" charset="0"/>
+            </a:endParaRPr>
+          </a:p>
+          <a:p>
+            <a:pPr algn="just">
+              <a:spcBef>
+                <a:spcPts val="889"/>
+              </a:spcBef>
+            </a:pPr>
+            <a:r>
+              <a:rPr lang="en-US" sz="2700" dirty="0">
+                <a:latin typeface="Arial" panose="020B0604020202020204" pitchFamily="34" charset="0"/>
+                <a:cs typeface="Arial" panose="020B0604020202020204" pitchFamily="34" charset="0"/>
+              </a:rPr>
+              <a:t>There are three features that define the structural dynamics of the centrosome compartments in the model. The cooperativity, carrying capacity, and the ratio of the on rate to the off rate. Plotting all 112 parameter sets on a 3D plot with these features as the axis and differentiating the leading from the lagging centrosome revealed a high level of restriction to the location of possible parameters (Fig. 5).</a:t>
+            </a:r>
+          </a:p>
+        </p:txBody>
+      </p:sp>
       <p:pic>
         <p:nvPicPr>
-          <p:cNvPr id="30" name="Picture 29" descr="A graph of different colored lines">
+          <p:cNvPr id="8" name="Picture 7" descr="A screenshot of a computer&#10;&#10;Description automatically generated">
             <a:extLst>
               <a:ext uri="{FF2B5EF4-FFF2-40B4-BE49-F238E27FC236}">
-                <a16:creationId xmlns:a16="http://schemas.microsoft.com/office/drawing/2014/main" id="{C867C69C-52D7-687D-4FBE-39373EE624B7}"/>
+                <a16:creationId xmlns:a16="http://schemas.microsoft.com/office/drawing/2014/main" id="{55A8A7AB-5906-9902-6C94-941CC4E21CF8}"/>
               </a:ext>
             </a:extLst>
           </p:cNvPr>
@@ -4324,90 +4153,25 @@
         </p:blipFill>
         <p:spPr>
           <a:xfrm>
-            <a:off x="23128902" y="17387703"/>
-            <a:ext cx="8127909" cy="5913419"/>
+            <a:off x="1350339" y="17477594"/>
+            <a:ext cx="9813062" cy="8081344"/>
           </a:xfrm>
           <a:prstGeom prst="rect">
             <a:avLst/>
           </a:prstGeom>
         </p:spPr>
       </p:pic>
-      <p:sp>
-        <p:nvSpPr>
-          <p:cNvPr id="35" name="object 15">
+      <p:pic>
+        <p:nvPicPr>
+          <p:cNvPr id="1028" name="Picture 4">
             <a:extLst>
               <a:ext uri="{FF2B5EF4-FFF2-40B4-BE49-F238E27FC236}">
-                <a16:creationId xmlns:a16="http://schemas.microsoft.com/office/drawing/2014/main" id="{4A65351C-B380-6068-A0C3-50FB906168BA}"/>
-              </a:ext>
-            </a:extLst>
-          </p:cNvPr>
-          <p:cNvSpPr txBox="1"/>
-          <p:nvPr/>
-        </p:nvSpPr>
-        <p:spPr>
-          <a:xfrm>
-            <a:off x="22603370" y="16258201"/>
-            <a:ext cx="7555684" cy="830997"/>
-          </a:xfrm>
-          <a:prstGeom prst="rect">
-            <a:avLst/>
-          </a:prstGeom>
-        </p:spPr>
-        <p:txBody>
-          <a:bodyPr vert="horz" wrap="square" lIns="0" tIns="0" rIns="0" bIns="0" rtlCol="0">
-            <a:spAutoFit/>
-          </a:bodyPr>
-          <a:lstStyle/>
-          <a:p>
-            <a:pPr marL="27719"/>
-            <a:r>
-              <a:rPr lang="en-US" sz="2700" b="1" spc="33" dirty="0">
-                <a:solidFill>
-                  <a:srgbClr val="CD1445"/>
-                </a:solidFill>
-                <a:latin typeface="Arial"/>
-                <a:cs typeface="Arial"/>
-              </a:rPr>
-              <a:t>Figure 4. Parameter Sets that Recapitulate </a:t>
-            </a:r>
-            <a:r>
-              <a:rPr lang="en-US" sz="2700" b="1" i="1" spc="33" dirty="0">
-                <a:solidFill>
-                  <a:srgbClr val="CD1445"/>
-                </a:solidFill>
-                <a:latin typeface="Arial"/>
-                <a:cs typeface="Arial"/>
-              </a:rPr>
-              <a:t>in vivo</a:t>
-            </a:r>
-            <a:r>
-              <a:rPr lang="en-US" sz="2700" b="1" spc="33" dirty="0">
-                <a:solidFill>
-                  <a:srgbClr val="CD1445"/>
-                </a:solidFill>
-                <a:latin typeface="Arial"/>
-                <a:cs typeface="Arial"/>
-              </a:rPr>
-              <a:t> Recruitment &amp; Recovery Data</a:t>
-            </a:r>
-            <a:endParaRPr lang="en-US" sz="2700" dirty="0">
-              <a:latin typeface="Arial"/>
-              <a:cs typeface="Arial"/>
-            </a:endParaRPr>
-          </a:p>
-        </p:txBody>
-      </p:sp>
-      <p:pic>
-        <p:nvPicPr>
-          <p:cNvPr id="5" name="Picture 4" descr="A screenshot of a computer&#10;&#10;Description automatically generated">
-            <a:extLst>
-              <a:ext uri="{FF2B5EF4-FFF2-40B4-BE49-F238E27FC236}">
-                <a16:creationId xmlns:a16="http://schemas.microsoft.com/office/drawing/2014/main" id="{813C1916-0B23-6AB2-7F14-ADCC28DC5C6C}"/>
+                <a16:creationId xmlns:a16="http://schemas.microsoft.com/office/drawing/2014/main" id="{33592E89-73E9-EE66-662F-D7E00C2CEE1D}"/>
               </a:ext>
             </a:extLst>
           </p:cNvPr>
           <p:cNvPicPr>
-            <a:picLocks noChangeAspect="1"/>
+            <a:picLocks noChangeAspect="1" noChangeArrowheads="1"/>
           </p:cNvPicPr>
           <p:nvPr/>
         </p:nvPicPr>
@@ -4419,25 +4183,80 @@
               </a:ext>
             </a:extLst>
           </a:blip>
-          <a:srcRect t="4042"/>
+          <a:srcRect l="74011" b="47510"/>
           <a:stretch/>
         </p:blipFill>
-        <p:spPr>
-          <a:xfrm>
-            <a:off x="34261365" y="7462740"/>
-            <a:ext cx="6711709" cy="6308813"/>
+        <p:spPr bwMode="auto">
+          <a:xfrm>
+            <a:off x="27734705" y="29453019"/>
+            <a:ext cx="2037286" cy="2009851"/>
           </a:xfrm>
           <a:prstGeom prst="rect">
             <a:avLst/>
           </a:prstGeom>
+          <a:noFill/>
+          <a:extLst>
+            <a:ext uri="{909E8E84-426E-40DD-AFC4-6F175D3DCCD1}">
+              <a14:hiddenFill xmlns:a14="http://schemas.microsoft.com/office/drawing/2010/main">
+                <a:solidFill>
+                  <a:srgbClr val="FFFFFF"/>
+                </a:solidFill>
+              </a14:hiddenFill>
+            </a:ext>
+          </a:extLst>
         </p:spPr>
       </p:pic>
       <p:pic>
         <p:nvPicPr>
-          <p:cNvPr id="46" name="Picture 45" descr="A group of colorful lines&#10;&#10;Description automatically generated">
+          <p:cNvPr id="1029" name="Picture 5">
             <a:extLst>
               <a:ext uri="{FF2B5EF4-FFF2-40B4-BE49-F238E27FC236}">
-                <a16:creationId xmlns:a16="http://schemas.microsoft.com/office/drawing/2014/main" id="{99202188-9FA6-D22B-6845-B587979F90A4}"/>
+                <a16:creationId xmlns:a16="http://schemas.microsoft.com/office/drawing/2014/main" id="{039CF836-805B-BAF4-D4E2-42D0DC75E955}"/>
+              </a:ext>
+            </a:extLst>
+          </p:cNvPr>
+          <p:cNvPicPr>
+            <a:picLocks noChangeAspect="1" noChangeArrowheads="1"/>
+          </p:cNvPicPr>
+          <p:nvPr/>
+        </p:nvPicPr>
+        <p:blipFill rotWithShape="1">
+          <a:blip r:embed="rId6">
+            <a:extLst>
+              <a:ext uri="{28A0092B-C50C-407E-A947-70E740481C1C}">
+                <a14:useLocalDpi xmlns:a14="http://schemas.microsoft.com/office/drawing/2010/main" val="0"/>
+              </a:ext>
+            </a:extLst>
+          </a:blip>
+          <a:srcRect l="70771" t="56947"/>
+          <a:stretch/>
+        </p:blipFill>
+        <p:spPr bwMode="auto">
+          <a:xfrm>
+            <a:off x="29883438" y="29652099"/>
+            <a:ext cx="2291286" cy="1648509"/>
+          </a:xfrm>
+          <a:prstGeom prst="rect">
+            <a:avLst/>
+          </a:prstGeom>
+          <a:noFill/>
+          <a:extLst>
+            <a:ext uri="{909E8E84-426E-40DD-AFC4-6F175D3DCCD1}">
+              <a14:hiddenFill xmlns:a14="http://schemas.microsoft.com/office/drawing/2010/main">
+                <a:solidFill>
+                  <a:srgbClr val="FFFFFF"/>
+                </a:solidFill>
+              </a14:hiddenFill>
+            </a:ext>
+          </a:extLst>
+        </p:spPr>
+      </p:pic>
+      <p:pic>
+        <p:nvPicPr>
+          <p:cNvPr id="7" name="Picture 6" descr="A group of colorful lines&#10;&#10;Description automatically generated">
+            <a:extLst>
+              <a:ext uri="{FF2B5EF4-FFF2-40B4-BE49-F238E27FC236}">
+                <a16:creationId xmlns:a16="http://schemas.microsoft.com/office/drawing/2014/main" id="{DA89EED9-A83F-572E-FA1D-3224831BD920}"/>
               </a:ext>
             </a:extLst>
           </p:cNvPr>
@@ -4460,135 +4279,20 @@
         </p:blipFill>
         <p:spPr>
           <a:xfrm>
-            <a:off x="12856753" y="8101537"/>
-            <a:ext cx="7046990" cy="7644400"/>
+            <a:off x="12592589" y="8106038"/>
+            <a:ext cx="8210262" cy="8948902"/>
           </a:xfrm>
           <a:prstGeom prst="rect">
             <a:avLst/>
           </a:prstGeom>
         </p:spPr>
       </p:pic>
-      <p:sp>
-        <p:nvSpPr>
-          <p:cNvPr id="37" name="object 25">
+      <p:pic>
+        <p:nvPicPr>
+          <p:cNvPr id="10" name="Picture 9" descr="A graph of different colored lines&#10;&#10;Description automatically generated">
             <a:extLst>
               <a:ext uri="{FF2B5EF4-FFF2-40B4-BE49-F238E27FC236}">
-                <a16:creationId xmlns:a16="http://schemas.microsoft.com/office/drawing/2014/main" id="{19A13F4F-3D92-39A8-4C16-46EB770A2346}"/>
-              </a:ext>
-            </a:extLst>
-          </p:cNvPr>
-          <p:cNvSpPr txBox="1"/>
-          <p:nvPr/>
-        </p:nvSpPr>
-        <p:spPr>
-          <a:xfrm>
-            <a:off x="22636352" y="23484833"/>
-            <a:ext cx="9264794" cy="1231106"/>
-          </a:xfrm>
-          <a:prstGeom prst="rect">
-            <a:avLst/>
-          </a:prstGeom>
-        </p:spPr>
-        <p:txBody>
-          <a:bodyPr vert="horz" wrap="square" lIns="0" tIns="0" rIns="0" bIns="0" rtlCol="0">
-            <a:spAutoFit/>
-          </a:bodyPr>
-          <a:lstStyle/>
-          <a:p>
-            <a:pPr>
-              <a:spcBef>
-                <a:spcPts val="889"/>
-              </a:spcBef>
-            </a:pPr>
-            <a:r>
-              <a:rPr lang="en-US" sz="2000" dirty="0">
-                <a:latin typeface="Arial" panose="020B0604020202020204" pitchFamily="34" charset="0"/>
-                <a:cs typeface="Arial" panose="020B0604020202020204" pitchFamily="34" charset="0"/>
-              </a:rPr>
-              <a:t>Using a parameter search based on our MCMC </a:t>
-            </a:r>
-            <a:r>
-              <a:rPr lang="en-US" sz="2000" dirty="0">
-                <a:solidFill>
-                  <a:srgbClr val="FF0000"/>
-                </a:solidFill>
-                <a:latin typeface="Arial" panose="020B0604020202020204" pitchFamily="34" charset="0"/>
-                <a:cs typeface="Arial" panose="020B0604020202020204" pitchFamily="34" charset="0"/>
-              </a:rPr>
-              <a:t>method</a:t>
-            </a:r>
-            <a:r>
-              <a:rPr lang="en-US" sz="2000" dirty="0">
-                <a:latin typeface="Arial" panose="020B0604020202020204" pitchFamily="34" charset="0"/>
-                <a:cs typeface="Arial" panose="020B0604020202020204" pitchFamily="34" charset="0"/>
-              </a:rPr>
-              <a:t> we were found 112 parameter sets that fit the model’s maturation factor to the observed AIR-1::GFP data. These parameter sets all independently fit to the 6 data curves with a low error as calculated by the sum of absolute differences.</a:t>
-            </a:r>
-          </a:p>
-        </p:txBody>
-      </p:sp>
-      <p:sp>
-        <p:nvSpPr>
-          <p:cNvPr id="41" name="object 25">
-            <a:extLst>
-              <a:ext uri="{FF2B5EF4-FFF2-40B4-BE49-F238E27FC236}">
-                <a16:creationId xmlns:a16="http://schemas.microsoft.com/office/drawing/2014/main" id="{DCB1E5B5-3BC2-B500-B357-3C1E151F09E0}"/>
-              </a:ext>
-            </a:extLst>
-          </p:cNvPr>
-          <p:cNvSpPr txBox="1"/>
-          <p:nvPr/>
-        </p:nvSpPr>
-        <p:spPr>
-          <a:xfrm>
-            <a:off x="22610977" y="25605541"/>
-            <a:ext cx="9662486" cy="3854901"/>
-          </a:xfrm>
-          <a:prstGeom prst="rect">
-            <a:avLst/>
-          </a:prstGeom>
-        </p:spPr>
-        <p:txBody>
-          <a:bodyPr vert="horz" wrap="square" lIns="0" tIns="0" rIns="0" bIns="0" rtlCol="0">
-            <a:spAutoFit/>
-          </a:bodyPr>
-          <a:lstStyle/>
-          <a:p>
-            <a:pPr marL="27719"/>
-            <a:r>
-              <a:rPr lang="en-US" sz="2700" b="1" spc="-33" dirty="0">
-                <a:latin typeface="Arial" panose="020B0604020202020204" pitchFamily="34" charset="0"/>
-                <a:cs typeface="Arial" panose="020B0604020202020204" pitchFamily="34" charset="0"/>
-              </a:rPr>
-              <a:t>Parameter Space of the Model Reveals Structural Features of the Centrosomes</a:t>
-            </a:r>
-            <a:endParaRPr lang="en-US" sz="2700" dirty="0">
-              <a:latin typeface="Arial" panose="020B0604020202020204" pitchFamily="34" charset="0"/>
-              <a:cs typeface="Arial" panose="020B0604020202020204" pitchFamily="34" charset="0"/>
-            </a:endParaRPr>
-          </a:p>
-          <a:p>
-            <a:pPr>
-              <a:spcBef>
-                <a:spcPts val="889"/>
-              </a:spcBef>
-            </a:pPr>
-            <a:r>
-              <a:rPr lang="en-US" sz="2700" dirty="0">
-                <a:latin typeface="Arial" panose="020B0604020202020204" pitchFamily="34" charset="0"/>
-                <a:cs typeface="Arial" panose="020B0604020202020204" pitchFamily="34" charset="0"/>
-              </a:rPr>
-              <a:t>There are three features that define the structural dynamics of the centrosome compartments in the model. The cooperativity, carrying capacity, and the ratio of the on rate to the off rate. Plotting all 112 parameter sets on a 3D plot with these features as the axis and differentiating the leading from the lagging centrosome revealed a high level of restriction to the location of possible parameters (Fig. 5).</a:t>
-            </a:r>
-          </a:p>
-        </p:txBody>
-      </p:sp>
-      <p:pic>
-        <p:nvPicPr>
-          <p:cNvPr id="8" name="Picture 7" descr="A screenshot of a computer&#10;&#10;Description automatically generated">
-            <a:extLst>
-              <a:ext uri="{FF2B5EF4-FFF2-40B4-BE49-F238E27FC236}">
-                <a16:creationId xmlns:a16="http://schemas.microsoft.com/office/drawing/2014/main" id="{55A8A7AB-5906-9902-6C94-941CC4E21CF8}"/>
+                <a16:creationId xmlns:a16="http://schemas.microsoft.com/office/drawing/2014/main" id="{B09ADED6-2FF1-936B-6E53-CC1A719F0658}"/>
               </a:ext>
             </a:extLst>
           </p:cNvPr>
@@ -4611,14 +4315,241 @@
         </p:blipFill>
         <p:spPr>
           <a:xfrm>
-            <a:off x="1567336" y="18735192"/>
-            <a:ext cx="8860554" cy="7296926"/>
+            <a:off x="23787587" y="16637852"/>
+            <a:ext cx="7153758" cy="5204680"/>
           </a:xfrm>
           <a:prstGeom prst="rect">
             <a:avLst/>
           </a:prstGeom>
         </p:spPr>
       </p:pic>
+      <p:pic>
+        <p:nvPicPr>
+          <p:cNvPr id="20" name="Picture 19" descr="A black background with a black square&#10;&#10;Description automatically generated with medium confidence">
+            <a:extLst>
+              <a:ext uri="{FF2B5EF4-FFF2-40B4-BE49-F238E27FC236}">
+                <a16:creationId xmlns:a16="http://schemas.microsoft.com/office/drawing/2014/main" id="{98E4C8B3-9BEE-3C0B-B7A8-68812B640FD7}"/>
+              </a:ext>
+            </a:extLst>
+          </p:cNvPr>
+          <p:cNvPicPr>
+            <a:picLocks noChangeAspect="1"/>
+          </p:cNvPicPr>
+          <p:nvPr/>
+        </p:nvPicPr>
+        <p:blipFill>
+          <a:blip r:embed="rId9">
+            <a:extLst>
+              <a:ext uri="{28A0092B-C50C-407E-A947-70E740481C1C}">
+                <a14:useLocalDpi xmlns:a14="http://schemas.microsoft.com/office/drawing/2010/main" val="0"/>
+              </a:ext>
+            </a:extLst>
+          </a:blip>
+          <a:stretch>
+            <a:fillRect/>
+          </a:stretch>
+        </p:blipFill>
+        <p:spPr>
+          <a:xfrm>
+            <a:off x="23033573" y="7535908"/>
+            <a:ext cx="8661791" cy="4250792"/>
+          </a:xfrm>
+          <a:prstGeom prst="rect">
+            <a:avLst/>
+          </a:prstGeom>
+        </p:spPr>
+      </p:pic>
+      <p:sp>
+        <p:nvSpPr>
+          <p:cNvPr id="22" name="object 23">
+            <a:extLst>
+              <a:ext uri="{FF2B5EF4-FFF2-40B4-BE49-F238E27FC236}">
+                <a16:creationId xmlns:a16="http://schemas.microsoft.com/office/drawing/2014/main" id="{327F3D0E-37D9-75BF-3326-4E05F311F0C5}"/>
+              </a:ext>
+            </a:extLst>
+          </p:cNvPr>
+          <p:cNvSpPr txBox="1"/>
+          <p:nvPr/>
+        </p:nvSpPr>
+        <p:spPr>
+          <a:xfrm>
+            <a:off x="16821118" y="29665025"/>
+            <a:ext cx="10363200" cy="1538883"/>
+          </a:xfrm>
+          <a:prstGeom prst="rect">
+            <a:avLst/>
+          </a:prstGeom>
+        </p:spPr>
+        <p:txBody>
+          <a:bodyPr vert="horz" wrap="square" lIns="0" tIns="0" rIns="0" bIns="0" rtlCol="0">
+            <a:spAutoFit/>
+          </a:bodyPr>
+          <a:lstStyle/>
+          <a:p>
+            <a:pPr marL="19958" algn="ctr">
+              <a:lnSpc>
+                <a:spcPct val="110000"/>
+              </a:lnSpc>
+            </a:pPr>
+            <a:r>
+              <a:rPr lang="en-US" sz="3500" b="1" spc="-11" dirty="0">
+                <a:solidFill>
+                  <a:srgbClr val="BD003A"/>
+                </a:solidFill>
+                <a:latin typeface="Arial"/>
+                <a:cs typeface="Arial"/>
+              </a:rPr>
+              <a:t>AKNOWLEDGMENTS</a:t>
+            </a:r>
+            <a:endParaRPr sz="3500" b="1" spc="-11" dirty="0">
+              <a:solidFill>
+                <a:srgbClr val="BD003A"/>
+              </a:solidFill>
+              <a:latin typeface="Arial"/>
+              <a:cs typeface="Arial"/>
+            </a:endParaRPr>
+          </a:p>
+          <a:p>
+            <a:pPr marL="27719" algn="ctr">
+              <a:spcBef>
+                <a:spcPts val="893"/>
+              </a:spcBef>
+            </a:pPr>
+            <a:r>
+              <a:rPr lang="en-US" sz="2700" dirty="0">
+                <a:solidFill>
+                  <a:srgbClr val="231F20"/>
+                </a:solidFill>
+                <a:latin typeface="Arial"/>
+                <a:cs typeface="Arial"/>
+              </a:rPr>
+              <a:t>We would like to thank our funding agencies, NSF &amp; NIH, as well as The Ohio State University and the MCDB graduate program</a:t>
+            </a:r>
+            <a:endParaRPr sz="2700" dirty="0">
+              <a:latin typeface="Arial"/>
+              <a:cs typeface="Arial"/>
+            </a:endParaRPr>
+          </a:p>
+        </p:txBody>
+      </p:sp>
+      <p:grpSp>
+        <p:nvGrpSpPr>
+          <p:cNvPr id="42" name="Group 41">
+            <a:extLst>
+              <a:ext uri="{FF2B5EF4-FFF2-40B4-BE49-F238E27FC236}">
+                <a16:creationId xmlns:a16="http://schemas.microsoft.com/office/drawing/2014/main" id="{D999D1BE-A1DA-A2E7-7172-22271CEDB738}"/>
+              </a:ext>
+            </a:extLst>
+          </p:cNvPr>
+          <p:cNvGrpSpPr/>
+          <p:nvPr/>
+        </p:nvGrpSpPr>
+        <p:grpSpPr>
+          <a:xfrm>
+            <a:off x="10225414" y="30224287"/>
+            <a:ext cx="3971339" cy="1565632"/>
+            <a:chOff x="9067800" y="30224287"/>
+            <a:chExt cx="3971339" cy="1565632"/>
+          </a:xfrm>
+        </p:grpSpPr>
+        <p:pic>
+          <p:nvPicPr>
+            <p:cNvPr id="4" name="Picture 2">
+              <a:extLst>
+                <a:ext uri="{FF2B5EF4-FFF2-40B4-BE49-F238E27FC236}">
+                  <a16:creationId xmlns:a16="http://schemas.microsoft.com/office/drawing/2014/main" id="{7C3D1AC3-09B7-0C48-6F01-4BD39C886750}"/>
+                </a:ext>
+              </a:extLst>
+            </p:cNvPr>
+            <p:cNvPicPr>
+              <a:picLocks noChangeAspect="1" noChangeArrowheads="1"/>
+            </p:cNvPicPr>
+            <p:nvPr/>
+          </p:nvPicPr>
+          <p:blipFill rotWithShape="1">
+            <a:blip r:embed="rId10" cstate="print">
+              <a:extLst>
+                <a:ext uri="{28A0092B-C50C-407E-A947-70E740481C1C}">
+                  <a14:useLocalDpi xmlns:a14="http://schemas.microsoft.com/office/drawing/2010/main" val="0"/>
+                </a:ext>
+              </a:extLst>
+            </a:blip>
+            <a:srcRect l="592" b="8230"/>
+            <a:stretch/>
+          </p:blipFill>
+          <p:spPr bwMode="auto">
+            <a:xfrm>
+              <a:off x="9067800" y="30224287"/>
+              <a:ext cx="3971339" cy="1455408"/>
+            </a:xfrm>
+            <a:prstGeom prst="rect">
+              <a:avLst/>
+            </a:prstGeom>
+            <a:noFill/>
+            <a:extLst>
+              <a:ext uri="{909E8E84-426E-40DD-AFC4-6F175D3DCCD1}">
+                <a14:hiddenFill xmlns:a14="http://schemas.microsoft.com/office/drawing/2010/main">
+                  <a:solidFill>
+                    <a:srgbClr val="FFFFFF"/>
+                  </a:solidFill>
+                </a14:hiddenFill>
+              </a:ext>
+            </a:extLst>
+          </p:spPr>
+        </p:pic>
+        <p:sp>
+          <p:nvSpPr>
+            <p:cNvPr id="34" name="Rectangle 33">
+              <a:extLst>
+                <a:ext uri="{FF2B5EF4-FFF2-40B4-BE49-F238E27FC236}">
+                  <a16:creationId xmlns:a16="http://schemas.microsoft.com/office/drawing/2014/main" id="{9D9ED330-9F0C-C366-2CE6-9502DF443048}"/>
+                </a:ext>
+              </a:extLst>
+            </p:cNvPr>
+            <p:cNvSpPr/>
+            <p:nvPr/>
+          </p:nvSpPr>
+          <p:spPr>
+            <a:xfrm>
+              <a:off x="9829800" y="31623000"/>
+              <a:ext cx="2438400" cy="166919"/>
+            </a:xfrm>
+            <a:prstGeom prst="rect">
+              <a:avLst/>
+            </a:prstGeom>
+            <a:solidFill>
+              <a:schemeClr val="bg1"/>
+            </a:solidFill>
+            <a:ln>
+              <a:noFill/>
+            </a:ln>
+          </p:spPr>
+          <p:style>
+            <a:lnRef idx="2">
+              <a:schemeClr val="accent1">
+                <a:shade val="15000"/>
+              </a:schemeClr>
+            </a:lnRef>
+            <a:fillRef idx="1">
+              <a:schemeClr val="accent1"/>
+            </a:fillRef>
+            <a:effectRef idx="0">
+              <a:schemeClr val="accent1"/>
+            </a:effectRef>
+            <a:fontRef idx="minor">
+              <a:schemeClr val="lt1"/>
+            </a:fontRef>
+          </p:style>
+          <p:txBody>
+            <a:bodyPr rtlCol="0" anchor="ctr"/>
+            <a:lstStyle/>
+            <a:p>
+              <a:pPr algn="ctr"/>
+              <a:endParaRPr lang="en-US"/>
+            </a:p>
+          </p:txBody>
+        </p:sp>
+      </p:grpSp>
     </p:spTree>
   </p:cSld>
   <p:clrMapOvr>

--- a/GRACE/Poster/Dec2023Poster.pptx
+++ b/GRACE/Poster/Dec2023Poster.pptx
@@ -274,7 +274,7 @@
           <a:p>
             <a:fld id="{1D8BD707-D9CF-40AE-B4C6-C98DA3205C09}" type="datetimeFigureOut">
               <a:rPr lang="en-US"/>
-              <a:t>12/13/2023</a:t>
+              <a:t>12/15/2023</a:t>
             </a:fld>
             <a:endParaRPr lang="en-US"/>
           </a:p>
@@ -450,7 +450,7 @@
           <a:p>
             <a:fld id="{1D8BD707-D9CF-40AE-B4C6-C98DA3205C09}" type="datetimeFigureOut">
               <a:rPr lang="en-US"/>
-              <a:t>12/13/2023</a:t>
+              <a:t>12/15/2023</a:t>
             </a:fld>
             <a:endParaRPr lang="en-US"/>
           </a:p>
@@ -669,7 +669,7 @@
           <a:p>
             <a:fld id="{1D8BD707-D9CF-40AE-B4C6-C98DA3205C09}" type="datetimeFigureOut">
               <a:rPr lang="en-US"/>
-              <a:t>12/13/2023</a:t>
+              <a:t>12/15/2023</a:t>
             </a:fld>
             <a:endParaRPr lang="en-US"/>
           </a:p>
@@ -822,7 +822,7 @@
           <a:p>
             <a:fld id="{1D8BD707-D9CF-40AE-B4C6-C98DA3205C09}" type="datetimeFigureOut">
               <a:rPr lang="en-US"/>
-              <a:t>12/13/2023</a:t>
+              <a:t>12/15/2023</a:t>
             </a:fld>
             <a:endParaRPr lang="en-US"/>
           </a:p>
@@ -941,7 +941,7 @@
           <a:p>
             <a:fld id="{1D8BD707-D9CF-40AE-B4C6-C98DA3205C09}" type="datetimeFigureOut">
               <a:rPr lang="en-US"/>
-              <a:t>12/13/2023</a:t>
+              <a:t>12/15/2023</a:t>
             </a:fld>
             <a:endParaRPr lang="en-US"/>
           </a:p>
@@ -1160,7 +1160,7 @@
           <a:p>
             <a:fld id="{1D8BD707-D9CF-40AE-B4C6-C98DA3205C09}" type="datetimeFigureOut">
               <a:rPr lang="en-US"/>
-              <a:t>12/13/2023</a:t>
+              <a:t>12/15/2023</a:t>
             </a:fld>
             <a:endParaRPr lang="en-US"/>
           </a:p>
@@ -1474,9 +1474,10 @@
           <a:p>
             <a:pPr algn="ctr"/>
             <a:r>
-              <a:rPr lang="en-US" dirty="0"/>
+              <a:rPr lang="en-US"/>
               <a:t>`</a:t>
             </a:r>
+            <a:endParaRPr lang="en-US" dirty="0"/>
           </a:p>
         </p:txBody>
       </p:sp>
@@ -1608,8 +1609,8 @@
         </p:nvSpPr>
         <p:spPr>
           <a:xfrm>
-            <a:off x="1597690" y="6082314"/>
-            <a:ext cx="9545045" cy="9072548"/>
+            <a:off x="1501461" y="6082314"/>
+            <a:ext cx="9545045" cy="9615902"/>
           </a:xfrm>
           <a:prstGeom prst="rect">
             <a:avLst/>
@@ -1896,6 +1897,17 @@
               </a:rPr>
               <a:t>(Fig. 1a). </a:t>
             </a:r>
+          </a:p>
+          <a:p>
+            <a:pPr marL="27719" marR="13860" algn="just">
+              <a:lnSpc>
+                <a:spcPct val="102600"/>
+              </a:lnSpc>
+              <a:spcBef>
+                <a:spcPts val="893"/>
+              </a:spcBef>
+              <a:defRPr/>
+            </a:pPr>
             <a:r>
               <a:rPr kumimoji="0" lang="en-US" sz="2700" b="0" i="0" u="none" strike="noStrike" kern="1200" cap="none" spc="11" normalizeH="0" baseline="0" noProof="0" dirty="0">
                 <a:ln>
@@ -2009,6 +2021,16 @@
               <a:defRPr/>
             </a:pPr>
             <a:r>
+              <a:rPr lang="en-US" sz="2700" b="1" spc="11" dirty="0">
+                <a:solidFill>
+                  <a:srgbClr val="231F20"/>
+                </a:solidFill>
+                <a:latin typeface="Arial"/>
+                <a:cs typeface="Arial"/>
+              </a:rPr>
+              <a:t>Leading</a:t>
+            </a:r>
+            <a:r>
               <a:rPr lang="en-US" sz="2700" spc="11" dirty="0">
                 <a:solidFill>
                   <a:srgbClr val="231F20"/>
@@ -2016,7 +2038,7 @@
                 <a:latin typeface="Arial"/>
                 <a:cs typeface="Arial"/>
               </a:rPr>
-              <a:t>Leading centrosome found in the anterior (larger) cell.</a:t>
+              <a:t> centrosome found in the anterior (larger) cell.</a:t>
             </a:r>
           </a:p>
           <a:p>
@@ -2032,6 +2054,16 @@
               <a:defRPr/>
             </a:pPr>
             <a:r>
+              <a:rPr lang="en-US" sz="2700" b="1" spc="11" dirty="0">
+                <a:solidFill>
+                  <a:srgbClr val="231F20"/>
+                </a:solidFill>
+                <a:latin typeface="Arial"/>
+                <a:cs typeface="Arial"/>
+              </a:rPr>
+              <a:t>Lagging</a:t>
+            </a:r>
+            <a:r>
               <a:rPr lang="en-US" sz="2700" spc="11" dirty="0">
                 <a:solidFill>
                   <a:srgbClr val="231F20"/>
@@ -2039,122 +2071,8 @@
                 <a:latin typeface="Arial"/>
                 <a:cs typeface="Arial"/>
               </a:rPr>
-              <a:t>Lagging centrosome found in the posterior (smaller) cell.</a:t>
-            </a:r>
-          </a:p>
-        </p:txBody>
-      </p:sp>
-      <p:sp>
-        <p:nvSpPr>
-          <p:cNvPr id="12" name="object 12"/>
-          <p:cNvSpPr txBox="1"/>
-          <p:nvPr/>
-        </p:nvSpPr>
-        <p:spPr>
-          <a:xfrm>
-            <a:off x="1598036" y="26480692"/>
-            <a:ext cx="9553771" cy="2832250"/>
-          </a:xfrm>
-          <a:prstGeom prst="rect">
-            <a:avLst/>
-          </a:prstGeom>
-        </p:spPr>
-        <p:txBody>
-          <a:bodyPr vert="horz" wrap="square" lIns="0" tIns="0" rIns="0" bIns="0" rtlCol="0">
-            <a:spAutoFit/>
-          </a:bodyPr>
-          <a:lstStyle/>
-          <a:p>
-            <a:pPr marL="27719" marR="13860" algn="just">
-              <a:lnSpc>
-                <a:spcPct val="103099"/>
-              </a:lnSpc>
-            </a:pPr>
-            <a:r>
-              <a:rPr lang="en-US" sz="2000" spc="22" dirty="0">
-                <a:latin typeface="Arial"/>
-                <a:cs typeface="Arial"/>
-              </a:rPr>
-              <a:t>Figure 1. a) The steps leading up to first division are fertilization, pronuclear meeting (PNM), centration and rotation (C&amp;R), and Nuclear envelope breakdown (NEBD). NEBD is used to mark a time of 0 seconds as it coincides with when the centrosomes have been properly placed for cell division. C) Recruitment was quantified every 10 seconds from 330 seconds before NEBD to 0 seconds. Blue circles represent the quantified regions representing the middle of the centrosome and the average of all stacks with centrosomes masked out representing the cytoplasmic fluorescence intensity. c) Recovery was quantified immediately after pronuclear meeting (PNM) every second for 50 seconds.</a:t>
-            </a:r>
-            <a:endParaRPr lang="en-US" sz="2000" dirty="0">
-              <a:latin typeface="Arial"/>
-              <a:cs typeface="Arial"/>
-            </a:endParaRPr>
-          </a:p>
-        </p:txBody>
-      </p:sp>
-      <p:sp>
-        <p:nvSpPr>
-          <p:cNvPr id="13" name="object 13"/>
-          <p:cNvSpPr txBox="1"/>
-          <p:nvPr/>
-        </p:nvSpPr>
-        <p:spPr>
-          <a:xfrm>
-            <a:off x="11810999" y="17431945"/>
-            <a:ext cx="9843585" cy="2198230"/>
-          </a:xfrm>
-          <a:prstGeom prst="rect">
-            <a:avLst/>
-          </a:prstGeom>
-        </p:spPr>
-        <p:txBody>
-          <a:bodyPr vert="horz" wrap="square" lIns="0" tIns="0" rIns="0" bIns="0" rtlCol="0">
-            <a:spAutoFit/>
-          </a:bodyPr>
-          <a:lstStyle/>
-          <a:p>
-            <a:pPr marL="27719" marR="13860" algn="just">
-              <a:lnSpc>
-                <a:spcPct val="103099"/>
-              </a:lnSpc>
-            </a:pPr>
-            <a:r>
-              <a:rPr lang="en-US" sz="2000" spc="22" dirty="0">
-                <a:latin typeface="Arial"/>
-                <a:cs typeface="Arial"/>
-              </a:rPr>
-              <a:t>Figure 2. a) Leading centrosome, lagging centrosome, cytoplasmic, ad the total cell fluorescence intensities of GFP::AIR-1 were precisely quantified and then normalized. The average intensity of the lagging centrosome was observed to be higher than that of the leading centrosome. </a:t>
-            </a:r>
-            <a:r>
-              <a:rPr lang="en-US" sz="2000" dirty="0">
-                <a:latin typeface="Arial"/>
-                <a:cs typeface="Arial"/>
-              </a:rPr>
-              <a:t>b) Fluorescence recovery after photobleaching (FRAP) was recorded for 10 leading and 10 lagging centrosomes and normalized as per standard protocols</a:t>
-            </a:r>
-            <a:r>
-              <a:rPr lang="en-US" sz="2000" baseline="30000" dirty="0">
-                <a:latin typeface="Arial"/>
-                <a:cs typeface="Arial"/>
-              </a:rPr>
-              <a:t>6</a:t>
-            </a:r>
-            <a:r>
-              <a:rPr lang="en-US" sz="2000" dirty="0">
-                <a:solidFill>
-                  <a:srgbClr val="FF0000"/>
-                </a:solidFill>
-                <a:latin typeface="Arial"/>
-                <a:cs typeface="Arial"/>
-              </a:rPr>
-              <a:t>. </a:t>
-            </a:r>
-            <a:r>
-              <a:rPr lang="en-US" sz="2000" dirty="0">
-                <a:latin typeface="Arial"/>
-                <a:cs typeface="Arial"/>
-              </a:rPr>
-              <a:t>The final concentrations of the recovery curves were similar for both compartments.</a:t>
-            </a:r>
-            <a:endParaRPr lang="en-US" sz="2000" dirty="0">
-              <a:solidFill>
-                <a:srgbClr val="FF0000"/>
-              </a:solidFill>
-              <a:latin typeface="Arial"/>
-              <a:cs typeface="Arial"/>
-            </a:endParaRPr>
+              <a:t> centrosome found in the posterior (smaller) cell.</a:t>
+            </a:r>
           </a:p>
         </p:txBody>
       </p:sp>
@@ -2188,7 +2106,7 @@
                 <a:latin typeface="Arial"/>
                 <a:cs typeface="Arial"/>
               </a:rPr>
-              <a:t>Figure 3. 3-Compartment Model of Centrosome Recruitment and Recovery After Photobleaching</a:t>
+              <a:t>Figure 3. 3-Compartment Model of Centrosome Recruitment &amp; Recovery After Photobleaching</a:t>
             </a:r>
             <a:endParaRPr lang="en-US" sz="3200" dirty="0">
               <a:latin typeface="Arial"/>
@@ -2452,8 +2370,8 @@
         </p:nvSpPr>
         <p:spPr>
           <a:xfrm>
-            <a:off x="11810999" y="25926374"/>
-            <a:ext cx="9843583" cy="3200876"/>
+            <a:off x="11810999" y="26373455"/>
+            <a:ext cx="9843583" cy="1954381"/>
           </a:xfrm>
           <a:prstGeom prst="rect">
             <a:avLst/>
@@ -2502,7 +2420,7 @@
                 <a:latin typeface="Arial"/>
                 <a:cs typeface="Arial"/>
               </a:rPr>
-              <a:t>To uncover potential mechanisms responsible for the reported centrosomal dynamics and the differences between centrosomes, we turned to mathematical modeling. A 3-compartment model representing the two centrosomes as well as the cytoplasm was constructed to simulate a maturation factor’s recruitment and recovery in a one-cell embryo (Fig. 3).</a:t>
+              <a:t>A 3-compartment model representing the two centrosomes as well as the cytoplasm was constructed to simulate a maturation factor’s recruitment and recovery in a one-cell embryo (Fig. 3).</a:t>
             </a:r>
             <a:endParaRPr sz="2700" dirty="0">
               <a:latin typeface="Arial"/>
@@ -2595,7 +2513,7 @@
                 <a:latin typeface="Arial"/>
                 <a:cs typeface="Arial"/>
               </a:rPr>
-              <a:t>he recruitment in the lagging centrosomes is greater than the leading centrosome until ~-50s which would not be captured by this analysis (Fig. 2a). </a:t>
+              <a:t>he recruitment in the lagging centrosomes is greater than the leading centrosome until ~-50s which would not be captured by this analysis (Fig. 2). </a:t>
             </a:r>
           </a:p>
           <a:p>
@@ -2609,7 +2527,7 @@
                 <a:latin typeface="Arial"/>
                 <a:cs typeface="Arial"/>
               </a:rPr>
-              <a:t>The FRAP curve analysis identified distinct recovery dynamics between the two centrosomes even though the curves recovered to the same final amount (Fig. 2b).</a:t>
+              <a:t>The FRAP curve analysis identified distinct recovery dynamics between the two centrosomes even though the curves recovered to the same final amount (Fig. 2).</a:t>
             </a:r>
             <a:endParaRPr lang="en-US" sz="2700" dirty="0">
               <a:latin typeface="Arial" panose="020B0604020202020204" pitchFamily="34" charset="0"/>
@@ -2626,8 +2544,8 @@
         </p:nvSpPr>
         <p:spPr>
           <a:xfrm>
-            <a:off x="32992659" y="17266494"/>
-            <a:ext cx="9552728" cy="10339946"/>
+            <a:off x="32992659" y="16699807"/>
+            <a:ext cx="9552728" cy="10027425"/>
           </a:xfrm>
           <a:prstGeom prst="rect">
             <a:avLst/>
@@ -2772,14 +2690,7 @@
                 <a:latin typeface="Arial"/>
                 <a:cs typeface="Arial"/>
               </a:rPr>
-              <a:t>The two extremes of the parameter space coincide with previously published biological hypotheses of centrosome structure (Fig. 5b). Our model gives these three structures a common model and may explain the recently reported progression of centrosomes from a liquid condensate state to a more ridged lattice </a:t>
-            </a:r>
-            <a:r>
-              <a:rPr lang="en-US" sz="2700" spc="-33" dirty="0">
-                <a:latin typeface="Arial"/>
-                <a:cs typeface="Arial"/>
-              </a:rPr>
-              <a:t>state</a:t>
+              <a:t>The two extremes of the parameter space coincide with previously published biological hypotheses of centrosome structure (Fig. 5b). Our model gives these three structures a common model and may explain the recently reported progression of centrosomes from a condensate to a lattice</a:t>
             </a:r>
             <a:r>
               <a:rPr lang="en-US" sz="2700" spc="-33" baseline="30000" dirty="0">
@@ -2913,7 +2824,27 @@
                 <a:latin typeface="Arial"/>
                 <a:cs typeface="Arial"/>
               </a:rPr>
-              <a:t>To extend these results we will be investigating the recruitment, recovery, and maturation of more centrosomal factors. Of particular interest will be factors granting the centrosome its strength. With a larger data set we will also be able to expand our mathematical model to include more terms and more dynamic interactions.</a:t>
+              <a:t>We will  investigate the recruitment, recovery, and maturation of more centrosomal factors. Of particular interest will be factors granting the centrosome its strength. </a:t>
+            </a:r>
+          </a:p>
+          <a:p>
+            <a:pPr marL="27719" marR="246699" algn="just">
+              <a:lnSpc>
+                <a:spcPct val="102899"/>
+              </a:lnSpc>
+              <a:spcBef>
+                <a:spcPts val="893"/>
+              </a:spcBef>
+            </a:pPr>
+            <a:r>
+              <a:rPr lang="en-US" sz="2700" spc="-33" dirty="0">
+                <a:solidFill>
+                  <a:srgbClr val="231F20"/>
+                </a:solidFill>
+                <a:latin typeface="Arial"/>
+                <a:cs typeface="Arial"/>
+              </a:rPr>
+              <a:t>With a larger data set we will also be able to expand our mathematical model to include more terms and more dynamic interactions.</a:t>
             </a:r>
           </a:p>
         </p:txBody>
@@ -2926,8 +2857,8 @@
         </p:nvSpPr>
         <p:spPr>
           <a:xfrm>
-            <a:off x="32992659" y="27842755"/>
-            <a:ext cx="7125881" cy="546496"/>
+            <a:off x="34183420" y="27842754"/>
+            <a:ext cx="6859940" cy="546496"/>
           </a:xfrm>
           <a:prstGeom prst="rect">
             <a:avLst/>
@@ -2939,7 +2870,7 @@
           </a:bodyPr>
           <a:lstStyle/>
           <a:p>
-            <a:pPr marL="19958">
+            <a:pPr marL="19958" algn="ctr">
               <a:lnSpc>
                 <a:spcPct val="110000"/>
               </a:lnSpc>
@@ -2972,7 +2903,7 @@
         </p:nvSpPr>
         <p:spPr>
           <a:xfrm>
-            <a:off x="32992658" y="28590067"/>
+            <a:off x="34183418" y="28590067"/>
             <a:ext cx="6859941" cy="2807115"/>
           </a:xfrm>
           <a:prstGeom prst="rect">
@@ -3405,7 +3336,7 @@
         </p:nvSpPr>
         <p:spPr>
           <a:xfrm>
-            <a:off x="1567335" y="15928292"/>
+            <a:off x="1460636" y="16693483"/>
             <a:ext cx="9626695" cy="984885"/>
           </a:xfrm>
           <a:prstGeom prst="rect">
@@ -3454,7 +3385,7 @@
         </p:nvSpPr>
         <p:spPr>
           <a:xfrm>
-            <a:off x="11811000" y="6704954"/>
+            <a:off x="11811000" y="6819360"/>
             <a:ext cx="9773440" cy="984885"/>
           </a:xfrm>
           <a:prstGeom prst="rect">
@@ -3476,7 +3407,7 @@
                 <a:latin typeface="Arial"/>
                 <a:cs typeface="Arial"/>
               </a:rPr>
-              <a:t>Figure 2. Asymmetric Centrosome Recruitment and Recovery Revealed by Precise Quantification</a:t>
+              <a:t>Figure 2. Asymmetric Centrosome Recruitment &amp; Recovery Revealed by Precise Quantification</a:t>
             </a:r>
             <a:endParaRPr lang="en-US" sz="3200" dirty="0">
               <a:latin typeface="Arial"/>
@@ -3521,140 +3452,6 @@
           </a:prstGeom>
         </p:spPr>
       </p:pic>
-      <p:sp>
-        <p:nvSpPr>
-          <p:cNvPr id="47" name="object 13">
-            <a:extLst>
-              <a:ext uri="{FF2B5EF4-FFF2-40B4-BE49-F238E27FC236}">
-                <a16:creationId xmlns:a16="http://schemas.microsoft.com/office/drawing/2014/main" id="{2FFA8DAC-1839-FB43-9541-787FDA285B93}"/>
-              </a:ext>
-            </a:extLst>
-          </p:cNvPr>
-          <p:cNvSpPr txBox="1"/>
-          <p:nvPr/>
-        </p:nvSpPr>
-        <p:spPr>
-          <a:xfrm>
-            <a:off x="22533225" y="12204368"/>
-            <a:ext cx="9662486" cy="2515240"/>
-          </a:xfrm>
-          <a:prstGeom prst="rect">
-            <a:avLst/>
-          </a:prstGeom>
-        </p:spPr>
-        <p:txBody>
-          <a:bodyPr vert="horz" wrap="square" lIns="0" tIns="0" rIns="0" bIns="0" rtlCol="0">
-            <a:spAutoFit/>
-          </a:bodyPr>
-          <a:lstStyle/>
-          <a:p>
-            <a:pPr marL="27719" marR="13860" algn="just">
-              <a:lnSpc>
-                <a:spcPct val="103099"/>
-              </a:lnSpc>
-            </a:pPr>
-            <a:r>
-              <a:rPr lang="en-US" sz="2000" spc="22" dirty="0">
-                <a:latin typeface="Arial"/>
-                <a:cs typeface="Arial"/>
-              </a:rPr>
-              <a:t>Figure 3. 3-compartment mathematical model of a maturation factor that can localize to the simulated cytoplasm (C</a:t>
-            </a:r>
-            <a:r>
-              <a:rPr lang="en-US" sz="2000" spc="22" baseline="-25000" dirty="0">
-                <a:latin typeface="Arial"/>
-                <a:cs typeface="Arial"/>
-              </a:rPr>
-              <a:t>y</a:t>
-            </a:r>
-            <a:r>
-              <a:rPr lang="en-US" sz="2000" spc="22" dirty="0">
-                <a:latin typeface="Arial"/>
-                <a:cs typeface="Arial"/>
-              </a:rPr>
-              <a:t>), or the two centrosome compartments (C</a:t>
-            </a:r>
-            <a:r>
-              <a:rPr lang="en-US" sz="2000" spc="22" baseline="-25000" dirty="0">
-                <a:latin typeface="Arial"/>
-                <a:cs typeface="Arial"/>
-              </a:rPr>
-              <a:t>1</a:t>
-            </a:r>
-            <a:r>
-              <a:rPr lang="en-US" sz="2000" spc="22" dirty="0">
-                <a:latin typeface="Arial"/>
-                <a:cs typeface="Arial"/>
-              </a:rPr>
-              <a:t>, C</a:t>
-            </a:r>
-            <a:r>
-              <a:rPr lang="en-US" sz="2000" spc="22" baseline="-25000" dirty="0">
-                <a:latin typeface="Arial"/>
-                <a:cs typeface="Arial"/>
-              </a:rPr>
-              <a:t>2</a:t>
-            </a:r>
-            <a:r>
-              <a:rPr lang="en-US" sz="2000" spc="22" dirty="0">
-                <a:latin typeface="Arial"/>
-                <a:cs typeface="Arial"/>
-              </a:rPr>
-              <a:t>).  To incorporate the ability to photobleach the model factor we track both a fluorescent version (f) and a bleached version (b) of the maturation factor. Dynamics for the system accounted for both version of the factor to be as biologically relevant as possible. b) Model equations with a dynamic cytoplasm and centrosome compartment that have a carrying capacity, cooperativity, and basal gain and loss terms. </a:t>
-            </a:r>
-            <a:endParaRPr lang="en-US" sz="2000" dirty="0">
-              <a:latin typeface="Arial"/>
-              <a:cs typeface="Arial"/>
-            </a:endParaRPr>
-          </a:p>
-        </p:txBody>
-      </p:sp>
-      <p:sp>
-        <p:nvSpPr>
-          <p:cNvPr id="48" name="object 13">
-            <a:extLst>
-              <a:ext uri="{FF2B5EF4-FFF2-40B4-BE49-F238E27FC236}">
-                <a16:creationId xmlns:a16="http://schemas.microsoft.com/office/drawing/2014/main" id="{95241138-8A2B-0A49-B0CA-22F8235DE483}"/>
-              </a:ext>
-            </a:extLst>
-          </p:cNvPr>
-          <p:cNvSpPr txBox="1"/>
-          <p:nvPr/>
-        </p:nvSpPr>
-        <p:spPr>
-          <a:xfrm>
-            <a:off x="32992659" y="14514939"/>
-            <a:ext cx="9435679" cy="2515240"/>
-          </a:xfrm>
-          <a:prstGeom prst="rect">
-            <a:avLst/>
-          </a:prstGeom>
-        </p:spPr>
-        <p:txBody>
-          <a:bodyPr vert="horz" wrap="square" lIns="0" tIns="0" rIns="0" bIns="0" rtlCol="0">
-            <a:spAutoFit/>
-          </a:bodyPr>
-          <a:lstStyle/>
-          <a:p>
-            <a:pPr marL="27719" marR="13860" algn="just">
-              <a:lnSpc>
-                <a:spcPct val="103099"/>
-              </a:lnSpc>
-            </a:pPr>
-            <a:r>
-              <a:rPr lang="en-US" sz="2000" spc="22" dirty="0">
-                <a:latin typeface="Arial"/>
-                <a:cs typeface="Arial"/>
-              </a:rPr>
-              <a:t>Figure 5. The centrosome compartment parameters represent the overall structural composition of the centrosomes. To visualize the possibilities revealed by our parameter search we plotted all parameter sets on 3D plot with axis for cooperativity, carrying capacity, and the ratio of the on rate to the off rate. We saw that the parameters were confined to a well-defined region of this parameter space. This region is defined by two arms, one with high levels of carrying capacity and one with high cooperativity and on rate to off rate ratio. There is a region connecting these two arms where all 3 parameter values are relatively low.</a:t>
-            </a:r>
-            <a:endParaRPr lang="en-US" sz="2000" dirty="0">
-              <a:latin typeface="Arial"/>
-              <a:cs typeface="Arial"/>
-            </a:endParaRPr>
-          </a:p>
-        </p:txBody>
-      </p:sp>
       <p:sp>
         <p:nvSpPr>
           <p:cNvPr id="32" name="object 32"/>
@@ -3920,7 +3717,7 @@
         </p:nvSpPr>
         <p:spPr>
           <a:xfrm>
-            <a:off x="22533224" y="15506126"/>
+            <a:off x="22533224" y="16626795"/>
             <a:ext cx="9662485" cy="984885"/>
           </a:xfrm>
           <a:prstGeom prst="rect">
@@ -3942,7 +3739,7 @@
                 <a:latin typeface="Arial"/>
                 <a:cs typeface="Arial"/>
               </a:rPr>
-              <a:t>Figure 4. Parameter Sets that Recapitulate </a:t>
+              <a:t>Figure 4. 112 Parameter Sets that Recapitulate </a:t>
             </a:r>
             <a:r>
               <a:rPr lang="en-US" sz="3200" b="1" i="1" spc="33" dirty="0">
@@ -3971,17 +3768,143 @@
           </a:p>
         </p:txBody>
       </p:sp>
+      <p:sp>
+        <p:nvSpPr>
+          <p:cNvPr id="37" name="object 25">
+            <a:extLst>
+              <a:ext uri="{FF2B5EF4-FFF2-40B4-BE49-F238E27FC236}">
+                <a16:creationId xmlns:a16="http://schemas.microsoft.com/office/drawing/2014/main" id="{19A13F4F-3D92-39A8-4C16-46EB770A2346}"/>
+              </a:ext>
+            </a:extLst>
+          </p:cNvPr>
+          <p:cNvSpPr txBox="1"/>
+          <p:nvPr/>
+        </p:nvSpPr>
+        <p:spPr>
+          <a:xfrm>
+            <a:off x="22610919" y="23380869"/>
+            <a:ext cx="9410225" cy="923330"/>
+          </a:xfrm>
+          <a:prstGeom prst="rect">
+            <a:avLst/>
+          </a:prstGeom>
+        </p:spPr>
+        <p:txBody>
+          <a:bodyPr vert="horz" wrap="square" lIns="0" tIns="0" rIns="0" bIns="0" rtlCol="0">
+            <a:spAutoFit/>
+          </a:bodyPr>
+          <a:lstStyle/>
+          <a:p>
+            <a:pPr algn="just">
+              <a:spcBef>
+                <a:spcPts val="889"/>
+              </a:spcBef>
+            </a:pPr>
+            <a:r>
+              <a:rPr lang="en-US" sz="2000" dirty="0">
+                <a:latin typeface="Arial" panose="020B0604020202020204" pitchFamily="34" charset="0"/>
+                <a:cs typeface="Arial" panose="020B0604020202020204" pitchFamily="34" charset="0"/>
+              </a:rPr>
+              <a:t>Using a parameter search based on our MCMC method</a:t>
+            </a:r>
+            <a:r>
+              <a:rPr lang="en-US" sz="2000" baseline="30000" dirty="0">
+                <a:latin typeface="Arial" panose="020B0604020202020204" pitchFamily="34" charset="0"/>
+                <a:cs typeface="Arial" panose="020B0604020202020204" pitchFamily="34" charset="0"/>
+              </a:rPr>
+              <a:t>8</a:t>
+            </a:r>
+            <a:r>
+              <a:rPr lang="en-US" sz="2000" dirty="0">
+                <a:latin typeface="Arial" panose="020B0604020202020204" pitchFamily="34" charset="0"/>
+                <a:cs typeface="Arial" panose="020B0604020202020204" pitchFamily="34" charset="0"/>
+              </a:rPr>
+              <a:t> we were found 112 parameter sets that fit the model’s maturation factor to the observed AIR-1::GFP data. </a:t>
+            </a:r>
+          </a:p>
+        </p:txBody>
+      </p:sp>
+      <p:sp>
+        <p:nvSpPr>
+          <p:cNvPr id="41" name="object 25">
+            <a:extLst>
+              <a:ext uri="{FF2B5EF4-FFF2-40B4-BE49-F238E27FC236}">
+                <a16:creationId xmlns:a16="http://schemas.microsoft.com/office/drawing/2014/main" id="{DCB1E5B5-3BC2-B500-B357-3C1E151F09E0}"/>
+              </a:ext>
+            </a:extLst>
+          </p:cNvPr>
+          <p:cNvSpPr txBox="1"/>
+          <p:nvPr/>
+        </p:nvSpPr>
+        <p:spPr>
+          <a:xfrm>
+            <a:off x="22533225" y="24664814"/>
+            <a:ext cx="9662486" cy="3970318"/>
+          </a:xfrm>
+          <a:prstGeom prst="rect">
+            <a:avLst/>
+          </a:prstGeom>
+        </p:spPr>
+        <p:txBody>
+          <a:bodyPr vert="horz" wrap="square" lIns="0" tIns="0" rIns="0" bIns="0" rtlCol="0">
+            <a:spAutoFit/>
+          </a:bodyPr>
+          <a:lstStyle/>
+          <a:p>
+            <a:pPr marL="27719" algn="just"/>
+            <a:r>
+              <a:rPr lang="en-US" sz="2700" b="1" spc="-33" dirty="0">
+                <a:latin typeface="Arial" panose="020B0604020202020204" pitchFamily="34" charset="0"/>
+                <a:cs typeface="Arial" panose="020B0604020202020204" pitchFamily="34" charset="0"/>
+              </a:rPr>
+              <a:t>Parameter Space of the Model Reveals Structural Features of the Centrosomes</a:t>
+            </a:r>
+            <a:endParaRPr lang="en-US" sz="2700" dirty="0">
+              <a:latin typeface="Arial" panose="020B0604020202020204" pitchFamily="34" charset="0"/>
+              <a:cs typeface="Arial" panose="020B0604020202020204" pitchFamily="34" charset="0"/>
+            </a:endParaRPr>
+          </a:p>
+          <a:p>
+            <a:pPr algn="just">
+              <a:spcBef>
+                <a:spcPts val="889"/>
+              </a:spcBef>
+            </a:pPr>
+            <a:r>
+              <a:rPr lang="en-US" sz="2700" dirty="0">
+                <a:latin typeface="Arial" panose="020B0604020202020204" pitchFamily="34" charset="0"/>
+                <a:cs typeface="Arial" panose="020B0604020202020204" pitchFamily="34" charset="0"/>
+              </a:rPr>
+              <a:t>Three features define the structural dynamics of the centrosome compartments in the model. The cooperativity, carrying capacity, and the ratio of the on rate to the off rate. </a:t>
+            </a:r>
+          </a:p>
+          <a:p>
+            <a:pPr algn="just">
+              <a:spcBef>
+                <a:spcPts val="889"/>
+              </a:spcBef>
+            </a:pPr>
+            <a:r>
+              <a:rPr lang="en-US" sz="2700" dirty="0">
+                <a:latin typeface="Arial" panose="020B0604020202020204" pitchFamily="34" charset="0"/>
+                <a:cs typeface="Arial" panose="020B0604020202020204" pitchFamily="34" charset="0"/>
+              </a:rPr>
+              <a:t>Plotting all 112 parameter sets on a 3D plot with these features as the axis and differentiating the leading from the lagging centrosome revealed a high level of restriction to the location of possible parameters (Fig. 5).</a:t>
+            </a:r>
+          </a:p>
+        </p:txBody>
+      </p:sp>
       <p:pic>
         <p:nvPicPr>
-          <p:cNvPr id="5" name="Picture 4" descr="A screenshot of a computer&#10;&#10;Description automatically generated">
+          <p:cNvPr id="1028" name="Picture 4">
             <a:extLst>
               <a:ext uri="{FF2B5EF4-FFF2-40B4-BE49-F238E27FC236}">
-                <a16:creationId xmlns:a16="http://schemas.microsoft.com/office/drawing/2014/main" id="{813C1916-0B23-6AB2-7F14-ADCC28DC5C6C}"/>
+                <a16:creationId xmlns:a16="http://schemas.microsoft.com/office/drawing/2014/main" id="{33592E89-73E9-EE66-662F-D7E00C2CEE1D}"/>
               </a:ext>
             </a:extLst>
           </p:cNvPr>
           <p:cNvPicPr>
-            <a:picLocks noChangeAspect="1"/>
+            <a:picLocks noChangeAspect="1" noChangeArrowheads="1"/>
           </p:cNvPicPr>
           <p:nvPr/>
         </p:nvPicPr>
@@ -3993,144 +3916,80 @@
               </a:ext>
             </a:extLst>
           </a:blip>
-          <a:srcRect t="4042"/>
+          <a:srcRect l="74011" b="47510"/>
           <a:stretch/>
         </p:blipFill>
-        <p:spPr>
+        <p:spPr bwMode="auto">
           <a:xfrm>
-            <a:off x="34050675" y="7355663"/>
-            <a:ext cx="7118766" cy="6691435"/>
+            <a:off x="27734705" y="29453019"/>
+            <a:ext cx="2037286" cy="2009851"/>
           </a:xfrm>
           <a:prstGeom prst="rect">
             <a:avLst/>
           </a:prstGeom>
+          <a:noFill/>
+          <a:extLst>
+            <a:ext uri="{909E8E84-426E-40DD-AFC4-6F175D3DCCD1}">
+              <a14:hiddenFill xmlns:a14="http://schemas.microsoft.com/office/drawing/2010/main">
+                <a:solidFill>
+                  <a:srgbClr val="FFFFFF"/>
+                </a:solidFill>
+              </a14:hiddenFill>
+            </a:ext>
+          </a:extLst>
         </p:spPr>
       </p:pic>
-      <p:sp>
-        <p:nvSpPr>
-          <p:cNvPr id="37" name="object 25">
+      <p:pic>
+        <p:nvPicPr>
+          <p:cNvPr id="1029" name="Picture 5">
             <a:extLst>
               <a:ext uri="{FF2B5EF4-FFF2-40B4-BE49-F238E27FC236}">
-                <a16:creationId xmlns:a16="http://schemas.microsoft.com/office/drawing/2014/main" id="{19A13F4F-3D92-39A8-4C16-46EB770A2346}"/>
+                <a16:creationId xmlns:a16="http://schemas.microsoft.com/office/drawing/2014/main" id="{039CF836-805B-BAF4-D4E2-42D0DC75E955}"/>
               </a:ext>
             </a:extLst>
           </p:cNvPr>
-          <p:cNvSpPr txBox="1"/>
+          <p:cNvPicPr>
+            <a:picLocks noChangeAspect="1" noChangeArrowheads="1"/>
+          </p:cNvPicPr>
           <p:nvPr/>
-        </p:nvSpPr>
-        <p:spPr>
+        </p:nvPicPr>
+        <p:blipFill rotWithShape="1">
+          <a:blip r:embed="rId4">
+            <a:extLst>
+              <a:ext uri="{28A0092B-C50C-407E-A947-70E740481C1C}">
+                <a14:useLocalDpi xmlns:a14="http://schemas.microsoft.com/office/drawing/2010/main" val="0"/>
+              </a:ext>
+            </a:extLst>
+          </a:blip>
+          <a:srcRect l="70771" t="56947"/>
+          <a:stretch/>
+        </p:blipFill>
+        <p:spPr bwMode="auto">
           <a:xfrm>
-            <a:off x="22533225" y="22260200"/>
-            <a:ext cx="9662484" cy="1231106"/>
+            <a:off x="29883438" y="29652099"/>
+            <a:ext cx="2291286" cy="1648509"/>
           </a:xfrm>
           <a:prstGeom prst="rect">
             <a:avLst/>
           </a:prstGeom>
+          <a:noFill/>
+          <a:extLst>
+            <a:ext uri="{909E8E84-426E-40DD-AFC4-6F175D3DCCD1}">
+              <a14:hiddenFill xmlns:a14="http://schemas.microsoft.com/office/drawing/2010/main">
+                <a:solidFill>
+                  <a:srgbClr val="FFFFFF"/>
+                </a:solidFill>
+              </a14:hiddenFill>
+            </a:ext>
+          </a:extLst>
         </p:spPr>
-        <p:txBody>
-          <a:bodyPr vert="horz" wrap="square" lIns="0" tIns="0" rIns="0" bIns="0" rtlCol="0">
-            <a:spAutoFit/>
-          </a:bodyPr>
-          <a:lstStyle/>
-          <a:p>
-            <a:pPr algn="just">
-              <a:spcBef>
-                <a:spcPts val="889"/>
-              </a:spcBef>
-            </a:pPr>
-            <a:r>
-              <a:rPr lang="en-US" sz="2000" spc="22" dirty="0">
-                <a:latin typeface="Arial"/>
-                <a:cs typeface="Arial"/>
-              </a:rPr>
-              <a:t>Figure 4. </a:t>
-            </a:r>
-            <a:r>
-              <a:rPr lang="en-US" sz="2000" dirty="0">
-                <a:latin typeface="Arial" panose="020B0604020202020204" pitchFamily="34" charset="0"/>
-                <a:cs typeface="Arial" panose="020B0604020202020204" pitchFamily="34" charset="0"/>
-              </a:rPr>
-              <a:t>Using a parameter search based on our MCMC method</a:t>
-            </a:r>
-            <a:r>
-              <a:rPr lang="en-US" sz="2000" baseline="30000" dirty="0">
-                <a:latin typeface="Arial" panose="020B0604020202020204" pitchFamily="34" charset="0"/>
-                <a:cs typeface="Arial" panose="020B0604020202020204" pitchFamily="34" charset="0"/>
-              </a:rPr>
-              <a:t>8</a:t>
-            </a:r>
-            <a:r>
-              <a:rPr lang="en-US" sz="2000" dirty="0">
-                <a:latin typeface="Arial" panose="020B0604020202020204" pitchFamily="34" charset="0"/>
-                <a:cs typeface="Arial" panose="020B0604020202020204" pitchFamily="34" charset="0"/>
-              </a:rPr>
-              <a:t> we were found 112 parameter sets that fit the model’s maturation factor to the observed AIR-1::GFP data. These parameter sets all independently fit to the 6 data curves with a low error as calculated by the sum of absolute differences.</a:t>
-            </a:r>
-          </a:p>
-        </p:txBody>
-      </p:sp>
-      <p:sp>
-        <p:nvSpPr>
-          <p:cNvPr id="41" name="object 25">
+      </p:pic>
+      <p:pic>
+        <p:nvPicPr>
+          <p:cNvPr id="10" name="Picture 9" descr="A graph of different colored lines&#10;&#10;Description automatically generated">
             <a:extLst>
               <a:ext uri="{FF2B5EF4-FFF2-40B4-BE49-F238E27FC236}">
-                <a16:creationId xmlns:a16="http://schemas.microsoft.com/office/drawing/2014/main" id="{DCB1E5B5-3BC2-B500-B357-3C1E151F09E0}"/>
-              </a:ext>
-            </a:extLst>
-          </p:cNvPr>
-          <p:cNvSpPr txBox="1"/>
-          <p:nvPr/>
-        </p:nvSpPr>
-        <p:spPr>
-          <a:xfrm>
-            <a:off x="22533225" y="24080984"/>
-            <a:ext cx="9662486" cy="3854901"/>
-          </a:xfrm>
-          <a:prstGeom prst="rect">
-            <a:avLst/>
-          </a:prstGeom>
-        </p:spPr>
-        <p:txBody>
-          <a:bodyPr vert="horz" wrap="square" lIns="0" tIns="0" rIns="0" bIns="0" rtlCol="0">
-            <a:spAutoFit/>
-          </a:bodyPr>
-          <a:lstStyle/>
-          <a:p>
-            <a:pPr marL="27719" algn="just"/>
-            <a:r>
-              <a:rPr lang="en-US" sz="2700" b="1" spc="-33" dirty="0">
-                <a:latin typeface="Arial" panose="020B0604020202020204" pitchFamily="34" charset="0"/>
-                <a:cs typeface="Arial" panose="020B0604020202020204" pitchFamily="34" charset="0"/>
-              </a:rPr>
-              <a:t>Parameter Space of the Model Reveals Structural Features of the Centrosomes</a:t>
-            </a:r>
-            <a:endParaRPr lang="en-US" sz="2700" dirty="0">
-              <a:latin typeface="Arial" panose="020B0604020202020204" pitchFamily="34" charset="0"/>
-              <a:cs typeface="Arial" panose="020B0604020202020204" pitchFamily="34" charset="0"/>
-            </a:endParaRPr>
-          </a:p>
-          <a:p>
-            <a:pPr algn="just">
-              <a:spcBef>
-                <a:spcPts val="889"/>
-              </a:spcBef>
-            </a:pPr>
-            <a:r>
-              <a:rPr lang="en-US" sz="2700" dirty="0">
-                <a:latin typeface="Arial" panose="020B0604020202020204" pitchFamily="34" charset="0"/>
-                <a:cs typeface="Arial" panose="020B0604020202020204" pitchFamily="34" charset="0"/>
-              </a:rPr>
-              <a:t>There are three features that define the structural dynamics of the centrosome compartments in the model. The cooperativity, carrying capacity, and the ratio of the on rate to the off rate. Plotting all 112 parameter sets on a 3D plot with these features as the axis and differentiating the leading from the lagging centrosome revealed a high level of restriction to the location of possible parameters (Fig. 5).</a:t>
-            </a:r>
-          </a:p>
-        </p:txBody>
-      </p:sp>
-      <p:pic>
-        <p:nvPicPr>
-          <p:cNvPr id="8" name="Picture 7" descr="A screenshot of a computer&#10;&#10;Description automatically generated">
-            <a:extLst>
-              <a:ext uri="{FF2B5EF4-FFF2-40B4-BE49-F238E27FC236}">
-                <a16:creationId xmlns:a16="http://schemas.microsoft.com/office/drawing/2014/main" id="{55A8A7AB-5906-9902-6C94-941CC4E21CF8}"/>
+                <a16:creationId xmlns:a16="http://schemas.microsoft.com/office/drawing/2014/main" id="{B09ADED6-2FF1-936B-6E53-CC1A719F0658}"/>
               </a:ext>
             </a:extLst>
           </p:cNvPr>
@@ -4153,206 +4012,8 @@
         </p:blipFill>
         <p:spPr>
           <a:xfrm>
-            <a:off x="1350339" y="17477594"/>
-            <a:ext cx="9813062" cy="8081344"/>
-          </a:xfrm>
-          <a:prstGeom prst="rect">
-            <a:avLst/>
-          </a:prstGeom>
-        </p:spPr>
-      </p:pic>
-      <p:pic>
-        <p:nvPicPr>
-          <p:cNvPr id="1028" name="Picture 4">
-            <a:extLst>
-              <a:ext uri="{FF2B5EF4-FFF2-40B4-BE49-F238E27FC236}">
-                <a16:creationId xmlns:a16="http://schemas.microsoft.com/office/drawing/2014/main" id="{33592E89-73E9-EE66-662F-D7E00C2CEE1D}"/>
-              </a:ext>
-            </a:extLst>
-          </p:cNvPr>
-          <p:cNvPicPr>
-            <a:picLocks noChangeAspect="1" noChangeArrowheads="1"/>
-          </p:cNvPicPr>
-          <p:nvPr/>
-        </p:nvPicPr>
-        <p:blipFill rotWithShape="1">
-          <a:blip r:embed="rId6">
-            <a:extLst>
-              <a:ext uri="{28A0092B-C50C-407E-A947-70E740481C1C}">
-                <a14:useLocalDpi xmlns:a14="http://schemas.microsoft.com/office/drawing/2010/main" val="0"/>
-              </a:ext>
-            </a:extLst>
-          </a:blip>
-          <a:srcRect l="74011" b="47510"/>
-          <a:stretch/>
-        </p:blipFill>
-        <p:spPr bwMode="auto">
-          <a:xfrm>
-            <a:off x="27734705" y="29453019"/>
-            <a:ext cx="2037286" cy="2009851"/>
-          </a:xfrm>
-          <a:prstGeom prst="rect">
-            <a:avLst/>
-          </a:prstGeom>
-          <a:noFill/>
-          <a:extLst>
-            <a:ext uri="{909E8E84-426E-40DD-AFC4-6F175D3DCCD1}">
-              <a14:hiddenFill xmlns:a14="http://schemas.microsoft.com/office/drawing/2010/main">
-                <a:solidFill>
-                  <a:srgbClr val="FFFFFF"/>
-                </a:solidFill>
-              </a14:hiddenFill>
-            </a:ext>
-          </a:extLst>
-        </p:spPr>
-      </p:pic>
-      <p:pic>
-        <p:nvPicPr>
-          <p:cNvPr id="1029" name="Picture 5">
-            <a:extLst>
-              <a:ext uri="{FF2B5EF4-FFF2-40B4-BE49-F238E27FC236}">
-                <a16:creationId xmlns:a16="http://schemas.microsoft.com/office/drawing/2014/main" id="{039CF836-805B-BAF4-D4E2-42D0DC75E955}"/>
-              </a:ext>
-            </a:extLst>
-          </p:cNvPr>
-          <p:cNvPicPr>
-            <a:picLocks noChangeAspect="1" noChangeArrowheads="1"/>
-          </p:cNvPicPr>
-          <p:nvPr/>
-        </p:nvPicPr>
-        <p:blipFill rotWithShape="1">
-          <a:blip r:embed="rId6">
-            <a:extLst>
-              <a:ext uri="{28A0092B-C50C-407E-A947-70E740481C1C}">
-                <a14:useLocalDpi xmlns:a14="http://schemas.microsoft.com/office/drawing/2010/main" val="0"/>
-              </a:ext>
-            </a:extLst>
-          </a:blip>
-          <a:srcRect l="70771" t="56947"/>
-          <a:stretch/>
-        </p:blipFill>
-        <p:spPr bwMode="auto">
-          <a:xfrm>
-            <a:off x="29883438" y="29652099"/>
-            <a:ext cx="2291286" cy="1648509"/>
-          </a:xfrm>
-          <a:prstGeom prst="rect">
-            <a:avLst/>
-          </a:prstGeom>
-          <a:noFill/>
-          <a:extLst>
-            <a:ext uri="{909E8E84-426E-40DD-AFC4-6F175D3DCCD1}">
-              <a14:hiddenFill xmlns:a14="http://schemas.microsoft.com/office/drawing/2010/main">
-                <a:solidFill>
-                  <a:srgbClr val="FFFFFF"/>
-                </a:solidFill>
-              </a14:hiddenFill>
-            </a:ext>
-          </a:extLst>
-        </p:spPr>
-      </p:pic>
-      <p:pic>
-        <p:nvPicPr>
-          <p:cNvPr id="7" name="Picture 6" descr="A group of colorful lines&#10;&#10;Description automatically generated">
-            <a:extLst>
-              <a:ext uri="{FF2B5EF4-FFF2-40B4-BE49-F238E27FC236}">
-                <a16:creationId xmlns:a16="http://schemas.microsoft.com/office/drawing/2014/main" id="{DA89EED9-A83F-572E-FA1D-3224831BD920}"/>
-              </a:ext>
-            </a:extLst>
-          </p:cNvPr>
-          <p:cNvPicPr>
-            <a:picLocks noChangeAspect="1"/>
-          </p:cNvPicPr>
-          <p:nvPr/>
-        </p:nvPicPr>
-        <p:blipFill>
-          <a:blip r:embed="rId7" cstate="print">
-            <a:extLst>
-              <a:ext uri="{28A0092B-C50C-407E-A947-70E740481C1C}">
-                <a14:useLocalDpi xmlns:a14="http://schemas.microsoft.com/office/drawing/2010/main" val="0"/>
-              </a:ext>
-            </a:extLst>
-          </a:blip>
-          <a:stretch>
-            <a:fillRect/>
-          </a:stretch>
-        </p:blipFill>
-        <p:spPr>
-          <a:xfrm>
-            <a:off x="12592589" y="8106038"/>
-            <a:ext cx="8210262" cy="8948902"/>
-          </a:xfrm>
-          <a:prstGeom prst="rect">
-            <a:avLst/>
-          </a:prstGeom>
-        </p:spPr>
-      </p:pic>
-      <p:pic>
-        <p:nvPicPr>
-          <p:cNvPr id="10" name="Picture 9" descr="A graph of different colored lines&#10;&#10;Description automatically generated">
-            <a:extLst>
-              <a:ext uri="{FF2B5EF4-FFF2-40B4-BE49-F238E27FC236}">
-                <a16:creationId xmlns:a16="http://schemas.microsoft.com/office/drawing/2014/main" id="{B09ADED6-2FF1-936B-6E53-CC1A719F0658}"/>
-              </a:ext>
-            </a:extLst>
-          </p:cNvPr>
-          <p:cNvPicPr>
-            <a:picLocks noChangeAspect="1"/>
-          </p:cNvPicPr>
-          <p:nvPr/>
-        </p:nvPicPr>
-        <p:blipFill>
-          <a:blip r:embed="rId8">
-            <a:extLst>
-              <a:ext uri="{28A0092B-C50C-407E-A947-70E740481C1C}">
-                <a14:useLocalDpi xmlns:a14="http://schemas.microsoft.com/office/drawing/2010/main" val="0"/>
-              </a:ext>
-            </a:extLst>
-          </a:blip>
-          <a:stretch>
-            <a:fillRect/>
-          </a:stretch>
-        </p:blipFill>
-        <p:spPr>
-          <a:xfrm>
-            <a:off x="23787587" y="16637852"/>
+            <a:off x="23787587" y="17758521"/>
             <a:ext cx="7153758" cy="5204680"/>
-          </a:xfrm>
-          <a:prstGeom prst="rect">
-            <a:avLst/>
-          </a:prstGeom>
-        </p:spPr>
-      </p:pic>
-      <p:pic>
-        <p:nvPicPr>
-          <p:cNvPr id="20" name="Picture 19" descr="A black background with a black square&#10;&#10;Description automatically generated with medium confidence">
-            <a:extLst>
-              <a:ext uri="{FF2B5EF4-FFF2-40B4-BE49-F238E27FC236}">
-                <a16:creationId xmlns:a16="http://schemas.microsoft.com/office/drawing/2014/main" id="{98E4C8B3-9BEE-3C0B-B7A8-68812B640FD7}"/>
-              </a:ext>
-            </a:extLst>
-          </p:cNvPr>
-          <p:cNvPicPr>
-            <a:picLocks noChangeAspect="1"/>
-          </p:cNvPicPr>
-          <p:nvPr/>
-        </p:nvPicPr>
-        <p:blipFill>
-          <a:blip r:embed="rId9">
-            <a:extLst>
-              <a:ext uri="{28A0092B-C50C-407E-A947-70E740481C1C}">
-                <a14:useLocalDpi xmlns:a14="http://schemas.microsoft.com/office/drawing/2010/main" val="0"/>
-              </a:ext>
-            </a:extLst>
-          </a:blip>
-          <a:stretch>
-            <a:fillRect/>
-          </a:stretch>
-        </p:blipFill>
-        <p:spPr>
-          <a:xfrm>
-            <a:off x="23033573" y="7535908"/>
-            <a:ext cx="8661791" cy="4250792"/>
           </a:xfrm>
           <a:prstGeom prst="rect">
             <a:avLst/>
@@ -4467,7 +4128,7 @@
             <p:nvPr/>
           </p:nvPicPr>
           <p:blipFill rotWithShape="1">
-            <a:blip r:embed="rId10" cstate="print">
+            <a:blip r:embed="rId6" cstate="print">
               <a:extLst>
                 <a:ext uri="{28A0092B-C50C-407E-A947-70E740481C1C}">
                   <a14:useLocalDpi xmlns:a14="http://schemas.microsoft.com/office/drawing/2010/main" val="0"/>
@@ -4550,6 +4211,186 @@
           </p:txBody>
         </p:sp>
       </p:grpSp>
+      <p:pic>
+        <p:nvPicPr>
+          <p:cNvPr id="56" name="Picture 55" descr="A screenshot of a computer&#10;&#10;Description automatically generated">
+            <a:extLst>
+              <a:ext uri="{FF2B5EF4-FFF2-40B4-BE49-F238E27FC236}">
+                <a16:creationId xmlns:a16="http://schemas.microsoft.com/office/drawing/2014/main" id="{E179A4C5-6FDF-D4A6-0393-C05AFAA37035}"/>
+              </a:ext>
+            </a:extLst>
+          </p:cNvPr>
+          <p:cNvPicPr>
+            <a:picLocks noChangeAspect="1"/>
+          </p:cNvPicPr>
+          <p:nvPr/>
+        </p:nvPicPr>
+        <p:blipFill>
+          <a:blip r:embed="rId7">
+            <a:extLst>
+              <a:ext uri="{28A0092B-C50C-407E-A947-70E740481C1C}">
+                <a14:useLocalDpi xmlns:a14="http://schemas.microsoft.com/office/drawing/2010/main" val="0"/>
+              </a:ext>
+            </a:extLst>
+          </a:blip>
+          <a:stretch>
+            <a:fillRect/>
+          </a:stretch>
+        </p:blipFill>
+        <p:spPr>
+          <a:xfrm>
+            <a:off x="1162438" y="18585866"/>
+            <a:ext cx="10058420" cy="9464059"/>
+          </a:xfrm>
+          <a:prstGeom prst="rect">
+            <a:avLst/>
+          </a:prstGeom>
+        </p:spPr>
+      </p:pic>
+      <p:pic>
+        <p:nvPicPr>
+          <p:cNvPr id="59" name="Picture 58" descr="A screenshot of a computer screen&#10;&#10;Description automatically generated">
+            <a:extLst>
+              <a:ext uri="{FF2B5EF4-FFF2-40B4-BE49-F238E27FC236}">
+                <a16:creationId xmlns:a16="http://schemas.microsoft.com/office/drawing/2014/main" id="{8A1D9FAE-AE96-6418-6766-9AE1554F7C98}"/>
+              </a:ext>
+            </a:extLst>
+          </p:cNvPr>
+          <p:cNvPicPr>
+            <a:picLocks noChangeAspect="1"/>
+          </p:cNvPicPr>
+          <p:nvPr/>
+        </p:nvPicPr>
+        <p:blipFill>
+          <a:blip r:embed="rId8">
+            <a:extLst>
+              <a:ext uri="{28A0092B-C50C-407E-A947-70E740481C1C}">
+                <a14:useLocalDpi xmlns:a14="http://schemas.microsoft.com/office/drawing/2010/main" val="0"/>
+              </a:ext>
+            </a:extLst>
+          </a:blip>
+          <a:stretch>
+            <a:fillRect/>
+          </a:stretch>
+        </p:blipFill>
+        <p:spPr>
+          <a:xfrm>
+            <a:off x="11859306" y="8211407"/>
+            <a:ext cx="9572432" cy="5332229"/>
+          </a:xfrm>
+          <a:prstGeom prst="rect">
+            <a:avLst/>
+          </a:prstGeom>
+        </p:spPr>
+      </p:pic>
+      <p:pic>
+        <p:nvPicPr>
+          <p:cNvPr id="61" name="Picture 60" descr="A graph with green and orange lines&#10;&#10;Description automatically generated">
+            <a:extLst>
+              <a:ext uri="{FF2B5EF4-FFF2-40B4-BE49-F238E27FC236}">
+                <a16:creationId xmlns:a16="http://schemas.microsoft.com/office/drawing/2014/main" id="{738EFD01-924B-523B-2300-6106968326B6}"/>
+              </a:ext>
+            </a:extLst>
+          </p:cNvPr>
+          <p:cNvPicPr>
+            <a:picLocks noChangeAspect="1"/>
+          </p:cNvPicPr>
+          <p:nvPr/>
+        </p:nvPicPr>
+        <p:blipFill>
+          <a:blip r:embed="rId9">
+            <a:extLst>
+              <a:ext uri="{28A0092B-C50C-407E-A947-70E740481C1C}">
+                <a14:useLocalDpi xmlns:a14="http://schemas.microsoft.com/office/drawing/2010/main" val="0"/>
+              </a:ext>
+            </a:extLst>
+          </a:blip>
+          <a:stretch>
+            <a:fillRect/>
+          </a:stretch>
+        </p:blipFill>
+        <p:spPr>
+          <a:xfrm>
+            <a:off x="13190222" y="14211811"/>
+            <a:ext cx="7014995" cy="5396150"/>
+          </a:xfrm>
+          <a:prstGeom prst="rect">
+            <a:avLst/>
+          </a:prstGeom>
+        </p:spPr>
+      </p:pic>
+      <p:pic>
+        <p:nvPicPr>
+          <p:cNvPr id="1027" name="Picture 1026" descr="A diagram of a cell&#10;&#10;Description automatically generated">
+            <a:extLst>
+              <a:ext uri="{FF2B5EF4-FFF2-40B4-BE49-F238E27FC236}">
+                <a16:creationId xmlns:a16="http://schemas.microsoft.com/office/drawing/2014/main" id="{63523AC6-CF49-7B93-F80A-8775BFE81B66}"/>
+              </a:ext>
+            </a:extLst>
+          </p:cNvPr>
+          <p:cNvPicPr>
+            <a:picLocks noChangeAspect="1"/>
+          </p:cNvPicPr>
+          <p:nvPr/>
+        </p:nvPicPr>
+        <p:blipFill>
+          <a:blip r:embed="rId10">
+            <a:extLst>
+              <a:ext uri="{28A0092B-C50C-407E-A947-70E740481C1C}">
+                <a14:useLocalDpi xmlns:a14="http://schemas.microsoft.com/office/drawing/2010/main" val="0"/>
+              </a:ext>
+            </a:extLst>
+          </a:blip>
+          <a:stretch>
+            <a:fillRect/>
+          </a:stretch>
+        </p:blipFill>
+        <p:spPr>
+          <a:xfrm>
+            <a:off x="23123498" y="7428058"/>
+            <a:ext cx="8385065" cy="8275336"/>
+          </a:xfrm>
+          <a:prstGeom prst="rect">
+            <a:avLst/>
+          </a:prstGeom>
+        </p:spPr>
+      </p:pic>
+      <p:pic>
+        <p:nvPicPr>
+          <p:cNvPr id="1031" name="Picture 1030" descr="A screenshot of a graph&#10;&#10;Description automatically generated">
+            <a:extLst>
+              <a:ext uri="{FF2B5EF4-FFF2-40B4-BE49-F238E27FC236}">
+                <a16:creationId xmlns:a16="http://schemas.microsoft.com/office/drawing/2014/main" id="{4FD6B326-FA25-7B49-2ACC-314F5DB996C3}"/>
+              </a:ext>
+            </a:extLst>
+          </p:cNvPr>
+          <p:cNvPicPr>
+            <a:picLocks noChangeAspect="1"/>
+          </p:cNvPicPr>
+          <p:nvPr/>
+        </p:nvPicPr>
+        <p:blipFill>
+          <a:blip r:embed="rId11">
+            <a:extLst>
+              <a:ext uri="{28A0092B-C50C-407E-A947-70E740481C1C}">
+                <a14:useLocalDpi xmlns:a14="http://schemas.microsoft.com/office/drawing/2010/main" val="0"/>
+              </a:ext>
+            </a:extLst>
+          </a:blip>
+          <a:stretch>
+            <a:fillRect/>
+          </a:stretch>
+        </p:blipFill>
+        <p:spPr>
+          <a:xfrm>
+            <a:off x="33563830" y="7874401"/>
+            <a:ext cx="8092456" cy="7882144"/>
+          </a:xfrm>
+          <a:prstGeom prst="rect">
+            <a:avLst/>
+          </a:prstGeom>
+        </p:spPr>
+      </p:pic>
     </p:spTree>
   </p:cSld>
   <p:clrMapOvr>
